--- a/Lab3/视觉化商业模式画布.pptx
+++ b/Lab3/视觉化商业模式画布.pptx
@@ -263,7 +263,7 @@
           <a:p>
             <a:fld id="{1D8BD707-D9CF-40AE-B4C6-C98DA3205C09}" type="datetimeFigureOut">
               <a:rPr lang="en-US"/>
-              <a:t>12/3/2022</a:t>
+              <a:t>12/7/2022</a:t>
             </a:fld>
             <a:endParaRPr lang="en-US"/>
           </a:p>
@@ -428,7 +428,7 @@
           <a:p>
             <a:fld id="{1D8BD707-D9CF-40AE-B4C6-C98DA3205C09}" type="datetimeFigureOut">
               <a:rPr lang="en-US"/>
-              <a:t>12/3/2022</a:t>
+              <a:t>12/7/2022</a:t>
             </a:fld>
             <a:endParaRPr lang="en-US"/>
           </a:p>
@@ -636,7 +636,7 @@
           <a:p>
             <a:fld id="{1D8BD707-D9CF-40AE-B4C6-C98DA3205C09}" type="datetimeFigureOut">
               <a:rPr lang="en-US"/>
-              <a:t>12/3/2022</a:t>
+              <a:t>12/7/2022</a:t>
             </a:fld>
             <a:endParaRPr lang="en-US"/>
           </a:p>
@@ -778,7 +778,7 @@
           <a:p>
             <a:fld id="{1D8BD707-D9CF-40AE-B4C6-C98DA3205C09}" type="datetimeFigureOut">
               <a:rPr lang="en-US"/>
-              <a:t>12/3/2022</a:t>
+              <a:t>12/7/2022</a:t>
             </a:fld>
             <a:endParaRPr lang="en-US"/>
           </a:p>
@@ -897,7 +897,7 @@
           <a:p>
             <a:fld id="{1D8BD707-D9CF-40AE-B4C6-C98DA3205C09}" type="datetimeFigureOut">
               <a:rPr lang="en-US"/>
-              <a:t>12/3/2022</a:t>
+              <a:t>12/7/2022</a:t>
             </a:fld>
             <a:endParaRPr lang="en-US"/>
           </a:p>
@@ -1630,7 +1630,7 @@
           <a:p>
             <a:fld id="{1D8BD707-D9CF-40AE-B4C6-C98DA3205C09}" type="datetimeFigureOut">
               <a:rPr lang="en-US"/>
-              <a:t>12/3/2022</a:t>
+              <a:t>12/7/2022</a:t>
             </a:fld>
             <a:endParaRPr lang="en-US"/>
           </a:p>
@@ -7261,8 +7261,8 @@
         </p:blipFill>
         <p:spPr>
           <a:xfrm>
-            <a:off x="12265368" y="1664249"/>
-            <a:ext cx="1629445" cy="1629445"/>
+            <a:off x="12880034" y="1936773"/>
+            <a:ext cx="1355406" cy="1355406"/>
           </a:xfrm>
           <a:prstGeom prst="rect">
             <a:avLst/>
@@ -7300,8 +7300,8 @@
         </p:blipFill>
         <p:spPr>
           <a:xfrm>
-            <a:off x="12453111" y="3641226"/>
-            <a:ext cx="1385993" cy="1385993"/>
+            <a:off x="12031571" y="3396381"/>
+            <a:ext cx="1123571" cy="1123571"/>
           </a:xfrm>
           <a:prstGeom prst="rect">
             <a:avLst/>
@@ -7339,8 +7339,8 @@
         </p:blipFill>
         <p:spPr>
           <a:xfrm>
-            <a:off x="12528250" y="5374751"/>
-            <a:ext cx="1407445" cy="1407445"/>
+            <a:off x="13105500" y="4323580"/>
+            <a:ext cx="1209677" cy="1209677"/>
           </a:xfrm>
           <a:prstGeom prst="rect">
             <a:avLst/>
@@ -7614,6 +7614,45 @@
           <a:xfrm>
             <a:off x="3490417" y="3121771"/>
             <a:ext cx="991800" cy="991800"/>
+          </a:xfrm>
+          <a:prstGeom prst="rect">
+            <a:avLst/>
+          </a:prstGeom>
+        </p:spPr>
+      </p:pic>
+      <p:pic>
+        <p:nvPicPr>
+          <p:cNvPr id="47" name="图形 46">
+            <a:extLst>
+              <a:ext uri="{FF2B5EF4-FFF2-40B4-BE49-F238E27FC236}">
+                <a16:creationId xmlns:a16="http://schemas.microsoft.com/office/drawing/2014/main" id="{F07FB5E9-4DDE-B442-9478-A5C8F0750E83}"/>
+              </a:ext>
+            </a:extLst>
+          </p:cNvPr>
+          <p:cNvPicPr>
+            <a:picLocks noChangeAspect="1"/>
+          </p:cNvPicPr>
+          <p:nvPr/>
+        </p:nvPicPr>
+        <p:blipFill>
+          <a:blip r:embed="rId84">
+            <a:extLst>
+              <a:ext uri="{28A0092B-C50C-407E-A947-70E740481C1C}">
+                <a14:useLocalDpi xmlns:a14="http://schemas.microsoft.com/office/drawing/2010/main" val="0"/>
+              </a:ext>
+              <a:ext uri="{96DAC541-7B7A-43D3-8B79-37D633B846F1}">
+                <asvg:svgBlip xmlns:asvg="http://schemas.microsoft.com/office/drawing/2016/SVG/main" r:embed="rId85"/>
+              </a:ext>
+            </a:extLst>
+          </a:blip>
+          <a:stretch>
+            <a:fillRect/>
+          </a:stretch>
+        </p:blipFill>
+        <p:spPr>
+          <a:xfrm>
+            <a:off x="11772443" y="5456152"/>
+            <a:ext cx="1641826" cy="1641826"/>
           </a:xfrm>
           <a:prstGeom prst="rect">
             <a:avLst/>

--- a/Lab3/视觉化商业模式画布.pptx
+++ b/Lab3/视觉化商业模式画布.pptx
@@ -4,9 +4,13 @@
   <p:sldMasterIdLst>
     <p:sldMasterId id="2147483648" r:id="rId1"/>
   </p:sldMasterIdLst>
+  <p:notesMasterIdLst>
+    <p:notesMasterId r:id="rId5"/>
+  </p:notesMasterIdLst>
   <p:sldIdLst>
     <p:sldId id="256" r:id="rId2"/>
-    <p:sldId id="263" r:id="rId3"/>
+    <p:sldId id="258" r:id="rId3"/>
+    <p:sldId id="257" r:id="rId4"/>
   </p:sldIdLst>
   <p:sldSz cx="15125700" cy="10693400"/>
   <p:notesSz cx="15125700" cy="10693400"/>
@@ -124,6 +128,630 @@
 </p:presentation>
 </file>
 
+<file path=ppt/notesMasters/notesMaster1.xml><?xml version="1.0" encoding="utf-8"?>
+<p:notesMaster xmlns:a="http://schemas.openxmlformats.org/drawingml/2006/main" xmlns:r="http://schemas.openxmlformats.org/officeDocument/2006/relationships" xmlns:p="http://schemas.openxmlformats.org/presentationml/2006/main">
+  <p:cSld>
+    <p:bg>
+      <p:bgRef idx="1001">
+        <a:schemeClr val="bg1"/>
+      </p:bgRef>
+    </p:bg>
+    <p:spTree>
+      <p:nvGrpSpPr>
+        <p:cNvPr id="1" name=""/>
+        <p:cNvGrpSpPr/>
+        <p:nvPr/>
+      </p:nvGrpSpPr>
+      <p:grpSpPr>
+        <a:xfrm>
+          <a:off x="0" y="0"/>
+          <a:ext cx="0" cy="0"/>
+          <a:chOff x="0" y="0"/>
+          <a:chExt cx="0" cy="0"/>
+        </a:xfrm>
+      </p:grpSpPr>
+      <p:sp>
+        <p:nvSpPr>
+          <p:cNvPr id="2" name="页眉占位符 1"/>
+          <p:cNvSpPr>
+            <a:spLocks noGrp="1"/>
+          </p:cNvSpPr>
+          <p:nvPr>
+            <p:ph type="hdr" sz="quarter"/>
+          </p:nvPr>
+        </p:nvSpPr>
+        <p:spPr>
+          <a:xfrm>
+            <a:off x="0" y="0"/>
+            <a:ext cx="6554788" cy="536575"/>
+          </a:xfrm>
+          <a:prstGeom prst="rect">
+            <a:avLst/>
+          </a:prstGeom>
+        </p:spPr>
+        <p:txBody>
+          <a:bodyPr vert="horz" lIns="91440" tIns="45720" rIns="91440" bIns="45720" rtlCol="0"/>
+          <a:lstStyle>
+            <a:lvl1pPr algn="l">
+              <a:defRPr sz="1200"/>
+            </a:lvl1pPr>
+          </a:lstStyle>
+          <a:p>
+            <a:endParaRPr lang="zh-CN" altLang="en-US"/>
+          </a:p>
+        </p:txBody>
+      </p:sp>
+      <p:sp>
+        <p:nvSpPr>
+          <p:cNvPr id="3" name="日期占位符 2"/>
+          <p:cNvSpPr>
+            <a:spLocks noGrp="1"/>
+          </p:cNvSpPr>
+          <p:nvPr>
+            <p:ph type="dt" idx="1"/>
+          </p:nvPr>
+        </p:nvSpPr>
+        <p:spPr>
+          <a:xfrm>
+            <a:off x="8567738" y="0"/>
+            <a:ext cx="6554787" cy="536575"/>
+          </a:xfrm>
+          <a:prstGeom prst="rect">
+            <a:avLst/>
+          </a:prstGeom>
+        </p:spPr>
+        <p:txBody>
+          <a:bodyPr vert="horz" lIns="91440" tIns="45720" rIns="91440" bIns="45720" rtlCol="0"/>
+          <a:lstStyle>
+            <a:lvl1pPr algn="r">
+              <a:defRPr sz="1200"/>
+            </a:lvl1pPr>
+          </a:lstStyle>
+          <a:p>
+            <a:fld id="{096FEFEA-28FA-4A28-A221-459B8F68BF39}" type="datetimeFigureOut">
+              <a:rPr lang="zh-CN" altLang="en-US" smtClean="0"/>
+              <a:t>22/12/10</a:t>
+            </a:fld>
+            <a:endParaRPr lang="zh-CN" altLang="en-US"/>
+          </a:p>
+        </p:txBody>
+      </p:sp>
+      <p:sp>
+        <p:nvSpPr>
+          <p:cNvPr id="4" name="幻灯片图像占位符 3"/>
+          <p:cNvSpPr>
+            <a:spLocks noGrp="1" noRot="1" noChangeAspect="1"/>
+          </p:cNvSpPr>
+          <p:nvPr>
+            <p:ph type="sldImg" idx="2"/>
+          </p:nvPr>
+        </p:nvSpPr>
+        <p:spPr>
+          <a:xfrm>
+            <a:off x="5010150" y="1336675"/>
+            <a:ext cx="5105400" cy="3608388"/>
+          </a:xfrm>
+          <a:prstGeom prst="rect">
+            <a:avLst/>
+          </a:prstGeom>
+          <a:noFill/>
+          <a:ln w="12700">
+            <a:solidFill>
+              <a:prstClr val="black"/>
+            </a:solidFill>
+          </a:ln>
+        </p:spPr>
+        <p:txBody>
+          <a:bodyPr vert="horz" lIns="91440" tIns="45720" rIns="91440" bIns="45720" rtlCol="0" anchor="ctr"/>
+          <a:lstStyle/>
+          <a:p>
+            <a:endParaRPr lang="zh-CN" altLang="en-US"/>
+          </a:p>
+        </p:txBody>
+      </p:sp>
+      <p:sp>
+        <p:nvSpPr>
+          <p:cNvPr id="5" name="备注占位符 4"/>
+          <p:cNvSpPr>
+            <a:spLocks noGrp="1"/>
+          </p:cNvSpPr>
+          <p:nvPr>
+            <p:ph type="body" sz="quarter" idx="3"/>
+          </p:nvPr>
+        </p:nvSpPr>
+        <p:spPr>
+          <a:xfrm>
+            <a:off x="1512888" y="5146675"/>
+            <a:ext cx="12099925" cy="4210050"/>
+          </a:xfrm>
+          <a:prstGeom prst="rect">
+            <a:avLst/>
+          </a:prstGeom>
+        </p:spPr>
+        <p:txBody>
+          <a:bodyPr vert="horz" lIns="91440" tIns="45720" rIns="91440" bIns="45720" rtlCol="0"/>
+          <a:lstStyle/>
+          <a:p>
+            <a:pPr lvl="0"/>
+            <a:r>
+              <a:rPr lang="zh-CN" altLang="en-US"/>
+              <a:t>单击此处编辑母版文本样式</a:t>
+            </a:r>
+          </a:p>
+          <a:p>
+            <a:pPr lvl="1"/>
+            <a:r>
+              <a:rPr lang="zh-CN" altLang="en-US"/>
+              <a:t>二级</a:t>
+            </a:r>
+          </a:p>
+          <a:p>
+            <a:pPr lvl="2"/>
+            <a:r>
+              <a:rPr lang="zh-CN" altLang="en-US"/>
+              <a:t>三级</a:t>
+            </a:r>
+          </a:p>
+          <a:p>
+            <a:pPr lvl="3"/>
+            <a:r>
+              <a:rPr lang="zh-CN" altLang="en-US"/>
+              <a:t>四级</a:t>
+            </a:r>
+          </a:p>
+          <a:p>
+            <a:pPr lvl="4"/>
+            <a:r>
+              <a:rPr lang="zh-CN" altLang="en-US"/>
+              <a:t>五级</a:t>
+            </a:r>
+          </a:p>
+        </p:txBody>
+      </p:sp>
+      <p:sp>
+        <p:nvSpPr>
+          <p:cNvPr id="6" name="页脚占位符 5"/>
+          <p:cNvSpPr>
+            <a:spLocks noGrp="1"/>
+          </p:cNvSpPr>
+          <p:nvPr>
+            <p:ph type="ftr" sz="quarter" idx="4"/>
+          </p:nvPr>
+        </p:nvSpPr>
+        <p:spPr>
+          <a:xfrm>
+            <a:off x="0" y="10156825"/>
+            <a:ext cx="6554788" cy="536575"/>
+          </a:xfrm>
+          <a:prstGeom prst="rect">
+            <a:avLst/>
+          </a:prstGeom>
+        </p:spPr>
+        <p:txBody>
+          <a:bodyPr vert="horz" lIns="91440" tIns="45720" rIns="91440" bIns="45720" rtlCol="0" anchor="b"/>
+          <a:lstStyle>
+            <a:lvl1pPr algn="l">
+              <a:defRPr sz="1200"/>
+            </a:lvl1pPr>
+          </a:lstStyle>
+          <a:p>
+            <a:endParaRPr lang="zh-CN" altLang="en-US"/>
+          </a:p>
+        </p:txBody>
+      </p:sp>
+      <p:sp>
+        <p:nvSpPr>
+          <p:cNvPr id="7" name="灯片编号占位符 6"/>
+          <p:cNvSpPr>
+            <a:spLocks noGrp="1"/>
+          </p:cNvSpPr>
+          <p:nvPr>
+            <p:ph type="sldNum" sz="quarter" idx="5"/>
+          </p:nvPr>
+        </p:nvSpPr>
+        <p:spPr>
+          <a:xfrm>
+            <a:off x="8567738" y="10156825"/>
+            <a:ext cx="6554787" cy="536575"/>
+          </a:xfrm>
+          <a:prstGeom prst="rect">
+            <a:avLst/>
+          </a:prstGeom>
+        </p:spPr>
+        <p:txBody>
+          <a:bodyPr vert="horz" lIns="91440" tIns="45720" rIns="91440" bIns="45720" rtlCol="0" anchor="b"/>
+          <a:lstStyle>
+            <a:lvl1pPr algn="r">
+              <a:defRPr sz="1200"/>
+            </a:lvl1pPr>
+          </a:lstStyle>
+          <a:p>
+            <a:fld id="{297DFFE7-7814-42A3-B248-976011B9578B}" type="slidenum">
+              <a:rPr lang="zh-CN" altLang="en-US" smtClean="0"/>
+              <a:t>‹#›</a:t>
+            </a:fld>
+            <a:endParaRPr lang="zh-CN" altLang="en-US"/>
+          </a:p>
+        </p:txBody>
+      </p:sp>
+    </p:spTree>
+    <p:extLst>
+      <p:ext uri="{BB962C8B-B14F-4D97-AF65-F5344CB8AC3E}">
+        <p14:creationId xmlns:p14="http://schemas.microsoft.com/office/powerpoint/2010/main" val="4062779131"/>
+      </p:ext>
+    </p:extLst>
+  </p:cSld>
+  <p:clrMap bg1="lt1" tx1="dk1" bg2="lt2" tx2="dk2" accent1="accent1" accent2="accent2" accent3="accent3" accent4="accent4" accent5="accent5" accent6="accent6" hlink="hlink" folHlink="folHlink"/>
+  <p:notesStyle>
+    <a:lvl1pPr marL="0" algn="l" defTabSz="914400" rtl="0" eaLnBrk="1" latinLnBrk="0" hangingPunct="1">
+      <a:defRPr sz="1200" kern="1200">
+        <a:solidFill>
+          <a:schemeClr val="tx1"/>
+        </a:solidFill>
+        <a:latin typeface="+mn-lt"/>
+        <a:ea typeface="+mn-ea"/>
+        <a:cs typeface="+mn-cs"/>
+      </a:defRPr>
+    </a:lvl1pPr>
+    <a:lvl2pPr marL="457200" algn="l" defTabSz="914400" rtl="0" eaLnBrk="1" latinLnBrk="0" hangingPunct="1">
+      <a:defRPr sz="1200" kern="1200">
+        <a:solidFill>
+          <a:schemeClr val="tx1"/>
+        </a:solidFill>
+        <a:latin typeface="+mn-lt"/>
+        <a:ea typeface="+mn-ea"/>
+        <a:cs typeface="+mn-cs"/>
+      </a:defRPr>
+    </a:lvl2pPr>
+    <a:lvl3pPr marL="914400" algn="l" defTabSz="914400" rtl="0" eaLnBrk="1" latinLnBrk="0" hangingPunct="1">
+      <a:defRPr sz="1200" kern="1200">
+        <a:solidFill>
+          <a:schemeClr val="tx1"/>
+        </a:solidFill>
+        <a:latin typeface="+mn-lt"/>
+        <a:ea typeface="+mn-ea"/>
+        <a:cs typeface="+mn-cs"/>
+      </a:defRPr>
+    </a:lvl3pPr>
+    <a:lvl4pPr marL="1371600" algn="l" defTabSz="914400" rtl="0" eaLnBrk="1" latinLnBrk="0" hangingPunct="1">
+      <a:defRPr sz="1200" kern="1200">
+        <a:solidFill>
+          <a:schemeClr val="tx1"/>
+        </a:solidFill>
+        <a:latin typeface="+mn-lt"/>
+        <a:ea typeface="+mn-ea"/>
+        <a:cs typeface="+mn-cs"/>
+      </a:defRPr>
+    </a:lvl4pPr>
+    <a:lvl5pPr marL="1828800" algn="l" defTabSz="914400" rtl="0" eaLnBrk="1" latinLnBrk="0" hangingPunct="1">
+      <a:defRPr sz="1200" kern="1200">
+        <a:solidFill>
+          <a:schemeClr val="tx1"/>
+        </a:solidFill>
+        <a:latin typeface="+mn-lt"/>
+        <a:ea typeface="+mn-ea"/>
+        <a:cs typeface="+mn-cs"/>
+      </a:defRPr>
+    </a:lvl5pPr>
+    <a:lvl6pPr marL="2286000" algn="l" defTabSz="914400" rtl="0" eaLnBrk="1" latinLnBrk="0" hangingPunct="1">
+      <a:defRPr sz="1200" kern="1200">
+        <a:solidFill>
+          <a:schemeClr val="tx1"/>
+        </a:solidFill>
+        <a:latin typeface="+mn-lt"/>
+        <a:ea typeface="+mn-ea"/>
+        <a:cs typeface="+mn-cs"/>
+      </a:defRPr>
+    </a:lvl6pPr>
+    <a:lvl7pPr marL="2743200" algn="l" defTabSz="914400" rtl="0" eaLnBrk="1" latinLnBrk="0" hangingPunct="1">
+      <a:defRPr sz="1200" kern="1200">
+        <a:solidFill>
+          <a:schemeClr val="tx1"/>
+        </a:solidFill>
+        <a:latin typeface="+mn-lt"/>
+        <a:ea typeface="+mn-ea"/>
+        <a:cs typeface="+mn-cs"/>
+      </a:defRPr>
+    </a:lvl7pPr>
+    <a:lvl8pPr marL="3200400" algn="l" defTabSz="914400" rtl="0" eaLnBrk="1" latinLnBrk="0" hangingPunct="1">
+      <a:defRPr sz="1200" kern="1200">
+        <a:solidFill>
+          <a:schemeClr val="tx1"/>
+        </a:solidFill>
+        <a:latin typeface="+mn-lt"/>
+        <a:ea typeface="+mn-ea"/>
+        <a:cs typeface="+mn-cs"/>
+      </a:defRPr>
+    </a:lvl8pPr>
+    <a:lvl9pPr marL="3657600" algn="l" defTabSz="914400" rtl="0" eaLnBrk="1" latinLnBrk="0" hangingPunct="1">
+      <a:defRPr sz="1200" kern="1200">
+        <a:solidFill>
+          <a:schemeClr val="tx1"/>
+        </a:solidFill>
+        <a:latin typeface="+mn-lt"/>
+        <a:ea typeface="+mn-ea"/>
+        <a:cs typeface="+mn-cs"/>
+      </a:defRPr>
+    </a:lvl9pPr>
+  </p:notesStyle>
+</p:notesMaster>
+</file>
+
+<file path=ppt/notesSlides/notesSlide1.xml><?xml version="1.0" encoding="utf-8"?>
+<p:notes xmlns:a="http://schemas.openxmlformats.org/drawingml/2006/main" xmlns:r="http://schemas.openxmlformats.org/officeDocument/2006/relationships" xmlns:p="http://schemas.openxmlformats.org/presentationml/2006/main">
+  <p:cSld>
+    <p:spTree>
+      <p:nvGrpSpPr>
+        <p:cNvPr id="1" name=""/>
+        <p:cNvGrpSpPr/>
+        <p:nvPr/>
+      </p:nvGrpSpPr>
+      <p:grpSpPr>
+        <a:xfrm>
+          <a:off x="0" y="0"/>
+          <a:ext cx="0" cy="0"/>
+          <a:chOff x="0" y="0"/>
+          <a:chExt cx="0" cy="0"/>
+        </a:xfrm>
+      </p:grpSpPr>
+      <p:sp>
+        <p:nvSpPr>
+          <p:cNvPr id="2" name="幻灯片图像占位符 1"/>
+          <p:cNvSpPr>
+            <a:spLocks noGrp="1" noRot="1" noChangeAspect="1"/>
+          </p:cNvSpPr>
+          <p:nvPr>
+            <p:ph type="sldImg"/>
+          </p:nvPr>
+        </p:nvSpPr>
+        <p:spPr/>
+      </p:sp>
+      <p:sp>
+        <p:nvSpPr>
+          <p:cNvPr id="3" name="备注占位符 2"/>
+          <p:cNvSpPr>
+            <a:spLocks noGrp="1"/>
+          </p:cNvSpPr>
+          <p:nvPr>
+            <p:ph type="body" idx="1"/>
+          </p:nvPr>
+        </p:nvSpPr>
+        <p:spPr/>
+        <p:txBody>
+          <a:bodyPr/>
+          <a:lstStyle/>
+          <a:p>
+            <a:endParaRPr lang="zh-CN" altLang="en-US" dirty="0"/>
+          </a:p>
+        </p:txBody>
+      </p:sp>
+      <p:sp>
+        <p:nvSpPr>
+          <p:cNvPr id="4" name="灯片编号占位符 3"/>
+          <p:cNvSpPr>
+            <a:spLocks noGrp="1"/>
+          </p:cNvSpPr>
+          <p:nvPr>
+            <p:ph type="sldNum" sz="quarter" idx="5"/>
+          </p:nvPr>
+        </p:nvSpPr>
+        <p:spPr/>
+        <p:txBody>
+          <a:bodyPr/>
+          <a:lstStyle/>
+          <a:p>
+            <a:fld id="{297DFFE7-7814-42A3-B248-976011B9578B}" type="slidenum">
+              <a:rPr lang="zh-CN" altLang="en-US" smtClean="0"/>
+              <a:t>1</a:t>
+            </a:fld>
+            <a:endParaRPr lang="zh-CN" altLang="en-US"/>
+          </a:p>
+        </p:txBody>
+      </p:sp>
+    </p:spTree>
+    <p:extLst>
+      <p:ext uri="{BB962C8B-B14F-4D97-AF65-F5344CB8AC3E}">
+        <p14:creationId xmlns:p14="http://schemas.microsoft.com/office/powerpoint/2010/main" val="2384224237"/>
+      </p:ext>
+    </p:extLst>
+  </p:cSld>
+  <p:clrMapOvr>
+    <a:masterClrMapping/>
+  </p:clrMapOvr>
+</p:notes>
+</file>
+
+<file path=ppt/notesSlides/notesSlide2.xml><?xml version="1.0" encoding="utf-8"?>
+<p:notes xmlns:a="http://schemas.openxmlformats.org/drawingml/2006/main" xmlns:r="http://schemas.openxmlformats.org/officeDocument/2006/relationships" xmlns:p="http://schemas.openxmlformats.org/presentationml/2006/main">
+  <p:cSld>
+    <p:spTree>
+      <p:nvGrpSpPr>
+        <p:cNvPr id="1" name=""/>
+        <p:cNvGrpSpPr/>
+        <p:nvPr/>
+      </p:nvGrpSpPr>
+      <p:grpSpPr>
+        <a:xfrm>
+          <a:off x="0" y="0"/>
+          <a:ext cx="0" cy="0"/>
+          <a:chOff x="0" y="0"/>
+          <a:chExt cx="0" cy="0"/>
+        </a:xfrm>
+      </p:grpSpPr>
+      <p:sp>
+        <p:nvSpPr>
+          <p:cNvPr id="2" name="幻灯片图像占位符 1"/>
+          <p:cNvSpPr>
+            <a:spLocks noGrp="1" noRot="1" noChangeAspect="1"/>
+          </p:cNvSpPr>
+          <p:nvPr>
+            <p:ph type="sldImg"/>
+          </p:nvPr>
+        </p:nvSpPr>
+        <p:spPr/>
+      </p:sp>
+      <p:sp>
+        <p:nvSpPr>
+          <p:cNvPr id="3" name="备注占位符 2"/>
+          <p:cNvSpPr>
+            <a:spLocks noGrp="1"/>
+          </p:cNvSpPr>
+          <p:nvPr>
+            <p:ph type="body" idx="1"/>
+          </p:nvPr>
+        </p:nvSpPr>
+        <p:spPr/>
+        <p:txBody>
+          <a:bodyPr/>
+          <a:lstStyle/>
+          <a:p>
+            <a:endParaRPr lang="zh-CN" altLang="en-US" dirty="0"/>
+          </a:p>
+        </p:txBody>
+      </p:sp>
+      <p:sp>
+        <p:nvSpPr>
+          <p:cNvPr id="4" name="灯片编号占位符 3"/>
+          <p:cNvSpPr>
+            <a:spLocks noGrp="1"/>
+          </p:cNvSpPr>
+          <p:nvPr>
+            <p:ph type="sldNum" sz="quarter" idx="5"/>
+          </p:nvPr>
+        </p:nvSpPr>
+        <p:spPr/>
+        <p:txBody>
+          <a:bodyPr/>
+          <a:lstStyle/>
+          <a:p>
+            <a:fld id="{297DFFE7-7814-42A3-B248-976011B9578B}" type="slidenum">
+              <a:rPr lang="zh-CN" altLang="en-US" smtClean="0"/>
+              <a:t>2</a:t>
+            </a:fld>
+            <a:endParaRPr lang="zh-CN" altLang="en-US"/>
+          </a:p>
+        </p:txBody>
+      </p:sp>
+    </p:spTree>
+    <p:extLst>
+      <p:ext uri="{BB962C8B-B14F-4D97-AF65-F5344CB8AC3E}">
+        <p14:creationId xmlns:p14="http://schemas.microsoft.com/office/powerpoint/2010/main" val="1400260700"/>
+      </p:ext>
+    </p:extLst>
+  </p:cSld>
+  <p:clrMapOvr>
+    <a:masterClrMapping/>
+  </p:clrMapOvr>
+</p:notes>
+</file>
+
+<file path=ppt/notesSlides/notesSlide3.xml><?xml version="1.0" encoding="utf-8"?>
+<p:notes xmlns:a="http://schemas.openxmlformats.org/drawingml/2006/main" xmlns:r="http://schemas.openxmlformats.org/officeDocument/2006/relationships" xmlns:p="http://schemas.openxmlformats.org/presentationml/2006/main">
+  <p:cSld>
+    <p:spTree>
+      <p:nvGrpSpPr>
+        <p:cNvPr id="1" name=""/>
+        <p:cNvGrpSpPr/>
+        <p:nvPr/>
+      </p:nvGrpSpPr>
+      <p:grpSpPr>
+        <a:xfrm>
+          <a:off x="0" y="0"/>
+          <a:ext cx="0" cy="0"/>
+          <a:chOff x="0" y="0"/>
+          <a:chExt cx="0" cy="0"/>
+        </a:xfrm>
+      </p:grpSpPr>
+      <p:sp>
+        <p:nvSpPr>
+          <p:cNvPr id="2" name="幻灯片图像占位符 1"/>
+          <p:cNvSpPr>
+            <a:spLocks noGrp="1" noRot="1" noChangeAspect="1"/>
+          </p:cNvSpPr>
+          <p:nvPr>
+            <p:ph type="sldImg"/>
+          </p:nvPr>
+        </p:nvSpPr>
+        <p:spPr/>
+      </p:sp>
+      <p:sp>
+        <p:nvSpPr>
+          <p:cNvPr id="3" name="备注占位符 2"/>
+          <p:cNvSpPr>
+            <a:spLocks noGrp="1"/>
+          </p:cNvSpPr>
+          <p:nvPr>
+            <p:ph type="body" idx="1"/>
+          </p:nvPr>
+        </p:nvSpPr>
+        <p:spPr/>
+        <p:txBody>
+          <a:bodyPr/>
+          <a:lstStyle/>
+          <a:p>
+            <a:r>
+              <a:rPr lang="en-US" altLang="zh-CN" dirty="0"/>
+              <a:t>Eagle Bear </a:t>
+            </a:r>
+            <a:r>
+              <a:rPr lang="zh-CN" altLang="en-US" dirty="0"/>
+              <a:t>是南京大学软件学院的本科生和 </a:t>
+            </a:r>
+            <a:r>
+              <a:rPr lang="en-US" altLang="zh-CN" dirty="0"/>
+              <a:t>Get-It </a:t>
+            </a:r>
+            <a:r>
+              <a:rPr lang="zh-CN" altLang="en-US" dirty="0"/>
+              <a:t>平台的创始人之一。在匡老师的精心指导下，</a:t>
+            </a:r>
+            <a:r>
+              <a:rPr lang="en-US" altLang="zh-CN" dirty="0"/>
+              <a:t>Eagle </a:t>
+            </a:r>
+            <a:r>
+              <a:rPr lang="zh-CN" altLang="en-US" dirty="0"/>
+              <a:t>抱着三个队友的大腿顺利完成了平台的初期开发运维工作。</a:t>
+            </a:r>
+          </a:p>
+        </p:txBody>
+      </p:sp>
+      <p:sp>
+        <p:nvSpPr>
+          <p:cNvPr id="4" name="灯片编号占位符 3"/>
+          <p:cNvSpPr>
+            <a:spLocks noGrp="1"/>
+          </p:cNvSpPr>
+          <p:nvPr>
+            <p:ph type="sldNum" sz="quarter" idx="5"/>
+          </p:nvPr>
+        </p:nvSpPr>
+        <p:spPr/>
+        <p:txBody>
+          <a:bodyPr/>
+          <a:lstStyle/>
+          <a:p>
+            <a:fld id="{297DFFE7-7814-42A3-B248-976011B9578B}" type="slidenum">
+              <a:rPr lang="zh-CN" altLang="en-US" smtClean="0"/>
+              <a:t>3</a:t>
+            </a:fld>
+            <a:endParaRPr lang="zh-CN" altLang="en-US"/>
+          </a:p>
+        </p:txBody>
+      </p:sp>
+    </p:spTree>
+    <p:extLst>
+      <p:ext uri="{BB962C8B-B14F-4D97-AF65-F5344CB8AC3E}">
+        <p14:creationId xmlns:p14="http://schemas.microsoft.com/office/powerpoint/2010/main" val="1974827295"/>
+      </p:ext>
+    </p:extLst>
+  </p:cSld>
+  <p:clrMapOvr>
+    <a:masterClrMapping/>
+  </p:clrMapOvr>
+</p:notes>
+</file>
+
 <file path=ppt/slideLayouts/slideLayout1.xml><?xml version="1.0" encoding="utf-8"?>
 <p:sldLayout xmlns:a="http://schemas.openxmlformats.org/drawingml/2006/main" xmlns:r="http://schemas.openxmlformats.org/officeDocument/2006/relationships" xmlns:p="http://schemas.openxmlformats.org/presentationml/2006/main" type="obj" preserve="1">
   <p:cSld name="Title Slide">
@@ -263,7 +891,7 @@
           <a:p>
             <a:fld id="{1D8BD707-D9CF-40AE-B4C6-C98DA3205C09}" type="datetimeFigureOut">
               <a:rPr lang="en-US"/>
-              <a:t>12/7/2022</a:t>
+              <a:t>12/10/2022</a:t>
             </a:fld>
             <a:endParaRPr lang="en-US"/>
           </a:p>
@@ -428,7 +1056,7 @@
           <a:p>
             <a:fld id="{1D8BD707-D9CF-40AE-B4C6-C98DA3205C09}" type="datetimeFigureOut">
               <a:rPr lang="en-US"/>
-              <a:t>12/7/2022</a:t>
+              <a:t>12/10/2022</a:t>
             </a:fld>
             <a:endParaRPr lang="en-US"/>
           </a:p>
@@ -636,7 +1264,7 @@
           <a:p>
             <a:fld id="{1D8BD707-D9CF-40AE-B4C6-C98DA3205C09}" type="datetimeFigureOut">
               <a:rPr lang="en-US"/>
-              <a:t>12/7/2022</a:t>
+              <a:t>12/10/2022</a:t>
             </a:fld>
             <a:endParaRPr lang="en-US"/>
           </a:p>
@@ -778,7 +1406,7 @@
           <a:p>
             <a:fld id="{1D8BD707-D9CF-40AE-B4C6-C98DA3205C09}" type="datetimeFigureOut">
               <a:rPr lang="en-US"/>
-              <a:t>12/7/2022</a:t>
+              <a:t>12/10/2022</a:t>
             </a:fld>
             <a:endParaRPr lang="en-US"/>
           </a:p>
@@ -897,7 +1525,7 @@
           <a:p>
             <a:fld id="{1D8BD707-D9CF-40AE-B4C6-C98DA3205C09}" type="datetimeFigureOut">
               <a:rPr lang="en-US"/>
-              <a:t>12/7/2022</a:t>
+              <a:t>12/10/2022</a:t>
             </a:fld>
             <a:endParaRPr lang="en-US"/>
           </a:p>
@@ -1630,7 +2258,7 @@
           <a:p>
             <a:fld id="{1D8BD707-D9CF-40AE-B4C6-C98DA3205C09}" type="datetimeFigureOut">
               <a:rPr lang="en-US"/>
-              <a:t>12/7/2022</a:t>
+              <a:t>12/10/2022</a:t>
             </a:fld>
             <a:endParaRPr lang="en-US"/>
           </a:p>
@@ -1879,44 +2507,24 @@
               </a:spcBef>
             </a:pPr>
             <a:r>
-              <a:rPr sz="2800" b="1" spc="5" dirty="0">
-                <a:solidFill>
-                  <a:srgbClr val="231F20"/>
-                </a:solidFill>
-                <a:latin typeface="Tahoma"/>
-                <a:cs typeface="Tahoma"/>
-              </a:rPr>
-              <a:t>The </a:t>
-            </a:r>
-            <a:r>
-              <a:rPr sz="2800" b="1" spc="25" dirty="0">
-                <a:solidFill>
-                  <a:srgbClr val="231F20"/>
-                </a:solidFill>
-                <a:latin typeface="Tahoma"/>
-                <a:cs typeface="Tahoma"/>
-              </a:rPr>
-              <a:t>Business Model</a:t>
-            </a:r>
-            <a:r>
-              <a:rPr sz="2800" b="1" spc="-250" dirty="0">
-                <a:solidFill>
-                  <a:srgbClr val="231F20"/>
-                </a:solidFill>
-                <a:latin typeface="Tahoma"/>
-                <a:cs typeface="Tahoma"/>
-              </a:rPr>
-              <a:t> </a:t>
-            </a:r>
-            <a:r>
-              <a:rPr sz="2800" b="1" dirty="0">
-                <a:solidFill>
-                  <a:srgbClr val="231F20"/>
-                </a:solidFill>
-                <a:latin typeface="Tahoma"/>
-                <a:cs typeface="Tahoma"/>
-              </a:rPr>
-              <a:t>Canvas</a:t>
+              <a:rPr lang="en-US" altLang="zh-CN" sz="2800" b="1" spc="5" dirty="0">
+                <a:solidFill>
+                  <a:srgbClr val="231F20"/>
+                </a:solidFill>
+                <a:latin typeface="Tahoma"/>
+                <a:cs typeface="Tahoma"/>
+              </a:rPr>
+              <a:t>Get-It </a:t>
+            </a:r>
+            <a:r>
+              <a:rPr lang="zh-CN" altLang="en-US" sz="2800" b="1" spc="5" dirty="0">
+                <a:solidFill>
+                  <a:srgbClr val="231F20"/>
+                </a:solidFill>
+                <a:latin typeface="Tahoma"/>
+                <a:cs typeface="Tahoma"/>
+              </a:rPr>
+              <a:t>视觉化商业模式画布</a:t>
             </a:r>
             <a:endParaRPr sz="2800" dirty="0">
               <a:latin typeface="Tahoma"/>
@@ -2391,7 +2999,7 @@
                 </a:solidFill>
                 <a:latin typeface="Tahoma"/>
                 <a:cs typeface="Tahoma"/>
-                <a:hlinkClick r:id="rId2"/>
+                <a:hlinkClick r:id="rId3"/>
               </a:rPr>
               <a:t>http://creativecommons.org/licenses/by-sa/3.0/</a:t>
             </a:r>
@@ -2402,7 +3010,7 @@
                 </a:solidFill>
                 <a:latin typeface="Tahoma"/>
                 <a:cs typeface="Tahoma"/>
-                <a:hlinkClick r:id="rId2"/>
+                <a:hlinkClick r:id="rId3"/>
               </a:rPr>
               <a:t> </a:t>
             </a:r>
@@ -2758,7 +3366,7 @@
             <a:avLst/>
           </a:prstGeom>
           <a:blipFill>
-            <a:blip r:embed="rId3" cstate="print"/>
+            <a:blip r:embed="rId4" cstate="print"/>
             <a:stretch>
               <a:fillRect/>
             </a:stretch>
@@ -2787,7 +3395,7 @@
             <a:avLst/>
           </a:prstGeom>
           <a:blipFill>
-            <a:blip r:embed="rId4" cstate="print"/>
+            <a:blip r:embed="rId5" cstate="print"/>
             <a:stretch>
               <a:fillRect/>
             </a:stretch>
@@ -3133,35 +3741,6 @@
             <a:avLst/>
           </a:prstGeom>
           <a:blipFill>
-            <a:blip r:embed="rId5" cstate="print"/>
-            <a:stretch>
-              <a:fillRect/>
-            </a:stretch>
-          </a:blipFill>
-        </p:spPr>
-        <p:txBody>
-          <a:bodyPr wrap="square" lIns="0" tIns="0" rIns="0" bIns="0" rtlCol="0"/>
-          <a:lstStyle/>
-          <a:p>
-            <a:endParaRPr/>
-          </a:p>
-        </p:txBody>
-      </p:sp>
-      <p:sp>
-        <p:nvSpPr>
-          <p:cNvPr id="11" name="object 11"/>
-          <p:cNvSpPr/>
-          <p:nvPr/>
-        </p:nvSpPr>
-        <p:spPr>
-          <a:xfrm>
-            <a:off x="2924616" y="1313049"/>
-            <a:ext cx="274270" cy="274276"/>
-          </a:xfrm>
-          <a:prstGeom prst="rect">
-            <a:avLst/>
-          </a:prstGeom>
-          <a:blipFill>
             <a:blip r:embed="rId6" cstate="print"/>
             <a:stretch>
               <a:fillRect/>
@@ -3178,20 +3757,49 @@
       </p:sp>
       <p:sp>
         <p:nvSpPr>
-          <p:cNvPr id="12" name="object 12"/>
+          <p:cNvPr id="11" name="object 11"/>
           <p:cNvSpPr/>
           <p:nvPr/>
         </p:nvSpPr>
         <p:spPr>
           <a:xfrm>
-            <a:off x="5649338" y="4301075"/>
-            <a:ext cx="358414" cy="332654"/>
+            <a:off x="2924616" y="1313049"/>
+            <a:ext cx="274270" cy="274276"/>
           </a:xfrm>
           <a:prstGeom prst="rect">
             <a:avLst/>
           </a:prstGeom>
           <a:blipFill>
             <a:blip r:embed="rId7" cstate="print"/>
+            <a:stretch>
+              <a:fillRect/>
+            </a:stretch>
+          </a:blipFill>
+        </p:spPr>
+        <p:txBody>
+          <a:bodyPr wrap="square" lIns="0" tIns="0" rIns="0" bIns="0" rtlCol="0"/>
+          <a:lstStyle/>
+          <a:p>
+            <a:endParaRPr/>
+          </a:p>
+        </p:txBody>
+      </p:sp>
+      <p:sp>
+        <p:nvSpPr>
+          <p:cNvPr id="12" name="object 12"/>
+          <p:cNvSpPr/>
+          <p:nvPr/>
+        </p:nvSpPr>
+        <p:spPr>
+          <a:xfrm>
+            <a:off x="5649338" y="4301075"/>
+            <a:ext cx="358414" cy="332654"/>
+          </a:xfrm>
+          <a:prstGeom prst="rect">
+            <a:avLst/>
+          </a:prstGeom>
+          <a:blipFill>
+            <a:blip r:embed="rId8" cstate="print"/>
             <a:stretch>
               <a:fillRect/>
             </a:stretch>
@@ -3375,7 +3983,7 @@
             <a:avLst/>
           </a:prstGeom>
           <a:blipFill>
-            <a:blip r:embed="rId8" cstate="print"/>
+            <a:blip r:embed="rId9" cstate="print"/>
             <a:stretch>
               <a:fillRect/>
             </a:stretch>
@@ -3686,7 +4294,7 @@
             <a:avLst/>
           </a:prstGeom>
           <a:blipFill>
-            <a:blip r:embed="rId9" cstate="print"/>
+            <a:blip r:embed="rId10" cstate="print"/>
             <a:stretch>
               <a:fillRect/>
             </a:stretch>
@@ -3715,7 +4323,7 @@
             <a:avLst/>
           </a:prstGeom>
           <a:blipFill>
-            <a:blip r:embed="rId10" cstate="print"/>
+            <a:blip r:embed="rId11" cstate="print"/>
             <a:stretch>
               <a:fillRect/>
             </a:stretch>
@@ -4243,7 +4851,7 @@
             <a:avLst/>
           </a:prstGeom>
           <a:blipFill>
-            <a:blip r:embed="rId11" cstate="print"/>
+            <a:blip r:embed="rId12" cstate="print"/>
             <a:stretch>
               <a:fillRect/>
             </a:stretch>
@@ -5075,7 +5683,7 @@
             <a:avLst/>
           </a:prstGeom>
           <a:blipFill>
-            <a:blip r:embed="rId12" cstate="print"/>
+            <a:blip r:embed="rId13" cstate="print"/>
             <a:stretch>
               <a:fillRect/>
             </a:stretch>
@@ -5306,7 +5914,7 @@
             <a:avLst/>
           </a:prstGeom>
           <a:blipFill>
-            <a:blip r:embed="rId13" cstate="print"/>
+            <a:blip r:embed="rId14" cstate="print"/>
             <a:stretch>
               <a:fillRect/>
             </a:stretch>
@@ -6082,7 +6690,7 @@
         </p:nvSpPr>
         <p:spPr>
           <a:xfrm>
-            <a:off x="6136411" y="458787"/>
+            <a:off x="6136411" y="383836"/>
             <a:ext cx="2818765" cy="460375"/>
           </a:xfrm>
           <a:prstGeom prst="rect">
@@ -6270,13 +6878,13 @@
           <p:nvPr/>
         </p:nvPicPr>
         <p:blipFill>
-          <a:blip r:embed="rId14">
+          <a:blip r:embed="rId15">
             <a:extLst>
               <a:ext uri="{28A0092B-C50C-407E-A947-70E740481C1C}">
                 <a14:useLocalDpi xmlns:a14="http://schemas.microsoft.com/office/drawing/2010/main" val="0"/>
               </a:ext>
               <a:ext uri="{96DAC541-7B7A-43D3-8B79-37D633B846F1}">
-                <asvg:svgBlip xmlns:asvg="http://schemas.microsoft.com/office/drawing/2016/SVG/main" r:embed="rId15"/>
+                <asvg:svgBlip xmlns:asvg="http://schemas.microsoft.com/office/drawing/2016/SVG/main" r:embed="rId16"/>
               </a:ext>
             </a:extLst>
           </a:blip>
@@ -6309,13 +6917,13 @@
           <p:nvPr/>
         </p:nvPicPr>
         <p:blipFill>
-          <a:blip r:embed="rId16">
+          <a:blip r:embed="rId17">
             <a:extLst>
               <a:ext uri="{28A0092B-C50C-407E-A947-70E740481C1C}">
                 <a14:useLocalDpi xmlns:a14="http://schemas.microsoft.com/office/drawing/2010/main" val="0"/>
               </a:ext>
               <a:ext uri="{96DAC541-7B7A-43D3-8B79-37D633B846F1}">
-                <asvg:svgBlip xmlns:asvg="http://schemas.microsoft.com/office/drawing/2016/SVG/main" r:embed="rId17"/>
+                <asvg:svgBlip xmlns:asvg="http://schemas.microsoft.com/office/drawing/2016/SVG/main" r:embed="rId18"/>
               </a:ext>
             </a:extLst>
           </a:blip>
@@ -6348,13 +6956,13 @@
           <p:nvPr/>
         </p:nvPicPr>
         <p:blipFill>
-          <a:blip r:embed="rId18">
+          <a:blip r:embed="rId19">
             <a:extLst>
               <a:ext uri="{28A0092B-C50C-407E-A947-70E740481C1C}">
                 <a14:useLocalDpi xmlns:a14="http://schemas.microsoft.com/office/drawing/2010/main" val="0"/>
               </a:ext>
               <a:ext uri="{96DAC541-7B7A-43D3-8B79-37D633B846F1}">
-                <asvg:svgBlip xmlns:asvg="http://schemas.microsoft.com/office/drawing/2016/SVG/main" r:embed="rId19"/>
+                <asvg:svgBlip xmlns:asvg="http://schemas.microsoft.com/office/drawing/2016/SVG/main" r:embed="rId20"/>
               </a:ext>
             </a:extLst>
           </a:blip>
@@ -6387,13 +6995,13 @@
           <p:nvPr/>
         </p:nvPicPr>
         <p:blipFill>
-          <a:blip r:embed="rId20" cstate="print">
+          <a:blip r:embed="rId21" cstate="print">
             <a:extLst>
               <a:ext uri="{28A0092B-C50C-407E-A947-70E740481C1C}">
                 <a14:useLocalDpi xmlns:a14="http://schemas.microsoft.com/office/drawing/2010/main" val="0"/>
               </a:ext>
               <a:ext uri="{96DAC541-7B7A-43D3-8B79-37D633B846F1}">
-                <asvg:svgBlip xmlns:asvg="http://schemas.microsoft.com/office/drawing/2016/SVG/main" r:embed="rId21"/>
+                <asvg:svgBlip xmlns:asvg="http://schemas.microsoft.com/office/drawing/2016/SVG/main" r:embed="rId22"/>
               </a:ext>
             </a:extLst>
           </a:blip>
@@ -6426,13 +7034,13 @@
           <p:nvPr/>
         </p:nvPicPr>
         <p:blipFill>
-          <a:blip r:embed="rId22" cstate="print">
+          <a:blip r:embed="rId23" cstate="print">
             <a:extLst>
               <a:ext uri="{28A0092B-C50C-407E-A947-70E740481C1C}">
                 <a14:useLocalDpi xmlns:a14="http://schemas.microsoft.com/office/drawing/2010/main" val="0"/>
               </a:ext>
               <a:ext uri="{96DAC541-7B7A-43D3-8B79-37D633B846F1}">
-                <asvg:svgBlip xmlns:asvg="http://schemas.microsoft.com/office/drawing/2016/SVG/main" r:embed="rId23"/>
+                <asvg:svgBlip xmlns:asvg="http://schemas.microsoft.com/office/drawing/2016/SVG/main" r:embed="rId24"/>
               </a:ext>
             </a:extLst>
           </a:blip>
@@ -6465,13 +7073,13 @@
           <p:nvPr/>
         </p:nvPicPr>
         <p:blipFill>
-          <a:blip r:embed="rId24">
+          <a:blip r:embed="rId25">
             <a:extLst>
               <a:ext uri="{28A0092B-C50C-407E-A947-70E740481C1C}">
                 <a14:useLocalDpi xmlns:a14="http://schemas.microsoft.com/office/drawing/2010/main" val="0"/>
               </a:ext>
               <a:ext uri="{96DAC541-7B7A-43D3-8B79-37D633B846F1}">
-                <asvg:svgBlip xmlns:asvg="http://schemas.microsoft.com/office/drawing/2016/SVG/main" r:embed="rId25"/>
+                <asvg:svgBlip xmlns:asvg="http://schemas.microsoft.com/office/drawing/2016/SVG/main" r:embed="rId26"/>
               </a:ext>
             </a:extLst>
           </a:blip>
@@ -6504,13 +7112,13 @@
           <p:nvPr/>
         </p:nvPicPr>
         <p:blipFill>
-          <a:blip r:embed="rId26" cstate="print">
+          <a:blip r:embed="rId27" cstate="print">
             <a:extLst>
               <a:ext uri="{28A0092B-C50C-407E-A947-70E740481C1C}">
                 <a14:useLocalDpi xmlns:a14="http://schemas.microsoft.com/office/drawing/2010/main" val="0"/>
               </a:ext>
               <a:ext uri="{96DAC541-7B7A-43D3-8B79-37D633B846F1}">
-                <asvg:svgBlip xmlns:asvg="http://schemas.microsoft.com/office/drawing/2016/SVG/main" r:embed="rId27"/>
+                <asvg:svgBlip xmlns:asvg="http://schemas.microsoft.com/office/drawing/2016/SVG/main" r:embed="rId28"/>
               </a:ext>
             </a:extLst>
           </a:blip>
@@ -6543,13 +7151,13 @@
           <p:nvPr/>
         </p:nvPicPr>
         <p:blipFill>
-          <a:blip r:embed="rId28">
+          <a:blip r:embed="rId29">
             <a:extLst>
               <a:ext uri="{28A0092B-C50C-407E-A947-70E740481C1C}">
                 <a14:useLocalDpi xmlns:a14="http://schemas.microsoft.com/office/drawing/2010/main" val="0"/>
               </a:ext>
               <a:ext uri="{96DAC541-7B7A-43D3-8B79-37D633B846F1}">
-                <asvg:svgBlip xmlns:asvg="http://schemas.microsoft.com/office/drawing/2016/SVG/main" r:embed="rId29"/>
+                <asvg:svgBlip xmlns:asvg="http://schemas.microsoft.com/office/drawing/2016/SVG/main" r:embed="rId30"/>
               </a:ext>
             </a:extLst>
           </a:blip>
@@ -6582,13 +7190,13 @@
           <p:nvPr/>
         </p:nvPicPr>
         <p:blipFill>
-          <a:blip r:embed="rId30">
+          <a:blip r:embed="rId31">
             <a:extLst>
               <a:ext uri="{28A0092B-C50C-407E-A947-70E740481C1C}">
                 <a14:useLocalDpi xmlns:a14="http://schemas.microsoft.com/office/drawing/2010/main" val="0"/>
               </a:ext>
               <a:ext uri="{96DAC541-7B7A-43D3-8B79-37D633B846F1}">
-                <asvg:svgBlip xmlns:asvg="http://schemas.microsoft.com/office/drawing/2016/SVG/main" r:embed="rId31"/>
+                <asvg:svgBlip xmlns:asvg="http://schemas.microsoft.com/office/drawing/2016/SVG/main" r:embed="rId32"/>
               </a:ext>
             </a:extLst>
           </a:blip>
@@ -6621,13 +7229,13 @@
           <p:nvPr/>
         </p:nvPicPr>
         <p:blipFill>
-          <a:blip r:embed="rId32" cstate="print">
+          <a:blip r:embed="rId33" cstate="print">
             <a:extLst>
               <a:ext uri="{28A0092B-C50C-407E-A947-70E740481C1C}">
                 <a14:useLocalDpi xmlns:a14="http://schemas.microsoft.com/office/drawing/2010/main" val="0"/>
               </a:ext>
               <a:ext uri="{96DAC541-7B7A-43D3-8B79-37D633B846F1}">
-                <asvg:svgBlip xmlns:asvg="http://schemas.microsoft.com/office/drawing/2016/SVG/main" r:embed="rId33"/>
+                <asvg:svgBlip xmlns:asvg="http://schemas.microsoft.com/office/drawing/2016/SVG/main" r:embed="rId34"/>
               </a:ext>
             </a:extLst>
           </a:blip>
@@ -6660,13 +7268,13 @@
           <p:nvPr/>
         </p:nvPicPr>
         <p:blipFill>
-          <a:blip r:embed="rId34">
+          <a:blip r:embed="rId35">
             <a:extLst>
               <a:ext uri="{28A0092B-C50C-407E-A947-70E740481C1C}">
                 <a14:useLocalDpi xmlns:a14="http://schemas.microsoft.com/office/drawing/2010/main" val="0"/>
               </a:ext>
               <a:ext uri="{96DAC541-7B7A-43D3-8B79-37D633B846F1}">
-                <asvg:svgBlip xmlns:asvg="http://schemas.microsoft.com/office/drawing/2016/SVG/main" r:embed="rId35"/>
+                <asvg:svgBlip xmlns:asvg="http://schemas.microsoft.com/office/drawing/2016/SVG/main" r:embed="rId36"/>
               </a:ext>
             </a:extLst>
           </a:blip>
@@ -6699,13 +7307,13 @@
           <p:nvPr/>
         </p:nvPicPr>
         <p:blipFill>
-          <a:blip r:embed="rId36" cstate="print">
+          <a:blip r:embed="rId37" cstate="print">
             <a:extLst>
               <a:ext uri="{28A0092B-C50C-407E-A947-70E740481C1C}">
                 <a14:useLocalDpi xmlns:a14="http://schemas.microsoft.com/office/drawing/2010/main" val="0"/>
               </a:ext>
               <a:ext uri="{96DAC541-7B7A-43D3-8B79-37D633B846F1}">
-                <asvg:svgBlip xmlns:asvg="http://schemas.microsoft.com/office/drawing/2016/SVG/main" r:embed="rId37"/>
+                <asvg:svgBlip xmlns:asvg="http://schemas.microsoft.com/office/drawing/2016/SVG/main" r:embed="rId38"/>
               </a:ext>
             </a:extLst>
           </a:blip>
@@ -6738,13 +7346,13 @@
           <p:nvPr/>
         </p:nvPicPr>
         <p:blipFill>
-          <a:blip r:embed="rId38">
+          <a:blip r:embed="rId39">
             <a:extLst>
               <a:ext uri="{28A0092B-C50C-407E-A947-70E740481C1C}">
                 <a14:useLocalDpi xmlns:a14="http://schemas.microsoft.com/office/drawing/2010/main" val="0"/>
               </a:ext>
               <a:ext uri="{96DAC541-7B7A-43D3-8B79-37D633B846F1}">
-                <asvg:svgBlip xmlns:asvg="http://schemas.microsoft.com/office/drawing/2016/SVG/main" r:embed="rId39"/>
+                <asvg:svgBlip xmlns:asvg="http://schemas.microsoft.com/office/drawing/2016/SVG/main" r:embed="rId40"/>
               </a:ext>
             </a:extLst>
           </a:blip>
@@ -6777,13 +7385,13 @@
           <p:nvPr/>
         </p:nvPicPr>
         <p:blipFill>
-          <a:blip r:embed="rId40">
+          <a:blip r:embed="rId41">
             <a:extLst>
               <a:ext uri="{28A0092B-C50C-407E-A947-70E740481C1C}">
                 <a14:useLocalDpi xmlns:a14="http://schemas.microsoft.com/office/drawing/2010/main" val="0"/>
               </a:ext>
               <a:ext uri="{96DAC541-7B7A-43D3-8B79-37D633B846F1}">
-                <asvg:svgBlip xmlns:asvg="http://schemas.microsoft.com/office/drawing/2016/SVG/main" r:embed="rId41"/>
+                <asvg:svgBlip xmlns:asvg="http://schemas.microsoft.com/office/drawing/2016/SVG/main" r:embed="rId42"/>
               </a:ext>
             </a:extLst>
           </a:blip>
@@ -6816,13 +7424,13 @@
           <p:nvPr/>
         </p:nvPicPr>
         <p:blipFill>
-          <a:blip r:embed="rId42">
+          <a:blip r:embed="rId43">
             <a:extLst>
               <a:ext uri="{28A0092B-C50C-407E-A947-70E740481C1C}">
                 <a14:useLocalDpi xmlns:a14="http://schemas.microsoft.com/office/drawing/2010/main" val="0"/>
               </a:ext>
               <a:ext uri="{96DAC541-7B7A-43D3-8B79-37D633B846F1}">
-                <asvg:svgBlip xmlns:asvg="http://schemas.microsoft.com/office/drawing/2016/SVG/main" r:embed="rId43"/>
+                <asvg:svgBlip xmlns:asvg="http://schemas.microsoft.com/office/drawing/2016/SVG/main" r:embed="rId44"/>
               </a:ext>
             </a:extLst>
           </a:blip>
@@ -6855,13 +7463,13 @@
           <p:nvPr/>
         </p:nvPicPr>
         <p:blipFill>
-          <a:blip r:embed="rId44">
+          <a:blip r:embed="rId45">
             <a:extLst>
               <a:ext uri="{28A0092B-C50C-407E-A947-70E740481C1C}">
                 <a14:useLocalDpi xmlns:a14="http://schemas.microsoft.com/office/drawing/2010/main" val="0"/>
               </a:ext>
               <a:ext uri="{96DAC541-7B7A-43D3-8B79-37D633B846F1}">
-                <asvg:svgBlip xmlns:asvg="http://schemas.microsoft.com/office/drawing/2016/SVG/main" r:embed="rId45"/>
+                <asvg:svgBlip xmlns:asvg="http://schemas.microsoft.com/office/drawing/2016/SVG/main" r:embed="rId46"/>
               </a:ext>
             </a:extLst>
           </a:blip>
@@ -6894,13 +7502,13 @@
           <p:nvPr/>
         </p:nvPicPr>
         <p:blipFill>
-          <a:blip r:embed="rId46">
+          <a:blip r:embed="rId47">
             <a:extLst>
               <a:ext uri="{28A0092B-C50C-407E-A947-70E740481C1C}">
                 <a14:useLocalDpi xmlns:a14="http://schemas.microsoft.com/office/drawing/2010/main" val="0"/>
               </a:ext>
               <a:ext uri="{96DAC541-7B7A-43D3-8B79-37D633B846F1}">
-                <asvg:svgBlip xmlns:asvg="http://schemas.microsoft.com/office/drawing/2016/SVG/main" r:embed="rId47"/>
+                <asvg:svgBlip xmlns:asvg="http://schemas.microsoft.com/office/drawing/2016/SVG/main" r:embed="rId48"/>
               </a:ext>
             </a:extLst>
           </a:blip>
@@ -6933,13 +7541,13 @@
           <p:nvPr/>
         </p:nvPicPr>
         <p:blipFill>
-          <a:blip r:embed="rId48">
+          <a:blip r:embed="rId49">
             <a:extLst>
               <a:ext uri="{28A0092B-C50C-407E-A947-70E740481C1C}">
                 <a14:useLocalDpi xmlns:a14="http://schemas.microsoft.com/office/drawing/2010/main" val="0"/>
               </a:ext>
               <a:ext uri="{96DAC541-7B7A-43D3-8B79-37D633B846F1}">
-                <asvg:svgBlip xmlns:asvg="http://schemas.microsoft.com/office/drawing/2016/SVG/main" r:embed="rId49"/>
+                <asvg:svgBlip xmlns:asvg="http://schemas.microsoft.com/office/drawing/2016/SVG/main" r:embed="rId50"/>
               </a:ext>
             </a:extLst>
           </a:blip>
@@ -6949,8 +7557,8 @@
         </p:blipFill>
         <p:spPr>
           <a:xfrm>
-            <a:off x="9059435" y="1781321"/>
-            <a:ext cx="1108659" cy="1108659"/>
+            <a:off x="8913166" y="1618906"/>
+            <a:ext cx="1429011" cy="1429011"/>
           </a:xfrm>
           <a:prstGeom prst="rect">
             <a:avLst/>
@@ -6972,13 +7580,13 @@
           <p:nvPr/>
         </p:nvPicPr>
         <p:blipFill>
-          <a:blip r:embed="rId50">
+          <a:blip r:embed="rId51">
             <a:extLst>
               <a:ext uri="{28A0092B-C50C-407E-A947-70E740481C1C}">
                 <a14:useLocalDpi xmlns:a14="http://schemas.microsoft.com/office/drawing/2010/main" val="0"/>
               </a:ext>
               <a:ext uri="{96DAC541-7B7A-43D3-8B79-37D633B846F1}">
-                <asvg:svgBlip xmlns:asvg="http://schemas.microsoft.com/office/drawing/2016/SVG/main" r:embed="rId51"/>
+                <asvg:svgBlip xmlns:asvg="http://schemas.microsoft.com/office/drawing/2016/SVG/main" r:embed="rId52"/>
               </a:ext>
             </a:extLst>
           </a:blip>
@@ -7011,13 +7619,13 @@
           <p:nvPr/>
         </p:nvPicPr>
         <p:blipFill>
-          <a:blip r:embed="rId52">
+          <a:blip r:embed="rId53">
             <a:extLst>
               <a:ext uri="{28A0092B-C50C-407E-A947-70E740481C1C}">
                 <a14:useLocalDpi xmlns:a14="http://schemas.microsoft.com/office/drawing/2010/main" val="0"/>
               </a:ext>
               <a:ext uri="{96DAC541-7B7A-43D3-8B79-37D633B846F1}">
-                <asvg:svgBlip xmlns:asvg="http://schemas.microsoft.com/office/drawing/2016/SVG/main" r:embed="rId53"/>
+                <asvg:svgBlip xmlns:asvg="http://schemas.microsoft.com/office/drawing/2016/SVG/main" r:embed="rId54"/>
               </a:ext>
             </a:extLst>
           </a:blip>
@@ -7050,13 +7658,13 @@
           <p:nvPr/>
         </p:nvPicPr>
         <p:blipFill>
-          <a:blip r:embed="rId54">
+          <a:blip r:embed="rId55">
             <a:extLst>
               <a:ext uri="{28A0092B-C50C-407E-A947-70E740481C1C}">
                 <a14:useLocalDpi xmlns:a14="http://schemas.microsoft.com/office/drawing/2010/main" val="0"/>
               </a:ext>
               <a:ext uri="{96DAC541-7B7A-43D3-8B79-37D633B846F1}">
-                <asvg:svgBlip xmlns:asvg="http://schemas.microsoft.com/office/drawing/2016/SVG/main" r:embed="rId55"/>
+                <asvg:svgBlip xmlns:asvg="http://schemas.microsoft.com/office/drawing/2016/SVG/main" r:embed="rId56"/>
               </a:ext>
             </a:extLst>
           </a:blip>
@@ -7089,13 +7697,13 @@
           <p:nvPr/>
         </p:nvPicPr>
         <p:blipFill>
-          <a:blip r:embed="rId56">
+          <a:blip r:embed="rId57">
             <a:extLst>
               <a:ext uri="{28A0092B-C50C-407E-A947-70E740481C1C}">
                 <a14:useLocalDpi xmlns:a14="http://schemas.microsoft.com/office/drawing/2010/main" val="0"/>
               </a:ext>
               <a:ext uri="{96DAC541-7B7A-43D3-8B79-37D633B846F1}">
-                <asvg:svgBlip xmlns:asvg="http://schemas.microsoft.com/office/drawing/2016/SVG/main" r:embed="rId57"/>
+                <asvg:svgBlip xmlns:asvg="http://schemas.microsoft.com/office/drawing/2016/SVG/main" r:embed="rId58"/>
               </a:ext>
             </a:extLst>
           </a:blip>
@@ -7128,13 +7736,13 @@
           <p:nvPr/>
         </p:nvPicPr>
         <p:blipFill>
-          <a:blip r:embed="rId58">
+          <a:blip r:embed="rId59">
             <a:extLst>
               <a:ext uri="{28A0092B-C50C-407E-A947-70E740481C1C}">
                 <a14:useLocalDpi xmlns:a14="http://schemas.microsoft.com/office/drawing/2010/main" val="0"/>
               </a:ext>
               <a:ext uri="{96DAC541-7B7A-43D3-8B79-37D633B846F1}">
-                <asvg:svgBlip xmlns:asvg="http://schemas.microsoft.com/office/drawing/2016/SVG/main" r:embed="rId59"/>
+                <asvg:svgBlip xmlns:asvg="http://schemas.microsoft.com/office/drawing/2016/SVG/main" r:embed="rId60"/>
               </a:ext>
             </a:extLst>
           </a:blip>
@@ -7167,13 +7775,13 @@
           <p:nvPr/>
         </p:nvPicPr>
         <p:blipFill>
-          <a:blip r:embed="rId60">
+          <a:blip r:embed="rId61">
             <a:extLst>
               <a:ext uri="{28A0092B-C50C-407E-A947-70E740481C1C}">
                 <a14:useLocalDpi xmlns:a14="http://schemas.microsoft.com/office/drawing/2010/main" val="0"/>
               </a:ext>
               <a:ext uri="{96DAC541-7B7A-43D3-8B79-37D633B846F1}">
-                <asvg:svgBlip xmlns:asvg="http://schemas.microsoft.com/office/drawing/2016/SVG/main" r:embed="rId61"/>
+                <asvg:svgBlip xmlns:asvg="http://schemas.microsoft.com/office/drawing/2016/SVG/main" r:embed="rId62"/>
               </a:ext>
             </a:extLst>
           </a:blip>
@@ -7206,13 +7814,13 @@
           <p:nvPr/>
         </p:nvPicPr>
         <p:blipFill>
-          <a:blip r:embed="rId62">
+          <a:blip r:embed="rId63">
             <a:extLst>
               <a:ext uri="{28A0092B-C50C-407E-A947-70E740481C1C}">
                 <a14:useLocalDpi xmlns:a14="http://schemas.microsoft.com/office/drawing/2010/main" val="0"/>
               </a:ext>
               <a:ext uri="{96DAC541-7B7A-43D3-8B79-37D633B846F1}">
-                <asvg:svgBlip xmlns:asvg="http://schemas.microsoft.com/office/drawing/2016/SVG/main" r:embed="rId63"/>
+                <asvg:svgBlip xmlns:asvg="http://schemas.microsoft.com/office/drawing/2016/SVG/main" r:embed="rId64"/>
               </a:ext>
             </a:extLst>
           </a:blip>
@@ -7245,13 +7853,13 @@
           <p:nvPr/>
         </p:nvPicPr>
         <p:blipFill>
-          <a:blip r:embed="rId64">
+          <a:blip r:embed="rId65">
             <a:extLst>
               <a:ext uri="{28A0092B-C50C-407E-A947-70E740481C1C}">
                 <a14:useLocalDpi xmlns:a14="http://schemas.microsoft.com/office/drawing/2010/main" val="0"/>
               </a:ext>
               <a:ext uri="{96DAC541-7B7A-43D3-8B79-37D633B846F1}">
-                <asvg:svgBlip xmlns:asvg="http://schemas.microsoft.com/office/drawing/2016/SVG/main" r:embed="rId65"/>
+                <asvg:svgBlip xmlns:asvg="http://schemas.microsoft.com/office/drawing/2016/SVG/main" r:embed="rId66"/>
               </a:ext>
             </a:extLst>
           </a:blip>
@@ -7284,13 +7892,13 @@
           <p:nvPr/>
         </p:nvPicPr>
         <p:blipFill>
-          <a:blip r:embed="rId66">
+          <a:blip r:embed="rId67">
             <a:extLst>
               <a:ext uri="{28A0092B-C50C-407E-A947-70E740481C1C}">
                 <a14:useLocalDpi xmlns:a14="http://schemas.microsoft.com/office/drawing/2010/main" val="0"/>
               </a:ext>
               <a:ext uri="{96DAC541-7B7A-43D3-8B79-37D633B846F1}">
-                <asvg:svgBlip xmlns:asvg="http://schemas.microsoft.com/office/drawing/2016/SVG/main" r:embed="rId67"/>
+                <asvg:svgBlip xmlns:asvg="http://schemas.microsoft.com/office/drawing/2016/SVG/main" r:embed="rId68"/>
               </a:ext>
             </a:extLst>
           </a:blip>
@@ -7323,13 +7931,13 @@
           <p:nvPr/>
         </p:nvPicPr>
         <p:blipFill>
-          <a:blip r:embed="rId68">
+          <a:blip r:embed="rId69">
             <a:extLst>
               <a:ext uri="{28A0092B-C50C-407E-A947-70E740481C1C}">
                 <a14:useLocalDpi xmlns:a14="http://schemas.microsoft.com/office/drawing/2010/main" val="0"/>
               </a:ext>
               <a:ext uri="{96DAC541-7B7A-43D3-8B79-37D633B846F1}">
-                <asvg:svgBlip xmlns:asvg="http://schemas.microsoft.com/office/drawing/2016/SVG/main" r:embed="rId69"/>
+                <asvg:svgBlip xmlns:asvg="http://schemas.microsoft.com/office/drawing/2016/SVG/main" r:embed="rId70"/>
               </a:ext>
             </a:extLst>
           </a:blip>
@@ -7362,13 +7970,13 @@
           <p:nvPr/>
         </p:nvPicPr>
         <p:blipFill>
-          <a:blip r:embed="rId70">
+          <a:blip r:embed="rId71">
             <a:extLst>
               <a:ext uri="{28A0092B-C50C-407E-A947-70E740481C1C}">
                 <a14:useLocalDpi xmlns:a14="http://schemas.microsoft.com/office/drawing/2010/main" val="0"/>
               </a:ext>
               <a:ext uri="{96DAC541-7B7A-43D3-8B79-37D633B846F1}">
-                <asvg:svgBlip xmlns:asvg="http://schemas.microsoft.com/office/drawing/2016/SVG/main" r:embed="rId71"/>
+                <asvg:svgBlip xmlns:asvg="http://schemas.microsoft.com/office/drawing/2016/SVG/main" r:embed="rId72"/>
               </a:ext>
             </a:extLst>
           </a:blip>
@@ -7401,13 +8009,13 @@
           <p:nvPr/>
         </p:nvPicPr>
         <p:blipFill>
-          <a:blip r:embed="rId72">
+          <a:blip r:embed="rId73">
             <a:extLst>
               <a:ext uri="{28A0092B-C50C-407E-A947-70E740481C1C}">
                 <a14:useLocalDpi xmlns:a14="http://schemas.microsoft.com/office/drawing/2010/main" val="0"/>
               </a:ext>
               <a:ext uri="{96DAC541-7B7A-43D3-8B79-37D633B846F1}">
-                <asvg:svgBlip xmlns:asvg="http://schemas.microsoft.com/office/drawing/2016/SVG/main" r:embed="rId73"/>
+                <asvg:svgBlip xmlns:asvg="http://schemas.microsoft.com/office/drawing/2016/SVG/main" r:embed="rId74"/>
               </a:ext>
             </a:extLst>
           </a:blip>
@@ -7440,13 +8048,13 @@
           <p:nvPr/>
         </p:nvPicPr>
         <p:blipFill>
-          <a:blip r:embed="rId74">
+          <a:blip r:embed="rId75">
             <a:extLst>
               <a:ext uri="{28A0092B-C50C-407E-A947-70E740481C1C}">
                 <a14:useLocalDpi xmlns:a14="http://schemas.microsoft.com/office/drawing/2010/main" val="0"/>
               </a:ext>
               <a:ext uri="{96DAC541-7B7A-43D3-8B79-37D633B846F1}">
-                <asvg:svgBlip xmlns:asvg="http://schemas.microsoft.com/office/drawing/2016/SVG/main" r:embed="rId75"/>
+                <asvg:svgBlip xmlns:asvg="http://schemas.microsoft.com/office/drawing/2016/SVG/main" r:embed="rId76"/>
               </a:ext>
             </a:extLst>
           </a:blip>
@@ -7479,13 +8087,13 @@
           <p:nvPr/>
         </p:nvPicPr>
         <p:blipFill>
-          <a:blip r:embed="rId76">
+          <a:blip r:embed="rId77">
             <a:extLst>
               <a:ext uri="{28A0092B-C50C-407E-A947-70E740481C1C}">
                 <a14:useLocalDpi xmlns:a14="http://schemas.microsoft.com/office/drawing/2010/main" val="0"/>
               </a:ext>
               <a:ext uri="{96DAC541-7B7A-43D3-8B79-37D633B846F1}">
-                <asvg:svgBlip xmlns:asvg="http://schemas.microsoft.com/office/drawing/2016/SVG/main" r:embed="rId77"/>
+                <asvg:svgBlip xmlns:asvg="http://schemas.microsoft.com/office/drawing/2016/SVG/main" r:embed="rId78"/>
               </a:ext>
             </a:extLst>
           </a:blip>
@@ -7518,13 +8126,13 @@
           <p:nvPr/>
         </p:nvPicPr>
         <p:blipFill>
-          <a:blip r:embed="rId78">
+          <a:blip r:embed="rId79">
             <a:extLst>
               <a:ext uri="{28A0092B-C50C-407E-A947-70E740481C1C}">
                 <a14:useLocalDpi xmlns:a14="http://schemas.microsoft.com/office/drawing/2010/main" val="0"/>
               </a:ext>
               <a:ext uri="{96DAC541-7B7A-43D3-8B79-37D633B846F1}">
-                <asvg:svgBlip xmlns:asvg="http://schemas.microsoft.com/office/drawing/2016/SVG/main" r:embed="rId79"/>
+                <asvg:svgBlip xmlns:asvg="http://schemas.microsoft.com/office/drawing/2016/SVG/main" r:embed="rId80"/>
               </a:ext>
             </a:extLst>
           </a:blip>
@@ -7557,13 +8165,13 @@
           <p:nvPr/>
         </p:nvPicPr>
         <p:blipFill>
-          <a:blip r:embed="rId80">
+          <a:blip r:embed="rId81">
             <a:extLst>
               <a:ext uri="{28A0092B-C50C-407E-A947-70E740481C1C}">
                 <a14:useLocalDpi xmlns:a14="http://schemas.microsoft.com/office/drawing/2010/main" val="0"/>
               </a:ext>
               <a:ext uri="{96DAC541-7B7A-43D3-8B79-37D633B846F1}">
-                <asvg:svgBlip xmlns:asvg="http://schemas.microsoft.com/office/drawing/2016/SVG/main" r:embed="rId81"/>
+                <asvg:svgBlip xmlns:asvg="http://schemas.microsoft.com/office/drawing/2016/SVG/main" r:embed="rId82"/>
               </a:ext>
             </a:extLst>
           </a:blip>
@@ -7596,13 +8204,13 @@
           <p:nvPr/>
         </p:nvPicPr>
         <p:blipFill>
-          <a:blip r:embed="rId82">
+          <a:blip r:embed="rId83">
             <a:extLst>
               <a:ext uri="{28A0092B-C50C-407E-A947-70E740481C1C}">
                 <a14:useLocalDpi xmlns:a14="http://schemas.microsoft.com/office/drawing/2010/main" val="0"/>
               </a:ext>
               <a:ext uri="{96DAC541-7B7A-43D3-8B79-37D633B846F1}">
-                <asvg:svgBlip xmlns:asvg="http://schemas.microsoft.com/office/drawing/2016/SVG/main" r:embed="rId83"/>
+                <asvg:svgBlip xmlns:asvg="http://schemas.microsoft.com/office/drawing/2016/SVG/main" r:embed="rId84"/>
               </a:ext>
             </a:extLst>
           </a:blip>
@@ -7635,13 +8243,13 @@
           <p:nvPr/>
         </p:nvPicPr>
         <p:blipFill>
-          <a:blip r:embed="rId84">
+          <a:blip r:embed="rId85">
             <a:extLst>
               <a:ext uri="{28A0092B-C50C-407E-A947-70E740481C1C}">
                 <a14:useLocalDpi xmlns:a14="http://schemas.microsoft.com/office/drawing/2010/main" val="0"/>
               </a:ext>
               <a:ext uri="{96DAC541-7B7A-43D3-8B79-37D633B846F1}">
-                <asvg:svgBlip xmlns:asvg="http://schemas.microsoft.com/office/drawing/2016/SVG/main" r:embed="rId85"/>
+                <asvg:svgBlip xmlns:asvg="http://schemas.microsoft.com/office/drawing/2016/SVG/main" r:embed="rId86"/>
               </a:ext>
             </a:extLst>
           </a:blip>
@@ -7714,44 +8322,24 @@
               </a:spcBef>
             </a:pPr>
             <a:r>
-              <a:rPr sz="2800" b="1" spc="5" dirty="0">
-                <a:solidFill>
-                  <a:srgbClr val="231F20"/>
-                </a:solidFill>
-                <a:latin typeface="Tahoma"/>
-                <a:cs typeface="Tahoma"/>
-              </a:rPr>
-              <a:t>The </a:t>
-            </a:r>
-            <a:r>
-              <a:rPr sz="2800" b="1" spc="25" dirty="0">
-                <a:solidFill>
-                  <a:srgbClr val="231F20"/>
-                </a:solidFill>
-                <a:latin typeface="Tahoma"/>
-                <a:cs typeface="Tahoma"/>
-              </a:rPr>
-              <a:t>Business Model</a:t>
-            </a:r>
-            <a:r>
-              <a:rPr sz="2800" b="1" spc="-250" dirty="0">
-                <a:solidFill>
-                  <a:srgbClr val="231F20"/>
-                </a:solidFill>
-                <a:latin typeface="Tahoma"/>
-                <a:cs typeface="Tahoma"/>
-              </a:rPr>
-              <a:t> </a:t>
-            </a:r>
-            <a:r>
-              <a:rPr sz="2800" b="1" dirty="0">
-                <a:solidFill>
-                  <a:srgbClr val="231F20"/>
-                </a:solidFill>
-                <a:latin typeface="Tahoma"/>
-                <a:cs typeface="Tahoma"/>
-              </a:rPr>
-              <a:t>Canvas</a:t>
+              <a:rPr lang="en-US" altLang="zh-CN" sz="2800" b="1" spc="5" dirty="0">
+                <a:solidFill>
+                  <a:srgbClr val="231F20"/>
+                </a:solidFill>
+                <a:latin typeface="Tahoma"/>
+                <a:cs typeface="Tahoma"/>
+              </a:rPr>
+              <a:t>Get-It </a:t>
+            </a:r>
+            <a:r>
+              <a:rPr lang="zh-CN" altLang="en-US" sz="2800" b="1" spc="5" dirty="0">
+                <a:solidFill>
+                  <a:srgbClr val="231F20"/>
+                </a:solidFill>
+                <a:latin typeface="Tahoma"/>
+                <a:cs typeface="Tahoma"/>
+              </a:rPr>
+              <a:t>视觉化商业模式画布</a:t>
             </a:r>
             <a:endParaRPr sz="2800" dirty="0">
               <a:latin typeface="Tahoma"/>
@@ -8226,7 +8814,7 @@
                 </a:solidFill>
                 <a:latin typeface="Tahoma"/>
                 <a:cs typeface="Tahoma"/>
-                <a:hlinkClick r:id="rId2"/>
+                <a:hlinkClick r:id="rId3"/>
               </a:rPr>
               <a:t>http://creativecommons.org/licenses/by-sa/3.0/</a:t>
             </a:r>
@@ -8237,7 +8825,7 @@
                 </a:solidFill>
                 <a:latin typeface="Tahoma"/>
                 <a:cs typeface="Tahoma"/>
-                <a:hlinkClick r:id="rId2"/>
+                <a:hlinkClick r:id="rId3"/>
               </a:rPr>
               <a:t> </a:t>
             </a:r>
@@ -8593,7 +9181,7 @@
             <a:avLst/>
           </a:prstGeom>
           <a:blipFill>
-            <a:blip r:embed="rId3" cstate="print"/>
+            <a:blip r:embed="rId4" cstate="print"/>
             <a:stretch>
               <a:fillRect/>
             </a:stretch>
@@ -8622,7 +9210,7 @@
             <a:avLst/>
           </a:prstGeom>
           <a:blipFill>
-            <a:blip r:embed="rId4" cstate="print"/>
+            <a:blip r:embed="rId5" cstate="print"/>
             <a:stretch>
               <a:fillRect/>
             </a:stretch>
@@ -8968,35 +9556,6 @@
             <a:avLst/>
           </a:prstGeom>
           <a:blipFill>
-            <a:blip r:embed="rId5" cstate="print"/>
-            <a:stretch>
-              <a:fillRect/>
-            </a:stretch>
-          </a:blipFill>
-        </p:spPr>
-        <p:txBody>
-          <a:bodyPr wrap="square" lIns="0" tIns="0" rIns="0" bIns="0" rtlCol="0"/>
-          <a:lstStyle/>
-          <a:p>
-            <a:endParaRPr/>
-          </a:p>
-        </p:txBody>
-      </p:sp>
-      <p:sp>
-        <p:nvSpPr>
-          <p:cNvPr id="11" name="object 11"/>
-          <p:cNvSpPr/>
-          <p:nvPr/>
-        </p:nvSpPr>
-        <p:spPr>
-          <a:xfrm>
-            <a:off x="2924616" y="1313049"/>
-            <a:ext cx="274270" cy="274276"/>
-          </a:xfrm>
-          <a:prstGeom prst="rect">
-            <a:avLst/>
-          </a:prstGeom>
-          <a:blipFill>
             <a:blip r:embed="rId6" cstate="print"/>
             <a:stretch>
               <a:fillRect/>
@@ -9013,20 +9572,49 @@
       </p:sp>
       <p:sp>
         <p:nvSpPr>
-          <p:cNvPr id="12" name="object 12"/>
+          <p:cNvPr id="11" name="object 11"/>
           <p:cNvSpPr/>
           <p:nvPr/>
         </p:nvSpPr>
         <p:spPr>
           <a:xfrm>
-            <a:off x="5649338" y="4301075"/>
-            <a:ext cx="358414" cy="332654"/>
+            <a:off x="2924616" y="1313049"/>
+            <a:ext cx="274270" cy="274276"/>
           </a:xfrm>
           <a:prstGeom prst="rect">
             <a:avLst/>
           </a:prstGeom>
           <a:blipFill>
             <a:blip r:embed="rId7" cstate="print"/>
+            <a:stretch>
+              <a:fillRect/>
+            </a:stretch>
+          </a:blipFill>
+        </p:spPr>
+        <p:txBody>
+          <a:bodyPr wrap="square" lIns="0" tIns="0" rIns="0" bIns="0" rtlCol="0"/>
+          <a:lstStyle/>
+          <a:p>
+            <a:endParaRPr/>
+          </a:p>
+        </p:txBody>
+      </p:sp>
+      <p:sp>
+        <p:nvSpPr>
+          <p:cNvPr id="12" name="object 12"/>
+          <p:cNvSpPr/>
+          <p:nvPr/>
+        </p:nvSpPr>
+        <p:spPr>
+          <a:xfrm>
+            <a:off x="5649338" y="4301075"/>
+            <a:ext cx="358414" cy="332654"/>
+          </a:xfrm>
+          <a:prstGeom prst="rect">
+            <a:avLst/>
+          </a:prstGeom>
+          <a:blipFill>
+            <a:blip r:embed="rId8" cstate="print"/>
             <a:stretch>
               <a:fillRect/>
             </a:stretch>
@@ -9210,7 +9798,7 @@
             <a:avLst/>
           </a:prstGeom>
           <a:blipFill>
-            <a:blip r:embed="rId8" cstate="print"/>
+            <a:blip r:embed="rId9" cstate="print"/>
             <a:stretch>
               <a:fillRect/>
             </a:stretch>
@@ -9521,7 +10109,7 @@
             <a:avLst/>
           </a:prstGeom>
           <a:blipFill>
-            <a:blip r:embed="rId9" cstate="print"/>
+            <a:blip r:embed="rId10" cstate="print"/>
             <a:stretch>
               <a:fillRect/>
             </a:stretch>
@@ -9550,7 +10138,7 @@
             <a:avLst/>
           </a:prstGeom>
           <a:blipFill>
-            <a:blip r:embed="rId10" cstate="print"/>
+            <a:blip r:embed="rId11" cstate="print"/>
             <a:stretch>
               <a:fillRect/>
             </a:stretch>
@@ -10078,7 +10666,7 @@
             <a:avLst/>
           </a:prstGeom>
           <a:blipFill>
-            <a:blip r:embed="rId11" cstate="print"/>
+            <a:blip r:embed="rId12" cstate="print"/>
             <a:stretch>
               <a:fillRect/>
             </a:stretch>
@@ -10910,7 +11498,7 @@
             <a:avLst/>
           </a:prstGeom>
           <a:blipFill>
-            <a:blip r:embed="rId12" cstate="print"/>
+            <a:blip r:embed="rId13" cstate="print"/>
             <a:stretch>
               <a:fillRect/>
             </a:stretch>
@@ -11141,7 +11729,7 @@
             <a:avLst/>
           </a:prstGeom>
           <a:blipFill>
-            <a:blip r:embed="rId13" cstate="print"/>
+            <a:blip r:embed="rId14" cstate="print"/>
             <a:stretch>
               <a:fillRect/>
             </a:stretch>
@@ -11917,7 +12505,7 @@
         </p:nvSpPr>
         <p:spPr>
           <a:xfrm>
-            <a:off x="6136411" y="458787"/>
+            <a:off x="6136411" y="383836"/>
             <a:ext cx="2818765" cy="460375"/>
           </a:xfrm>
           <a:prstGeom prst="rect">
@@ -12090,10 +12678,5815 @@
           </a:p>
         </p:txBody>
       </p:sp>
+      <p:sp>
+        <p:nvSpPr>
+          <p:cNvPr id="45" name="文本框 44">
+            <a:extLst>
+              <a:ext uri="{FF2B5EF4-FFF2-40B4-BE49-F238E27FC236}">
+                <a16:creationId xmlns:a16="http://schemas.microsoft.com/office/drawing/2014/main" id="{A17AC7EB-9CCD-B517-57E5-F5C709B53246}"/>
+              </a:ext>
+            </a:extLst>
+          </p:cNvPr>
+          <p:cNvSpPr txBox="1"/>
+          <p:nvPr/>
+        </p:nvSpPr>
+        <p:spPr>
+          <a:xfrm>
+            <a:off x="993263" y="2268391"/>
+            <a:ext cx="1940392" cy="954107"/>
+          </a:xfrm>
+          <a:prstGeom prst="rect">
+            <a:avLst/>
+          </a:prstGeom>
+          <a:noFill/>
+        </p:spPr>
+        <p:txBody>
+          <a:bodyPr wrap="square" rtlCol="0">
+            <a:spAutoFit/>
+          </a:bodyPr>
+          <a:lstStyle/>
+          <a:p>
+            <a:r>
+              <a:rPr lang="zh-CN" altLang="en-US" sz="2800" b="1" dirty="0">
+                <a:latin typeface="微软雅黑" panose="020B0503020204020204" pitchFamily="34" charset="-122"/>
+                <a:ea typeface="微软雅黑" panose="020B0503020204020204" pitchFamily="34" charset="-122"/>
+              </a:rPr>
+              <a:t>素材资源版权方</a:t>
+            </a:r>
+          </a:p>
+        </p:txBody>
+      </p:sp>
+      <p:sp>
+        <p:nvSpPr>
+          <p:cNvPr id="51" name="文本框 50">
+            <a:extLst>
+              <a:ext uri="{FF2B5EF4-FFF2-40B4-BE49-F238E27FC236}">
+                <a16:creationId xmlns:a16="http://schemas.microsoft.com/office/drawing/2014/main" id="{997044CB-5130-3170-3A90-3F653B319BC2}"/>
+              </a:ext>
+            </a:extLst>
+          </p:cNvPr>
+          <p:cNvSpPr txBox="1"/>
+          <p:nvPr/>
+        </p:nvSpPr>
+        <p:spPr>
+          <a:xfrm>
+            <a:off x="936252" y="3944790"/>
+            <a:ext cx="2125499" cy="523220"/>
+          </a:xfrm>
+          <a:prstGeom prst="rect">
+            <a:avLst/>
+          </a:prstGeom>
+          <a:noFill/>
+        </p:spPr>
+        <p:txBody>
+          <a:bodyPr wrap="square" rtlCol="0">
+            <a:spAutoFit/>
+          </a:bodyPr>
+          <a:lstStyle/>
+          <a:p>
+            <a:r>
+              <a:rPr lang="zh-CN" altLang="en-US" sz="2800" b="1" dirty="0">
+                <a:latin typeface="微软雅黑" panose="020B0503020204020204" pitchFamily="34" charset="-122"/>
+                <a:ea typeface="微软雅黑" panose="020B0503020204020204" pitchFamily="34" charset="-122"/>
+              </a:rPr>
+              <a:t>云服务公司</a:t>
+            </a:r>
+          </a:p>
+        </p:txBody>
+      </p:sp>
+      <p:sp>
+        <p:nvSpPr>
+          <p:cNvPr id="53" name="文本框 52">
+            <a:extLst>
+              <a:ext uri="{FF2B5EF4-FFF2-40B4-BE49-F238E27FC236}">
+                <a16:creationId xmlns:a16="http://schemas.microsoft.com/office/drawing/2014/main" id="{EB3A3E9E-0CED-47A9-180D-22F2994807E2}"/>
+              </a:ext>
+            </a:extLst>
+          </p:cNvPr>
+          <p:cNvSpPr txBox="1"/>
+          <p:nvPr/>
+        </p:nvSpPr>
+        <p:spPr>
+          <a:xfrm>
+            <a:off x="1101272" y="5619980"/>
+            <a:ext cx="1783436" cy="523220"/>
+          </a:xfrm>
+          <a:prstGeom prst="rect">
+            <a:avLst/>
+          </a:prstGeom>
+          <a:noFill/>
+        </p:spPr>
+        <p:txBody>
+          <a:bodyPr wrap="square" rtlCol="0">
+            <a:spAutoFit/>
+          </a:bodyPr>
+          <a:lstStyle/>
+          <a:p>
+            <a:r>
+              <a:rPr lang="zh-CN" altLang="en-US" sz="2800" b="1" dirty="0">
+                <a:latin typeface="微软雅黑" panose="020B0503020204020204" pitchFamily="34" charset="-122"/>
+                <a:ea typeface="微软雅黑" panose="020B0503020204020204" pitchFamily="34" charset="-122"/>
+              </a:rPr>
+              <a:t>社交媒体</a:t>
+            </a:r>
+          </a:p>
+        </p:txBody>
+      </p:sp>
+      <p:sp>
+        <p:nvSpPr>
+          <p:cNvPr id="54" name="文本框 53">
+            <a:extLst>
+              <a:ext uri="{FF2B5EF4-FFF2-40B4-BE49-F238E27FC236}">
+                <a16:creationId xmlns:a16="http://schemas.microsoft.com/office/drawing/2014/main" id="{5313424D-C300-2930-2BA7-50DAFD8A10E1}"/>
+              </a:ext>
+            </a:extLst>
+          </p:cNvPr>
+          <p:cNvSpPr txBox="1"/>
+          <p:nvPr/>
+        </p:nvSpPr>
+        <p:spPr>
+          <a:xfrm>
+            <a:off x="3463948" y="1589715"/>
+            <a:ext cx="1222521" cy="923330"/>
+          </a:xfrm>
+          <a:prstGeom prst="rect">
+            <a:avLst/>
+          </a:prstGeom>
+          <a:noFill/>
+        </p:spPr>
+        <p:txBody>
+          <a:bodyPr wrap="square" rtlCol="0">
+            <a:spAutoFit/>
+          </a:bodyPr>
+          <a:lstStyle/>
+          <a:p>
+            <a:r>
+              <a:rPr lang="zh-CN" altLang="en-US" b="1" dirty="0">
+                <a:latin typeface="微软雅黑" panose="020B0503020204020204" pitchFamily="34" charset="-122"/>
+                <a:ea typeface="微软雅黑" panose="020B0503020204020204" pitchFamily="34" charset="-122"/>
+              </a:rPr>
+              <a:t>软件平台开发维护和升级</a:t>
+            </a:r>
+          </a:p>
+        </p:txBody>
+      </p:sp>
+      <p:sp>
+        <p:nvSpPr>
+          <p:cNvPr id="55" name="文本框 54">
+            <a:extLst>
+              <a:ext uri="{FF2B5EF4-FFF2-40B4-BE49-F238E27FC236}">
+                <a16:creationId xmlns:a16="http://schemas.microsoft.com/office/drawing/2014/main" id="{004EB9C7-79AF-14E0-7AA9-E5C118C63A0E}"/>
+              </a:ext>
+            </a:extLst>
+          </p:cNvPr>
+          <p:cNvSpPr txBox="1"/>
+          <p:nvPr/>
+        </p:nvSpPr>
+        <p:spPr>
+          <a:xfrm>
+            <a:off x="4636599" y="1398728"/>
+            <a:ext cx="1222521" cy="738664"/>
+          </a:xfrm>
+          <a:prstGeom prst="rect">
+            <a:avLst/>
+          </a:prstGeom>
+          <a:noFill/>
+        </p:spPr>
+        <p:txBody>
+          <a:bodyPr wrap="square" rtlCol="0">
+            <a:spAutoFit/>
+          </a:bodyPr>
+          <a:lstStyle/>
+          <a:p>
+            <a:r>
+              <a:rPr lang="zh-CN" altLang="en-US" sz="1400" b="1" dirty="0">
+                <a:latin typeface="微软雅黑" panose="020B0503020204020204" pitchFamily="34" charset="-122"/>
+                <a:ea typeface="微软雅黑" panose="020B0503020204020204" pitchFamily="34" charset="-122"/>
+              </a:rPr>
+              <a:t>高质量图文的原始积累与迭代更新</a:t>
+            </a:r>
+          </a:p>
+        </p:txBody>
+      </p:sp>
+      <p:sp>
+        <p:nvSpPr>
+          <p:cNvPr id="57" name="文本框 56">
+            <a:extLst>
+              <a:ext uri="{FF2B5EF4-FFF2-40B4-BE49-F238E27FC236}">
+                <a16:creationId xmlns:a16="http://schemas.microsoft.com/office/drawing/2014/main" id="{C4173C67-82CF-FDD4-1717-59D9FDAB4398}"/>
+              </a:ext>
+            </a:extLst>
+          </p:cNvPr>
+          <p:cNvSpPr txBox="1"/>
+          <p:nvPr/>
+        </p:nvSpPr>
+        <p:spPr>
+          <a:xfrm>
+            <a:off x="3444454" y="2494982"/>
+            <a:ext cx="1222521" cy="584775"/>
+          </a:xfrm>
+          <a:prstGeom prst="rect">
+            <a:avLst/>
+          </a:prstGeom>
+          <a:noFill/>
+        </p:spPr>
+        <p:txBody>
+          <a:bodyPr wrap="square" rtlCol="0">
+            <a:spAutoFit/>
+          </a:bodyPr>
+          <a:lstStyle/>
+          <a:p>
+            <a:r>
+              <a:rPr lang="zh-CN" altLang="en-US" sz="1600" b="1" dirty="0">
+                <a:latin typeface="微软雅黑" panose="020B0503020204020204" pitchFamily="34" charset="-122"/>
+                <a:ea typeface="微软雅黑" panose="020B0503020204020204" pitchFamily="34" charset="-122"/>
+              </a:rPr>
+              <a:t>搜索引擎推荐算法研发</a:t>
+            </a:r>
+          </a:p>
+        </p:txBody>
+      </p:sp>
+      <p:sp>
+        <p:nvSpPr>
+          <p:cNvPr id="59" name="文本框 58">
+            <a:extLst>
+              <a:ext uri="{FF2B5EF4-FFF2-40B4-BE49-F238E27FC236}">
+                <a16:creationId xmlns:a16="http://schemas.microsoft.com/office/drawing/2014/main" id="{C622185D-DC43-7A87-0F99-D9ECD1851733}"/>
+              </a:ext>
+            </a:extLst>
+          </p:cNvPr>
+          <p:cNvSpPr txBox="1"/>
+          <p:nvPr/>
+        </p:nvSpPr>
+        <p:spPr>
+          <a:xfrm>
+            <a:off x="3452350" y="3172438"/>
+            <a:ext cx="1222521" cy="738664"/>
+          </a:xfrm>
+          <a:prstGeom prst="rect">
+            <a:avLst/>
+          </a:prstGeom>
+          <a:noFill/>
+        </p:spPr>
+        <p:txBody>
+          <a:bodyPr wrap="square" rtlCol="0">
+            <a:spAutoFit/>
+          </a:bodyPr>
+          <a:lstStyle/>
+          <a:p>
+            <a:r>
+              <a:rPr lang="en-US" altLang="zh-CN" sz="1400" b="1" dirty="0">
+                <a:latin typeface="微软雅黑" panose="020B0503020204020204" pitchFamily="34" charset="-122"/>
+                <a:ea typeface="微软雅黑" panose="020B0503020204020204" pitchFamily="34" charset="-122"/>
+              </a:rPr>
+              <a:t>Dark Mode </a:t>
+            </a:r>
+            <a:r>
+              <a:rPr lang="zh-CN" altLang="en-US" sz="1400" b="1" dirty="0">
+                <a:latin typeface="微软雅黑" panose="020B0503020204020204" pitchFamily="34" charset="-122"/>
+                <a:ea typeface="微软雅黑" panose="020B0503020204020204" pitchFamily="34" charset="-122"/>
+              </a:rPr>
+              <a:t>网络流行工具集研发</a:t>
+            </a:r>
+          </a:p>
+        </p:txBody>
+      </p:sp>
+      <p:sp>
+        <p:nvSpPr>
+          <p:cNvPr id="61" name="文本框 60">
+            <a:extLst>
+              <a:ext uri="{FF2B5EF4-FFF2-40B4-BE49-F238E27FC236}">
+                <a16:creationId xmlns:a16="http://schemas.microsoft.com/office/drawing/2014/main" id="{85C231B7-934A-B2D0-6425-045E6C80F293}"/>
+              </a:ext>
+            </a:extLst>
+          </p:cNvPr>
+          <p:cNvSpPr txBox="1"/>
+          <p:nvPr/>
+        </p:nvSpPr>
+        <p:spPr>
+          <a:xfrm>
+            <a:off x="4665446" y="2226382"/>
+            <a:ext cx="1071187" cy="707886"/>
+          </a:xfrm>
+          <a:prstGeom prst="rect">
+            <a:avLst/>
+          </a:prstGeom>
+          <a:noFill/>
+        </p:spPr>
+        <p:txBody>
+          <a:bodyPr wrap="square" rtlCol="0">
+            <a:spAutoFit/>
+          </a:bodyPr>
+          <a:lstStyle/>
+          <a:p>
+            <a:r>
+              <a:rPr lang="zh-CN" altLang="en-US" sz="2000" b="1" dirty="0">
+                <a:latin typeface="微软雅黑" panose="020B0503020204020204" pitchFamily="34" charset="-122"/>
+                <a:ea typeface="微软雅黑" panose="020B0503020204020204" pitchFamily="34" charset="-122"/>
+              </a:rPr>
+              <a:t>平台社区监管</a:t>
+            </a:r>
+          </a:p>
+        </p:txBody>
+      </p:sp>
+      <p:sp>
+        <p:nvSpPr>
+          <p:cNvPr id="63" name="文本框 62">
+            <a:extLst>
+              <a:ext uri="{FF2B5EF4-FFF2-40B4-BE49-F238E27FC236}">
+                <a16:creationId xmlns:a16="http://schemas.microsoft.com/office/drawing/2014/main" id="{D052179F-5783-77DD-509B-170F5779B56E}"/>
+              </a:ext>
+            </a:extLst>
+          </p:cNvPr>
+          <p:cNvSpPr txBox="1"/>
+          <p:nvPr/>
+        </p:nvSpPr>
+        <p:spPr>
+          <a:xfrm>
+            <a:off x="4686076" y="3144076"/>
+            <a:ext cx="1071187" cy="707886"/>
+          </a:xfrm>
+          <a:prstGeom prst="rect">
+            <a:avLst/>
+          </a:prstGeom>
+          <a:noFill/>
+        </p:spPr>
+        <p:txBody>
+          <a:bodyPr wrap="square" rtlCol="0">
+            <a:spAutoFit/>
+          </a:bodyPr>
+          <a:lstStyle/>
+          <a:p>
+            <a:r>
+              <a:rPr lang="zh-CN" altLang="en-US" sz="2000" b="1" dirty="0">
+                <a:latin typeface="微软雅黑" panose="020B0503020204020204" pitchFamily="34" charset="-122"/>
+                <a:ea typeface="微软雅黑" panose="020B0503020204020204" pitchFamily="34" charset="-122"/>
+              </a:rPr>
+              <a:t>跟进用户反馈</a:t>
+            </a:r>
+          </a:p>
+        </p:txBody>
+      </p:sp>
+      <p:sp>
+        <p:nvSpPr>
+          <p:cNvPr id="65" name="文本框 64">
+            <a:extLst>
+              <a:ext uri="{FF2B5EF4-FFF2-40B4-BE49-F238E27FC236}">
+                <a16:creationId xmlns:a16="http://schemas.microsoft.com/office/drawing/2014/main" id="{27F7FFA6-9595-75E9-4EE5-A9FA6408885F}"/>
+              </a:ext>
+            </a:extLst>
+          </p:cNvPr>
+          <p:cNvSpPr txBox="1"/>
+          <p:nvPr/>
+        </p:nvSpPr>
+        <p:spPr>
+          <a:xfrm>
+            <a:off x="3455835" y="4810457"/>
+            <a:ext cx="1123001" cy="830997"/>
+          </a:xfrm>
+          <a:prstGeom prst="rect">
+            <a:avLst/>
+          </a:prstGeom>
+          <a:noFill/>
+        </p:spPr>
+        <p:txBody>
+          <a:bodyPr wrap="square" rtlCol="0">
+            <a:spAutoFit/>
+          </a:bodyPr>
+          <a:lstStyle/>
+          <a:p>
+            <a:r>
+              <a:rPr lang="zh-CN" altLang="en-US" sz="2400" b="1" dirty="0">
+                <a:latin typeface="微软雅黑" panose="020B0503020204020204" pitchFamily="34" charset="-122"/>
+                <a:ea typeface="微软雅黑" panose="020B0503020204020204" pitchFamily="34" charset="-122"/>
+              </a:rPr>
+              <a:t>知识性资源</a:t>
+            </a:r>
+          </a:p>
+        </p:txBody>
+      </p:sp>
+      <p:sp>
+        <p:nvSpPr>
+          <p:cNvPr id="67" name="文本框 66">
+            <a:extLst>
+              <a:ext uri="{FF2B5EF4-FFF2-40B4-BE49-F238E27FC236}">
+                <a16:creationId xmlns:a16="http://schemas.microsoft.com/office/drawing/2014/main" id="{39C6EF08-3609-EC9E-5622-6AEC88680C57}"/>
+              </a:ext>
+            </a:extLst>
+          </p:cNvPr>
+          <p:cNvSpPr txBox="1"/>
+          <p:nvPr/>
+        </p:nvSpPr>
+        <p:spPr>
+          <a:xfrm>
+            <a:off x="3509334" y="5848581"/>
+            <a:ext cx="1028752" cy="954107"/>
+          </a:xfrm>
+          <a:prstGeom prst="rect">
+            <a:avLst/>
+          </a:prstGeom>
+          <a:noFill/>
+        </p:spPr>
+        <p:txBody>
+          <a:bodyPr wrap="square" rtlCol="0">
+            <a:spAutoFit/>
+          </a:bodyPr>
+          <a:lstStyle/>
+          <a:p>
+            <a:r>
+              <a:rPr lang="zh-CN" altLang="en-US" sz="2800" b="1" dirty="0">
+                <a:latin typeface="微软雅黑" panose="020B0503020204020204" pitchFamily="34" charset="-122"/>
+                <a:ea typeface="微软雅黑" panose="020B0503020204020204" pitchFamily="34" charset="-122"/>
+              </a:rPr>
+              <a:t>金融资源</a:t>
+            </a:r>
+          </a:p>
+        </p:txBody>
+      </p:sp>
+      <p:sp>
+        <p:nvSpPr>
+          <p:cNvPr id="71" name="文本框 70">
+            <a:extLst>
+              <a:ext uri="{FF2B5EF4-FFF2-40B4-BE49-F238E27FC236}">
+                <a16:creationId xmlns:a16="http://schemas.microsoft.com/office/drawing/2014/main" id="{72719CCD-D04E-D71D-9657-8F8080FC5574}"/>
+              </a:ext>
+            </a:extLst>
+          </p:cNvPr>
+          <p:cNvSpPr txBox="1"/>
+          <p:nvPr/>
+        </p:nvSpPr>
+        <p:spPr>
+          <a:xfrm>
+            <a:off x="4783312" y="4229530"/>
+            <a:ext cx="1014428" cy="830997"/>
+          </a:xfrm>
+          <a:prstGeom prst="rect">
+            <a:avLst/>
+          </a:prstGeom>
+          <a:noFill/>
+        </p:spPr>
+        <p:txBody>
+          <a:bodyPr wrap="square" rtlCol="0">
+            <a:spAutoFit/>
+          </a:bodyPr>
+          <a:lstStyle/>
+          <a:p>
+            <a:r>
+              <a:rPr lang="zh-CN" altLang="en-US" sz="2400" b="1" dirty="0">
+                <a:latin typeface="微软雅黑" panose="020B0503020204020204" pitchFamily="34" charset="-122"/>
+                <a:ea typeface="微软雅黑" panose="020B0503020204020204" pitchFamily="34" charset="-122"/>
+              </a:rPr>
+              <a:t>人力资源</a:t>
+            </a:r>
+          </a:p>
+        </p:txBody>
+      </p:sp>
+      <p:sp>
+        <p:nvSpPr>
+          <p:cNvPr id="73" name="文本框 72">
+            <a:extLst>
+              <a:ext uri="{FF2B5EF4-FFF2-40B4-BE49-F238E27FC236}">
+                <a16:creationId xmlns:a16="http://schemas.microsoft.com/office/drawing/2014/main" id="{5BE12099-AF11-7337-54D7-9E3FE1F052B2}"/>
+              </a:ext>
+            </a:extLst>
+          </p:cNvPr>
+          <p:cNvSpPr txBox="1"/>
+          <p:nvPr/>
+        </p:nvSpPr>
+        <p:spPr>
+          <a:xfrm>
+            <a:off x="4839368" y="5113103"/>
+            <a:ext cx="1014428" cy="830997"/>
+          </a:xfrm>
+          <a:prstGeom prst="rect">
+            <a:avLst/>
+          </a:prstGeom>
+          <a:noFill/>
+        </p:spPr>
+        <p:txBody>
+          <a:bodyPr wrap="square" rtlCol="0">
+            <a:spAutoFit/>
+          </a:bodyPr>
+          <a:lstStyle/>
+          <a:p>
+            <a:r>
+              <a:rPr lang="zh-CN" altLang="en-US" sz="2400" b="1" dirty="0">
+                <a:latin typeface="微软雅黑" panose="020B0503020204020204" pitchFamily="34" charset="-122"/>
+                <a:ea typeface="微软雅黑" panose="020B0503020204020204" pitchFamily="34" charset="-122"/>
+              </a:rPr>
+              <a:t>素材资源</a:t>
+            </a:r>
+          </a:p>
+        </p:txBody>
+      </p:sp>
+      <p:sp>
+        <p:nvSpPr>
+          <p:cNvPr id="75" name="文本框 74">
+            <a:extLst>
+              <a:ext uri="{FF2B5EF4-FFF2-40B4-BE49-F238E27FC236}">
+                <a16:creationId xmlns:a16="http://schemas.microsoft.com/office/drawing/2014/main" id="{287712AE-9154-86D0-44E3-42B7A09AD706}"/>
+              </a:ext>
+            </a:extLst>
+          </p:cNvPr>
+          <p:cNvSpPr txBox="1"/>
+          <p:nvPr/>
+        </p:nvSpPr>
+        <p:spPr>
+          <a:xfrm>
+            <a:off x="4822674" y="6036537"/>
+            <a:ext cx="1014428" cy="830997"/>
+          </a:xfrm>
+          <a:prstGeom prst="rect">
+            <a:avLst/>
+          </a:prstGeom>
+          <a:noFill/>
+        </p:spPr>
+        <p:txBody>
+          <a:bodyPr wrap="square" rtlCol="0">
+            <a:spAutoFit/>
+          </a:bodyPr>
+          <a:lstStyle/>
+          <a:p>
+            <a:r>
+              <a:rPr lang="zh-CN" altLang="en-US" sz="2400" b="1" dirty="0">
+                <a:latin typeface="微软雅黑" panose="020B0503020204020204" pitchFamily="34" charset="-122"/>
+                <a:ea typeface="微软雅黑" panose="020B0503020204020204" pitchFamily="34" charset="-122"/>
+              </a:rPr>
+              <a:t>社区资源</a:t>
+            </a:r>
+          </a:p>
+        </p:txBody>
+      </p:sp>
+      <p:sp>
+        <p:nvSpPr>
+          <p:cNvPr id="77" name="文本框 76">
+            <a:extLst>
+              <a:ext uri="{FF2B5EF4-FFF2-40B4-BE49-F238E27FC236}">
+                <a16:creationId xmlns:a16="http://schemas.microsoft.com/office/drawing/2014/main" id="{BADD322D-6888-C67A-263B-180283765E2B}"/>
+              </a:ext>
+            </a:extLst>
+          </p:cNvPr>
+          <p:cNvSpPr txBox="1"/>
+          <p:nvPr/>
+        </p:nvSpPr>
+        <p:spPr>
+          <a:xfrm>
+            <a:off x="6313640" y="2294538"/>
+            <a:ext cx="1071187" cy="523220"/>
+          </a:xfrm>
+          <a:prstGeom prst="rect">
+            <a:avLst/>
+          </a:prstGeom>
+          <a:noFill/>
+        </p:spPr>
+        <p:txBody>
+          <a:bodyPr wrap="square" rtlCol="0">
+            <a:spAutoFit/>
+          </a:bodyPr>
+          <a:lstStyle/>
+          <a:p>
+            <a:r>
+              <a:rPr lang="zh-CN" altLang="en-US" sz="2800" b="1" dirty="0">
+                <a:latin typeface="微软雅黑" panose="020B0503020204020204" pitchFamily="34" charset="-122"/>
+                <a:ea typeface="微软雅黑" panose="020B0503020204020204" pitchFamily="34" charset="-122"/>
+              </a:rPr>
+              <a:t>创新</a:t>
+            </a:r>
+          </a:p>
+        </p:txBody>
+      </p:sp>
+      <p:sp>
+        <p:nvSpPr>
+          <p:cNvPr id="79" name="文本框 78">
+            <a:extLst>
+              <a:ext uri="{FF2B5EF4-FFF2-40B4-BE49-F238E27FC236}">
+                <a16:creationId xmlns:a16="http://schemas.microsoft.com/office/drawing/2014/main" id="{D8E029B3-F0DA-CD67-247A-9FBE41BDB1CA}"/>
+              </a:ext>
+            </a:extLst>
+          </p:cNvPr>
+          <p:cNvSpPr txBox="1"/>
+          <p:nvPr/>
+        </p:nvSpPr>
+        <p:spPr>
+          <a:xfrm>
+            <a:off x="6367643" y="3556476"/>
+            <a:ext cx="1071187" cy="954107"/>
+          </a:xfrm>
+          <a:prstGeom prst="rect">
+            <a:avLst/>
+          </a:prstGeom>
+          <a:noFill/>
+        </p:spPr>
+        <p:txBody>
+          <a:bodyPr wrap="square" rtlCol="0">
+            <a:spAutoFit/>
+          </a:bodyPr>
+          <a:lstStyle/>
+          <a:p>
+            <a:r>
+              <a:rPr lang="zh-CN" altLang="en-US" sz="2800" b="1" dirty="0">
+                <a:latin typeface="微软雅黑" panose="020B0503020204020204" pitchFamily="34" charset="-122"/>
+                <a:ea typeface="微软雅黑" panose="020B0503020204020204" pitchFamily="34" charset="-122"/>
+              </a:rPr>
+              <a:t>缩减成本</a:t>
+            </a:r>
+          </a:p>
+        </p:txBody>
+      </p:sp>
+      <p:sp>
+        <p:nvSpPr>
+          <p:cNvPr id="80" name="文本框 79">
+            <a:extLst>
+              <a:ext uri="{FF2B5EF4-FFF2-40B4-BE49-F238E27FC236}">
+                <a16:creationId xmlns:a16="http://schemas.microsoft.com/office/drawing/2014/main" id="{0C3B71DB-AE3D-36D7-126E-E9C4515C8679}"/>
+              </a:ext>
+            </a:extLst>
+          </p:cNvPr>
+          <p:cNvSpPr txBox="1"/>
+          <p:nvPr/>
+        </p:nvSpPr>
+        <p:spPr>
+          <a:xfrm>
+            <a:off x="6313639" y="5217336"/>
+            <a:ext cx="1071187" cy="707886"/>
+          </a:xfrm>
+          <a:prstGeom prst="rect">
+            <a:avLst/>
+          </a:prstGeom>
+          <a:noFill/>
+        </p:spPr>
+        <p:txBody>
+          <a:bodyPr wrap="square" rtlCol="0">
+            <a:spAutoFit/>
+          </a:bodyPr>
+          <a:lstStyle/>
+          <a:p>
+            <a:r>
+              <a:rPr lang="zh-CN" altLang="en-US" sz="2000" b="1" dirty="0">
+                <a:latin typeface="微软雅黑" panose="020B0503020204020204" pitchFamily="34" charset="-122"/>
+                <a:ea typeface="微软雅黑" panose="020B0503020204020204" pitchFamily="34" charset="-122"/>
+              </a:rPr>
+              <a:t>便利性</a:t>
+            </a:r>
+            <a:r>
+              <a:rPr lang="en-US" altLang="zh-CN" sz="2000" b="1" dirty="0">
+                <a:latin typeface="微软雅黑" panose="020B0503020204020204" pitchFamily="34" charset="-122"/>
+                <a:ea typeface="微软雅黑" panose="020B0503020204020204" pitchFamily="34" charset="-122"/>
+              </a:rPr>
+              <a:t>/</a:t>
+            </a:r>
+            <a:r>
+              <a:rPr lang="zh-CN" altLang="en-US" sz="2000" b="1" dirty="0">
+                <a:latin typeface="微软雅黑" panose="020B0503020204020204" pitchFamily="34" charset="-122"/>
+                <a:ea typeface="微软雅黑" panose="020B0503020204020204" pitchFamily="34" charset="-122"/>
+              </a:rPr>
+              <a:t>实用性</a:t>
+            </a:r>
+          </a:p>
+        </p:txBody>
+      </p:sp>
+      <p:sp>
+        <p:nvSpPr>
+          <p:cNvPr id="81" name="文本框 80">
+            <a:extLst>
+              <a:ext uri="{FF2B5EF4-FFF2-40B4-BE49-F238E27FC236}">
+                <a16:creationId xmlns:a16="http://schemas.microsoft.com/office/drawing/2014/main" id="{C3CD75CA-9E43-0CE5-0CAA-5CAA56C2CF85}"/>
+              </a:ext>
+            </a:extLst>
+          </p:cNvPr>
+          <p:cNvSpPr txBox="1"/>
+          <p:nvPr/>
+        </p:nvSpPr>
+        <p:spPr>
+          <a:xfrm>
+            <a:off x="7562850" y="2839262"/>
+            <a:ext cx="1071187" cy="954107"/>
+          </a:xfrm>
+          <a:prstGeom prst="rect">
+            <a:avLst/>
+          </a:prstGeom>
+          <a:noFill/>
+        </p:spPr>
+        <p:txBody>
+          <a:bodyPr wrap="square" rtlCol="0">
+            <a:spAutoFit/>
+          </a:bodyPr>
+          <a:lstStyle/>
+          <a:p>
+            <a:r>
+              <a:rPr lang="zh-CN" altLang="en-US" sz="2800" b="1" dirty="0">
+                <a:latin typeface="微软雅黑" panose="020B0503020204020204" pitchFamily="34" charset="-122"/>
+                <a:ea typeface="微软雅黑" panose="020B0503020204020204" pitchFamily="34" charset="-122"/>
+              </a:rPr>
+              <a:t>定制化</a:t>
+            </a:r>
+          </a:p>
+        </p:txBody>
+      </p:sp>
+      <p:sp>
+        <p:nvSpPr>
+          <p:cNvPr id="83" name="文本框 82">
+            <a:extLst>
+              <a:ext uri="{FF2B5EF4-FFF2-40B4-BE49-F238E27FC236}">
+                <a16:creationId xmlns:a16="http://schemas.microsoft.com/office/drawing/2014/main" id="{373A6919-60F2-DDE1-E22D-75B2951F5E10}"/>
+              </a:ext>
+            </a:extLst>
+          </p:cNvPr>
+          <p:cNvSpPr txBox="1"/>
+          <p:nvPr/>
+        </p:nvSpPr>
+        <p:spPr>
+          <a:xfrm>
+            <a:off x="7591425" y="4323580"/>
+            <a:ext cx="1071187" cy="954107"/>
+          </a:xfrm>
+          <a:prstGeom prst="rect">
+            <a:avLst/>
+          </a:prstGeom>
+          <a:noFill/>
+        </p:spPr>
+        <p:txBody>
+          <a:bodyPr wrap="square" rtlCol="0">
+            <a:spAutoFit/>
+          </a:bodyPr>
+          <a:lstStyle/>
+          <a:p>
+            <a:r>
+              <a:rPr lang="zh-CN" altLang="en-US" sz="2800" b="1" dirty="0">
+                <a:latin typeface="微软雅黑" panose="020B0503020204020204" pitchFamily="34" charset="-122"/>
+                <a:ea typeface="微软雅黑" panose="020B0503020204020204" pitchFamily="34" charset="-122"/>
+              </a:rPr>
+              <a:t>可获得性</a:t>
+            </a:r>
+          </a:p>
+        </p:txBody>
+      </p:sp>
+      <p:sp>
+        <p:nvSpPr>
+          <p:cNvPr id="85" name="文本框 84">
+            <a:extLst>
+              <a:ext uri="{FF2B5EF4-FFF2-40B4-BE49-F238E27FC236}">
+                <a16:creationId xmlns:a16="http://schemas.microsoft.com/office/drawing/2014/main" id="{1D108017-5B80-8B2F-7352-EE1F561B547A}"/>
+              </a:ext>
+            </a:extLst>
+          </p:cNvPr>
+          <p:cNvSpPr txBox="1"/>
+          <p:nvPr/>
+        </p:nvSpPr>
+        <p:spPr>
+          <a:xfrm>
+            <a:off x="9068348" y="1879237"/>
+            <a:ext cx="1285291" cy="954107"/>
+          </a:xfrm>
+          <a:prstGeom prst="rect">
+            <a:avLst/>
+          </a:prstGeom>
+          <a:noFill/>
+        </p:spPr>
+        <p:txBody>
+          <a:bodyPr wrap="square" rtlCol="0">
+            <a:spAutoFit/>
+          </a:bodyPr>
+          <a:lstStyle/>
+          <a:p>
+            <a:r>
+              <a:rPr lang="zh-CN" altLang="en-US" sz="2800" b="1" dirty="0">
+                <a:latin typeface="微软雅黑" panose="020B0503020204020204" pitchFamily="34" charset="-122"/>
+                <a:ea typeface="微软雅黑" panose="020B0503020204020204" pitchFamily="34" charset="-122"/>
+              </a:rPr>
+              <a:t>自动化服务</a:t>
+            </a:r>
+          </a:p>
+        </p:txBody>
+      </p:sp>
+      <p:sp>
+        <p:nvSpPr>
+          <p:cNvPr id="87" name="文本框 86">
+            <a:extLst>
+              <a:ext uri="{FF2B5EF4-FFF2-40B4-BE49-F238E27FC236}">
+                <a16:creationId xmlns:a16="http://schemas.microsoft.com/office/drawing/2014/main" id="{32CD6F3A-85AB-9ED0-4E22-D361E3166516}"/>
+              </a:ext>
+            </a:extLst>
+          </p:cNvPr>
+          <p:cNvSpPr txBox="1"/>
+          <p:nvPr/>
+        </p:nvSpPr>
+        <p:spPr>
+          <a:xfrm>
+            <a:off x="10420660" y="1978258"/>
+            <a:ext cx="1285291" cy="646331"/>
+          </a:xfrm>
+          <a:prstGeom prst="rect">
+            <a:avLst/>
+          </a:prstGeom>
+          <a:noFill/>
+        </p:spPr>
+        <p:txBody>
+          <a:bodyPr wrap="square" rtlCol="0">
+            <a:spAutoFit/>
+          </a:bodyPr>
+          <a:lstStyle/>
+          <a:p>
+            <a:r>
+              <a:rPr lang="zh-CN" altLang="en-US" sz="3600" b="1" dirty="0">
+                <a:latin typeface="微软雅黑" panose="020B0503020204020204" pitchFamily="34" charset="-122"/>
+                <a:ea typeface="微软雅黑" panose="020B0503020204020204" pitchFamily="34" charset="-122"/>
+              </a:rPr>
+              <a:t>社区</a:t>
+            </a:r>
+          </a:p>
+        </p:txBody>
+      </p:sp>
+      <p:sp>
+        <p:nvSpPr>
+          <p:cNvPr id="89" name="文本框 88">
+            <a:extLst>
+              <a:ext uri="{FF2B5EF4-FFF2-40B4-BE49-F238E27FC236}">
+                <a16:creationId xmlns:a16="http://schemas.microsoft.com/office/drawing/2014/main" id="{A90FAE7A-8AB1-25AF-3CEC-F44BB4233952}"/>
+              </a:ext>
+            </a:extLst>
+          </p:cNvPr>
+          <p:cNvSpPr txBox="1"/>
+          <p:nvPr/>
+        </p:nvSpPr>
+        <p:spPr>
+          <a:xfrm>
+            <a:off x="9015032" y="2802576"/>
+            <a:ext cx="1561231" cy="1200329"/>
+          </a:xfrm>
+          <a:prstGeom prst="rect">
+            <a:avLst/>
+          </a:prstGeom>
+          <a:noFill/>
+        </p:spPr>
+        <p:txBody>
+          <a:bodyPr wrap="square" rtlCol="0">
+            <a:spAutoFit/>
+          </a:bodyPr>
+          <a:lstStyle/>
+          <a:p>
+            <a:r>
+              <a:rPr lang="zh-CN" altLang="en-US" sz="2400" b="1" dirty="0">
+                <a:latin typeface="微软雅黑" panose="020B0503020204020204" pitchFamily="34" charset="-122"/>
+                <a:ea typeface="微软雅黑" panose="020B0503020204020204" pitchFamily="34" charset="-122"/>
+              </a:rPr>
+              <a:t>与客户协作、共同创造</a:t>
+            </a:r>
+          </a:p>
+        </p:txBody>
+      </p:sp>
+      <p:sp>
+        <p:nvSpPr>
+          <p:cNvPr id="91" name="文本框 90">
+            <a:extLst>
+              <a:ext uri="{FF2B5EF4-FFF2-40B4-BE49-F238E27FC236}">
+                <a16:creationId xmlns:a16="http://schemas.microsoft.com/office/drawing/2014/main" id="{713478C6-9CD6-C878-D8E5-F4D938E754D3}"/>
+              </a:ext>
+            </a:extLst>
+          </p:cNvPr>
+          <p:cNvSpPr txBox="1"/>
+          <p:nvPr/>
+        </p:nvSpPr>
+        <p:spPr>
+          <a:xfrm>
+            <a:off x="9169441" y="4955726"/>
+            <a:ext cx="1071187" cy="584775"/>
+          </a:xfrm>
+          <a:prstGeom prst="rect">
+            <a:avLst/>
+          </a:prstGeom>
+          <a:noFill/>
+        </p:spPr>
+        <p:txBody>
+          <a:bodyPr wrap="square" rtlCol="0">
+            <a:spAutoFit/>
+          </a:bodyPr>
+          <a:lstStyle/>
+          <a:p>
+            <a:r>
+              <a:rPr lang="zh-CN" altLang="en-US" sz="3200" b="1" dirty="0">
+                <a:latin typeface="微软雅黑" panose="020B0503020204020204" pitchFamily="34" charset="-122"/>
+                <a:ea typeface="微软雅黑" panose="020B0503020204020204" pitchFamily="34" charset="-122"/>
+              </a:rPr>
+              <a:t>认知</a:t>
+            </a:r>
+          </a:p>
+        </p:txBody>
+      </p:sp>
+      <p:sp>
+        <p:nvSpPr>
+          <p:cNvPr id="93" name="文本框 92">
+            <a:extLst>
+              <a:ext uri="{FF2B5EF4-FFF2-40B4-BE49-F238E27FC236}">
+                <a16:creationId xmlns:a16="http://schemas.microsoft.com/office/drawing/2014/main" id="{B2ACC69E-BD5E-C002-79A5-F701DAC524F5}"/>
+              </a:ext>
+            </a:extLst>
+          </p:cNvPr>
+          <p:cNvSpPr txBox="1"/>
+          <p:nvPr/>
+        </p:nvSpPr>
+        <p:spPr>
+          <a:xfrm>
+            <a:off x="9172992" y="6047905"/>
+            <a:ext cx="1071187" cy="584775"/>
+          </a:xfrm>
+          <a:prstGeom prst="rect">
+            <a:avLst/>
+          </a:prstGeom>
+          <a:noFill/>
+        </p:spPr>
+        <p:txBody>
+          <a:bodyPr wrap="square" rtlCol="0">
+            <a:spAutoFit/>
+          </a:bodyPr>
+          <a:lstStyle/>
+          <a:p>
+            <a:r>
+              <a:rPr lang="zh-CN" altLang="en-US" sz="3200" b="1" dirty="0">
+                <a:latin typeface="微软雅黑" panose="020B0503020204020204" pitchFamily="34" charset="-122"/>
+                <a:ea typeface="微软雅黑" panose="020B0503020204020204" pitchFamily="34" charset="-122"/>
+              </a:rPr>
+              <a:t>评估</a:t>
+            </a:r>
+          </a:p>
+        </p:txBody>
+      </p:sp>
+      <p:sp>
+        <p:nvSpPr>
+          <p:cNvPr id="95" name="文本框 94">
+            <a:extLst>
+              <a:ext uri="{FF2B5EF4-FFF2-40B4-BE49-F238E27FC236}">
+                <a16:creationId xmlns:a16="http://schemas.microsoft.com/office/drawing/2014/main" id="{65CCC311-2DE6-1C12-1EB8-4662A33504B4}"/>
+              </a:ext>
+            </a:extLst>
+          </p:cNvPr>
+          <p:cNvSpPr txBox="1"/>
+          <p:nvPr/>
+        </p:nvSpPr>
+        <p:spPr>
+          <a:xfrm>
+            <a:off x="10292885" y="4510583"/>
+            <a:ext cx="1071187" cy="584775"/>
+          </a:xfrm>
+          <a:prstGeom prst="rect">
+            <a:avLst/>
+          </a:prstGeom>
+          <a:noFill/>
+        </p:spPr>
+        <p:txBody>
+          <a:bodyPr wrap="square" rtlCol="0">
+            <a:spAutoFit/>
+          </a:bodyPr>
+          <a:lstStyle/>
+          <a:p>
+            <a:r>
+              <a:rPr lang="zh-CN" altLang="en-US" sz="3200" b="1" dirty="0">
+                <a:latin typeface="微软雅黑" panose="020B0503020204020204" pitchFamily="34" charset="-122"/>
+                <a:ea typeface="微软雅黑" panose="020B0503020204020204" pitchFamily="34" charset="-122"/>
+              </a:rPr>
+              <a:t>购买</a:t>
+            </a:r>
+          </a:p>
+        </p:txBody>
+      </p:sp>
+      <p:sp>
+        <p:nvSpPr>
+          <p:cNvPr id="97" name="文本框 96">
+            <a:extLst>
+              <a:ext uri="{FF2B5EF4-FFF2-40B4-BE49-F238E27FC236}">
+                <a16:creationId xmlns:a16="http://schemas.microsoft.com/office/drawing/2014/main" id="{177D4F77-5614-CCCC-3A91-67AFAF537800}"/>
+              </a:ext>
+            </a:extLst>
+          </p:cNvPr>
+          <p:cNvSpPr txBox="1"/>
+          <p:nvPr/>
+        </p:nvSpPr>
+        <p:spPr>
+          <a:xfrm>
+            <a:off x="10300874" y="5350505"/>
+            <a:ext cx="1071187" cy="584775"/>
+          </a:xfrm>
+          <a:prstGeom prst="rect">
+            <a:avLst/>
+          </a:prstGeom>
+          <a:noFill/>
+        </p:spPr>
+        <p:txBody>
+          <a:bodyPr wrap="square" rtlCol="0">
+            <a:spAutoFit/>
+          </a:bodyPr>
+          <a:lstStyle/>
+          <a:p>
+            <a:r>
+              <a:rPr lang="zh-CN" altLang="en-US" sz="3200" b="1" dirty="0">
+                <a:latin typeface="微软雅黑" panose="020B0503020204020204" pitchFamily="34" charset="-122"/>
+                <a:ea typeface="微软雅黑" panose="020B0503020204020204" pitchFamily="34" charset="-122"/>
+              </a:rPr>
+              <a:t>传递</a:t>
+            </a:r>
+          </a:p>
+        </p:txBody>
+      </p:sp>
+      <p:sp>
+        <p:nvSpPr>
+          <p:cNvPr id="99" name="文本框 98">
+            <a:extLst>
+              <a:ext uri="{FF2B5EF4-FFF2-40B4-BE49-F238E27FC236}">
+                <a16:creationId xmlns:a16="http://schemas.microsoft.com/office/drawing/2014/main" id="{2B31D679-8986-084B-AEEF-65CCBDB5A918}"/>
+              </a:ext>
+            </a:extLst>
+          </p:cNvPr>
+          <p:cNvSpPr txBox="1"/>
+          <p:nvPr/>
+        </p:nvSpPr>
+        <p:spPr>
+          <a:xfrm>
+            <a:off x="10280656" y="6217913"/>
+            <a:ext cx="1071187" cy="584775"/>
+          </a:xfrm>
+          <a:prstGeom prst="rect">
+            <a:avLst/>
+          </a:prstGeom>
+          <a:noFill/>
+        </p:spPr>
+        <p:txBody>
+          <a:bodyPr wrap="square" rtlCol="0">
+            <a:spAutoFit/>
+          </a:bodyPr>
+          <a:lstStyle/>
+          <a:p>
+            <a:r>
+              <a:rPr lang="zh-CN" altLang="en-US" sz="3200" b="1" dirty="0">
+                <a:latin typeface="微软雅黑" panose="020B0503020204020204" pitchFamily="34" charset="-122"/>
+                <a:ea typeface="微软雅黑" panose="020B0503020204020204" pitchFamily="34" charset="-122"/>
+              </a:rPr>
+              <a:t>售后</a:t>
+            </a:r>
+          </a:p>
+        </p:txBody>
+      </p:sp>
+      <p:sp>
+        <p:nvSpPr>
+          <p:cNvPr id="101" name="文本框 100">
+            <a:extLst>
+              <a:ext uri="{FF2B5EF4-FFF2-40B4-BE49-F238E27FC236}">
+                <a16:creationId xmlns:a16="http://schemas.microsoft.com/office/drawing/2014/main" id="{F96A2782-80B0-8447-7097-E2578A73226A}"/>
+              </a:ext>
+            </a:extLst>
+          </p:cNvPr>
+          <p:cNvSpPr txBox="1"/>
+          <p:nvPr/>
+        </p:nvSpPr>
+        <p:spPr>
+          <a:xfrm>
+            <a:off x="12869768" y="2038090"/>
+            <a:ext cx="1350149" cy="1384995"/>
+          </a:xfrm>
+          <a:prstGeom prst="rect">
+            <a:avLst/>
+          </a:prstGeom>
+          <a:noFill/>
+        </p:spPr>
+        <p:txBody>
+          <a:bodyPr wrap="square" rtlCol="0">
+            <a:spAutoFit/>
+          </a:bodyPr>
+          <a:lstStyle/>
+          <a:p>
+            <a:r>
+              <a:rPr lang="zh-CN" altLang="en-US" sz="2800" b="1" dirty="0">
+                <a:latin typeface="微软雅黑" panose="020B0503020204020204" pitchFamily="34" charset="-122"/>
+                <a:ea typeface="微软雅黑" panose="020B0503020204020204" pitchFamily="34" charset="-122"/>
+              </a:rPr>
+              <a:t>日常网络交流者</a:t>
+            </a:r>
+          </a:p>
+        </p:txBody>
+      </p:sp>
+      <p:sp>
+        <p:nvSpPr>
+          <p:cNvPr id="103" name="文本框 102">
+            <a:extLst>
+              <a:ext uri="{FF2B5EF4-FFF2-40B4-BE49-F238E27FC236}">
+                <a16:creationId xmlns:a16="http://schemas.microsoft.com/office/drawing/2014/main" id="{AF58AB2D-AFA8-2D25-5AA3-5C423253E160}"/>
+              </a:ext>
+            </a:extLst>
+          </p:cNvPr>
+          <p:cNvSpPr txBox="1"/>
+          <p:nvPr/>
+        </p:nvSpPr>
+        <p:spPr>
+          <a:xfrm>
+            <a:off x="11788968" y="3525315"/>
+            <a:ext cx="1561231" cy="1077218"/>
+          </a:xfrm>
+          <a:prstGeom prst="rect">
+            <a:avLst/>
+          </a:prstGeom>
+          <a:noFill/>
+        </p:spPr>
+        <p:txBody>
+          <a:bodyPr wrap="square" rtlCol="0">
+            <a:spAutoFit/>
+          </a:bodyPr>
+          <a:lstStyle/>
+          <a:p>
+            <a:r>
+              <a:rPr lang="zh-CN" altLang="en-US" sz="3200" b="1" dirty="0">
+                <a:latin typeface="微软雅黑" panose="020B0503020204020204" pitchFamily="34" charset="-122"/>
+                <a:ea typeface="微软雅黑" panose="020B0503020204020204" pitchFamily="34" charset="-122"/>
+              </a:rPr>
+              <a:t>宣传工作者</a:t>
+            </a:r>
+          </a:p>
+        </p:txBody>
+      </p:sp>
+      <p:sp>
+        <p:nvSpPr>
+          <p:cNvPr id="105" name="文本框 104">
+            <a:extLst>
+              <a:ext uri="{FF2B5EF4-FFF2-40B4-BE49-F238E27FC236}">
+                <a16:creationId xmlns:a16="http://schemas.microsoft.com/office/drawing/2014/main" id="{525C7F72-ABA5-5921-E3A5-E0552189C8BB}"/>
+              </a:ext>
+            </a:extLst>
+          </p:cNvPr>
+          <p:cNvSpPr txBox="1"/>
+          <p:nvPr/>
+        </p:nvSpPr>
+        <p:spPr>
+          <a:xfrm>
+            <a:off x="12951807" y="4542762"/>
+            <a:ext cx="1446195" cy="1077218"/>
+          </a:xfrm>
+          <a:prstGeom prst="rect">
+            <a:avLst/>
+          </a:prstGeom>
+          <a:noFill/>
+        </p:spPr>
+        <p:txBody>
+          <a:bodyPr wrap="square" rtlCol="0">
+            <a:spAutoFit/>
+          </a:bodyPr>
+          <a:lstStyle/>
+          <a:p>
+            <a:r>
+              <a:rPr lang="zh-CN" altLang="en-US" sz="3200" b="1" dirty="0">
+                <a:latin typeface="微软雅黑" panose="020B0503020204020204" pitchFamily="34" charset="-122"/>
+                <a:ea typeface="微软雅黑" panose="020B0503020204020204" pitchFamily="34" charset="-122"/>
+              </a:rPr>
+              <a:t>书面写作者</a:t>
+            </a:r>
+          </a:p>
+        </p:txBody>
+      </p:sp>
+      <p:sp>
+        <p:nvSpPr>
+          <p:cNvPr id="107" name="文本框 106">
+            <a:extLst>
+              <a:ext uri="{FF2B5EF4-FFF2-40B4-BE49-F238E27FC236}">
+                <a16:creationId xmlns:a16="http://schemas.microsoft.com/office/drawing/2014/main" id="{6350696E-8019-6254-1047-DAD0EC23C6F0}"/>
+              </a:ext>
+            </a:extLst>
+          </p:cNvPr>
+          <p:cNvSpPr txBox="1"/>
+          <p:nvPr/>
+        </p:nvSpPr>
+        <p:spPr>
+          <a:xfrm>
+            <a:off x="11905953" y="5848581"/>
+            <a:ext cx="1285291" cy="646331"/>
+          </a:xfrm>
+          <a:prstGeom prst="rect">
+            <a:avLst/>
+          </a:prstGeom>
+          <a:noFill/>
+        </p:spPr>
+        <p:txBody>
+          <a:bodyPr wrap="square" rtlCol="0">
+            <a:spAutoFit/>
+          </a:bodyPr>
+          <a:lstStyle/>
+          <a:p>
+            <a:r>
+              <a:rPr lang="zh-CN" altLang="en-US" sz="3600" b="1" dirty="0">
+                <a:latin typeface="微软雅黑" panose="020B0503020204020204" pitchFamily="34" charset="-122"/>
+                <a:ea typeface="微软雅黑" panose="020B0503020204020204" pitchFamily="34" charset="-122"/>
+              </a:rPr>
+              <a:t>学生</a:t>
+            </a:r>
+          </a:p>
+        </p:txBody>
+      </p:sp>
+      <p:sp>
+        <p:nvSpPr>
+          <p:cNvPr id="109" name="文本框 108">
+            <a:extLst>
+              <a:ext uri="{FF2B5EF4-FFF2-40B4-BE49-F238E27FC236}">
+                <a16:creationId xmlns:a16="http://schemas.microsoft.com/office/drawing/2014/main" id="{E1C6D47E-F8F6-5ABA-08AE-1C6C7E36FD3B}"/>
+              </a:ext>
+            </a:extLst>
+          </p:cNvPr>
+          <p:cNvSpPr txBox="1"/>
+          <p:nvPr/>
+        </p:nvSpPr>
+        <p:spPr>
+          <a:xfrm>
+            <a:off x="2358805" y="7636959"/>
+            <a:ext cx="1405892" cy="1446550"/>
+          </a:xfrm>
+          <a:prstGeom prst="rect">
+            <a:avLst/>
+          </a:prstGeom>
+          <a:noFill/>
+        </p:spPr>
+        <p:txBody>
+          <a:bodyPr wrap="square" rtlCol="0">
+            <a:spAutoFit/>
+          </a:bodyPr>
+          <a:lstStyle/>
+          <a:p>
+            <a:r>
+              <a:rPr lang="zh-CN" altLang="en-US" sz="4400" b="1" dirty="0">
+                <a:latin typeface="微软雅黑" panose="020B0503020204020204" pitchFamily="34" charset="-122"/>
+                <a:ea typeface="微软雅黑" panose="020B0503020204020204" pitchFamily="34" charset="-122"/>
+              </a:rPr>
+              <a:t>固定成本</a:t>
+            </a:r>
+          </a:p>
+        </p:txBody>
+      </p:sp>
+      <p:sp>
+        <p:nvSpPr>
+          <p:cNvPr id="111" name="文本框 110">
+            <a:extLst>
+              <a:ext uri="{FF2B5EF4-FFF2-40B4-BE49-F238E27FC236}">
+                <a16:creationId xmlns:a16="http://schemas.microsoft.com/office/drawing/2014/main" id="{156D7E61-E7FF-1E4B-429E-55AFDB7494E7}"/>
+              </a:ext>
+            </a:extLst>
+          </p:cNvPr>
+          <p:cNvSpPr txBox="1"/>
+          <p:nvPr/>
+        </p:nvSpPr>
+        <p:spPr>
+          <a:xfrm>
+            <a:off x="4447905" y="7614314"/>
+            <a:ext cx="1405891" cy="1446550"/>
+          </a:xfrm>
+          <a:prstGeom prst="rect">
+            <a:avLst/>
+          </a:prstGeom>
+          <a:noFill/>
+        </p:spPr>
+        <p:txBody>
+          <a:bodyPr wrap="square" rtlCol="0">
+            <a:spAutoFit/>
+          </a:bodyPr>
+          <a:lstStyle/>
+          <a:p>
+            <a:r>
+              <a:rPr lang="zh-CN" altLang="en-US" sz="4400" b="1" dirty="0">
+                <a:latin typeface="微软雅黑" panose="020B0503020204020204" pitchFamily="34" charset="-122"/>
+                <a:ea typeface="微软雅黑" panose="020B0503020204020204" pitchFamily="34" charset="-122"/>
+              </a:rPr>
+              <a:t>可变成本</a:t>
+            </a:r>
+          </a:p>
+        </p:txBody>
+      </p:sp>
+      <p:sp>
+        <p:nvSpPr>
+          <p:cNvPr id="113" name="文本框 112">
+            <a:extLst>
+              <a:ext uri="{FF2B5EF4-FFF2-40B4-BE49-F238E27FC236}">
+                <a16:creationId xmlns:a16="http://schemas.microsoft.com/office/drawing/2014/main" id="{ADD3DAAD-A9E5-3DB7-D625-F90F3FDC61F1}"/>
+              </a:ext>
+            </a:extLst>
+          </p:cNvPr>
+          <p:cNvSpPr txBox="1"/>
+          <p:nvPr/>
+        </p:nvSpPr>
+        <p:spPr>
+          <a:xfrm>
+            <a:off x="7898815" y="8006291"/>
+            <a:ext cx="2110688" cy="707886"/>
+          </a:xfrm>
+          <a:prstGeom prst="rect">
+            <a:avLst/>
+          </a:prstGeom>
+          <a:noFill/>
+        </p:spPr>
+        <p:txBody>
+          <a:bodyPr wrap="square" rtlCol="0">
+            <a:spAutoFit/>
+          </a:bodyPr>
+          <a:lstStyle/>
+          <a:p>
+            <a:r>
+              <a:rPr lang="zh-CN" altLang="en-US" sz="4000" b="1" dirty="0">
+                <a:latin typeface="微软雅黑" panose="020B0503020204020204" pitchFamily="34" charset="-122"/>
+                <a:ea typeface="微软雅黑" panose="020B0503020204020204" pitchFamily="34" charset="-122"/>
+              </a:rPr>
+              <a:t>使用费</a:t>
+            </a:r>
+          </a:p>
+        </p:txBody>
+      </p:sp>
+      <p:sp>
+        <p:nvSpPr>
+          <p:cNvPr id="115" name="文本框 114">
+            <a:extLst>
+              <a:ext uri="{FF2B5EF4-FFF2-40B4-BE49-F238E27FC236}">
+                <a16:creationId xmlns:a16="http://schemas.microsoft.com/office/drawing/2014/main" id="{286ACF6F-205C-9420-550B-D06EDB204452}"/>
+              </a:ext>
+            </a:extLst>
+          </p:cNvPr>
+          <p:cNvSpPr txBox="1"/>
+          <p:nvPr/>
+        </p:nvSpPr>
+        <p:spPr>
+          <a:xfrm>
+            <a:off x="9938121" y="7980280"/>
+            <a:ext cx="1767830" cy="707886"/>
+          </a:xfrm>
+          <a:prstGeom prst="rect">
+            <a:avLst/>
+          </a:prstGeom>
+          <a:noFill/>
+        </p:spPr>
+        <p:txBody>
+          <a:bodyPr wrap="square" rtlCol="0">
+            <a:spAutoFit/>
+          </a:bodyPr>
+          <a:lstStyle/>
+          <a:p>
+            <a:r>
+              <a:rPr lang="zh-CN" altLang="en-US" sz="4000" b="1" dirty="0">
+                <a:latin typeface="微软雅黑" panose="020B0503020204020204" pitchFamily="34" charset="-122"/>
+                <a:ea typeface="微软雅黑" panose="020B0503020204020204" pitchFamily="34" charset="-122"/>
+              </a:rPr>
+              <a:t>会员费</a:t>
+            </a:r>
+          </a:p>
+        </p:txBody>
+      </p:sp>
+      <p:sp>
+        <p:nvSpPr>
+          <p:cNvPr id="116" name="文本框 115">
+            <a:extLst>
+              <a:ext uri="{FF2B5EF4-FFF2-40B4-BE49-F238E27FC236}">
+                <a16:creationId xmlns:a16="http://schemas.microsoft.com/office/drawing/2014/main" id="{49874800-DBD3-3219-88EE-0932F028FA83}"/>
+              </a:ext>
+            </a:extLst>
+          </p:cNvPr>
+          <p:cNvSpPr txBox="1"/>
+          <p:nvPr/>
+        </p:nvSpPr>
+        <p:spPr>
+          <a:xfrm>
+            <a:off x="11917141" y="7698188"/>
+            <a:ext cx="1800872" cy="1323439"/>
+          </a:xfrm>
+          <a:prstGeom prst="rect">
+            <a:avLst/>
+          </a:prstGeom>
+          <a:noFill/>
+        </p:spPr>
+        <p:txBody>
+          <a:bodyPr wrap="square" rtlCol="0">
+            <a:spAutoFit/>
+          </a:bodyPr>
+          <a:lstStyle/>
+          <a:p>
+            <a:r>
+              <a:rPr lang="zh-CN" altLang="en-US" sz="4000" b="1" dirty="0">
+                <a:latin typeface="微软雅黑" panose="020B0503020204020204" pitchFamily="34" charset="-122"/>
+                <a:ea typeface="微软雅黑" panose="020B0503020204020204" pitchFamily="34" charset="-122"/>
+              </a:rPr>
+              <a:t>工具使用费</a:t>
+            </a:r>
+          </a:p>
+        </p:txBody>
+      </p:sp>
     </p:spTree>
     <p:extLst>
       <p:ext uri="{BB962C8B-B14F-4D97-AF65-F5344CB8AC3E}">
-        <p14:creationId xmlns:p14="http://schemas.microsoft.com/office/powerpoint/2010/main" val="3364909878"/>
+        <p14:creationId xmlns:p14="http://schemas.microsoft.com/office/powerpoint/2010/main" val="4125684692"/>
+      </p:ext>
+    </p:extLst>
+  </p:cSld>
+  <p:clrMapOvr>
+    <a:masterClrMapping/>
+  </p:clrMapOvr>
+</p:sld>
+</file>
+
+<file path=ppt/slides/slide3.xml><?xml version="1.0" encoding="utf-8"?>
+<p:sld xmlns:a="http://schemas.openxmlformats.org/drawingml/2006/main" xmlns:r="http://schemas.openxmlformats.org/officeDocument/2006/relationships" xmlns:p="http://schemas.openxmlformats.org/presentationml/2006/main">
+  <p:cSld>
+    <p:spTree>
+      <p:nvGrpSpPr>
+        <p:cNvPr id="1" name=""/>
+        <p:cNvGrpSpPr/>
+        <p:nvPr/>
+      </p:nvGrpSpPr>
+      <p:grpSpPr>
+        <a:xfrm>
+          <a:off x="0" y="0"/>
+          <a:ext cx="0" cy="0"/>
+          <a:chOff x="0" y="0"/>
+          <a:chExt cx="0" cy="0"/>
+        </a:xfrm>
+      </p:grpSpPr>
+      <p:sp>
+        <p:nvSpPr>
+          <p:cNvPr id="2" name="object 2"/>
+          <p:cNvSpPr txBox="1"/>
+          <p:nvPr/>
+        </p:nvSpPr>
+        <p:spPr>
+          <a:xfrm>
+            <a:off x="460698" y="540312"/>
+            <a:ext cx="4948555" cy="452120"/>
+          </a:xfrm>
+          <a:prstGeom prst="rect">
+            <a:avLst/>
+          </a:prstGeom>
+        </p:spPr>
+        <p:txBody>
+          <a:bodyPr vert="horz" wrap="square" lIns="0" tIns="12700" rIns="0" bIns="0" rtlCol="0">
+            <a:spAutoFit/>
+          </a:bodyPr>
+          <a:lstStyle/>
+          <a:p>
+            <a:pPr marL="12700">
+              <a:lnSpc>
+                <a:spcPct val="100000"/>
+              </a:lnSpc>
+              <a:spcBef>
+                <a:spcPts val="100"/>
+              </a:spcBef>
+            </a:pPr>
+            <a:r>
+              <a:rPr lang="en-US" altLang="zh-CN" sz="2800" b="1" spc="5" dirty="0">
+                <a:solidFill>
+                  <a:srgbClr val="231F20"/>
+                </a:solidFill>
+                <a:latin typeface="Tahoma"/>
+                <a:cs typeface="Tahoma"/>
+              </a:rPr>
+              <a:t>Get-It </a:t>
+            </a:r>
+            <a:r>
+              <a:rPr lang="zh-CN" altLang="en-US" sz="2800" b="1" spc="5" dirty="0">
+                <a:solidFill>
+                  <a:srgbClr val="231F20"/>
+                </a:solidFill>
+                <a:latin typeface="Tahoma"/>
+                <a:cs typeface="Tahoma"/>
+              </a:rPr>
+              <a:t>视觉化商业模式画布</a:t>
+            </a:r>
+            <a:endParaRPr sz="2800" dirty="0">
+              <a:latin typeface="Tahoma"/>
+              <a:cs typeface="Tahoma"/>
+            </a:endParaRPr>
+          </a:p>
+        </p:txBody>
+      </p:sp>
+      <p:sp>
+        <p:nvSpPr>
+          <p:cNvPr id="3" name="object 3"/>
+          <p:cNvSpPr txBox="1"/>
+          <p:nvPr/>
+        </p:nvSpPr>
+        <p:spPr>
+          <a:xfrm>
+            <a:off x="444500" y="9983437"/>
+            <a:ext cx="2625090" cy="281940"/>
+          </a:xfrm>
+          <a:prstGeom prst="rect">
+            <a:avLst/>
+          </a:prstGeom>
+        </p:spPr>
+        <p:txBody>
+          <a:bodyPr vert="horz" wrap="square" lIns="0" tIns="23495" rIns="0" bIns="0" rtlCol="0">
+            <a:spAutoFit/>
+          </a:bodyPr>
+          <a:lstStyle/>
+          <a:p>
+            <a:pPr marL="12700">
+              <a:lnSpc>
+                <a:spcPct val="100000"/>
+              </a:lnSpc>
+              <a:spcBef>
+                <a:spcPts val="185"/>
+              </a:spcBef>
+            </a:pPr>
+            <a:r>
+              <a:rPr sz="850" b="1" spc="-15" dirty="0">
+                <a:solidFill>
+                  <a:srgbClr val="231F20"/>
+                </a:solidFill>
+                <a:latin typeface="Tahoma"/>
+                <a:cs typeface="Tahoma"/>
+              </a:rPr>
+              <a:t>DesigneD </a:t>
+            </a:r>
+            <a:r>
+              <a:rPr sz="850" b="1" spc="-5" dirty="0">
+                <a:solidFill>
+                  <a:srgbClr val="231F20"/>
+                </a:solidFill>
+                <a:latin typeface="Tahoma"/>
+                <a:cs typeface="Tahoma"/>
+              </a:rPr>
+              <a:t>by</a:t>
+            </a:r>
+            <a:r>
+              <a:rPr sz="850" b="1" spc="-5" dirty="0">
+                <a:solidFill>
+                  <a:srgbClr val="231F20"/>
+                </a:solidFill>
+                <a:latin typeface="Segoe Print"/>
+                <a:cs typeface="Segoe Print"/>
+              </a:rPr>
+              <a:t>: </a:t>
+            </a:r>
+            <a:r>
+              <a:rPr sz="850" spc="55" dirty="0">
+                <a:solidFill>
+                  <a:srgbClr val="231F20"/>
+                </a:solidFill>
+                <a:latin typeface="Tahoma"/>
+                <a:cs typeface="Tahoma"/>
+              </a:rPr>
+              <a:t>Strategyzer</a:t>
+            </a:r>
+            <a:r>
+              <a:rPr sz="850" spc="-105" dirty="0">
+                <a:solidFill>
+                  <a:srgbClr val="231F20"/>
+                </a:solidFill>
+                <a:latin typeface="Tahoma"/>
+                <a:cs typeface="Tahoma"/>
+              </a:rPr>
+              <a:t> </a:t>
+            </a:r>
+            <a:r>
+              <a:rPr sz="850" spc="45" dirty="0">
+                <a:solidFill>
+                  <a:srgbClr val="231F20"/>
+                </a:solidFill>
+                <a:latin typeface="Tahoma"/>
+                <a:cs typeface="Tahoma"/>
+              </a:rPr>
+              <a:t>AG</a:t>
+            </a:r>
+            <a:endParaRPr sz="850">
+              <a:latin typeface="Tahoma"/>
+              <a:cs typeface="Tahoma"/>
+            </a:endParaRPr>
+          </a:p>
+          <a:p>
+            <a:pPr marL="12700">
+              <a:lnSpc>
+                <a:spcPct val="100000"/>
+              </a:lnSpc>
+              <a:spcBef>
+                <a:spcPts val="75"/>
+              </a:spcBef>
+            </a:pPr>
+            <a:r>
+              <a:rPr sz="700" i="1" spc="-10" dirty="0">
+                <a:solidFill>
+                  <a:srgbClr val="231F20"/>
+                </a:solidFill>
+                <a:latin typeface="Verdana"/>
+                <a:cs typeface="Verdana"/>
+              </a:rPr>
+              <a:t>The</a:t>
+            </a:r>
+            <a:r>
+              <a:rPr sz="700" i="1" spc="-45" dirty="0">
+                <a:solidFill>
+                  <a:srgbClr val="231F20"/>
+                </a:solidFill>
+                <a:latin typeface="Verdana"/>
+                <a:cs typeface="Verdana"/>
+              </a:rPr>
+              <a:t> </a:t>
+            </a:r>
+            <a:r>
+              <a:rPr sz="700" i="1" spc="-10" dirty="0">
+                <a:solidFill>
+                  <a:srgbClr val="231F20"/>
+                </a:solidFill>
+                <a:latin typeface="Verdana"/>
+                <a:cs typeface="Verdana"/>
+              </a:rPr>
+              <a:t>makers</a:t>
+            </a:r>
+            <a:r>
+              <a:rPr sz="700" i="1" spc="-40" dirty="0">
+                <a:solidFill>
+                  <a:srgbClr val="231F20"/>
+                </a:solidFill>
+                <a:latin typeface="Verdana"/>
+                <a:cs typeface="Verdana"/>
+              </a:rPr>
+              <a:t> </a:t>
+            </a:r>
+            <a:r>
+              <a:rPr sz="700" i="1" dirty="0">
+                <a:solidFill>
+                  <a:srgbClr val="231F20"/>
+                </a:solidFill>
+                <a:latin typeface="Verdana"/>
+                <a:cs typeface="Verdana"/>
+              </a:rPr>
+              <a:t>of</a:t>
+            </a:r>
+            <a:r>
+              <a:rPr sz="700" i="1" spc="-40" dirty="0">
+                <a:solidFill>
+                  <a:srgbClr val="231F20"/>
+                </a:solidFill>
+                <a:latin typeface="Verdana"/>
+                <a:cs typeface="Verdana"/>
+              </a:rPr>
+              <a:t> </a:t>
+            </a:r>
+            <a:r>
+              <a:rPr sz="700" i="1" dirty="0">
+                <a:solidFill>
+                  <a:srgbClr val="231F20"/>
+                </a:solidFill>
+                <a:latin typeface="Verdana"/>
+                <a:cs typeface="Verdana"/>
+              </a:rPr>
+              <a:t>Business</a:t>
+            </a:r>
+            <a:r>
+              <a:rPr sz="700" i="1" spc="-40" dirty="0">
+                <a:solidFill>
+                  <a:srgbClr val="231F20"/>
+                </a:solidFill>
+                <a:latin typeface="Verdana"/>
+                <a:cs typeface="Verdana"/>
+              </a:rPr>
+              <a:t> </a:t>
+            </a:r>
+            <a:r>
+              <a:rPr sz="700" i="1" spc="10" dirty="0">
+                <a:solidFill>
+                  <a:srgbClr val="231F20"/>
+                </a:solidFill>
+                <a:latin typeface="Verdana"/>
+                <a:cs typeface="Verdana"/>
+              </a:rPr>
+              <a:t>Model</a:t>
+            </a:r>
+            <a:r>
+              <a:rPr sz="700" i="1" spc="-40" dirty="0">
+                <a:solidFill>
+                  <a:srgbClr val="231F20"/>
+                </a:solidFill>
+                <a:latin typeface="Verdana"/>
+                <a:cs typeface="Verdana"/>
+              </a:rPr>
+              <a:t> </a:t>
+            </a:r>
+            <a:r>
+              <a:rPr sz="700" i="1" spc="-5" dirty="0">
+                <a:solidFill>
+                  <a:srgbClr val="231F20"/>
+                </a:solidFill>
+                <a:latin typeface="Verdana"/>
+                <a:cs typeface="Verdana"/>
+              </a:rPr>
+              <a:t>Generation</a:t>
+            </a:r>
+            <a:r>
+              <a:rPr sz="700" i="1" spc="-40" dirty="0">
+                <a:solidFill>
+                  <a:srgbClr val="231F20"/>
+                </a:solidFill>
+                <a:latin typeface="Verdana"/>
+                <a:cs typeface="Verdana"/>
+              </a:rPr>
+              <a:t> </a:t>
+            </a:r>
+            <a:r>
+              <a:rPr sz="700" i="1" dirty="0">
+                <a:solidFill>
+                  <a:srgbClr val="231F20"/>
+                </a:solidFill>
+                <a:latin typeface="Verdana"/>
+                <a:cs typeface="Verdana"/>
+              </a:rPr>
+              <a:t>and</a:t>
+            </a:r>
+            <a:r>
+              <a:rPr sz="700" i="1" spc="-40" dirty="0">
+                <a:solidFill>
+                  <a:srgbClr val="231F20"/>
+                </a:solidFill>
+                <a:latin typeface="Verdana"/>
+                <a:cs typeface="Verdana"/>
+              </a:rPr>
+              <a:t> </a:t>
+            </a:r>
+            <a:r>
+              <a:rPr sz="700" i="1" spc="-5" dirty="0">
+                <a:solidFill>
+                  <a:srgbClr val="231F20"/>
+                </a:solidFill>
+                <a:latin typeface="Verdana"/>
+                <a:cs typeface="Verdana"/>
+              </a:rPr>
+              <a:t>Strategyzer</a:t>
+            </a:r>
+            <a:endParaRPr sz="700">
+              <a:latin typeface="Verdana"/>
+              <a:cs typeface="Verdana"/>
+            </a:endParaRPr>
+          </a:p>
+        </p:txBody>
+      </p:sp>
+      <p:sp>
+        <p:nvSpPr>
+          <p:cNvPr id="4" name="object 4"/>
+          <p:cNvSpPr txBox="1"/>
+          <p:nvPr/>
+        </p:nvSpPr>
+        <p:spPr>
+          <a:xfrm>
+            <a:off x="1875906" y="9740573"/>
+            <a:ext cx="4685665" cy="215900"/>
+          </a:xfrm>
+          <a:prstGeom prst="rect">
+            <a:avLst/>
+          </a:prstGeom>
+        </p:spPr>
+        <p:txBody>
+          <a:bodyPr vert="horz" wrap="square" lIns="0" tIns="12700" rIns="0" bIns="0" rtlCol="0">
+            <a:spAutoFit/>
+          </a:bodyPr>
+          <a:lstStyle/>
+          <a:p>
+            <a:pPr marL="12700" marR="5080">
+              <a:lnSpc>
+                <a:spcPct val="125000"/>
+              </a:lnSpc>
+              <a:spcBef>
+                <a:spcPts val="100"/>
+              </a:spcBef>
+            </a:pPr>
+            <a:r>
+              <a:rPr sz="500" spc="15" dirty="0">
+                <a:solidFill>
+                  <a:srgbClr val="231F20"/>
+                </a:solidFill>
+                <a:latin typeface="Tahoma"/>
+                <a:cs typeface="Tahoma"/>
+              </a:rPr>
+              <a:t>This </a:t>
+            </a:r>
+            <a:r>
+              <a:rPr sz="500" spc="25" dirty="0">
+                <a:solidFill>
+                  <a:srgbClr val="231F20"/>
+                </a:solidFill>
+                <a:latin typeface="Tahoma"/>
+                <a:cs typeface="Tahoma"/>
+              </a:rPr>
+              <a:t>work </a:t>
+            </a:r>
+            <a:r>
+              <a:rPr sz="500" spc="20" dirty="0">
+                <a:solidFill>
+                  <a:srgbClr val="231F20"/>
+                </a:solidFill>
+                <a:latin typeface="Tahoma"/>
+                <a:cs typeface="Tahoma"/>
+              </a:rPr>
+              <a:t>is </a:t>
+            </a:r>
+            <a:r>
+              <a:rPr sz="500" spc="25" dirty="0">
+                <a:solidFill>
+                  <a:srgbClr val="231F20"/>
+                </a:solidFill>
+                <a:latin typeface="Tahoma"/>
+                <a:cs typeface="Tahoma"/>
+              </a:rPr>
+              <a:t>licensed under the </a:t>
+            </a:r>
+            <a:r>
+              <a:rPr sz="500" spc="20" dirty="0">
+                <a:solidFill>
+                  <a:srgbClr val="231F20"/>
+                </a:solidFill>
+                <a:latin typeface="Tahoma"/>
+                <a:cs typeface="Tahoma"/>
+              </a:rPr>
+              <a:t>Creative </a:t>
+            </a:r>
+            <a:r>
+              <a:rPr sz="500" spc="30" dirty="0">
+                <a:solidFill>
+                  <a:srgbClr val="231F20"/>
+                </a:solidFill>
+                <a:latin typeface="Tahoma"/>
+                <a:cs typeface="Tahoma"/>
+              </a:rPr>
+              <a:t>Commons </a:t>
+            </a:r>
+            <a:r>
+              <a:rPr sz="500" spc="20" dirty="0">
+                <a:solidFill>
+                  <a:srgbClr val="231F20"/>
+                </a:solidFill>
+                <a:latin typeface="Tahoma"/>
+                <a:cs typeface="Tahoma"/>
+              </a:rPr>
+              <a:t>Attribution-Share Alike </a:t>
+            </a:r>
+            <a:r>
+              <a:rPr sz="500" dirty="0">
+                <a:solidFill>
+                  <a:srgbClr val="231F20"/>
+                </a:solidFill>
+                <a:latin typeface="Tahoma"/>
+                <a:cs typeface="Tahoma"/>
+              </a:rPr>
+              <a:t>3.0 </a:t>
+            </a:r>
+            <a:r>
+              <a:rPr sz="500" spc="25" dirty="0">
+                <a:solidFill>
+                  <a:srgbClr val="231F20"/>
+                </a:solidFill>
+                <a:latin typeface="Tahoma"/>
+                <a:cs typeface="Tahoma"/>
+              </a:rPr>
+              <a:t>Unported </a:t>
+            </a:r>
+            <a:r>
+              <a:rPr sz="500" spc="20" dirty="0">
+                <a:solidFill>
+                  <a:srgbClr val="231F20"/>
+                </a:solidFill>
+                <a:latin typeface="Tahoma"/>
+                <a:cs typeface="Tahoma"/>
+              </a:rPr>
+              <a:t>License. </a:t>
+            </a:r>
+            <a:r>
+              <a:rPr sz="500" spc="-5" dirty="0">
+                <a:solidFill>
+                  <a:srgbClr val="231F20"/>
+                </a:solidFill>
+                <a:latin typeface="Tahoma"/>
+                <a:cs typeface="Tahoma"/>
+              </a:rPr>
+              <a:t>To </a:t>
+            </a:r>
+            <a:r>
+              <a:rPr sz="500" spc="15" dirty="0">
+                <a:solidFill>
+                  <a:srgbClr val="231F20"/>
+                </a:solidFill>
+                <a:latin typeface="Tahoma"/>
+                <a:cs typeface="Tahoma"/>
+              </a:rPr>
+              <a:t>view </a:t>
+            </a:r>
+            <a:r>
+              <a:rPr sz="500" spc="20" dirty="0">
+                <a:solidFill>
+                  <a:srgbClr val="231F20"/>
+                </a:solidFill>
+                <a:latin typeface="Tahoma"/>
+                <a:cs typeface="Tahoma"/>
+              </a:rPr>
+              <a:t>a </a:t>
+            </a:r>
+            <a:r>
+              <a:rPr sz="500" spc="25" dirty="0">
+                <a:solidFill>
+                  <a:srgbClr val="231F20"/>
+                </a:solidFill>
+                <a:latin typeface="Tahoma"/>
+                <a:cs typeface="Tahoma"/>
+              </a:rPr>
+              <a:t>copy </a:t>
+            </a:r>
+            <a:r>
+              <a:rPr sz="500" spc="20" dirty="0">
+                <a:solidFill>
+                  <a:srgbClr val="231F20"/>
+                </a:solidFill>
+                <a:latin typeface="Tahoma"/>
+                <a:cs typeface="Tahoma"/>
+              </a:rPr>
+              <a:t>of this </a:t>
+            </a:r>
+            <a:r>
+              <a:rPr sz="500" spc="15" dirty="0">
+                <a:solidFill>
+                  <a:srgbClr val="231F20"/>
+                </a:solidFill>
+                <a:latin typeface="Tahoma"/>
+                <a:cs typeface="Tahoma"/>
+              </a:rPr>
+              <a:t>license, </a:t>
+            </a:r>
+            <a:r>
+              <a:rPr sz="500" spc="10" dirty="0">
+                <a:solidFill>
+                  <a:srgbClr val="231F20"/>
+                </a:solidFill>
+                <a:latin typeface="Tahoma"/>
+                <a:cs typeface="Tahoma"/>
+              </a:rPr>
+              <a:t>visit:  </a:t>
+            </a:r>
+            <a:r>
+              <a:rPr sz="500" spc="15" dirty="0">
+                <a:solidFill>
+                  <a:srgbClr val="231F20"/>
+                </a:solidFill>
+                <a:latin typeface="Tahoma"/>
+                <a:cs typeface="Tahoma"/>
+                <a:hlinkClick r:id="rId3"/>
+              </a:rPr>
+              <a:t>http://creativecommons.org/licenses/by-sa/3.0/</a:t>
+            </a:r>
+            <a:r>
+              <a:rPr sz="500" spc="-15" dirty="0">
+                <a:solidFill>
+                  <a:srgbClr val="231F20"/>
+                </a:solidFill>
+                <a:latin typeface="Tahoma"/>
+                <a:cs typeface="Tahoma"/>
+                <a:hlinkClick r:id="rId3"/>
+              </a:rPr>
+              <a:t> </a:t>
+            </a:r>
+            <a:r>
+              <a:rPr sz="500" spc="20" dirty="0">
+                <a:solidFill>
+                  <a:srgbClr val="231F20"/>
+                </a:solidFill>
+                <a:latin typeface="Tahoma"/>
+                <a:cs typeface="Tahoma"/>
+              </a:rPr>
+              <a:t>or</a:t>
+            </a:r>
+            <a:r>
+              <a:rPr sz="500" spc="-10" dirty="0">
+                <a:solidFill>
+                  <a:srgbClr val="231F20"/>
+                </a:solidFill>
+                <a:latin typeface="Tahoma"/>
+                <a:cs typeface="Tahoma"/>
+              </a:rPr>
+              <a:t> </a:t>
+            </a:r>
+            <a:r>
+              <a:rPr sz="500" spc="30" dirty="0">
+                <a:solidFill>
+                  <a:srgbClr val="231F20"/>
+                </a:solidFill>
+                <a:latin typeface="Tahoma"/>
+                <a:cs typeface="Tahoma"/>
+              </a:rPr>
+              <a:t>send</a:t>
+            </a:r>
+            <a:r>
+              <a:rPr sz="500" spc="-10" dirty="0">
+                <a:solidFill>
+                  <a:srgbClr val="231F20"/>
+                </a:solidFill>
+                <a:latin typeface="Tahoma"/>
+                <a:cs typeface="Tahoma"/>
+              </a:rPr>
+              <a:t> </a:t>
+            </a:r>
+            <a:r>
+              <a:rPr sz="500" spc="20" dirty="0">
+                <a:solidFill>
+                  <a:srgbClr val="231F20"/>
+                </a:solidFill>
+                <a:latin typeface="Tahoma"/>
+                <a:cs typeface="Tahoma"/>
+              </a:rPr>
+              <a:t>a</a:t>
+            </a:r>
+            <a:r>
+              <a:rPr sz="500" spc="-10" dirty="0">
+                <a:solidFill>
+                  <a:srgbClr val="231F20"/>
+                </a:solidFill>
+                <a:latin typeface="Tahoma"/>
+                <a:cs typeface="Tahoma"/>
+              </a:rPr>
+              <a:t> </a:t>
+            </a:r>
+            <a:r>
+              <a:rPr sz="500" spc="20" dirty="0">
+                <a:solidFill>
+                  <a:srgbClr val="231F20"/>
+                </a:solidFill>
+                <a:latin typeface="Tahoma"/>
+                <a:cs typeface="Tahoma"/>
+              </a:rPr>
+              <a:t>letter</a:t>
+            </a:r>
+            <a:r>
+              <a:rPr sz="500" spc="-10" dirty="0">
+                <a:solidFill>
+                  <a:srgbClr val="231F20"/>
+                </a:solidFill>
+                <a:latin typeface="Tahoma"/>
+                <a:cs typeface="Tahoma"/>
+              </a:rPr>
+              <a:t> </a:t>
+            </a:r>
+            <a:r>
+              <a:rPr sz="500" spc="25" dirty="0">
+                <a:solidFill>
+                  <a:srgbClr val="231F20"/>
+                </a:solidFill>
+                <a:latin typeface="Tahoma"/>
+                <a:cs typeface="Tahoma"/>
+              </a:rPr>
+              <a:t>to</a:t>
+            </a:r>
+            <a:r>
+              <a:rPr sz="500" spc="-10" dirty="0">
+                <a:solidFill>
+                  <a:srgbClr val="231F20"/>
+                </a:solidFill>
+                <a:latin typeface="Tahoma"/>
+                <a:cs typeface="Tahoma"/>
+              </a:rPr>
+              <a:t> </a:t>
+            </a:r>
+            <a:r>
+              <a:rPr sz="500" spc="20" dirty="0">
+                <a:solidFill>
+                  <a:srgbClr val="231F20"/>
+                </a:solidFill>
+                <a:latin typeface="Tahoma"/>
+                <a:cs typeface="Tahoma"/>
+              </a:rPr>
+              <a:t>Creative</a:t>
+            </a:r>
+            <a:r>
+              <a:rPr sz="500" spc="-15" dirty="0">
+                <a:solidFill>
+                  <a:srgbClr val="231F20"/>
+                </a:solidFill>
+                <a:latin typeface="Tahoma"/>
+                <a:cs typeface="Tahoma"/>
+              </a:rPr>
+              <a:t> </a:t>
+            </a:r>
+            <a:r>
+              <a:rPr sz="500" spc="20" dirty="0">
+                <a:solidFill>
+                  <a:srgbClr val="231F20"/>
+                </a:solidFill>
+                <a:latin typeface="Tahoma"/>
+                <a:cs typeface="Tahoma"/>
+              </a:rPr>
+              <a:t>Commons,</a:t>
+            </a:r>
+            <a:r>
+              <a:rPr sz="500" spc="-10" dirty="0">
+                <a:solidFill>
+                  <a:srgbClr val="231F20"/>
+                </a:solidFill>
+                <a:latin typeface="Tahoma"/>
+                <a:cs typeface="Tahoma"/>
+              </a:rPr>
+              <a:t> </a:t>
+            </a:r>
+            <a:r>
+              <a:rPr sz="500" spc="15" dirty="0">
+                <a:solidFill>
+                  <a:srgbClr val="231F20"/>
+                </a:solidFill>
+                <a:latin typeface="Tahoma"/>
+                <a:cs typeface="Tahoma"/>
+              </a:rPr>
+              <a:t>171</a:t>
+            </a:r>
+            <a:r>
+              <a:rPr sz="500" spc="-10" dirty="0">
+                <a:solidFill>
+                  <a:srgbClr val="231F20"/>
+                </a:solidFill>
+                <a:latin typeface="Tahoma"/>
+                <a:cs typeface="Tahoma"/>
+              </a:rPr>
+              <a:t> </a:t>
+            </a:r>
+            <a:r>
+              <a:rPr sz="500" spc="25" dirty="0">
+                <a:solidFill>
+                  <a:srgbClr val="231F20"/>
+                </a:solidFill>
+                <a:latin typeface="Tahoma"/>
+                <a:cs typeface="Tahoma"/>
+              </a:rPr>
+              <a:t>Second</a:t>
+            </a:r>
+            <a:r>
+              <a:rPr sz="500" spc="-10" dirty="0">
+                <a:solidFill>
+                  <a:srgbClr val="231F20"/>
+                </a:solidFill>
+                <a:latin typeface="Tahoma"/>
+                <a:cs typeface="Tahoma"/>
+              </a:rPr>
+              <a:t> </a:t>
+            </a:r>
+            <a:r>
+              <a:rPr sz="500" spc="15" dirty="0">
+                <a:solidFill>
+                  <a:srgbClr val="231F20"/>
+                </a:solidFill>
+                <a:latin typeface="Tahoma"/>
+                <a:cs typeface="Tahoma"/>
+              </a:rPr>
+              <a:t>Street,</a:t>
+            </a:r>
+            <a:r>
+              <a:rPr sz="500" spc="-10" dirty="0">
+                <a:solidFill>
+                  <a:srgbClr val="231F20"/>
+                </a:solidFill>
+                <a:latin typeface="Tahoma"/>
+                <a:cs typeface="Tahoma"/>
+              </a:rPr>
+              <a:t> </a:t>
+            </a:r>
+            <a:r>
+              <a:rPr sz="500" spc="20" dirty="0">
+                <a:solidFill>
+                  <a:srgbClr val="231F20"/>
+                </a:solidFill>
+                <a:latin typeface="Tahoma"/>
+                <a:cs typeface="Tahoma"/>
+              </a:rPr>
+              <a:t>Suite</a:t>
+            </a:r>
+            <a:r>
+              <a:rPr sz="500" spc="-10" dirty="0">
+                <a:solidFill>
+                  <a:srgbClr val="231F20"/>
+                </a:solidFill>
+                <a:latin typeface="Tahoma"/>
+                <a:cs typeface="Tahoma"/>
+              </a:rPr>
+              <a:t> </a:t>
+            </a:r>
+            <a:r>
+              <a:rPr sz="500" spc="5" dirty="0">
+                <a:solidFill>
+                  <a:srgbClr val="231F20"/>
+                </a:solidFill>
+                <a:latin typeface="Tahoma"/>
+                <a:cs typeface="Tahoma"/>
+              </a:rPr>
+              <a:t>300,</a:t>
+            </a:r>
+            <a:r>
+              <a:rPr sz="500" spc="-15" dirty="0">
+                <a:solidFill>
+                  <a:srgbClr val="231F20"/>
+                </a:solidFill>
+                <a:latin typeface="Tahoma"/>
+                <a:cs typeface="Tahoma"/>
+              </a:rPr>
+              <a:t> </a:t>
+            </a:r>
+            <a:r>
+              <a:rPr sz="500" spc="20" dirty="0">
+                <a:solidFill>
+                  <a:srgbClr val="231F20"/>
+                </a:solidFill>
+                <a:latin typeface="Tahoma"/>
+                <a:cs typeface="Tahoma"/>
+              </a:rPr>
+              <a:t>San</a:t>
+            </a:r>
+            <a:r>
+              <a:rPr sz="500" spc="-10" dirty="0">
+                <a:solidFill>
+                  <a:srgbClr val="231F20"/>
+                </a:solidFill>
+                <a:latin typeface="Tahoma"/>
+                <a:cs typeface="Tahoma"/>
+              </a:rPr>
+              <a:t> </a:t>
+            </a:r>
+            <a:r>
+              <a:rPr sz="500" spc="20" dirty="0">
+                <a:solidFill>
+                  <a:srgbClr val="231F20"/>
+                </a:solidFill>
+                <a:latin typeface="Tahoma"/>
+                <a:cs typeface="Tahoma"/>
+              </a:rPr>
+              <a:t>Francisco,</a:t>
+            </a:r>
+            <a:r>
+              <a:rPr sz="500" spc="-10" dirty="0">
+                <a:solidFill>
+                  <a:srgbClr val="231F20"/>
+                </a:solidFill>
+                <a:latin typeface="Tahoma"/>
+                <a:cs typeface="Tahoma"/>
+              </a:rPr>
+              <a:t> </a:t>
+            </a:r>
+            <a:r>
+              <a:rPr sz="500" spc="10" dirty="0">
+                <a:solidFill>
+                  <a:srgbClr val="231F20"/>
+                </a:solidFill>
+                <a:latin typeface="Tahoma"/>
+                <a:cs typeface="Tahoma"/>
+              </a:rPr>
+              <a:t>California,</a:t>
+            </a:r>
+            <a:r>
+              <a:rPr sz="500" spc="-10" dirty="0">
+                <a:solidFill>
+                  <a:srgbClr val="231F20"/>
+                </a:solidFill>
+                <a:latin typeface="Tahoma"/>
+                <a:cs typeface="Tahoma"/>
+              </a:rPr>
+              <a:t> </a:t>
+            </a:r>
+            <a:r>
+              <a:rPr sz="500" spc="5" dirty="0">
+                <a:solidFill>
+                  <a:srgbClr val="231F20"/>
+                </a:solidFill>
+                <a:latin typeface="Tahoma"/>
+                <a:cs typeface="Tahoma"/>
+              </a:rPr>
+              <a:t>94105,</a:t>
+            </a:r>
+            <a:r>
+              <a:rPr sz="500" spc="-10" dirty="0">
+                <a:solidFill>
+                  <a:srgbClr val="231F20"/>
+                </a:solidFill>
+                <a:latin typeface="Tahoma"/>
+                <a:cs typeface="Tahoma"/>
+              </a:rPr>
+              <a:t> </a:t>
+            </a:r>
+            <a:r>
+              <a:rPr sz="500" spc="10" dirty="0">
+                <a:solidFill>
+                  <a:srgbClr val="231F20"/>
+                </a:solidFill>
+                <a:latin typeface="Tahoma"/>
+                <a:cs typeface="Tahoma"/>
+              </a:rPr>
+              <a:t>USA.</a:t>
+            </a:r>
+            <a:endParaRPr sz="500">
+              <a:latin typeface="Tahoma"/>
+              <a:cs typeface="Tahoma"/>
+            </a:endParaRPr>
+          </a:p>
+        </p:txBody>
+      </p:sp>
+      <p:sp>
+        <p:nvSpPr>
+          <p:cNvPr id="5" name="object 5"/>
+          <p:cNvSpPr/>
+          <p:nvPr/>
+        </p:nvSpPr>
+        <p:spPr>
+          <a:xfrm>
+            <a:off x="1532430" y="9747522"/>
+            <a:ext cx="198399" cy="198399"/>
+          </a:xfrm>
+          <a:prstGeom prst="rect">
+            <a:avLst/>
+          </a:prstGeom>
+          <a:blipFill>
+            <a:blip r:embed="rId4" cstate="print"/>
+            <a:stretch>
+              <a:fillRect/>
+            </a:stretch>
+          </a:blipFill>
+        </p:spPr>
+        <p:txBody>
+          <a:bodyPr wrap="square" lIns="0" tIns="0" rIns="0" bIns="0" rtlCol="0"/>
+          <a:lstStyle/>
+          <a:p>
+            <a:endParaRPr/>
+          </a:p>
+        </p:txBody>
+      </p:sp>
+      <p:sp>
+        <p:nvSpPr>
+          <p:cNvPr id="6" name="object 6"/>
+          <p:cNvSpPr/>
+          <p:nvPr/>
+        </p:nvSpPr>
+        <p:spPr>
+          <a:xfrm>
+            <a:off x="477158" y="9747522"/>
+            <a:ext cx="968964" cy="198577"/>
+          </a:xfrm>
+          <a:prstGeom prst="rect">
+            <a:avLst/>
+          </a:prstGeom>
+          <a:blipFill>
+            <a:blip r:embed="rId5" cstate="print"/>
+            <a:stretch>
+              <a:fillRect/>
+            </a:stretch>
+          </a:blipFill>
+        </p:spPr>
+        <p:txBody>
+          <a:bodyPr wrap="square" lIns="0" tIns="0" rIns="0" bIns="0" rtlCol="0"/>
+          <a:lstStyle/>
+          <a:p>
+            <a:endParaRPr/>
+          </a:p>
+        </p:txBody>
+      </p:sp>
+      <p:sp>
+        <p:nvSpPr>
+          <p:cNvPr id="7" name="object 7"/>
+          <p:cNvSpPr/>
+          <p:nvPr/>
+        </p:nvSpPr>
+        <p:spPr>
+          <a:xfrm>
+            <a:off x="1819681" y="9759622"/>
+            <a:ext cx="0" cy="178435"/>
+          </a:xfrm>
+          <a:custGeom>
+            <a:avLst/>
+            <a:gdLst/>
+            <a:ahLst/>
+            <a:cxnLst/>
+            <a:rect l="l" t="t" r="r" b="b"/>
+            <a:pathLst>
+              <a:path h="178434">
+                <a:moveTo>
+                  <a:pt x="0" y="0"/>
+                </a:moveTo>
+                <a:lnTo>
+                  <a:pt x="0" y="177812"/>
+                </a:lnTo>
+              </a:path>
+            </a:pathLst>
+          </a:custGeom>
+          <a:ln w="3175">
+            <a:solidFill>
+              <a:srgbClr val="231F20"/>
+            </a:solidFill>
+          </a:ln>
+        </p:spPr>
+        <p:txBody>
+          <a:bodyPr wrap="square" lIns="0" tIns="0" rIns="0" bIns="0" rtlCol="0"/>
+          <a:lstStyle/>
+          <a:p>
+            <a:endParaRPr/>
+          </a:p>
+        </p:txBody>
+      </p:sp>
+      <p:sp>
+        <p:nvSpPr>
+          <p:cNvPr id="8" name="object 8"/>
+          <p:cNvSpPr/>
+          <p:nvPr/>
+        </p:nvSpPr>
+        <p:spPr>
+          <a:xfrm>
+            <a:off x="11344728" y="1313109"/>
+            <a:ext cx="282575" cy="244475"/>
+          </a:xfrm>
+          <a:custGeom>
+            <a:avLst/>
+            <a:gdLst/>
+            <a:ahLst/>
+            <a:cxnLst/>
+            <a:rect l="l" t="t" r="r" b="b"/>
+            <a:pathLst>
+              <a:path w="282575" h="244475">
+                <a:moveTo>
+                  <a:pt x="69402" y="0"/>
+                </a:moveTo>
+                <a:lnTo>
+                  <a:pt x="41460" y="6897"/>
+                </a:lnTo>
+                <a:lnTo>
+                  <a:pt x="18399" y="24119"/>
+                </a:lnTo>
+                <a:lnTo>
+                  <a:pt x="4209" y="48053"/>
+                </a:lnTo>
+                <a:lnTo>
+                  <a:pt x="0" y="75589"/>
+                </a:lnTo>
+                <a:lnTo>
+                  <a:pt x="6878" y="103620"/>
+                </a:lnTo>
+                <a:lnTo>
+                  <a:pt x="35008" y="140877"/>
+                </a:lnTo>
+                <a:lnTo>
+                  <a:pt x="80303" y="187441"/>
+                </a:lnTo>
+                <a:lnTo>
+                  <a:pt x="122407" y="227198"/>
+                </a:lnTo>
+                <a:lnTo>
+                  <a:pt x="140965" y="244031"/>
+                </a:lnTo>
+                <a:lnTo>
+                  <a:pt x="140990" y="243713"/>
+                </a:lnTo>
+                <a:lnTo>
+                  <a:pt x="141396" y="243713"/>
+                </a:lnTo>
+                <a:lnTo>
+                  <a:pt x="208973" y="183280"/>
+                </a:lnTo>
+                <a:lnTo>
+                  <a:pt x="245584" y="148403"/>
+                </a:lnTo>
+                <a:lnTo>
+                  <a:pt x="275127" y="103620"/>
+                </a:lnTo>
+                <a:lnTo>
+                  <a:pt x="281997" y="75589"/>
+                </a:lnTo>
+                <a:lnTo>
+                  <a:pt x="278233" y="51029"/>
+                </a:lnTo>
+                <a:lnTo>
+                  <a:pt x="140990" y="51029"/>
+                </a:lnTo>
+                <a:lnTo>
+                  <a:pt x="140088" y="47346"/>
+                </a:lnTo>
+                <a:lnTo>
+                  <a:pt x="139047" y="44196"/>
+                </a:lnTo>
+                <a:lnTo>
+                  <a:pt x="137866" y="41656"/>
+                </a:lnTo>
+                <a:lnTo>
+                  <a:pt x="120704" y="18500"/>
+                </a:lnTo>
+                <a:lnTo>
+                  <a:pt x="96850" y="4241"/>
+                </a:lnTo>
+                <a:lnTo>
+                  <a:pt x="69402" y="0"/>
+                </a:lnTo>
+                <a:close/>
+              </a:path>
+              <a:path w="282575" h="244475">
+                <a:moveTo>
+                  <a:pt x="141396" y="243713"/>
+                </a:moveTo>
+                <a:lnTo>
+                  <a:pt x="140990" y="243713"/>
+                </a:lnTo>
+                <a:lnTo>
+                  <a:pt x="141041" y="244031"/>
+                </a:lnTo>
+                <a:lnTo>
+                  <a:pt x="141396" y="243713"/>
+                </a:lnTo>
+                <a:close/>
+              </a:path>
+              <a:path w="282575" h="244475">
+                <a:moveTo>
+                  <a:pt x="212549" y="0"/>
+                </a:moveTo>
+                <a:lnTo>
+                  <a:pt x="161257" y="18500"/>
+                </a:lnTo>
+                <a:lnTo>
+                  <a:pt x="140990" y="51029"/>
+                </a:lnTo>
+                <a:lnTo>
+                  <a:pt x="278233" y="51029"/>
+                </a:lnTo>
+                <a:lnTo>
+                  <a:pt x="277777" y="48053"/>
+                </a:lnTo>
+                <a:lnTo>
+                  <a:pt x="263567" y="24119"/>
+                </a:lnTo>
+                <a:lnTo>
+                  <a:pt x="240469" y="6897"/>
+                </a:lnTo>
+                <a:lnTo>
+                  <a:pt x="212549" y="0"/>
+                </a:lnTo>
+                <a:close/>
+              </a:path>
+            </a:pathLst>
+          </a:custGeom>
+          <a:solidFill>
+            <a:srgbClr val="231F20"/>
+          </a:solidFill>
+        </p:spPr>
+        <p:txBody>
+          <a:bodyPr wrap="square" lIns="0" tIns="0" rIns="0" bIns="0" rtlCol="0"/>
+          <a:lstStyle/>
+          <a:p>
+            <a:endParaRPr/>
+          </a:p>
+        </p:txBody>
+      </p:sp>
+      <p:sp>
+        <p:nvSpPr>
+          <p:cNvPr id="9" name="object 9"/>
+          <p:cNvSpPr txBox="1"/>
+          <p:nvPr/>
+        </p:nvSpPr>
+        <p:spPr>
+          <a:xfrm>
+            <a:off x="13476940" y="10069066"/>
+            <a:ext cx="1198880" cy="208279"/>
+          </a:xfrm>
+          <a:prstGeom prst="rect">
+            <a:avLst/>
+          </a:prstGeom>
+        </p:spPr>
+        <p:txBody>
+          <a:bodyPr vert="horz" wrap="square" lIns="0" tIns="12700" rIns="0" bIns="0" rtlCol="0">
+            <a:spAutoFit/>
+          </a:bodyPr>
+          <a:lstStyle/>
+          <a:p>
+            <a:pPr marL="12700">
+              <a:lnSpc>
+                <a:spcPct val="100000"/>
+              </a:lnSpc>
+              <a:spcBef>
+                <a:spcPts val="100"/>
+              </a:spcBef>
+            </a:pPr>
+            <a:r>
+              <a:rPr sz="1200" spc="65" dirty="0">
+                <a:solidFill>
+                  <a:srgbClr val="231F20"/>
+                </a:solidFill>
+                <a:latin typeface="Tahoma"/>
+                <a:cs typeface="Tahoma"/>
+              </a:rPr>
+              <a:t>st</a:t>
+            </a:r>
+            <a:r>
+              <a:rPr sz="1200" spc="45" dirty="0">
+                <a:solidFill>
+                  <a:srgbClr val="231F20"/>
+                </a:solidFill>
+                <a:latin typeface="Tahoma"/>
+                <a:cs typeface="Tahoma"/>
+              </a:rPr>
+              <a:t>r</a:t>
+            </a:r>
+            <a:r>
+              <a:rPr sz="1200" spc="65" dirty="0">
+                <a:solidFill>
+                  <a:srgbClr val="231F20"/>
+                </a:solidFill>
+                <a:latin typeface="Tahoma"/>
+                <a:cs typeface="Tahoma"/>
+              </a:rPr>
+              <a:t>ateg</a:t>
+            </a:r>
+            <a:r>
+              <a:rPr sz="1200" spc="15" dirty="0">
+                <a:solidFill>
+                  <a:srgbClr val="231F20"/>
+                </a:solidFill>
+                <a:latin typeface="Tahoma"/>
+                <a:cs typeface="Tahoma"/>
+              </a:rPr>
+              <a:t>y</a:t>
+            </a:r>
+            <a:r>
+              <a:rPr sz="1200" spc="65" dirty="0">
+                <a:solidFill>
+                  <a:srgbClr val="231F20"/>
+                </a:solidFill>
+                <a:latin typeface="Tahoma"/>
+                <a:cs typeface="Tahoma"/>
+              </a:rPr>
+              <a:t>ze</a:t>
+            </a:r>
+            <a:r>
+              <a:rPr sz="1200" spc="-40" dirty="0">
+                <a:solidFill>
+                  <a:srgbClr val="231F20"/>
+                </a:solidFill>
+                <a:latin typeface="Tahoma"/>
+                <a:cs typeface="Tahoma"/>
+              </a:rPr>
+              <a:t>r</a:t>
+            </a:r>
+            <a:r>
+              <a:rPr sz="1200" spc="-55" dirty="0">
+                <a:solidFill>
+                  <a:srgbClr val="231F20"/>
+                </a:solidFill>
+                <a:latin typeface="Tahoma"/>
+                <a:cs typeface="Tahoma"/>
+              </a:rPr>
+              <a:t>.</a:t>
+            </a:r>
+            <a:r>
+              <a:rPr sz="1200" spc="75" dirty="0">
+                <a:solidFill>
+                  <a:srgbClr val="231F20"/>
+                </a:solidFill>
+                <a:latin typeface="Tahoma"/>
+                <a:cs typeface="Tahoma"/>
+              </a:rPr>
+              <a:t>c</a:t>
+            </a:r>
+            <a:r>
+              <a:rPr sz="1200" spc="80" dirty="0">
+                <a:solidFill>
+                  <a:srgbClr val="231F20"/>
+                </a:solidFill>
+                <a:latin typeface="Tahoma"/>
+                <a:cs typeface="Tahoma"/>
+              </a:rPr>
+              <a:t>om</a:t>
+            </a:r>
+            <a:endParaRPr sz="1200">
+              <a:latin typeface="Tahoma"/>
+              <a:cs typeface="Tahoma"/>
+            </a:endParaRPr>
+          </a:p>
+        </p:txBody>
+      </p:sp>
+      <p:sp>
+        <p:nvSpPr>
+          <p:cNvPr id="10" name="object 10"/>
+          <p:cNvSpPr/>
+          <p:nvPr/>
+        </p:nvSpPr>
+        <p:spPr>
+          <a:xfrm>
+            <a:off x="8553094" y="1317767"/>
+            <a:ext cx="260972" cy="301139"/>
+          </a:xfrm>
+          <a:prstGeom prst="rect">
+            <a:avLst/>
+          </a:prstGeom>
+          <a:blipFill>
+            <a:blip r:embed="rId6" cstate="print"/>
+            <a:stretch>
+              <a:fillRect/>
+            </a:stretch>
+          </a:blipFill>
+        </p:spPr>
+        <p:txBody>
+          <a:bodyPr wrap="square" lIns="0" tIns="0" rIns="0" bIns="0" rtlCol="0"/>
+          <a:lstStyle/>
+          <a:p>
+            <a:endParaRPr/>
+          </a:p>
+        </p:txBody>
+      </p:sp>
+      <p:sp>
+        <p:nvSpPr>
+          <p:cNvPr id="11" name="object 11"/>
+          <p:cNvSpPr/>
+          <p:nvPr/>
+        </p:nvSpPr>
+        <p:spPr>
+          <a:xfrm>
+            <a:off x="2924616" y="1313049"/>
+            <a:ext cx="274270" cy="274276"/>
+          </a:xfrm>
+          <a:prstGeom prst="rect">
+            <a:avLst/>
+          </a:prstGeom>
+          <a:blipFill>
+            <a:blip r:embed="rId7" cstate="print"/>
+            <a:stretch>
+              <a:fillRect/>
+            </a:stretch>
+          </a:blipFill>
+        </p:spPr>
+        <p:txBody>
+          <a:bodyPr wrap="square" lIns="0" tIns="0" rIns="0" bIns="0" rtlCol="0"/>
+          <a:lstStyle/>
+          <a:p>
+            <a:endParaRPr/>
+          </a:p>
+        </p:txBody>
+      </p:sp>
+      <p:sp>
+        <p:nvSpPr>
+          <p:cNvPr id="12" name="object 12"/>
+          <p:cNvSpPr/>
+          <p:nvPr/>
+        </p:nvSpPr>
+        <p:spPr>
+          <a:xfrm>
+            <a:off x="5649338" y="4301075"/>
+            <a:ext cx="358414" cy="332654"/>
+          </a:xfrm>
+          <a:prstGeom prst="rect">
+            <a:avLst/>
+          </a:prstGeom>
+          <a:blipFill>
+            <a:blip r:embed="rId8" cstate="print"/>
+            <a:stretch>
+              <a:fillRect/>
+            </a:stretch>
+          </a:blipFill>
+        </p:spPr>
+        <p:txBody>
+          <a:bodyPr wrap="square" lIns="0" tIns="0" rIns="0" bIns="0" rtlCol="0"/>
+          <a:lstStyle/>
+          <a:p>
+            <a:endParaRPr/>
+          </a:p>
+        </p:txBody>
+      </p:sp>
+      <p:sp>
+        <p:nvSpPr>
+          <p:cNvPr id="13" name="object 13"/>
+          <p:cNvSpPr/>
+          <p:nvPr/>
+        </p:nvSpPr>
+        <p:spPr>
+          <a:xfrm>
+            <a:off x="5715610" y="1315381"/>
+            <a:ext cx="287020" cy="287020"/>
+          </a:xfrm>
+          <a:custGeom>
+            <a:avLst/>
+            <a:gdLst/>
+            <a:ahLst/>
+            <a:cxnLst/>
+            <a:rect l="l" t="t" r="r" b="b"/>
+            <a:pathLst>
+              <a:path w="287020" h="287019">
+                <a:moveTo>
+                  <a:pt x="143421" y="0"/>
+                </a:moveTo>
+                <a:lnTo>
+                  <a:pt x="98088" y="7311"/>
+                </a:lnTo>
+                <a:lnTo>
+                  <a:pt x="58718" y="27671"/>
+                </a:lnTo>
+                <a:lnTo>
+                  <a:pt x="27671" y="58718"/>
+                </a:lnTo>
+                <a:lnTo>
+                  <a:pt x="7311" y="98088"/>
+                </a:lnTo>
+                <a:lnTo>
+                  <a:pt x="0" y="143421"/>
+                </a:lnTo>
+                <a:lnTo>
+                  <a:pt x="7311" y="188753"/>
+                </a:lnTo>
+                <a:lnTo>
+                  <a:pt x="27671" y="228124"/>
+                </a:lnTo>
+                <a:lnTo>
+                  <a:pt x="58718" y="259170"/>
+                </a:lnTo>
+                <a:lnTo>
+                  <a:pt x="98088" y="279530"/>
+                </a:lnTo>
+                <a:lnTo>
+                  <a:pt x="143421" y="286842"/>
+                </a:lnTo>
+                <a:lnTo>
+                  <a:pt x="188753" y="279530"/>
+                </a:lnTo>
+                <a:lnTo>
+                  <a:pt x="228124" y="259170"/>
+                </a:lnTo>
+                <a:lnTo>
+                  <a:pt x="259170" y="228124"/>
+                </a:lnTo>
+                <a:lnTo>
+                  <a:pt x="268053" y="210947"/>
+                </a:lnTo>
+                <a:lnTo>
+                  <a:pt x="122542" y="210947"/>
+                </a:lnTo>
+                <a:lnTo>
+                  <a:pt x="65252" y="153644"/>
+                </a:lnTo>
+                <a:lnTo>
+                  <a:pt x="84874" y="134023"/>
+                </a:lnTo>
+                <a:lnTo>
+                  <a:pt x="152885" y="134023"/>
+                </a:lnTo>
+                <a:lnTo>
+                  <a:pt x="203987" y="75539"/>
+                </a:lnTo>
+                <a:lnTo>
+                  <a:pt x="267869" y="75539"/>
+                </a:lnTo>
+                <a:lnTo>
+                  <a:pt x="259170" y="58718"/>
+                </a:lnTo>
+                <a:lnTo>
+                  <a:pt x="228124" y="27671"/>
+                </a:lnTo>
+                <a:lnTo>
+                  <a:pt x="188753" y="7311"/>
+                </a:lnTo>
+                <a:lnTo>
+                  <a:pt x="143421" y="0"/>
+                </a:lnTo>
+                <a:close/>
+              </a:path>
+              <a:path w="287020" h="287019">
+                <a:moveTo>
+                  <a:pt x="267869" y="75539"/>
+                </a:moveTo>
+                <a:lnTo>
+                  <a:pt x="203987" y="75539"/>
+                </a:lnTo>
+                <a:lnTo>
+                  <a:pt x="224904" y="93802"/>
+                </a:lnTo>
+                <a:lnTo>
+                  <a:pt x="122542" y="210947"/>
+                </a:lnTo>
+                <a:lnTo>
+                  <a:pt x="268053" y="210947"/>
+                </a:lnTo>
+                <a:lnTo>
+                  <a:pt x="279530" y="188753"/>
+                </a:lnTo>
+                <a:lnTo>
+                  <a:pt x="286842" y="143421"/>
+                </a:lnTo>
+                <a:lnTo>
+                  <a:pt x="279530" y="98088"/>
+                </a:lnTo>
+                <a:lnTo>
+                  <a:pt x="267869" y="75539"/>
+                </a:lnTo>
+                <a:close/>
+              </a:path>
+              <a:path w="287020" h="287019">
+                <a:moveTo>
+                  <a:pt x="152885" y="134023"/>
+                </a:moveTo>
+                <a:lnTo>
+                  <a:pt x="84874" y="134023"/>
+                </a:lnTo>
+                <a:lnTo>
+                  <a:pt x="121170" y="170319"/>
+                </a:lnTo>
+                <a:lnTo>
+                  <a:pt x="152885" y="134023"/>
+                </a:lnTo>
+                <a:close/>
+              </a:path>
+            </a:pathLst>
+          </a:custGeom>
+          <a:solidFill>
+            <a:srgbClr val="020302"/>
+          </a:solidFill>
+        </p:spPr>
+        <p:txBody>
+          <a:bodyPr wrap="square" lIns="0" tIns="0" rIns="0" bIns="0" rtlCol="0"/>
+          <a:lstStyle/>
+          <a:p>
+            <a:endParaRPr/>
+          </a:p>
+        </p:txBody>
+      </p:sp>
+      <p:sp>
+        <p:nvSpPr>
+          <p:cNvPr id="14" name="object 14"/>
+          <p:cNvSpPr/>
+          <p:nvPr/>
+        </p:nvSpPr>
+        <p:spPr>
+          <a:xfrm>
+            <a:off x="11257573" y="4306261"/>
+            <a:ext cx="369208" cy="243620"/>
+          </a:xfrm>
+          <a:prstGeom prst="rect">
+            <a:avLst/>
+          </a:prstGeom>
+          <a:blipFill>
+            <a:blip r:embed="rId9" cstate="print"/>
+            <a:stretch>
+              <a:fillRect/>
+            </a:stretch>
+          </a:blipFill>
+        </p:spPr>
+        <p:txBody>
+          <a:bodyPr wrap="square" lIns="0" tIns="0" rIns="0" bIns="0" rtlCol="0"/>
+          <a:lstStyle/>
+          <a:p>
+            <a:endParaRPr/>
+          </a:p>
+        </p:txBody>
+      </p:sp>
+      <p:sp>
+        <p:nvSpPr>
+          <p:cNvPr id="15" name="object 15"/>
+          <p:cNvSpPr/>
+          <p:nvPr/>
+        </p:nvSpPr>
+        <p:spPr>
+          <a:xfrm>
+            <a:off x="7138685" y="7372636"/>
+            <a:ext cx="255270" cy="257810"/>
+          </a:xfrm>
+          <a:custGeom>
+            <a:avLst/>
+            <a:gdLst/>
+            <a:ahLst/>
+            <a:cxnLst/>
+            <a:rect l="l" t="t" r="r" b="b"/>
+            <a:pathLst>
+              <a:path w="255270" h="257809">
+                <a:moveTo>
+                  <a:pt x="233387" y="0"/>
+                </a:moveTo>
+                <a:lnTo>
+                  <a:pt x="152247" y="0"/>
+                </a:lnTo>
+                <a:lnTo>
+                  <a:pt x="0" y="152006"/>
+                </a:lnTo>
+                <a:lnTo>
+                  <a:pt x="105308" y="257670"/>
+                </a:lnTo>
+                <a:lnTo>
+                  <a:pt x="254965" y="107505"/>
+                </a:lnTo>
+                <a:lnTo>
+                  <a:pt x="254965" y="64795"/>
+                </a:lnTo>
+                <a:lnTo>
+                  <a:pt x="212123" y="64795"/>
+                </a:lnTo>
+                <a:lnTo>
+                  <a:pt x="203933" y="63195"/>
+                </a:lnTo>
+                <a:lnTo>
+                  <a:pt x="196723" y="58394"/>
+                </a:lnTo>
+                <a:lnTo>
+                  <a:pt x="191958" y="51190"/>
+                </a:lnTo>
+                <a:lnTo>
+                  <a:pt x="190369" y="42987"/>
+                </a:lnTo>
+                <a:lnTo>
+                  <a:pt x="191958" y="34782"/>
+                </a:lnTo>
+                <a:lnTo>
+                  <a:pt x="196723" y="27571"/>
+                </a:lnTo>
+                <a:lnTo>
+                  <a:pt x="203933" y="22778"/>
+                </a:lnTo>
+                <a:lnTo>
+                  <a:pt x="212123" y="21180"/>
+                </a:lnTo>
+                <a:lnTo>
+                  <a:pt x="254518" y="21180"/>
+                </a:lnTo>
+                <a:lnTo>
+                  <a:pt x="233387" y="0"/>
+                </a:lnTo>
+                <a:close/>
+              </a:path>
+              <a:path w="255270" h="257809">
+                <a:moveTo>
+                  <a:pt x="254518" y="21180"/>
+                </a:moveTo>
+                <a:lnTo>
+                  <a:pt x="212123" y="21180"/>
+                </a:lnTo>
+                <a:lnTo>
+                  <a:pt x="220306" y="22778"/>
+                </a:lnTo>
+                <a:lnTo>
+                  <a:pt x="227495" y="27571"/>
+                </a:lnTo>
+                <a:lnTo>
+                  <a:pt x="232274" y="34782"/>
+                </a:lnTo>
+                <a:lnTo>
+                  <a:pt x="233867" y="42987"/>
+                </a:lnTo>
+                <a:lnTo>
+                  <a:pt x="232274" y="51190"/>
+                </a:lnTo>
+                <a:lnTo>
+                  <a:pt x="227495" y="58394"/>
+                </a:lnTo>
+                <a:lnTo>
+                  <a:pt x="220306" y="63195"/>
+                </a:lnTo>
+                <a:lnTo>
+                  <a:pt x="212123" y="64795"/>
+                </a:lnTo>
+                <a:lnTo>
+                  <a:pt x="254965" y="64795"/>
+                </a:lnTo>
+                <a:lnTo>
+                  <a:pt x="254965" y="21628"/>
+                </a:lnTo>
+                <a:lnTo>
+                  <a:pt x="254518" y="21180"/>
+                </a:lnTo>
+                <a:close/>
+              </a:path>
+            </a:pathLst>
+          </a:custGeom>
+          <a:solidFill>
+            <a:srgbClr val="231F20"/>
+          </a:solidFill>
+        </p:spPr>
+        <p:txBody>
+          <a:bodyPr wrap="square" lIns="0" tIns="0" rIns="0" bIns="0" rtlCol="0"/>
+          <a:lstStyle/>
+          <a:p>
+            <a:endParaRPr/>
+          </a:p>
+        </p:txBody>
+      </p:sp>
+      <p:sp>
+        <p:nvSpPr>
+          <p:cNvPr id="16" name="object 16"/>
+          <p:cNvSpPr/>
+          <p:nvPr/>
+        </p:nvSpPr>
+        <p:spPr>
+          <a:xfrm>
+            <a:off x="7117148" y="7310156"/>
+            <a:ext cx="255270" cy="182245"/>
+          </a:xfrm>
+          <a:custGeom>
+            <a:avLst/>
+            <a:gdLst/>
+            <a:ahLst/>
+            <a:cxnLst/>
+            <a:rect l="l" t="t" r="r" b="b"/>
+            <a:pathLst>
+              <a:path w="255270" h="182245">
+                <a:moveTo>
+                  <a:pt x="233400" y="0"/>
+                </a:moveTo>
+                <a:lnTo>
+                  <a:pt x="152247" y="0"/>
+                </a:lnTo>
+                <a:lnTo>
+                  <a:pt x="0" y="152031"/>
+                </a:lnTo>
+                <a:lnTo>
+                  <a:pt x="30073" y="182232"/>
+                </a:lnTo>
+                <a:lnTo>
+                  <a:pt x="166865" y="45669"/>
+                </a:lnTo>
+                <a:lnTo>
+                  <a:pt x="254927" y="45669"/>
+                </a:lnTo>
+                <a:lnTo>
+                  <a:pt x="254927" y="21653"/>
+                </a:lnTo>
+                <a:lnTo>
+                  <a:pt x="233400" y="0"/>
+                </a:lnTo>
+                <a:close/>
+              </a:path>
+            </a:pathLst>
+          </a:custGeom>
+          <a:solidFill>
+            <a:srgbClr val="231F20"/>
+          </a:solidFill>
+        </p:spPr>
+        <p:txBody>
+          <a:bodyPr wrap="square" lIns="0" tIns="0" rIns="0" bIns="0" rtlCol="0"/>
+          <a:lstStyle/>
+          <a:p>
+            <a:endParaRPr/>
+          </a:p>
+        </p:txBody>
+      </p:sp>
+      <p:sp>
+        <p:nvSpPr>
+          <p:cNvPr id="17" name="object 17"/>
+          <p:cNvSpPr/>
+          <p:nvPr/>
+        </p:nvSpPr>
+        <p:spPr>
+          <a:xfrm>
+            <a:off x="14193336" y="7388369"/>
+            <a:ext cx="282575" cy="273685"/>
+          </a:xfrm>
+          <a:custGeom>
+            <a:avLst/>
+            <a:gdLst/>
+            <a:ahLst/>
+            <a:cxnLst/>
+            <a:rect l="l" t="t" r="r" b="b"/>
+            <a:pathLst>
+              <a:path w="282575" h="273684">
+                <a:moveTo>
+                  <a:pt x="189344" y="0"/>
+                </a:moveTo>
+                <a:lnTo>
+                  <a:pt x="92951" y="0"/>
+                </a:lnTo>
+                <a:lnTo>
+                  <a:pt x="55781" y="20262"/>
+                </a:lnTo>
+                <a:lnTo>
+                  <a:pt x="26454" y="50306"/>
+                </a:lnTo>
+                <a:lnTo>
+                  <a:pt x="7137" y="88048"/>
+                </a:lnTo>
+                <a:lnTo>
+                  <a:pt x="0" y="131406"/>
+                </a:lnTo>
+                <a:lnTo>
+                  <a:pt x="6871" y="176043"/>
+                </a:lnTo>
+                <a:lnTo>
+                  <a:pt x="26618" y="214909"/>
+                </a:lnTo>
+                <a:lnTo>
+                  <a:pt x="56936" y="245665"/>
+                </a:lnTo>
+                <a:lnTo>
+                  <a:pt x="95517" y="265970"/>
+                </a:lnTo>
+                <a:lnTo>
+                  <a:pt x="140055" y="273481"/>
+                </a:lnTo>
+                <a:lnTo>
+                  <a:pt x="184698" y="266610"/>
+                </a:lnTo>
+                <a:lnTo>
+                  <a:pt x="223568" y="246863"/>
+                </a:lnTo>
+                <a:lnTo>
+                  <a:pt x="254326" y="216545"/>
+                </a:lnTo>
+                <a:lnTo>
+                  <a:pt x="274631" y="177964"/>
+                </a:lnTo>
+                <a:lnTo>
+                  <a:pt x="282143" y="133426"/>
+                </a:lnTo>
+                <a:lnTo>
+                  <a:pt x="275488" y="89520"/>
+                </a:lnTo>
+                <a:lnTo>
+                  <a:pt x="256332" y="51182"/>
+                </a:lnTo>
+                <a:lnTo>
+                  <a:pt x="226880" y="20610"/>
+                </a:lnTo>
+                <a:lnTo>
+                  <a:pt x="189344" y="0"/>
+                </a:lnTo>
+                <a:close/>
+              </a:path>
+            </a:pathLst>
+          </a:custGeom>
+          <a:solidFill>
+            <a:srgbClr val="020302"/>
+          </a:solidFill>
+        </p:spPr>
+        <p:txBody>
+          <a:bodyPr wrap="square" lIns="0" tIns="0" rIns="0" bIns="0" rtlCol="0"/>
+          <a:lstStyle/>
+          <a:p>
+            <a:endParaRPr/>
+          </a:p>
+        </p:txBody>
+      </p:sp>
+      <p:sp>
+        <p:nvSpPr>
+          <p:cNvPr id="18" name="object 18"/>
+          <p:cNvSpPr/>
+          <p:nvPr/>
+        </p:nvSpPr>
+        <p:spPr>
+          <a:xfrm>
+            <a:off x="14278982" y="7310168"/>
+            <a:ext cx="110845" cy="66168"/>
+          </a:xfrm>
+          <a:prstGeom prst="rect">
+            <a:avLst/>
+          </a:prstGeom>
+          <a:blipFill>
+            <a:blip r:embed="rId10" cstate="print"/>
+            <a:stretch>
+              <a:fillRect/>
+            </a:stretch>
+          </a:blipFill>
+        </p:spPr>
+        <p:txBody>
+          <a:bodyPr wrap="square" lIns="0" tIns="0" rIns="0" bIns="0" rtlCol="0"/>
+          <a:lstStyle/>
+          <a:p>
+            <a:endParaRPr/>
+          </a:p>
+        </p:txBody>
+      </p:sp>
+      <p:sp>
+        <p:nvSpPr>
+          <p:cNvPr id="19" name="object 19"/>
+          <p:cNvSpPr/>
+          <p:nvPr/>
+        </p:nvSpPr>
+        <p:spPr>
+          <a:xfrm>
+            <a:off x="14286388" y="7451595"/>
+            <a:ext cx="96010" cy="146024"/>
+          </a:xfrm>
+          <a:prstGeom prst="rect">
+            <a:avLst/>
+          </a:prstGeom>
+          <a:blipFill>
+            <a:blip r:embed="rId11" cstate="print"/>
+            <a:stretch>
+              <a:fillRect/>
+            </a:stretch>
+          </a:blipFill>
+        </p:spPr>
+        <p:txBody>
+          <a:bodyPr wrap="square" lIns="0" tIns="0" rIns="0" bIns="0" rtlCol="0"/>
+          <a:lstStyle/>
+          <a:p>
+            <a:endParaRPr/>
+          </a:p>
+        </p:txBody>
+      </p:sp>
+      <p:sp>
+        <p:nvSpPr>
+          <p:cNvPr id="20" name="object 20"/>
+          <p:cNvSpPr/>
+          <p:nvPr/>
+        </p:nvSpPr>
+        <p:spPr>
+          <a:xfrm>
+            <a:off x="14115617" y="1313526"/>
+            <a:ext cx="360045" cy="330200"/>
+          </a:xfrm>
+          <a:custGeom>
+            <a:avLst/>
+            <a:gdLst/>
+            <a:ahLst/>
+            <a:cxnLst/>
+            <a:rect l="l" t="t" r="r" b="b"/>
+            <a:pathLst>
+              <a:path w="360044" h="330200">
+                <a:moveTo>
+                  <a:pt x="181871" y="0"/>
+                </a:moveTo>
+                <a:lnTo>
+                  <a:pt x="139827" y="8793"/>
+                </a:lnTo>
+                <a:lnTo>
+                  <a:pt x="101524" y="28001"/>
+                </a:lnTo>
+                <a:lnTo>
+                  <a:pt x="69112" y="56752"/>
+                </a:lnTo>
+                <a:lnTo>
+                  <a:pt x="44742" y="94173"/>
+                </a:lnTo>
+                <a:lnTo>
+                  <a:pt x="0" y="180368"/>
+                </a:lnTo>
+                <a:lnTo>
+                  <a:pt x="2463" y="188115"/>
+                </a:lnTo>
+                <a:lnTo>
+                  <a:pt x="33655" y="204308"/>
+                </a:lnTo>
+                <a:lnTo>
+                  <a:pt x="35583" y="211441"/>
+                </a:lnTo>
+                <a:lnTo>
+                  <a:pt x="37834" y="218473"/>
+                </a:lnTo>
+                <a:lnTo>
+                  <a:pt x="40393" y="225398"/>
+                </a:lnTo>
+                <a:lnTo>
+                  <a:pt x="43243" y="232210"/>
+                </a:lnTo>
+                <a:lnTo>
+                  <a:pt x="125958" y="238483"/>
+                </a:lnTo>
+                <a:lnTo>
+                  <a:pt x="62433" y="264937"/>
+                </a:lnTo>
+                <a:lnTo>
+                  <a:pt x="103318" y="303485"/>
+                </a:lnTo>
+                <a:lnTo>
+                  <a:pt x="165940" y="328303"/>
+                </a:lnTo>
+                <a:lnTo>
+                  <a:pt x="212302" y="329767"/>
+                </a:lnTo>
+                <a:lnTo>
+                  <a:pt x="256549" y="318578"/>
+                </a:lnTo>
+                <a:lnTo>
+                  <a:pt x="296091" y="295786"/>
+                </a:lnTo>
+                <a:lnTo>
+                  <a:pt x="328337" y="262442"/>
+                </a:lnTo>
+                <a:lnTo>
+                  <a:pt x="350697" y="219598"/>
+                </a:lnTo>
+                <a:lnTo>
+                  <a:pt x="359734" y="172161"/>
+                </a:lnTo>
+                <a:lnTo>
+                  <a:pt x="357221" y="147974"/>
+                </a:lnTo>
+                <a:lnTo>
+                  <a:pt x="101058" y="147974"/>
+                </a:lnTo>
+                <a:lnTo>
+                  <a:pt x="91033" y="144389"/>
+                </a:lnTo>
+                <a:lnTo>
+                  <a:pt x="83972" y="139690"/>
+                </a:lnTo>
+                <a:lnTo>
+                  <a:pt x="80352" y="130775"/>
+                </a:lnTo>
+                <a:lnTo>
+                  <a:pt x="82143" y="122494"/>
+                </a:lnTo>
+                <a:lnTo>
+                  <a:pt x="86846" y="112937"/>
+                </a:lnTo>
+                <a:lnTo>
+                  <a:pt x="94999" y="107081"/>
+                </a:lnTo>
+                <a:lnTo>
+                  <a:pt x="104928" y="105605"/>
+                </a:lnTo>
+                <a:lnTo>
+                  <a:pt x="346878" y="105605"/>
+                </a:lnTo>
+                <a:lnTo>
+                  <a:pt x="337266" y="81905"/>
+                </a:lnTo>
+                <a:lnTo>
+                  <a:pt x="308116" y="44889"/>
+                </a:lnTo>
+                <a:lnTo>
+                  <a:pt x="268592" y="17148"/>
+                </a:lnTo>
+                <a:lnTo>
+                  <a:pt x="225510" y="2494"/>
+                </a:lnTo>
+                <a:lnTo>
+                  <a:pt x="181871" y="0"/>
+                </a:lnTo>
+                <a:close/>
+              </a:path>
+              <a:path w="360044" h="330200">
+                <a:moveTo>
+                  <a:pt x="346878" y="105605"/>
+                </a:moveTo>
+                <a:lnTo>
+                  <a:pt x="104928" y="105605"/>
+                </a:lnTo>
+                <a:lnTo>
+                  <a:pt x="114960" y="109185"/>
+                </a:lnTo>
+                <a:lnTo>
+                  <a:pt x="122008" y="113884"/>
+                </a:lnTo>
+                <a:lnTo>
+                  <a:pt x="125628" y="122799"/>
+                </a:lnTo>
+                <a:lnTo>
+                  <a:pt x="123837" y="131079"/>
+                </a:lnTo>
+                <a:lnTo>
+                  <a:pt x="119135" y="140639"/>
+                </a:lnTo>
+                <a:lnTo>
+                  <a:pt x="110983" y="146497"/>
+                </a:lnTo>
+                <a:lnTo>
+                  <a:pt x="101058" y="147974"/>
+                </a:lnTo>
+                <a:lnTo>
+                  <a:pt x="357221" y="147974"/>
+                </a:lnTo>
+                <a:lnTo>
+                  <a:pt x="354865" y="125297"/>
+                </a:lnTo>
+                <a:lnTo>
+                  <a:pt x="346878" y="105605"/>
+                </a:lnTo>
+                <a:close/>
+              </a:path>
+            </a:pathLst>
+          </a:custGeom>
+          <a:solidFill>
+            <a:srgbClr val="020302"/>
+          </a:solidFill>
+        </p:spPr>
+        <p:txBody>
+          <a:bodyPr wrap="square" lIns="0" tIns="0" rIns="0" bIns="0" rtlCol="0"/>
+          <a:lstStyle/>
+          <a:p>
+            <a:endParaRPr/>
+          </a:p>
+        </p:txBody>
+      </p:sp>
+      <p:sp>
+        <p:nvSpPr>
+          <p:cNvPr id="21" name="object 21"/>
+          <p:cNvSpPr/>
+          <p:nvPr/>
+        </p:nvSpPr>
+        <p:spPr>
+          <a:xfrm>
+            <a:off x="12271892" y="9745206"/>
+            <a:ext cx="344170" cy="297180"/>
+          </a:xfrm>
+          <a:custGeom>
+            <a:avLst/>
+            <a:gdLst/>
+            <a:ahLst/>
+            <a:cxnLst/>
+            <a:rect l="l" t="t" r="r" b="b"/>
+            <a:pathLst>
+              <a:path w="344170" h="297179">
+                <a:moveTo>
+                  <a:pt x="70345" y="0"/>
+                </a:moveTo>
+                <a:lnTo>
+                  <a:pt x="41389" y="25684"/>
+                </a:lnTo>
+                <a:lnTo>
+                  <a:pt x="19203" y="57078"/>
+                </a:lnTo>
+                <a:lnTo>
+                  <a:pt x="5003" y="93070"/>
+                </a:lnTo>
+                <a:lnTo>
+                  <a:pt x="0" y="132549"/>
+                </a:lnTo>
+                <a:lnTo>
+                  <a:pt x="6139" y="176295"/>
+                </a:lnTo>
+                <a:lnTo>
+                  <a:pt x="23465" y="215603"/>
+                </a:lnTo>
+                <a:lnTo>
+                  <a:pt x="50341" y="248907"/>
+                </a:lnTo>
+                <a:lnTo>
+                  <a:pt x="85127" y="274637"/>
+                </a:lnTo>
+                <a:lnTo>
+                  <a:pt x="126187" y="291225"/>
+                </a:lnTo>
+                <a:lnTo>
+                  <a:pt x="171881" y="297103"/>
+                </a:lnTo>
+                <a:lnTo>
+                  <a:pt x="217571" y="291225"/>
+                </a:lnTo>
+                <a:lnTo>
+                  <a:pt x="258627" y="274637"/>
+                </a:lnTo>
+                <a:lnTo>
+                  <a:pt x="293411" y="248907"/>
+                </a:lnTo>
+                <a:lnTo>
+                  <a:pt x="298781" y="242252"/>
+                </a:lnTo>
+                <a:lnTo>
+                  <a:pt x="171881" y="242252"/>
+                </a:lnTo>
+                <a:lnTo>
+                  <a:pt x="127278" y="233632"/>
+                </a:lnTo>
+                <a:lnTo>
+                  <a:pt x="90854" y="210123"/>
+                </a:lnTo>
+                <a:lnTo>
+                  <a:pt x="66295" y="175253"/>
+                </a:lnTo>
+                <a:lnTo>
+                  <a:pt x="57289" y="132549"/>
+                </a:lnTo>
+                <a:lnTo>
+                  <a:pt x="60624" y="106226"/>
+                </a:lnTo>
+                <a:lnTo>
+                  <a:pt x="70091" y="82232"/>
+                </a:lnTo>
+                <a:lnTo>
+                  <a:pt x="84882" y="61305"/>
+                </a:lnTo>
+                <a:lnTo>
+                  <a:pt x="104190" y="44183"/>
+                </a:lnTo>
+                <a:lnTo>
+                  <a:pt x="70345" y="0"/>
+                </a:lnTo>
+                <a:close/>
+              </a:path>
+              <a:path w="344170" h="297179">
+                <a:moveTo>
+                  <a:pt x="273405" y="0"/>
+                </a:moveTo>
+                <a:lnTo>
+                  <a:pt x="239560" y="44183"/>
+                </a:lnTo>
+                <a:lnTo>
+                  <a:pt x="258868" y="61305"/>
+                </a:lnTo>
+                <a:lnTo>
+                  <a:pt x="273659" y="82232"/>
+                </a:lnTo>
+                <a:lnTo>
+                  <a:pt x="283126" y="106226"/>
+                </a:lnTo>
+                <a:lnTo>
+                  <a:pt x="286461" y="132549"/>
+                </a:lnTo>
+                <a:lnTo>
+                  <a:pt x="277455" y="175253"/>
+                </a:lnTo>
+                <a:lnTo>
+                  <a:pt x="252898" y="210123"/>
+                </a:lnTo>
+                <a:lnTo>
+                  <a:pt x="216477" y="233632"/>
+                </a:lnTo>
+                <a:lnTo>
+                  <a:pt x="171881" y="242252"/>
+                </a:lnTo>
+                <a:lnTo>
+                  <a:pt x="298781" y="242252"/>
+                </a:lnTo>
+                <a:lnTo>
+                  <a:pt x="320285" y="215603"/>
+                </a:lnTo>
+                <a:lnTo>
+                  <a:pt x="337611" y="176295"/>
+                </a:lnTo>
+                <a:lnTo>
+                  <a:pt x="343750" y="132549"/>
+                </a:lnTo>
+                <a:lnTo>
+                  <a:pt x="338747" y="93070"/>
+                </a:lnTo>
+                <a:lnTo>
+                  <a:pt x="324546" y="57078"/>
+                </a:lnTo>
+                <a:lnTo>
+                  <a:pt x="302361" y="25684"/>
+                </a:lnTo>
+                <a:lnTo>
+                  <a:pt x="273405" y="0"/>
+                </a:lnTo>
+                <a:close/>
+              </a:path>
+              <a:path w="344170" h="297179">
+                <a:moveTo>
+                  <a:pt x="138036" y="88366"/>
+                </a:moveTo>
+                <a:lnTo>
+                  <a:pt x="128381" y="96927"/>
+                </a:lnTo>
+                <a:lnTo>
+                  <a:pt x="120983" y="107391"/>
+                </a:lnTo>
+                <a:lnTo>
+                  <a:pt x="116247" y="119388"/>
+                </a:lnTo>
+                <a:lnTo>
+                  <a:pt x="114579" y="132549"/>
+                </a:lnTo>
+                <a:lnTo>
+                  <a:pt x="119082" y="153904"/>
+                </a:lnTo>
+                <a:lnTo>
+                  <a:pt x="131362" y="171338"/>
+                </a:lnTo>
+                <a:lnTo>
+                  <a:pt x="149576" y="183091"/>
+                </a:lnTo>
+                <a:lnTo>
+                  <a:pt x="171881" y="187401"/>
+                </a:lnTo>
+                <a:lnTo>
+                  <a:pt x="194179" y="183091"/>
+                </a:lnTo>
+                <a:lnTo>
+                  <a:pt x="212390" y="171338"/>
+                </a:lnTo>
+                <a:lnTo>
+                  <a:pt x="224668" y="153904"/>
+                </a:lnTo>
+                <a:lnTo>
+                  <a:pt x="229171" y="132549"/>
+                </a:lnTo>
+                <a:lnTo>
+                  <a:pt x="171881" y="132549"/>
+                </a:lnTo>
+                <a:lnTo>
+                  <a:pt x="138036" y="88366"/>
+                </a:lnTo>
+                <a:close/>
+              </a:path>
+              <a:path w="344170" h="297179">
+                <a:moveTo>
+                  <a:pt x="205714" y="88366"/>
+                </a:moveTo>
+                <a:lnTo>
+                  <a:pt x="171881" y="132549"/>
+                </a:lnTo>
+                <a:lnTo>
+                  <a:pt x="229171" y="132549"/>
+                </a:lnTo>
+                <a:lnTo>
+                  <a:pt x="227503" y="119388"/>
+                </a:lnTo>
+                <a:lnTo>
+                  <a:pt x="222767" y="107391"/>
+                </a:lnTo>
+                <a:lnTo>
+                  <a:pt x="215369" y="96927"/>
+                </a:lnTo>
+                <a:lnTo>
+                  <a:pt x="205714" y="88366"/>
+                </a:lnTo>
+                <a:close/>
+              </a:path>
+              <a:path w="344170" h="297179">
+                <a:moveTo>
+                  <a:pt x="171881" y="22847"/>
+                </a:moveTo>
+                <a:lnTo>
+                  <a:pt x="153273" y="24304"/>
+                </a:lnTo>
+                <a:lnTo>
+                  <a:pt x="135640" y="28509"/>
+                </a:lnTo>
+                <a:lnTo>
+                  <a:pt x="119205" y="35218"/>
+                </a:lnTo>
+                <a:lnTo>
+                  <a:pt x="104190" y="44183"/>
+                </a:lnTo>
+                <a:lnTo>
+                  <a:pt x="138036" y="88366"/>
+                </a:lnTo>
+                <a:lnTo>
+                  <a:pt x="145542" y="83881"/>
+                </a:lnTo>
+                <a:lnTo>
+                  <a:pt x="153758" y="80527"/>
+                </a:lnTo>
+                <a:lnTo>
+                  <a:pt x="162575" y="78426"/>
+                </a:lnTo>
+                <a:lnTo>
+                  <a:pt x="171881" y="77698"/>
+                </a:lnTo>
+                <a:lnTo>
+                  <a:pt x="213886" y="77698"/>
+                </a:lnTo>
+                <a:lnTo>
+                  <a:pt x="239560" y="44183"/>
+                </a:lnTo>
+                <a:lnTo>
+                  <a:pt x="224545" y="35218"/>
+                </a:lnTo>
+                <a:lnTo>
+                  <a:pt x="208111" y="28509"/>
+                </a:lnTo>
+                <a:lnTo>
+                  <a:pt x="190482" y="24304"/>
+                </a:lnTo>
+                <a:lnTo>
+                  <a:pt x="171881" y="22847"/>
+                </a:lnTo>
+                <a:close/>
+              </a:path>
+              <a:path w="344170" h="297179">
+                <a:moveTo>
+                  <a:pt x="213886" y="77698"/>
+                </a:moveTo>
+                <a:lnTo>
+                  <a:pt x="171881" y="77698"/>
+                </a:lnTo>
+                <a:lnTo>
+                  <a:pt x="181181" y="78426"/>
+                </a:lnTo>
+                <a:lnTo>
+                  <a:pt x="189993" y="80527"/>
+                </a:lnTo>
+                <a:lnTo>
+                  <a:pt x="198208" y="83881"/>
+                </a:lnTo>
+                <a:lnTo>
+                  <a:pt x="205714" y="88366"/>
+                </a:lnTo>
+                <a:lnTo>
+                  <a:pt x="213886" y="77698"/>
+                </a:lnTo>
+                <a:close/>
+              </a:path>
+            </a:pathLst>
+          </a:custGeom>
+          <a:solidFill>
+            <a:srgbClr val="231F20"/>
+          </a:solidFill>
+        </p:spPr>
+        <p:txBody>
+          <a:bodyPr wrap="square" lIns="0" tIns="0" rIns="0" bIns="0" rtlCol="0"/>
+          <a:lstStyle/>
+          <a:p>
+            <a:endParaRPr/>
+          </a:p>
+        </p:txBody>
+      </p:sp>
+      <p:sp>
+        <p:nvSpPr>
+          <p:cNvPr id="22" name="object 22"/>
+          <p:cNvSpPr/>
+          <p:nvPr/>
+        </p:nvSpPr>
+        <p:spPr>
+          <a:xfrm>
+            <a:off x="12644287" y="9768061"/>
+            <a:ext cx="362850" cy="237681"/>
+          </a:xfrm>
+          <a:prstGeom prst="rect">
+            <a:avLst/>
+          </a:prstGeom>
+          <a:blipFill>
+            <a:blip r:embed="rId12" cstate="print"/>
+            <a:stretch>
+              <a:fillRect/>
+            </a:stretch>
+          </a:blipFill>
+        </p:spPr>
+        <p:txBody>
+          <a:bodyPr wrap="square" lIns="0" tIns="0" rIns="0" bIns="0" rtlCol="0"/>
+          <a:lstStyle/>
+          <a:p>
+            <a:endParaRPr/>
+          </a:p>
+        </p:txBody>
+      </p:sp>
+      <p:sp>
+        <p:nvSpPr>
+          <p:cNvPr id="23" name="object 23"/>
+          <p:cNvSpPr/>
+          <p:nvPr/>
+        </p:nvSpPr>
+        <p:spPr>
+          <a:xfrm>
+            <a:off x="13350885" y="9768062"/>
+            <a:ext cx="143510" cy="238125"/>
+          </a:xfrm>
+          <a:custGeom>
+            <a:avLst/>
+            <a:gdLst/>
+            <a:ahLst/>
+            <a:cxnLst/>
+            <a:rect l="l" t="t" r="r" b="b"/>
+            <a:pathLst>
+              <a:path w="143509" h="238125">
+                <a:moveTo>
+                  <a:pt x="85940" y="91414"/>
+                </a:moveTo>
+                <a:lnTo>
+                  <a:pt x="28651" y="91414"/>
+                </a:lnTo>
+                <a:lnTo>
+                  <a:pt x="28653" y="173736"/>
+                </a:lnTo>
+                <a:lnTo>
+                  <a:pt x="38646" y="214998"/>
+                </a:lnTo>
+                <a:lnTo>
+                  <a:pt x="75366" y="236325"/>
+                </a:lnTo>
+                <a:lnTo>
+                  <a:pt x="92354" y="237680"/>
+                </a:lnTo>
+                <a:lnTo>
+                  <a:pt x="107858" y="236155"/>
+                </a:lnTo>
+                <a:lnTo>
+                  <a:pt x="121240" y="232089"/>
+                </a:lnTo>
+                <a:lnTo>
+                  <a:pt x="132898" y="226246"/>
+                </a:lnTo>
+                <a:lnTo>
+                  <a:pt x="143230" y="219392"/>
+                </a:lnTo>
+                <a:lnTo>
+                  <a:pt x="128906" y="191973"/>
+                </a:lnTo>
+                <a:lnTo>
+                  <a:pt x="105041" y="191973"/>
+                </a:lnTo>
+                <a:lnTo>
+                  <a:pt x="97133" y="191073"/>
+                </a:lnTo>
+                <a:lnTo>
+                  <a:pt x="91114" y="188055"/>
+                </a:lnTo>
+                <a:lnTo>
+                  <a:pt x="87284" y="182436"/>
+                </a:lnTo>
+                <a:lnTo>
+                  <a:pt x="85940" y="173736"/>
+                </a:lnTo>
+                <a:lnTo>
+                  <a:pt x="85940" y="91414"/>
+                </a:lnTo>
+                <a:close/>
+              </a:path>
+              <a:path w="143509" h="238125">
+                <a:moveTo>
+                  <a:pt x="124129" y="182829"/>
+                </a:moveTo>
+                <a:lnTo>
+                  <a:pt x="118478" y="187223"/>
+                </a:lnTo>
+                <a:lnTo>
+                  <a:pt x="114579" y="191973"/>
+                </a:lnTo>
+                <a:lnTo>
+                  <a:pt x="128906" y="191973"/>
+                </a:lnTo>
+                <a:lnTo>
+                  <a:pt x="124129" y="182829"/>
+                </a:lnTo>
+                <a:close/>
+              </a:path>
+              <a:path w="143509" h="238125">
+                <a:moveTo>
+                  <a:pt x="133680" y="45707"/>
+                </a:moveTo>
+                <a:lnTo>
+                  <a:pt x="0" y="45707"/>
+                </a:lnTo>
+                <a:lnTo>
+                  <a:pt x="0" y="91414"/>
+                </a:lnTo>
+                <a:lnTo>
+                  <a:pt x="133680" y="91414"/>
+                </a:lnTo>
+                <a:lnTo>
+                  <a:pt x="133680" y="45707"/>
+                </a:lnTo>
+                <a:close/>
+              </a:path>
+              <a:path w="143509" h="238125">
+                <a:moveTo>
+                  <a:pt x="85940" y="0"/>
+                </a:moveTo>
+                <a:lnTo>
+                  <a:pt x="28651" y="0"/>
+                </a:lnTo>
+                <a:lnTo>
+                  <a:pt x="28651" y="45707"/>
+                </a:lnTo>
+                <a:lnTo>
+                  <a:pt x="85940" y="45707"/>
+                </a:lnTo>
+                <a:lnTo>
+                  <a:pt x="85940" y="0"/>
+                </a:lnTo>
+                <a:close/>
+              </a:path>
+            </a:pathLst>
+          </a:custGeom>
+          <a:solidFill>
+            <a:srgbClr val="231F20"/>
+          </a:solidFill>
+        </p:spPr>
+        <p:txBody>
+          <a:bodyPr wrap="square" lIns="0" tIns="0" rIns="0" bIns="0" rtlCol="0"/>
+          <a:lstStyle/>
+          <a:p>
+            <a:endParaRPr/>
+          </a:p>
+        </p:txBody>
+      </p:sp>
+      <p:sp>
+        <p:nvSpPr>
+          <p:cNvPr id="24" name="object 24"/>
+          <p:cNvSpPr/>
+          <p:nvPr/>
+        </p:nvSpPr>
+        <p:spPr>
+          <a:xfrm>
+            <a:off x="13159914" y="9813759"/>
+            <a:ext cx="193675" cy="192405"/>
+          </a:xfrm>
+          <a:custGeom>
+            <a:avLst/>
+            <a:gdLst/>
+            <a:ahLst/>
+            <a:cxnLst/>
+            <a:rect l="l" t="t" r="r" b="b"/>
+            <a:pathLst>
+              <a:path w="193675" h="192404">
+                <a:moveTo>
+                  <a:pt x="166933" y="42176"/>
+                </a:moveTo>
+                <a:lnTo>
+                  <a:pt x="83921" y="42176"/>
+                </a:lnTo>
+                <a:lnTo>
+                  <a:pt x="94382" y="42208"/>
+                </a:lnTo>
+                <a:lnTo>
+                  <a:pt x="104295" y="43318"/>
+                </a:lnTo>
+                <a:lnTo>
+                  <a:pt x="111689" y="47025"/>
+                </a:lnTo>
+                <a:lnTo>
+                  <a:pt x="114592" y="54851"/>
+                </a:lnTo>
+                <a:lnTo>
+                  <a:pt x="111304" y="62893"/>
+                </a:lnTo>
+                <a:lnTo>
+                  <a:pt x="101846" y="67924"/>
+                </a:lnTo>
+                <a:lnTo>
+                  <a:pt x="86822" y="70990"/>
+                </a:lnTo>
+                <a:lnTo>
+                  <a:pt x="66840" y="73139"/>
+                </a:lnTo>
+                <a:lnTo>
+                  <a:pt x="44030" y="78137"/>
+                </a:lnTo>
+                <a:lnTo>
+                  <a:pt x="22428" y="89782"/>
+                </a:lnTo>
+                <a:lnTo>
+                  <a:pt x="6321" y="109104"/>
+                </a:lnTo>
+                <a:lnTo>
+                  <a:pt x="0" y="137134"/>
+                </a:lnTo>
+                <a:lnTo>
+                  <a:pt x="5028" y="160967"/>
+                </a:lnTo>
+                <a:lnTo>
+                  <a:pt x="18980" y="178122"/>
+                </a:lnTo>
+                <a:lnTo>
+                  <a:pt x="40151" y="188492"/>
+                </a:lnTo>
+                <a:lnTo>
+                  <a:pt x="66840" y="191973"/>
+                </a:lnTo>
+                <a:lnTo>
+                  <a:pt x="83156" y="190170"/>
+                </a:lnTo>
+                <a:lnTo>
+                  <a:pt x="98698" y="184861"/>
+                </a:lnTo>
+                <a:lnTo>
+                  <a:pt x="112649" y="176189"/>
+                </a:lnTo>
+                <a:lnTo>
+                  <a:pt x="124193" y="164299"/>
+                </a:lnTo>
+                <a:lnTo>
+                  <a:pt x="192254" y="164299"/>
+                </a:lnTo>
+                <a:lnTo>
+                  <a:pt x="191314" y="151104"/>
+                </a:lnTo>
+                <a:lnTo>
+                  <a:pt x="79324" y="151104"/>
+                </a:lnTo>
+                <a:lnTo>
+                  <a:pt x="68626" y="149883"/>
+                </a:lnTo>
+                <a:lnTo>
+                  <a:pt x="60248" y="146157"/>
+                </a:lnTo>
+                <a:lnTo>
+                  <a:pt x="54785" y="139831"/>
+                </a:lnTo>
+                <a:lnTo>
+                  <a:pt x="52831" y="130810"/>
+                </a:lnTo>
+                <a:lnTo>
+                  <a:pt x="55139" y="120865"/>
+                </a:lnTo>
+                <a:lnTo>
+                  <a:pt x="61221" y="114658"/>
+                </a:lnTo>
+                <a:lnTo>
+                  <a:pt x="69821" y="111114"/>
+                </a:lnTo>
+                <a:lnTo>
+                  <a:pt x="79679" y="109156"/>
+                </a:lnTo>
+                <a:lnTo>
+                  <a:pt x="90255" y="107547"/>
+                </a:lnTo>
+                <a:lnTo>
+                  <a:pt x="99642" y="105651"/>
+                </a:lnTo>
+                <a:lnTo>
+                  <a:pt x="107702" y="102544"/>
+                </a:lnTo>
+                <a:lnTo>
+                  <a:pt x="114299" y="97307"/>
+                </a:lnTo>
+                <a:lnTo>
+                  <a:pt x="171886" y="97307"/>
+                </a:lnTo>
+                <a:lnTo>
+                  <a:pt x="171881" y="63995"/>
+                </a:lnTo>
+                <a:lnTo>
+                  <a:pt x="166933" y="42176"/>
+                </a:lnTo>
+                <a:close/>
+              </a:path>
+              <a:path w="193675" h="192404">
+                <a:moveTo>
+                  <a:pt x="192254" y="164299"/>
+                </a:moveTo>
+                <a:lnTo>
+                  <a:pt x="124193" y="164299"/>
+                </a:lnTo>
+                <a:lnTo>
+                  <a:pt x="130000" y="175331"/>
+                </a:lnTo>
+                <a:lnTo>
+                  <a:pt x="138618" y="184099"/>
+                </a:lnTo>
+                <a:lnTo>
+                  <a:pt x="149558" y="189885"/>
+                </a:lnTo>
+                <a:lnTo>
+                  <a:pt x="162331" y="191973"/>
+                </a:lnTo>
+                <a:lnTo>
+                  <a:pt x="169874" y="190908"/>
+                </a:lnTo>
+                <a:lnTo>
+                  <a:pt x="178419" y="188237"/>
+                </a:lnTo>
+                <a:lnTo>
+                  <a:pt x="186702" y="184745"/>
+                </a:lnTo>
+                <a:lnTo>
+                  <a:pt x="193459" y="181216"/>
+                </a:lnTo>
+                <a:lnTo>
+                  <a:pt x="192254" y="164299"/>
+                </a:lnTo>
+                <a:close/>
+              </a:path>
+              <a:path w="193675" h="192404">
+                <a:moveTo>
+                  <a:pt x="171886" y="97307"/>
+                </a:moveTo>
+                <a:lnTo>
+                  <a:pt x="114299" y="97307"/>
+                </a:lnTo>
+                <a:lnTo>
+                  <a:pt x="114299" y="117957"/>
+                </a:lnTo>
+                <a:lnTo>
+                  <a:pt x="111617" y="132695"/>
+                </a:lnTo>
+                <a:lnTo>
+                  <a:pt x="104232" y="143027"/>
+                </a:lnTo>
+                <a:lnTo>
+                  <a:pt x="93136" y="149111"/>
+                </a:lnTo>
+                <a:lnTo>
+                  <a:pt x="79324" y="151104"/>
+                </a:lnTo>
+                <a:lnTo>
+                  <a:pt x="171894" y="151104"/>
+                </a:lnTo>
+                <a:lnTo>
+                  <a:pt x="171886" y="97307"/>
+                </a:lnTo>
+                <a:close/>
+              </a:path>
+              <a:path w="193675" h="192404">
+                <a:moveTo>
+                  <a:pt x="190969" y="146265"/>
+                </a:moveTo>
+                <a:lnTo>
+                  <a:pt x="188848" y="147967"/>
+                </a:lnTo>
+                <a:lnTo>
+                  <a:pt x="182143" y="151104"/>
+                </a:lnTo>
+                <a:lnTo>
+                  <a:pt x="191314" y="151104"/>
+                </a:lnTo>
+                <a:lnTo>
+                  <a:pt x="190969" y="146265"/>
+                </a:lnTo>
+                <a:close/>
+              </a:path>
+              <a:path w="193675" h="192404">
+                <a:moveTo>
+                  <a:pt x="85940" y="0"/>
+                </a:moveTo>
+                <a:lnTo>
+                  <a:pt x="65260" y="859"/>
+                </a:lnTo>
+                <a:lnTo>
+                  <a:pt x="46421" y="3814"/>
+                </a:lnTo>
+                <a:lnTo>
+                  <a:pt x="28244" y="9435"/>
+                </a:lnTo>
+                <a:lnTo>
+                  <a:pt x="9550" y="18288"/>
+                </a:lnTo>
+                <a:lnTo>
+                  <a:pt x="28651" y="54851"/>
+                </a:lnTo>
+                <a:lnTo>
+                  <a:pt x="42057" y="48156"/>
+                </a:lnTo>
+                <a:lnTo>
+                  <a:pt x="55757" y="44323"/>
+                </a:lnTo>
+                <a:lnTo>
+                  <a:pt x="69722" y="42585"/>
+                </a:lnTo>
+                <a:lnTo>
+                  <a:pt x="83921" y="42176"/>
+                </a:lnTo>
+                <a:lnTo>
+                  <a:pt x="166933" y="42176"/>
+                </a:lnTo>
+                <a:lnTo>
+                  <a:pt x="165211" y="34584"/>
+                </a:lnTo>
+                <a:lnTo>
+                  <a:pt x="146932" y="14743"/>
+                </a:lnTo>
+                <a:lnTo>
+                  <a:pt x="119643" y="3528"/>
+                </a:lnTo>
+                <a:lnTo>
+                  <a:pt x="85940" y="0"/>
+                </a:lnTo>
+                <a:close/>
+              </a:path>
+            </a:pathLst>
+          </a:custGeom>
+          <a:solidFill>
+            <a:srgbClr val="231F20"/>
+          </a:solidFill>
+        </p:spPr>
+        <p:txBody>
+          <a:bodyPr wrap="square" lIns="0" tIns="0" rIns="0" bIns="0" rtlCol="0"/>
+          <a:lstStyle/>
+          <a:p>
+            <a:endParaRPr/>
+          </a:p>
+        </p:txBody>
+      </p:sp>
+      <p:sp>
+        <p:nvSpPr>
+          <p:cNvPr id="25" name="object 25"/>
+          <p:cNvSpPr/>
+          <p:nvPr/>
+        </p:nvSpPr>
+        <p:spPr>
+          <a:xfrm>
+            <a:off x="13494123" y="9813761"/>
+            <a:ext cx="200660" cy="192405"/>
+          </a:xfrm>
+          <a:custGeom>
+            <a:avLst/>
+            <a:gdLst/>
+            <a:ahLst/>
+            <a:cxnLst/>
+            <a:rect l="l" t="t" r="r" b="b"/>
+            <a:pathLst>
+              <a:path w="200659" h="192404">
+                <a:moveTo>
+                  <a:pt x="102298" y="0"/>
+                </a:moveTo>
+                <a:lnTo>
+                  <a:pt x="59927" y="8052"/>
+                </a:lnTo>
+                <a:lnTo>
+                  <a:pt x="27693" y="29852"/>
+                </a:lnTo>
+                <a:lnTo>
+                  <a:pt x="7188" y="61866"/>
+                </a:lnTo>
+                <a:lnTo>
+                  <a:pt x="0" y="100558"/>
+                </a:lnTo>
+                <a:lnTo>
+                  <a:pt x="6920" y="134124"/>
+                </a:lnTo>
+                <a:lnTo>
+                  <a:pt x="27206" y="163406"/>
+                </a:lnTo>
+                <a:lnTo>
+                  <a:pt x="60146" y="184117"/>
+                </a:lnTo>
+                <a:lnTo>
+                  <a:pt x="105028" y="191973"/>
+                </a:lnTo>
+                <a:lnTo>
+                  <a:pt x="133384" y="188922"/>
+                </a:lnTo>
+                <a:lnTo>
+                  <a:pt x="157718" y="180714"/>
+                </a:lnTo>
+                <a:lnTo>
+                  <a:pt x="178341" y="168763"/>
+                </a:lnTo>
+                <a:lnTo>
+                  <a:pt x="195567" y="154482"/>
+                </a:lnTo>
+                <a:lnTo>
+                  <a:pt x="184662" y="144678"/>
+                </a:lnTo>
+                <a:lnTo>
+                  <a:pt x="109016" y="144678"/>
+                </a:lnTo>
+                <a:lnTo>
+                  <a:pt x="90329" y="142389"/>
+                </a:lnTo>
+                <a:lnTo>
+                  <a:pt x="75622" y="135502"/>
+                </a:lnTo>
+                <a:lnTo>
+                  <a:pt x="65686" y="123986"/>
+                </a:lnTo>
+                <a:lnTo>
+                  <a:pt x="61315" y="107810"/>
+                </a:lnTo>
+                <a:lnTo>
+                  <a:pt x="196989" y="107810"/>
+                </a:lnTo>
+                <a:lnTo>
+                  <a:pt x="197332" y="103733"/>
+                </a:lnTo>
+                <a:lnTo>
+                  <a:pt x="200520" y="97167"/>
+                </a:lnTo>
+                <a:lnTo>
+                  <a:pt x="200520" y="91414"/>
+                </a:lnTo>
+                <a:lnTo>
+                  <a:pt x="197038" y="72618"/>
+                </a:lnTo>
+                <a:lnTo>
+                  <a:pt x="61658" y="72618"/>
+                </a:lnTo>
+                <a:lnTo>
+                  <a:pt x="65594" y="58581"/>
+                </a:lnTo>
+                <a:lnTo>
+                  <a:pt x="74296" y="47809"/>
+                </a:lnTo>
+                <a:lnTo>
+                  <a:pt x="87106" y="40903"/>
+                </a:lnTo>
+                <a:lnTo>
+                  <a:pt x="103365" y="38468"/>
+                </a:lnTo>
+                <a:lnTo>
+                  <a:pt x="182917" y="38468"/>
+                </a:lnTo>
+                <a:lnTo>
+                  <a:pt x="173931" y="25290"/>
+                </a:lnTo>
+                <a:lnTo>
+                  <a:pt x="142982" y="6627"/>
+                </a:lnTo>
+                <a:lnTo>
+                  <a:pt x="102298" y="0"/>
+                </a:lnTo>
+                <a:close/>
+              </a:path>
+              <a:path w="200659" h="192404">
+                <a:moveTo>
+                  <a:pt x="160947" y="123355"/>
+                </a:moveTo>
+                <a:lnTo>
+                  <a:pt x="150648" y="132253"/>
+                </a:lnTo>
+                <a:lnTo>
+                  <a:pt x="138425" y="138964"/>
+                </a:lnTo>
+                <a:lnTo>
+                  <a:pt x="124480" y="143202"/>
+                </a:lnTo>
+                <a:lnTo>
+                  <a:pt x="109016" y="144678"/>
+                </a:lnTo>
+                <a:lnTo>
+                  <a:pt x="184662" y="144678"/>
+                </a:lnTo>
+                <a:lnTo>
+                  <a:pt x="160947" y="123355"/>
+                </a:lnTo>
+                <a:close/>
+              </a:path>
+              <a:path w="200659" h="192404">
+                <a:moveTo>
+                  <a:pt x="182917" y="38468"/>
+                </a:moveTo>
+                <a:lnTo>
+                  <a:pt x="103365" y="38468"/>
+                </a:lnTo>
+                <a:lnTo>
+                  <a:pt x="118911" y="40618"/>
+                </a:lnTo>
+                <a:lnTo>
+                  <a:pt x="131576" y="47047"/>
+                </a:lnTo>
+                <a:lnTo>
+                  <a:pt x="140468" y="57724"/>
+                </a:lnTo>
+                <a:lnTo>
+                  <a:pt x="144691" y="72618"/>
+                </a:lnTo>
+                <a:lnTo>
+                  <a:pt x="197038" y="72618"/>
+                </a:lnTo>
+                <a:lnTo>
+                  <a:pt x="193618" y="54162"/>
+                </a:lnTo>
+                <a:lnTo>
+                  <a:pt x="182917" y="38468"/>
+                </a:lnTo>
+                <a:close/>
+              </a:path>
+            </a:pathLst>
+          </a:custGeom>
+          <a:solidFill>
+            <a:srgbClr val="231F20"/>
+          </a:solidFill>
+        </p:spPr>
+        <p:txBody>
+          <a:bodyPr wrap="square" lIns="0" tIns="0" rIns="0" bIns="0" rtlCol="0"/>
+          <a:lstStyle/>
+          <a:p>
+            <a:endParaRPr/>
+          </a:p>
+        </p:txBody>
+      </p:sp>
+      <p:sp>
+        <p:nvSpPr>
+          <p:cNvPr id="26" name="object 26"/>
+          <p:cNvSpPr/>
+          <p:nvPr/>
+        </p:nvSpPr>
+        <p:spPr>
+          <a:xfrm>
+            <a:off x="14315306" y="9813761"/>
+            <a:ext cx="200660" cy="192405"/>
+          </a:xfrm>
+          <a:custGeom>
+            <a:avLst/>
+            <a:gdLst/>
+            <a:ahLst/>
+            <a:cxnLst/>
+            <a:rect l="l" t="t" r="r" b="b"/>
+            <a:pathLst>
+              <a:path w="200659" h="192404">
+                <a:moveTo>
+                  <a:pt x="102298" y="0"/>
+                </a:moveTo>
+                <a:lnTo>
+                  <a:pt x="59927" y="8052"/>
+                </a:lnTo>
+                <a:lnTo>
+                  <a:pt x="27693" y="29852"/>
+                </a:lnTo>
+                <a:lnTo>
+                  <a:pt x="7188" y="61866"/>
+                </a:lnTo>
+                <a:lnTo>
+                  <a:pt x="0" y="100558"/>
+                </a:lnTo>
+                <a:lnTo>
+                  <a:pt x="6920" y="134124"/>
+                </a:lnTo>
+                <a:lnTo>
+                  <a:pt x="27206" y="163406"/>
+                </a:lnTo>
+                <a:lnTo>
+                  <a:pt x="60146" y="184117"/>
+                </a:lnTo>
+                <a:lnTo>
+                  <a:pt x="105028" y="191973"/>
+                </a:lnTo>
+                <a:lnTo>
+                  <a:pt x="133384" y="188922"/>
+                </a:lnTo>
+                <a:lnTo>
+                  <a:pt x="157718" y="180714"/>
+                </a:lnTo>
+                <a:lnTo>
+                  <a:pt x="178341" y="168763"/>
+                </a:lnTo>
+                <a:lnTo>
+                  <a:pt x="195567" y="154482"/>
+                </a:lnTo>
+                <a:lnTo>
+                  <a:pt x="184662" y="144678"/>
+                </a:lnTo>
+                <a:lnTo>
+                  <a:pt x="109016" y="144678"/>
+                </a:lnTo>
+                <a:lnTo>
+                  <a:pt x="90329" y="142389"/>
+                </a:lnTo>
+                <a:lnTo>
+                  <a:pt x="75622" y="135502"/>
+                </a:lnTo>
+                <a:lnTo>
+                  <a:pt x="65686" y="123986"/>
+                </a:lnTo>
+                <a:lnTo>
+                  <a:pt x="61315" y="107810"/>
+                </a:lnTo>
+                <a:lnTo>
+                  <a:pt x="196989" y="107810"/>
+                </a:lnTo>
+                <a:lnTo>
+                  <a:pt x="197332" y="103733"/>
+                </a:lnTo>
+                <a:lnTo>
+                  <a:pt x="200520" y="97167"/>
+                </a:lnTo>
+                <a:lnTo>
+                  <a:pt x="200520" y="91414"/>
+                </a:lnTo>
+                <a:lnTo>
+                  <a:pt x="197038" y="72618"/>
+                </a:lnTo>
+                <a:lnTo>
+                  <a:pt x="61658" y="72618"/>
+                </a:lnTo>
+                <a:lnTo>
+                  <a:pt x="65594" y="58581"/>
+                </a:lnTo>
+                <a:lnTo>
+                  <a:pt x="74296" y="47809"/>
+                </a:lnTo>
+                <a:lnTo>
+                  <a:pt x="87106" y="40903"/>
+                </a:lnTo>
+                <a:lnTo>
+                  <a:pt x="103365" y="38468"/>
+                </a:lnTo>
+                <a:lnTo>
+                  <a:pt x="182917" y="38468"/>
+                </a:lnTo>
+                <a:lnTo>
+                  <a:pt x="173931" y="25290"/>
+                </a:lnTo>
+                <a:lnTo>
+                  <a:pt x="142982" y="6627"/>
+                </a:lnTo>
+                <a:lnTo>
+                  <a:pt x="102298" y="0"/>
+                </a:lnTo>
+                <a:close/>
+              </a:path>
+              <a:path w="200659" h="192404">
+                <a:moveTo>
+                  <a:pt x="160947" y="123355"/>
+                </a:moveTo>
+                <a:lnTo>
+                  <a:pt x="150648" y="132253"/>
+                </a:lnTo>
+                <a:lnTo>
+                  <a:pt x="138425" y="138964"/>
+                </a:lnTo>
+                <a:lnTo>
+                  <a:pt x="124480" y="143202"/>
+                </a:lnTo>
+                <a:lnTo>
+                  <a:pt x="109016" y="144678"/>
+                </a:lnTo>
+                <a:lnTo>
+                  <a:pt x="184662" y="144678"/>
+                </a:lnTo>
+                <a:lnTo>
+                  <a:pt x="160947" y="123355"/>
+                </a:lnTo>
+                <a:close/>
+              </a:path>
+              <a:path w="200659" h="192404">
+                <a:moveTo>
+                  <a:pt x="182917" y="38468"/>
+                </a:moveTo>
+                <a:lnTo>
+                  <a:pt x="103365" y="38468"/>
+                </a:lnTo>
+                <a:lnTo>
+                  <a:pt x="118911" y="40618"/>
+                </a:lnTo>
+                <a:lnTo>
+                  <a:pt x="131576" y="47047"/>
+                </a:lnTo>
+                <a:lnTo>
+                  <a:pt x="140468" y="57724"/>
+                </a:lnTo>
+                <a:lnTo>
+                  <a:pt x="144691" y="72618"/>
+                </a:lnTo>
+                <a:lnTo>
+                  <a:pt x="197038" y="72618"/>
+                </a:lnTo>
+                <a:lnTo>
+                  <a:pt x="193618" y="54162"/>
+                </a:lnTo>
+                <a:lnTo>
+                  <a:pt x="182917" y="38468"/>
+                </a:lnTo>
+                <a:close/>
+              </a:path>
+            </a:pathLst>
+          </a:custGeom>
+          <a:solidFill>
+            <a:srgbClr val="231F20"/>
+          </a:solidFill>
+        </p:spPr>
+        <p:txBody>
+          <a:bodyPr wrap="square" lIns="0" tIns="0" rIns="0" bIns="0" rtlCol="0"/>
+          <a:lstStyle/>
+          <a:p>
+            <a:endParaRPr/>
+          </a:p>
+        </p:txBody>
+      </p:sp>
+      <p:sp>
+        <p:nvSpPr>
+          <p:cNvPr id="27" name="object 27"/>
+          <p:cNvSpPr/>
+          <p:nvPr/>
+        </p:nvSpPr>
+        <p:spPr>
+          <a:xfrm>
+            <a:off x="13713736" y="9813763"/>
+            <a:ext cx="200520" cy="246824"/>
+          </a:xfrm>
+          <a:prstGeom prst="rect">
+            <a:avLst/>
+          </a:prstGeom>
+          <a:blipFill>
+            <a:blip r:embed="rId13" cstate="print"/>
+            <a:stretch>
+              <a:fillRect/>
+            </a:stretch>
+          </a:blipFill>
+        </p:spPr>
+        <p:txBody>
+          <a:bodyPr wrap="square" lIns="0" tIns="0" rIns="0" bIns="0" rtlCol="0"/>
+          <a:lstStyle/>
+          <a:p>
+            <a:endParaRPr/>
+          </a:p>
+        </p:txBody>
+      </p:sp>
+      <p:sp>
+        <p:nvSpPr>
+          <p:cNvPr id="28" name="object 28"/>
+          <p:cNvSpPr/>
+          <p:nvPr/>
+        </p:nvSpPr>
+        <p:spPr>
+          <a:xfrm>
+            <a:off x="13933357" y="9813765"/>
+            <a:ext cx="200660" cy="247015"/>
+          </a:xfrm>
+          <a:custGeom>
+            <a:avLst/>
+            <a:gdLst/>
+            <a:ahLst/>
+            <a:cxnLst/>
+            <a:rect l="l" t="t" r="r" b="b"/>
+            <a:pathLst>
+              <a:path w="200659" h="247015">
+                <a:moveTo>
+                  <a:pt x="23787" y="197777"/>
+                </a:moveTo>
+                <a:lnTo>
+                  <a:pt x="3289" y="232283"/>
+                </a:lnTo>
+                <a:lnTo>
+                  <a:pt x="14608" y="238552"/>
+                </a:lnTo>
+                <a:lnTo>
+                  <a:pt x="26787" y="243106"/>
+                </a:lnTo>
+                <a:lnTo>
+                  <a:pt x="39761" y="245884"/>
+                </a:lnTo>
+                <a:lnTo>
+                  <a:pt x="53466" y="246824"/>
+                </a:lnTo>
+                <a:lnTo>
+                  <a:pt x="78281" y="243320"/>
+                </a:lnTo>
+                <a:lnTo>
+                  <a:pt x="97496" y="232743"/>
+                </a:lnTo>
+                <a:lnTo>
+                  <a:pt x="112536" y="214999"/>
+                </a:lnTo>
+                <a:lnTo>
+                  <a:pt x="117512" y="204876"/>
+                </a:lnTo>
+                <a:lnTo>
+                  <a:pt x="37553" y="204876"/>
+                </a:lnTo>
+                <a:lnTo>
+                  <a:pt x="30505" y="202171"/>
+                </a:lnTo>
+                <a:lnTo>
+                  <a:pt x="23787" y="197777"/>
+                </a:lnTo>
+                <a:close/>
+              </a:path>
+              <a:path w="200659" h="247015">
+                <a:moveTo>
+                  <a:pt x="57289" y="0"/>
+                </a:moveTo>
+                <a:lnTo>
+                  <a:pt x="0" y="0"/>
+                </a:lnTo>
+                <a:lnTo>
+                  <a:pt x="73952" y="179171"/>
+                </a:lnTo>
+                <a:lnTo>
+                  <a:pt x="69367" y="187629"/>
+                </a:lnTo>
+                <a:lnTo>
+                  <a:pt x="65061" y="194750"/>
+                </a:lnTo>
+                <a:lnTo>
+                  <a:pt x="59863" y="200186"/>
+                </a:lnTo>
+                <a:lnTo>
+                  <a:pt x="53410" y="203656"/>
+                </a:lnTo>
+                <a:lnTo>
+                  <a:pt x="45338" y="204876"/>
+                </a:lnTo>
+                <a:lnTo>
+                  <a:pt x="117512" y="204876"/>
+                </a:lnTo>
+                <a:lnTo>
+                  <a:pt x="124828" y="189992"/>
+                </a:lnTo>
+                <a:lnTo>
+                  <a:pt x="153936" y="116928"/>
+                </a:lnTo>
+                <a:lnTo>
+                  <a:pt x="101866" y="116928"/>
+                </a:lnTo>
+                <a:lnTo>
+                  <a:pt x="57289" y="0"/>
+                </a:lnTo>
+                <a:close/>
+              </a:path>
+              <a:path w="200659" h="247015">
+                <a:moveTo>
+                  <a:pt x="200520" y="0"/>
+                </a:moveTo>
+                <a:lnTo>
+                  <a:pt x="143230" y="0"/>
+                </a:lnTo>
+                <a:lnTo>
+                  <a:pt x="101866" y="116928"/>
+                </a:lnTo>
+                <a:lnTo>
+                  <a:pt x="153936" y="116928"/>
+                </a:lnTo>
+                <a:lnTo>
+                  <a:pt x="200520" y="0"/>
+                </a:lnTo>
+                <a:close/>
+              </a:path>
+            </a:pathLst>
+          </a:custGeom>
+          <a:solidFill>
+            <a:srgbClr val="231F20"/>
+          </a:solidFill>
+        </p:spPr>
+        <p:txBody>
+          <a:bodyPr wrap="square" lIns="0" tIns="0" rIns="0" bIns="0" rtlCol="0"/>
+          <a:lstStyle/>
+          <a:p>
+            <a:endParaRPr/>
+          </a:p>
+        </p:txBody>
+      </p:sp>
+      <p:sp>
+        <p:nvSpPr>
+          <p:cNvPr id="29" name="object 29"/>
+          <p:cNvSpPr/>
+          <p:nvPr/>
+        </p:nvSpPr>
+        <p:spPr>
+          <a:xfrm>
+            <a:off x="14133875" y="9813765"/>
+            <a:ext cx="172085" cy="192405"/>
+          </a:xfrm>
+          <a:custGeom>
+            <a:avLst/>
+            <a:gdLst/>
+            <a:ahLst/>
+            <a:cxnLst/>
+            <a:rect l="l" t="t" r="r" b="b"/>
+            <a:pathLst>
+              <a:path w="172084" h="192404">
+                <a:moveTo>
+                  <a:pt x="171869" y="0"/>
+                </a:moveTo>
+                <a:lnTo>
+                  <a:pt x="9550" y="0"/>
+                </a:lnTo>
+                <a:lnTo>
+                  <a:pt x="9550" y="45707"/>
+                </a:lnTo>
+                <a:lnTo>
+                  <a:pt x="105041" y="45707"/>
+                </a:lnTo>
+                <a:lnTo>
+                  <a:pt x="0" y="147370"/>
+                </a:lnTo>
+                <a:lnTo>
+                  <a:pt x="0" y="191973"/>
+                </a:lnTo>
+                <a:lnTo>
+                  <a:pt x="171869" y="191973"/>
+                </a:lnTo>
+                <a:lnTo>
+                  <a:pt x="171869" y="137121"/>
+                </a:lnTo>
+                <a:lnTo>
+                  <a:pt x="76390" y="137121"/>
+                </a:lnTo>
+                <a:lnTo>
+                  <a:pt x="171869" y="39141"/>
+                </a:lnTo>
+                <a:lnTo>
+                  <a:pt x="171869" y="0"/>
+                </a:lnTo>
+                <a:close/>
+              </a:path>
+            </a:pathLst>
+          </a:custGeom>
+          <a:solidFill>
+            <a:srgbClr val="231F20"/>
+          </a:solidFill>
+        </p:spPr>
+        <p:txBody>
+          <a:bodyPr wrap="square" lIns="0" tIns="0" rIns="0" bIns="0" rtlCol="0"/>
+          <a:lstStyle/>
+          <a:p>
+            <a:endParaRPr/>
+          </a:p>
+        </p:txBody>
+      </p:sp>
+      <p:sp>
+        <p:nvSpPr>
+          <p:cNvPr id="30" name="object 30"/>
+          <p:cNvSpPr/>
+          <p:nvPr/>
+        </p:nvSpPr>
+        <p:spPr>
+          <a:xfrm>
+            <a:off x="14534922" y="9813759"/>
+            <a:ext cx="128600" cy="182841"/>
+          </a:xfrm>
+          <a:prstGeom prst="rect">
+            <a:avLst/>
+          </a:prstGeom>
+          <a:blipFill>
+            <a:blip r:embed="rId14" cstate="print"/>
+            <a:stretch>
+              <a:fillRect/>
+            </a:stretch>
+          </a:blipFill>
+        </p:spPr>
+        <p:txBody>
+          <a:bodyPr wrap="square" lIns="0" tIns="0" rIns="0" bIns="0" rtlCol="0"/>
+          <a:lstStyle/>
+          <a:p>
+            <a:endParaRPr/>
+          </a:p>
+        </p:txBody>
+      </p:sp>
+      <p:sp>
+        <p:nvSpPr>
+          <p:cNvPr id="31" name="object 31"/>
+          <p:cNvSpPr/>
+          <p:nvPr/>
+        </p:nvSpPr>
+        <p:spPr>
+          <a:xfrm>
+            <a:off x="13026237" y="9813759"/>
+            <a:ext cx="128905" cy="182880"/>
+          </a:xfrm>
+          <a:custGeom>
+            <a:avLst/>
+            <a:gdLst/>
+            <a:ahLst/>
+            <a:cxnLst/>
+            <a:rect l="l" t="t" r="r" b="b"/>
+            <a:pathLst>
+              <a:path w="128905" h="182879">
+                <a:moveTo>
+                  <a:pt x="57289" y="0"/>
+                </a:moveTo>
+                <a:lnTo>
+                  <a:pt x="0" y="0"/>
+                </a:lnTo>
+                <a:lnTo>
+                  <a:pt x="0" y="182841"/>
+                </a:lnTo>
+                <a:lnTo>
+                  <a:pt x="57289" y="182841"/>
+                </a:lnTo>
+                <a:lnTo>
+                  <a:pt x="57289" y="95567"/>
+                </a:lnTo>
+                <a:lnTo>
+                  <a:pt x="59732" y="77324"/>
+                </a:lnTo>
+                <a:lnTo>
+                  <a:pt x="66801" y="63231"/>
+                </a:lnTo>
+                <a:lnTo>
+                  <a:pt x="78110" y="54146"/>
+                </a:lnTo>
+                <a:lnTo>
+                  <a:pt x="93268" y="50927"/>
+                </a:lnTo>
+                <a:lnTo>
+                  <a:pt x="115944" y="50927"/>
+                </a:lnTo>
+                <a:lnTo>
+                  <a:pt x="122313" y="27432"/>
+                </a:lnTo>
+                <a:lnTo>
+                  <a:pt x="57289" y="27432"/>
+                </a:lnTo>
+                <a:lnTo>
+                  <a:pt x="57289" y="0"/>
+                </a:lnTo>
+                <a:close/>
+              </a:path>
+              <a:path w="128905" h="182879">
+                <a:moveTo>
+                  <a:pt x="115944" y="50927"/>
+                </a:moveTo>
+                <a:lnTo>
+                  <a:pt x="102107" y="50927"/>
+                </a:lnTo>
+                <a:lnTo>
+                  <a:pt x="108813" y="53289"/>
+                </a:lnTo>
+                <a:lnTo>
+                  <a:pt x="114477" y="56337"/>
+                </a:lnTo>
+                <a:lnTo>
+                  <a:pt x="115944" y="50927"/>
+                </a:lnTo>
+                <a:close/>
+              </a:path>
+              <a:path w="128905" h="182879">
+                <a:moveTo>
+                  <a:pt x="114211" y="0"/>
+                </a:moveTo>
+                <a:lnTo>
+                  <a:pt x="105028" y="0"/>
+                </a:lnTo>
+                <a:lnTo>
+                  <a:pt x="90711" y="1718"/>
+                </a:lnTo>
+                <a:lnTo>
+                  <a:pt x="77977" y="6867"/>
+                </a:lnTo>
+                <a:lnTo>
+                  <a:pt x="66834" y="15441"/>
+                </a:lnTo>
+                <a:lnTo>
+                  <a:pt x="57289" y="27432"/>
+                </a:lnTo>
+                <a:lnTo>
+                  <a:pt x="122313" y="27432"/>
+                </a:lnTo>
+                <a:lnTo>
+                  <a:pt x="128600" y="4241"/>
+                </a:lnTo>
+                <a:lnTo>
+                  <a:pt x="123304" y="1206"/>
+                </a:lnTo>
+                <a:lnTo>
+                  <a:pt x="114211" y="0"/>
+                </a:lnTo>
+                <a:close/>
+              </a:path>
+            </a:pathLst>
+          </a:custGeom>
+          <a:solidFill>
+            <a:srgbClr val="231F20"/>
+          </a:solidFill>
+        </p:spPr>
+        <p:txBody>
+          <a:bodyPr wrap="square" lIns="0" tIns="0" rIns="0" bIns="0" rtlCol="0"/>
+          <a:lstStyle/>
+          <a:p>
+            <a:endParaRPr/>
+          </a:p>
+        </p:txBody>
+      </p:sp>
+      <p:sp>
+        <p:nvSpPr>
+          <p:cNvPr id="32" name="object 32"/>
+          <p:cNvSpPr txBox="1"/>
+          <p:nvPr/>
+        </p:nvSpPr>
+        <p:spPr>
+          <a:xfrm>
+            <a:off x="7719009" y="7386509"/>
+            <a:ext cx="1515745" cy="238760"/>
+          </a:xfrm>
+          <a:prstGeom prst="rect">
+            <a:avLst/>
+          </a:prstGeom>
+        </p:spPr>
+        <p:txBody>
+          <a:bodyPr vert="horz" wrap="square" lIns="0" tIns="12700" rIns="0" bIns="0" rtlCol="0">
+            <a:spAutoFit/>
+          </a:bodyPr>
+          <a:lstStyle/>
+          <a:p>
+            <a:pPr marL="12700">
+              <a:lnSpc>
+                <a:spcPct val="100000"/>
+              </a:lnSpc>
+              <a:spcBef>
+                <a:spcPts val="100"/>
+              </a:spcBef>
+            </a:pPr>
+            <a:r>
+              <a:rPr sz="1400" spc="60" dirty="0">
+                <a:solidFill>
+                  <a:srgbClr val="231F20"/>
+                </a:solidFill>
+                <a:latin typeface="Tahoma"/>
+                <a:cs typeface="Tahoma"/>
+              </a:rPr>
+              <a:t>Revenue</a:t>
+            </a:r>
+            <a:r>
+              <a:rPr sz="1400" spc="-110" dirty="0">
+                <a:solidFill>
+                  <a:srgbClr val="231F20"/>
+                </a:solidFill>
+                <a:latin typeface="Tahoma"/>
+                <a:cs typeface="Tahoma"/>
+              </a:rPr>
+              <a:t> </a:t>
+            </a:r>
+            <a:r>
+              <a:rPr sz="1400" spc="75" dirty="0">
+                <a:solidFill>
+                  <a:srgbClr val="231F20"/>
+                </a:solidFill>
+                <a:latin typeface="Tahoma"/>
+                <a:cs typeface="Tahoma"/>
+              </a:rPr>
+              <a:t>Streams</a:t>
+            </a:r>
+            <a:endParaRPr sz="1400">
+              <a:latin typeface="Tahoma"/>
+              <a:cs typeface="Tahoma"/>
+            </a:endParaRPr>
+          </a:p>
+        </p:txBody>
+      </p:sp>
+      <p:sp>
+        <p:nvSpPr>
+          <p:cNvPr id="33" name="object 33"/>
+          <p:cNvSpPr txBox="1"/>
+          <p:nvPr/>
+        </p:nvSpPr>
+        <p:spPr>
+          <a:xfrm>
+            <a:off x="11963479" y="1339836"/>
+            <a:ext cx="1767205" cy="238760"/>
+          </a:xfrm>
+          <a:prstGeom prst="rect">
+            <a:avLst/>
+          </a:prstGeom>
+        </p:spPr>
+        <p:txBody>
+          <a:bodyPr vert="horz" wrap="square" lIns="0" tIns="12700" rIns="0" bIns="0" rtlCol="0">
+            <a:spAutoFit/>
+          </a:bodyPr>
+          <a:lstStyle/>
+          <a:p>
+            <a:pPr marL="12700">
+              <a:lnSpc>
+                <a:spcPct val="100000"/>
+              </a:lnSpc>
+              <a:spcBef>
+                <a:spcPts val="100"/>
+              </a:spcBef>
+            </a:pPr>
+            <a:r>
+              <a:rPr sz="1400" spc="80" dirty="0">
+                <a:solidFill>
+                  <a:srgbClr val="231F20"/>
+                </a:solidFill>
+                <a:latin typeface="Tahoma"/>
+                <a:cs typeface="Tahoma"/>
+              </a:rPr>
+              <a:t>Customer</a:t>
+            </a:r>
+            <a:r>
+              <a:rPr sz="1400" spc="-105" dirty="0">
+                <a:solidFill>
+                  <a:srgbClr val="231F20"/>
+                </a:solidFill>
+                <a:latin typeface="Tahoma"/>
+                <a:cs typeface="Tahoma"/>
+              </a:rPr>
+              <a:t> </a:t>
+            </a:r>
+            <a:r>
+              <a:rPr sz="1400" spc="85" dirty="0">
+                <a:solidFill>
+                  <a:srgbClr val="231F20"/>
+                </a:solidFill>
+                <a:latin typeface="Tahoma"/>
+                <a:cs typeface="Tahoma"/>
+              </a:rPr>
+              <a:t>Segments</a:t>
+            </a:r>
+            <a:endParaRPr sz="1400">
+              <a:latin typeface="Tahoma"/>
+              <a:cs typeface="Tahoma"/>
+            </a:endParaRPr>
+          </a:p>
+        </p:txBody>
+      </p:sp>
+      <p:sp>
+        <p:nvSpPr>
+          <p:cNvPr id="34" name="object 34"/>
+          <p:cNvSpPr txBox="1"/>
+          <p:nvPr/>
+        </p:nvSpPr>
+        <p:spPr>
+          <a:xfrm>
+            <a:off x="6313640" y="1339836"/>
+            <a:ext cx="1597660" cy="238760"/>
+          </a:xfrm>
+          <a:prstGeom prst="rect">
+            <a:avLst/>
+          </a:prstGeom>
+        </p:spPr>
+        <p:txBody>
+          <a:bodyPr vert="horz" wrap="square" lIns="0" tIns="12700" rIns="0" bIns="0" rtlCol="0">
+            <a:spAutoFit/>
+          </a:bodyPr>
+          <a:lstStyle/>
+          <a:p>
+            <a:pPr marL="12700">
+              <a:lnSpc>
+                <a:spcPct val="100000"/>
+              </a:lnSpc>
+              <a:spcBef>
+                <a:spcPts val="100"/>
+              </a:spcBef>
+            </a:pPr>
+            <a:r>
+              <a:rPr sz="1400" spc="45" dirty="0">
+                <a:solidFill>
+                  <a:srgbClr val="231F20"/>
+                </a:solidFill>
+                <a:latin typeface="Tahoma"/>
+                <a:cs typeface="Tahoma"/>
+              </a:rPr>
+              <a:t>Value</a:t>
+            </a:r>
+            <a:r>
+              <a:rPr sz="1400" spc="-95" dirty="0">
+                <a:solidFill>
+                  <a:srgbClr val="231F20"/>
+                </a:solidFill>
+                <a:latin typeface="Tahoma"/>
+                <a:cs typeface="Tahoma"/>
+              </a:rPr>
+              <a:t> </a:t>
+            </a:r>
+            <a:r>
+              <a:rPr sz="1400" spc="70" dirty="0">
+                <a:solidFill>
+                  <a:srgbClr val="231F20"/>
+                </a:solidFill>
+                <a:latin typeface="Tahoma"/>
+                <a:cs typeface="Tahoma"/>
+              </a:rPr>
+              <a:t>Propositions</a:t>
+            </a:r>
+            <a:endParaRPr sz="1400">
+              <a:latin typeface="Tahoma"/>
+              <a:cs typeface="Tahoma"/>
+            </a:endParaRPr>
+          </a:p>
+        </p:txBody>
+      </p:sp>
+      <p:sp>
+        <p:nvSpPr>
+          <p:cNvPr id="35" name="object 35"/>
+          <p:cNvSpPr txBox="1"/>
+          <p:nvPr/>
+        </p:nvSpPr>
+        <p:spPr>
+          <a:xfrm>
+            <a:off x="3496407" y="1339836"/>
+            <a:ext cx="1157605" cy="238760"/>
+          </a:xfrm>
+          <a:prstGeom prst="rect">
+            <a:avLst/>
+          </a:prstGeom>
+        </p:spPr>
+        <p:txBody>
+          <a:bodyPr vert="horz" wrap="square" lIns="0" tIns="12700" rIns="0" bIns="0" rtlCol="0">
+            <a:spAutoFit/>
+          </a:bodyPr>
+          <a:lstStyle/>
+          <a:p>
+            <a:pPr marL="12700">
+              <a:lnSpc>
+                <a:spcPct val="100000"/>
+              </a:lnSpc>
+              <a:spcBef>
+                <a:spcPts val="100"/>
+              </a:spcBef>
+            </a:pPr>
+            <a:r>
+              <a:rPr sz="1400" spc="60" dirty="0">
+                <a:solidFill>
+                  <a:srgbClr val="231F20"/>
+                </a:solidFill>
+                <a:latin typeface="Tahoma"/>
+                <a:cs typeface="Tahoma"/>
+              </a:rPr>
+              <a:t>Key</a:t>
+            </a:r>
+            <a:r>
+              <a:rPr sz="1400" spc="-140" dirty="0">
+                <a:solidFill>
+                  <a:srgbClr val="231F20"/>
+                </a:solidFill>
+                <a:latin typeface="Tahoma"/>
+                <a:cs typeface="Tahoma"/>
+              </a:rPr>
+              <a:t> </a:t>
+            </a:r>
+            <a:r>
+              <a:rPr sz="1400" spc="65" dirty="0">
+                <a:solidFill>
+                  <a:srgbClr val="231F20"/>
+                </a:solidFill>
+                <a:latin typeface="Tahoma"/>
+                <a:cs typeface="Tahoma"/>
+              </a:rPr>
+              <a:t>Activities</a:t>
+            </a:r>
+            <a:endParaRPr sz="1400">
+              <a:latin typeface="Tahoma"/>
+              <a:cs typeface="Tahoma"/>
+            </a:endParaRPr>
+          </a:p>
+        </p:txBody>
+      </p:sp>
+      <p:sp>
+        <p:nvSpPr>
+          <p:cNvPr id="36" name="object 36"/>
+          <p:cNvSpPr txBox="1"/>
+          <p:nvPr/>
+        </p:nvSpPr>
+        <p:spPr>
+          <a:xfrm>
+            <a:off x="702670" y="1339836"/>
+            <a:ext cx="1109345" cy="238760"/>
+          </a:xfrm>
+          <a:prstGeom prst="rect">
+            <a:avLst/>
+          </a:prstGeom>
+        </p:spPr>
+        <p:txBody>
+          <a:bodyPr vert="horz" wrap="square" lIns="0" tIns="12700" rIns="0" bIns="0" rtlCol="0">
+            <a:spAutoFit/>
+          </a:bodyPr>
+          <a:lstStyle/>
+          <a:p>
+            <a:pPr marL="12700">
+              <a:lnSpc>
+                <a:spcPct val="100000"/>
+              </a:lnSpc>
+              <a:spcBef>
+                <a:spcPts val="100"/>
+              </a:spcBef>
+            </a:pPr>
+            <a:r>
+              <a:rPr sz="1400" spc="60" dirty="0">
+                <a:solidFill>
+                  <a:srgbClr val="231F20"/>
+                </a:solidFill>
+                <a:latin typeface="Tahoma"/>
+                <a:cs typeface="Tahoma"/>
+              </a:rPr>
+              <a:t>Key</a:t>
+            </a:r>
+            <a:r>
+              <a:rPr sz="1400" spc="-114" dirty="0">
+                <a:solidFill>
+                  <a:srgbClr val="231F20"/>
+                </a:solidFill>
+                <a:latin typeface="Tahoma"/>
+                <a:cs typeface="Tahoma"/>
+              </a:rPr>
+              <a:t> </a:t>
+            </a:r>
+            <a:r>
+              <a:rPr sz="1400" spc="70" dirty="0">
+                <a:solidFill>
+                  <a:srgbClr val="231F20"/>
+                </a:solidFill>
+                <a:latin typeface="Tahoma"/>
+                <a:cs typeface="Tahoma"/>
+              </a:rPr>
+              <a:t>Partners</a:t>
+            </a:r>
+            <a:endParaRPr sz="1400">
+              <a:latin typeface="Tahoma"/>
+              <a:cs typeface="Tahoma"/>
+            </a:endParaRPr>
+          </a:p>
+        </p:txBody>
+      </p:sp>
+      <p:sp>
+        <p:nvSpPr>
+          <p:cNvPr id="37" name="object 37"/>
+          <p:cNvSpPr txBox="1"/>
+          <p:nvPr/>
+        </p:nvSpPr>
+        <p:spPr>
+          <a:xfrm>
+            <a:off x="700102" y="7384401"/>
+            <a:ext cx="1258570" cy="238760"/>
+          </a:xfrm>
+          <a:prstGeom prst="rect">
+            <a:avLst/>
+          </a:prstGeom>
+        </p:spPr>
+        <p:txBody>
+          <a:bodyPr vert="horz" wrap="square" lIns="0" tIns="12700" rIns="0" bIns="0" rtlCol="0">
+            <a:spAutoFit/>
+          </a:bodyPr>
+          <a:lstStyle/>
+          <a:p>
+            <a:pPr marL="12700">
+              <a:lnSpc>
+                <a:spcPct val="100000"/>
+              </a:lnSpc>
+              <a:spcBef>
+                <a:spcPts val="100"/>
+              </a:spcBef>
+            </a:pPr>
+            <a:r>
+              <a:rPr sz="1400" spc="85" dirty="0">
+                <a:solidFill>
+                  <a:srgbClr val="231F20"/>
+                </a:solidFill>
+                <a:latin typeface="Tahoma"/>
+                <a:cs typeface="Tahoma"/>
+              </a:rPr>
+              <a:t>Cost</a:t>
+            </a:r>
+            <a:r>
+              <a:rPr sz="1400" spc="-114" dirty="0">
+                <a:solidFill>
+                  <a:srgbClr val="231F20"/>
+                </a:solidFill>
+                <a:latin typeface="Tahoma"/>
+                <a:cs typeface="Tahoma"/>
+              </a:rPr>
+              <a:t> </a:t>
+            </a:r>
+            <a:r>
+              <a:rPr sz="1400" spc="65" dirty="0">
+                <a:solidFill>
+                  <a:srgbClr val="231F20"/>
+                </a:solidFill>
+                <a:latin typeface="Tahoma"/>
+                <a:cs typeface="Tahoma"/>
+              </a:rPr>
+              <a:t>Structure</a:t>
+            </a:r>
+            <a:endParaRPr sz="1400">
+              <a:latin typeface="Tahoma"/>
+              <a:cs typeface="Tahoma"/>
+            </a:endParaRPr>
+          </a:p>
+        </p:txBody>
+      </p:sp>
+      <p:sp>
+        <p:nvSpPr>
+          <p:cNvPr id="38" name="object 38"/>
+          <p:cNvSpPr txBox="1"/>
+          <p:nvPr/>
+        </p:nvSpPr>
+        <p:spPr>
+          <a:xfrm>
+            <a:off x="9146379" y="1339836"/>
+            <a:ext cx="2043430" cy="238760"/>
+          </a:xfrm>
+          <a:prstGeom prst="rect">
+            <a:avLst/>
+          </a:prstGeom>
+        </p:spPr>
+        <p:txBody>
+          <a:bodyPr vert="horz" wrap="square" lIns="0" tIns="12700" rIns="0" bIns="0" rtlCol="0">
+            <a:spAutoFit/>
+          </a:bodyPr>
+          <a:lstStyle/>
+          <a:p>
+            <a:pPr marL="12700">
+              <a:lnSpc>
+                <a:spcPct val="100000"/>
+              </a:lnSpc>
+              <a:spcBef>
+                <a:spcPts val="100"/>
+              </a:spcBef>
+            </a:pPr>
+            <a:r>
+              <a:rPr sz="1400" spc="80" dirty="0">
+                <a:solidFill>
+                  <a:srgbClr val="231F20"/>
+                </a:solidFill>
+                <a:latin typeface="Tahoma"/>
+                <a:cs typeface="Tahoma"/>
+              </a:rPr>
+              <a:t>Customer</a:t>
+            </a:r>
+            <a:r>
+              <a:rPr sz="1400" spc="-80" dirty="0">
+                <a:solidFill>
+                  <a:srgbClr val="231F20"/>
+                </a:solidFill>
+                <a:latin typeface="Tahoma"/>
+                <a:cs typeface="Tahoma"/>
+              </a:rPr>
+              <a:t> </a:t>
+            </a:r>
+            <a:r>
+              <a:rPr sz="1400" spc="60" dirty="0">
+                <a:solidFill>
+                  <a:srgbClr val="231F20"/>
+                </a:solidFill>
+                <a:latin typeface="Tahoma"/>
+                <a:cs typeface="Tahoma"/>
+              </a:rPr>
+              <a:t>Relationships</a:t>
+            </a:r>
+            <a:endParaRPr sz="1400">
+              <a:latin typeface="Tahoma"/>
+              <a:cs typeface="Tahoma"/>
+            </a:endParaRPr>
+          </a:p>
+        </p:txBody>
+      </p:sp>
+      <p:sp>
+        <p:nvSpPr>
+          <p:cNvPr id="39" name="object 39"/>
+          <p:cNvSpPr txBox="1"/>
+          <p:nvPr/>
+        </p:nvSpPr>
+        <p:spPr>
+          <a:xfrm>
+            <a:off x="9077807" y="458787"/>
+            <a:ext cx="3079750" cy="460375"/>
+          </a:xfrm>
+          <a:prstGeom prst="rect">
+            <a:avLst/>
+          </a:prstGeom>
+          <a:solidFill>
+            <a:srgbClr val="FFFFFF"/>
+          </a:solidFill>
+        </p:spPr>
+        <p:txBody>
+          <a:bodyPr vert="horz" wrap="square" lIns="0" tIns="88900" rIns="0" bIns="0" rtlCol="0">
+            <a:spAutoFit/>
+          </a:bodyPr>
+          <a:lstStyle/>
+          <a:p>
+            <a:pPr marL="91440">
+              <a:lnSpc>
+                <a:spcPct val="100000"/>
+              </a:lnSpc>
+              <a:spcBef>
+                <a:spcPts val="700"/>
+              </a:spcBef>
+            </a:pPr>
+            <a:r>
+              <a:rPr sz="1000" i="1" spc="20" dirty="0">
+                <a:solidFill>
+                  <a:srgbClr val="4C4D4F"/>
+                </a:solidFill>
+                <a:latin typeface="Lucida Sans"/>
+                <a:cs typeface="Lucida Sans"/>
+              </a:rPr>
+              <a:t>Designed</a:t>
+            </a:r>
+            <a:r>
+              <a:rPr sz="1000" i="1" spc="-35" dirty="0">
+                <a:solidFill>
+                  <a:srgbClr val="4C4D4F"/>
+                </a:solidFill>
+                <a:latin typeface="Lucida Sans"/>
+                <a:cs typeface="Lucida Sans"/>
+              </a:rPr>
+              <a:t> </a:t>
+            </a:r>
+            <a:r>
+              <a:rPr sz="1000" i="1" spc="-5" dirty="0">
+                <a:solidFill>
+                  <a:srgbClr val="4C4D4F"/>
+                </a:solidFill>
+                <a:latin typeface="Lucida Sans"/>
+                <a:cs typeface="Lucida Sans"/>
+              </a:rPr>
+              <a:t>by:</a:t>
+            </a:r>
+            <a:endParaRPr sz="1000">
+              <a:latin typeface="Lucida Sans"/>
+              <a:cs typeface="Lucida Sans"/>
+            </a:endParaRPr>
+          </a:p>
+        </p:txBody>
+      </p:sp>
+      <p:sp>
+        <p:nvSpPr>
+          <p:cNvPr id="40" name="object 40"/>
+          <p:cNvSpPr txBox="1"/>
+          <p:nvPr/>
+        </p:nvSpPr>
+        <p:spPr>
+          <a:xfrm>
+            <a:off x="12244819" y="458787"/>
+            <a:ext cx="1283970" cy="460375"/>
+          </a:xfrm>
+          <a:prstGeom prst="rect">
+            <a:avLst/>
+          </a:prstGeom>
+          <a:solidFill>
+            <a:srgbClr val="FFFFFF"/>
+          </a:solidFill>
+        </p:spPr>
+        <p:txBody>
+          <a:bodyPr vert="horz" wrap="square" lIns="0" tIns="88900" rIns="0" bIns="0" rtlCol="0">
+            <a:spAutoFit/>
+          </a:bodyPr>
+          <a:lstStyle/>
+          <a:p>
+            <a:pPr marL="91440">
+              <a:lnSpc>
+                <a:spcPct val="100000"/>
+              </a:lnSpc>
+              <a:spcBef>
+                <a:spcPts val="700"/>
+              </a:spcBef>
+            </a:pPr>
+            <a:r>
+              <a:rPr sz="1000" i="1" dirty="0">
+                <a:solidFill>
+                  <a:srgbClr val="4C4D4F"/>
+                </a:solidFill>
+                <a:latin typeface="Lucida Sans"/>
+                <a:cs typeface="Lucida Sans"/>
+              </a:rPr>
+              <a:t>Date:</a:t>
+            </a:r>
+            <a:endParaRPr sz="1000">
+              <a:latin typeface="Lucida Sans"/>
+              <a:cs typeface="Lucida Sans"/>
+            </a:endParaRPr>
+          </a:p>
+        </p:txBody>
+      </p:sp>
+      <p:sp>
+        <p:nvSpPr>
+          <p:cNvPr id="41" name="object 41"/>
+          <p:cNvSpPr txBox="1"/>
+          <p:nvPr/>
+        </p:nvSpPr>
+        <p:spPr>
+          <a:xfrm>
+            <a:off x="13620774" y="458787"/>
+            <a:ext cx="1038860" cy="460375"/>
+          </a:xfrm>
+          <a:prstGeom prst="rect">
+            <a:avLst/>
+          </a:prstGeom>
+          <a:solidFill>
+            <a:srgbClr val="FFFFFF"/>
+          </a:solidFill>
+        </p:spPr>
+        <p:txBody>
+          <a:bodyPr vert="horz" wrap="square" lIns="0" tIns="88900" rIns="0" bIns="0" rtlCol="0">
+            <a:spAutoFit/>
+          </a:bodyPr>
+          <a:lstStyle/>
+          <a:p>
+            <a:pPr marL="95250">
+              <a:lnSpc>
+                <a:spcPct val="100000"/>
+              </a:lnSpc>
+              <a:spcBef>
+                <a:spcPts val="700"/>
+              </a:spcBef>
+            </a:pPr>
+            <a:r>
+              <a:rPr sz="1000" i="1" spc="-15" dirty="0">
+                <a:solidFill>
+                  <a:srgbClr val="4C4D4F"/>
+                </a:solidFill>
+                <a:latin typeface="Lucida Sans"/>
+                <a:cs typeface="Lucida Sans"/>
+              </a:rPr>
+              <a:t>Version:</a:t>
+            </a:r>
+            <a:endParaRPr sz="1000">
+              <a:latin typeface="Lucida Sans"/>
+              <a:cs typeface="Lucida Sans"/>
+            </a:endParaRPr>
+          </a:p>
+        </p:txBody>
+      </p:sp>
+      <p:sp>
+        <p:nvSpPr>
+          <p:cNvPr id="42" name="object 42"/>
+          <p:cNvSpPr txBox="1"/>
+          <p:nvPr/>
+        </p:nvSpPr>
+        <p:spPr>
+          <a:xfrm>
+            <a:off x="6136411" y="383836"/>
+            <a:ext cx="2818765" cy="460375"/>
+          </a:xfrm>
+          <a:prstGeom prst="rect">
+            <a:avLst/>
+          </a:prstGeom>
+          <a:solidFill>
+            <a:srgbClr val="FFFFFF"/>
+          </a:solidFill>
+        </p:spPr>
+        <p:txBody>
+          <a:bodyPr vert="horz" wrap="square" lIns="0" tIns="88900" rIns="0" bIns="0" rtlCol="0">
+            <a:spAutoFit/>
+          </a:bodyPr>
+          <a:lstStyle/>
+          <a:p>
+            <a:pPr marL="130175">
+              <a:lnSpc>
+                <a:spcPct val="100000"/>
+              </a:lnSpc>
+              <a:spcBef>
+                <a:spcPts val="700"/>
+              </a:spcBef>
+            </a:pPr>
+            <a:r>
+              <a:rPr sz="1000" i="1" spc="20" dirty="0">
+                <a:solidFill>
+                  <a:srgbClr val="4C4D4F"/>
+                </a:solidFill>
+                <a:latin typeface="Lucida Sans"/>
+                <a:cs typeface="Lucida Sans"/>
+              </a:rPr>
+              <a:t>Designed</a:t>
+            </a:r>
+            <a:r>
+              <a:rPr sz="1000" i="1" spc="-35" dirty="0">
+                <a:solidFill>
+                  <a:srgbClr val="4C4D4F"/>
+                </a:solidFill>
+                <a:latin typeface="Lucida Sans"/>
+                <a:cs typeface="Lucida Sans"/>
+              </a:rPr>
+              <a:t> </a:t>
+            </a:r>
+            <a:r>
+              <a:rPr sz="1000" i="1" spc="-20" dirty="0">
+                <a:solidFill>
+                  <a:srgbClr val="4C4D4F"/>
+                </a:solidFill>
+                <a:latin typeface="Lucida Sans"/>
+                <a:cs typeface="Lucida Sans"/>
+              </a:rPr>
+              <a:t>for:</a:t>
+            </a:r>
+            <a:endParaRPr sz="1000">
+              <a:latin typeface="Lucida Sans"/>
+              <a:cs typeface="Lucida Sans"/>
+            </a:endParaRPr>
+          </a:p>
+        </p:txBody>
+      </p:sp>
+      <p:sp>
+        <p:nvSpPr>
+          <p:cNvPr id="43" name="object 43"/>
+          <p:cNvSpPr txBox="1"/>
+          <p:nvPr/>
+        </p:nvSpPr>
+        <p:spPr>
+          <a:xfrm>
+            <a:off x="9146379" y="4323580"/>
+            <a:ext cx="804545" cy="238760"/>
+          </a:xfrm>
+          <a:prstGeom prst="rect">
+            <a:avLst/>
+          </a:prstGeom>
+        </p:spPr>
+        <p:txBody>
+          <a:bodyPr vert="horz" wrap="square" lIns="0" tIns="12700" rIns="0" bIns="0" rtlCol="0">
+            <a:spAutoFit/>
+          </a:bodyPr>
+          <a:lstStyle/>
+          <a:p>
+            <a:pPr marL="12700">
+              <a:lnSpc>
+                <a:spcPct val="100000"/>
+              </a:lnSpc>
+              <a:spcBef>
+                <a:spcPts val="100"/>
+              </a:spcBef>
+            </a:pPr>
+            <a:r>
+              <a:rPr sz="1400" spc="65" dirty="0">
+                <a:solidFill>
+                  <a:srgbClr val="231F20"/>
+                </a:solidFill>
+                <a:latin typeface="Tahoma"/>
+                <a:cs typeface="Tahoma"/>
+              </a:rPr>
+              <a:t>Channels</a:t>
+            </a:r>
+            <a:endParaRPr sz="1400">
+              <a:latin typeface="Tahoma"/>
+              <a:cs typeface="Tahoma"/>
+            </a:endParaRPr>
+          </a:p>
+        </p:txBody>
+      </p:sp>
+      <p:sp>
+        <p:nvSpPr>
+          <p:cNvPr id="44" name="object 44"/>
+          <p:cNvSpPr txBox="1"/>
+          <p:nvPr/>
+        </p:nvSpPr>
+        <p:spPr>
+          <a:xfrm>
+            <a:off x="3496407" y="4323580"/>
+            <a:ext cx="1267460" cy="238760"/>
+          </a:xfrm>
+          <a:prstGeom prst="rect">
+            <a:avLst/>
+          </a:prstGeom>
+        </p:spPr>
+        <p:txBody>
+          <a:bodyPr vert="horz" wrap="square" lIns="0" tIns="12700" rIns="0" bIns="0" rtlCol="0">
+            <a:spAutoFit/>
+          </a:bodyPr>
+          <a:lstStyle/>
+          <a:p>
+            <a:pPr marL="12700">
+              <a:lnSpc>
+                <a:spcPct val="100000"/>
+              </a:lnSpc>
+              <a:spcBef>
+                <a:spcPts val="100"/>
+              </a:spcBef>
+            </a:pPr>
+            <a:r>
+              <a:rPr sz="1400" spc="60" dirty="0">
+                <a:solidFill>
+                  <a:srgbClr val="231F20"/>
+                </a:solidFill>
+                <a:latin typeface="Tahoma"/>
+                <a:cs typeface="Tahoma"/>
+              </a:rPr>
+              <a:t>Key</a:t>
+            </a:r>
+            <a:r>
+              <a:rPr sz="1400" spc="-110" dirty="0">
+                <a:solidFill>
+                  <a:srgbClr val="231F20"/>
+                </a:solidFill>
+                <a:latin typeface="Tahoma"/>
+                <a:cs typeface="Tahoma"/>
+              </a:rPr>
+              <a:t> </a:t>
+            </a:r>
+            <a:r>
+              <a:rPr sz="1400" spc="70" dirty="0">
+                <a:solidFill>
+                  <a:srgbClr val="231F20"/>
+                </a:solidFill>
+                <a:latin typeface="Tahoma"/>
+                <a:cs typeface="Tahoma"/>
+              </a:rPr>
+              <a:t>Resources</a:t>
+            </a:r>
+            <a:endParaRPr sz="1400">
+              <a:latin typeface="Tahoma"/>
+              <a:cs typeface="Tahoma"/>
+            </a:endParaRPr>
+          </a:p>
+        </p:txBody>
+      </p:sp>
+    </p:spTree>
+    <p:extLst>
+      <p:ext uri="{BB962C8B-B14F-4D97-AF65-F5344CB8AC3E}">
+        <p14:creationId xmlns:p14="http://schemas.microsoft.com/office/powerpoint/2010/main" val="3127864938"/>
       </p:ext>
     </p:extLst>
   </p:cSld>
@@ -12384,4 +18777,299 @@
   <a:objectDefaults/>
   <a:extraClrSchemeLst/>
 </a:theme>
+</file>
+
+<file path=ppt/theme/theme2.xml><?xml version="1.0" encoding="utf-8"?>
+<a:theme xmlns:a="http://schemas.openxmlformats.org/drawingml/2006/main" name="Office 主题​​">
+  <a:themeElements>
+    <a:clrScheme name="Office">
+      <a:dk1>
+        <a:sysClr val="windowText" lastClr="000000"/>
+      </a:dk1>
+      <a:lt1>
+        <a:sysClr val="window" lastClr="FFFFFF"/>
+      </a:lt1>
+      <a:dk2>
+        <a:srgbClr val="44546A"/>
+      </a:dk2>
+      <a:lt2>
+        <a:srgbClr val="E7E6E6"/>
+      </a:lt2>
+      <a:accent1>
+        <a:srgbClr val="4472C4"/>
+      </a:accent1>
+      <a:accent2>
+        <a:srgbClr val="ED7D31"/>
+      </a:accent2>
+      <a:accent3>
+        <a:srgbClr val="A5A5A5"/>
+      </a:accent3>
+      <a:accent4>
+        <a:srgbClr val="FFC000"/>
+      </a:accent4>
+      <a:accent5>
+        <a:srgbClr val="5B9BD5"/>
+      </a:accent5>
+      <a:accent6>
+        <a:srgbClr val="70AD47"/>
+      </a:accent6>
+      <a:hlink>
+        <a:srgbClr val="0563C1"/>
+      </a:hlink>
+      <a:folHlink>
+        <a:srgbClr val="954F72"/>
+      </a:folHlink>
+    </a:clrScheme>
+    <a:fontScheme name="Office">
+      <a:majorFont>
+        <a:latin typeface="等线 Light" panose="020F0302020204030204"/>
+        <a:ea typeface=""/>
+        <a:cs typeface=""/>
+        <a:font script="Jpan" typeface="游ゴシック Light"/>
+        <a:font script="Hang" typeface="맑은 고딕"/>
+        <a:font script="Hans" typeface="等线 Light"/>
+        <a:font script="Hant" typeface="新細明體"/>
+        <a:font script="Arab" typeface="Times New Roman"/>
+        <a:font script="Hebr" typeface="Times New Roman"/>
+        <a:font script="Thai" typeface="Angsana New"/>
+        <a:font script="Ethi" typeface="Nyala"/>
+        <a:font script="Beng" typeface="Vrinda"/>
+        <a:font script="Gujr" typeface="Shruti"/>
+        <a:font script="Khmr" typeface="MoolBoran"/>
+        <a:font script="Knda" typeface="Tunga"/>
+        <a:font script="Guru" typeface="Raavi"/>
+        <a:font script="Cans" typeface="Euphemia"/>
+        <a:font script="Cher" typeface="Plantagenet Cherokee"/>
+        <a:font script="Yiii" typeface="Microsoft Yi Baiti"/>
+        <a:font script="Tibt" typeface="Microsoft Himalaya"/>
+        <a:font script="Thaa" typeface="MV Boli"/>
+        <a:font script="Deva" typeface="Mangal"/>
+        <a:font script="Telu" typeface="Gautami"/>
+        <a:font script="Taml" typeface="Latha"/>
+        <a:font script="Syrc" typeface="Estrangelo Edessa"/>
+        <a:font script="Orya" typeface="Kalinga"/>
+        <a:font script="Mlym" typeface="Kartika"/>
+        <a:font script="Laoo" typeface="DokChampa"/>
+        <a:font script="Sinh" typeface="Iskoola Pota"/>
+        <a:font script="Mong" typeface="Mongolian Baiti"/>
+        <a:font script="Viet" typeface="Times New Roman"/>
+        <a:font script="Uigh" typeface="Microsoft Uighur"/>
+        <a:font script="Geor" typeface="Sylfaen"/>
+        <a:font script="Armn" typeface="Arial"/>
+        <a:font script="Bugi" typeface="Leelawadee UI"/>
+        <a:font script="Bopo" typeface="Microsoft JhengHei"/>
+        <a:font script="Java" typeface="Javanese Text"/>
+        <a:font script="Lisu" typeface="Segoe UI"/>
+        <a:font script="Mymr" typeface="Myanmar Text"/>
+        <a:font script="Nkoo" typeface="Ebrima"/>
+        <a:font script="Olck" typeface="Nirmala UI"/>
+        <a:font script="Osma" typeface="Ebrima"/>
+        <a:font script="Phag" typeface="Phagspa"/>
+        <a:font script="Syrn" typeface="Estrangelo Edessa"/>
+        <a:font script="Syrj" typeface="Estrangelo Edessa"/>
+        <a:font script="Syre" typeface="Estrangelo Edessa"/>
+        <a:font script="Sora" typeface="Nirmala UI"/>
+        <a:font script="Tale" typeface="Microsoft Tai Le"/>
+        <a:font script="Talu" typeface="Microsoft New Tai Lue"/>
+        <a:font script="Tfng" typeface="Ebrima"/>
+      </a:majorFont>
+      <a:minorFont>
+        <a:latin typeface="等线" panose="020F0502020204030204"/>
+        <a:ea typeface=""/>
+        <a:cs typeface=""/>
+        <a:font script="Jpan" typeface="游ゴシック"/>
+        <a:font script="Hang" typeface="맑은 고딕"/>
+        <a:font script="Hans" typeface="等线"/>
+        <a:font script="Hant" typeface="新細明體"/>
+        <a:font script="Arab" typeface="Arial"/>
+        <a:font script="Hebr" typeface="Arial"/>
+        <a:font script="Thai" typeface="Cordia New"/>
+        <a:font script="Ethi" typeface="Nyala"/>
+        <a:font script="Beng" typeface="Vrinda"/>
+        <a:font script="Gujr" typeface="Shruti"/>
+        <a:font script="Khmr" typeface="DaunPenh"/>
+        <a:font script="Knda" typeface="Tunga"/>
+        <a:font script="Guru" typeface="Raavi"/>
+        <a:font script="Cans" typeface="Euphemia"/>
+        <a:font script="Cher" typeface="Plantagenet Cherokee"/>
+        <a:font script="Yiii" typeface="Microsoft Yi Baiti"/>
+        <a:font script="Tibt" typeface="Microsoft Himalaya"/>
+        <a:font script="Thaa" typeface="MV Boli"/>
+        <a:font script="Deva" typeface="Mangal"/>
+        <a:font script="Telu" typeface="Gautami"/>
+        <a:font script="Taml" typeface="Latha"/>
+        <a:font script="Syrc" typeface="Estrangelo Edessa"/>
+        <a:font script="Orya" typeface="Kalinga"/>
+        <a:font script="Mlym" typeface="Kartika"/>
+        <a:font script="Laoo" typeface="DokChampa"/>
+        <a:font script="Sinh" typeface="Iskoola Pota"/>
+        <a:font script="Mong" typeface="Mongolian Baiti"/>
+        <a:font script="Viet" typeface="Arial"/>
+        <a:font script="Uigh" typeface="Microsoft Uighur"/>
+        <a:font script="Geor" typeface="Sylfaen"/>
+        <a:font script="Armn" typeface="Arial"/>
+        <a:font script="Bugi" typeface="Leelawadee UI"/>
+        <a:font script="Bopo" typeface="Microsoft JhengHei"/>
+        <a:font script="Java" typeface="Javanese Text"/>
+        <a:font script="Lisu" typeface="Segoe UI"/>
+        <a:font script="Mymr" typeface="Myanmar Text"/>
+        <a:font script="Nkoo" typeface="Ebrima"/>
+        <a:font script="Olck" typeface="Nirmala UI"/>
+        <a:font script="Osma" typeface="Ebrima"/>
+        <a:font script="Phag" typeface="Phagspa"/>
+        <a:font script="Syrn" typeface="Estrangelo Edessa"/>
+        <a:font script="Syrj" typeface="Estrangelo Edessa"/>
+        <a:font script="Syre" typeface="Estrangelo Edessa"/>
+        <a:font script="Sora" typeface="Nirmala UI"/>
+        <a:font script="Tale" typeface="Microsoft Tai Le"/>
+        <a:font script="Talu" typeface="Microsoft New Tai Lue"/>
+        <a:font script="Tfng" typeface="Ebrima"/>
+      </a:minorFont>
+    </a:fontScheme>
+    <a:fmtScheme name="Office">
+      <a:fillStyleLst>
+        <a:solidFill>
+          <a:schemeClr val="phClr"/>
+        </a:solidFill>
+        <a:gradFill rotWithShape="1">
+          <a:gsLst>
+            <a:gs pos="0">
+              <a:schemeClr val="phClr">
+                <a:lumMod val="110000"/>
+                <a:satMod val="105000"/>
+                <a:tint val="67000"/>
+              </a:schemeClr>
+            </a:gs>
+            <a:gs pos="50000">
+              <a:schemeClr val="phClr">
+                <a:lumMod val="105000"/>
+                <a:satMod val="103000"/>
+                <a:tint val="73000"/>
+              </a:schemeClr>
+            </a:gs>
+            <a:gs pos="100000">
+              <a:schemeClr val="phClr">
+                <a:lumMod val="105000"/>
+                <a:satMod val="109000"/>
+                <a:tint val="81000"/>
+              </a:schemeClr>
+            </a:gs>
+          </a:gsLst>
+          <a:lin ang="5400000" scaled="0"/>
+        </a:gradFill>
+        <a:gradFill rotWithShape="1">
+          <a:gsLst>
+            <a:gs pos="0">
+              <a:schemeClr val="phClr">
+                <a:satMod val="103000"/>
+                <a:lumMod val="102000"/>
+                <a:tint val="94000"/>
+              </a:schemeClr>
+            </a:gs>
+            <a:gs pos="50000">
+              <a:schemeClr val="phClr">
+                <a:satMod val="110000"/>
+                <a:lumMod val="100000"/>
+                <a:shade val="100000"/>
+              </a:schemeClr>
+            </a:gs>
+            <a:gs pos="100000">
+              <a:schemeClr val="phClr">
+                <a:lumMod val="99000"/>
+                <a:satMod val="120000"/>
+                <a:shade val="78000"/>
+              </a:schemeClr>
+            </a:gs>
+          </a:gsLst>
+          <a:lin ang="5400000" scaled="0"/>
+        </a:gradFill>
+      </a:fillStyleLst>
+      <a:lnStyleLst>
+        <a:ln w="6350" cap="flat" cmpd="sng" algn="ctr">
+          <a:solidFill>
+            <a:schemeClr val="phClr"/>
+          </a:solidFill>
+          <a:prstDash val="solid"/>
+          <a:miter lim="800000"/>
+        </a:ln>
+        <a:ln w="12700" cap="flat" cmpd="sng" algn="ctr">
+          <a:solidFill>
+            <a:schemeClr val="phClr"/>
+          </a:solidFill>
+          <a:prstDash val="solid"/>
+          <a:miter lim="800000"/>
+        </a:ln>
+        <a:ln w="19050" cap="flat" cmpd="sng" algn="ctr">
+          <a:solidFill>
+            <a:schemeClr val="phClr"/>
+          </a:solidFill>
+          <a:prstDash val="solid"/>
+          <a:miter lim="800000"/>
+        </a:ln>
+      </a:lnStyleLst>
+      <a:effectStyleLst>
+        <a:effectStyle>
+          <a:effectLst/>
+        </a:effectStyle>
+        <a:effectStyle>
+          <a:effectLst/>
+        </a:effectStyle>
+        <a:effectStyle>
+          <a:effectLst>
+            <a:outerShdw blurRad="57150" dist="19050" dir="5400000" algn="ctr" rotWithShape="0">
+              <a:srgbClr val="000000">
+                <a:alpha val="63000"/>
+              </a:srgbClr>
+            </a:outerShdw>
+          </a:effectLst>
+        </a:effectStyle>
+      </a:effectStyleLst>
+      <a:bgFillStyleLst>
+        <a:solidFill>
+          <a:schemeClr val="phClr"/>
+        </a:solidFill>
+        <a:solidFill>
+          <a:schemeClr val="phClr">
+            <a:tint val="95000"/>
+            <a:satMod val="170000"/>
+          </a:schemeClr>
+        </a:solidFill>
+        <a:gradFill rotWithShape="1">
+          <a:gsLst>
+            <a:gs pos="0">
+              <a:schemeClr val="phClr">
+                <a:tint val="93000"/>
+                <a:satMod val="150000"/>
+                <a:shade val="98000"/>
+                <a:lumMod val="102000"/>
+              </a:schemeClr>
+            </a:gs>
+            <a:gs pos="50000">
+              <a:schemeClr val="phClr">
+                <a:tint val="98000"/>
+                <a:satMod val="130000"/>
+                <a:shade val="90000"/>
+                <a:lumMod val="103000"/>
+              </a:schemeClr>
+            </a:gs>
+            <a:gs pos="100000">
+              <a:schemeClr val="phClr">
+                <a:shade val="63000"/>
+                <a:satMod val="120000"/>
+              </a:schemeClr>
+            </a:gs>
+          </a:gsLst>
+          <a:lin ang="5400000" scaled="0"/>
+        </a:gradFill>
+      </a:bgFillStyleLst>
+    </a:fmtScheme>
+  </a:themeElements>
+  <a:objectDefaults/>
+  <a:extraClrSchemeLst/>
+  <a:extLst>
+    <a:ext uri="{05A4C25C-085E-4340-85A3-A5531E510DB2}">
+      <thm15:themeFamily xmlns:thm15="http://schemas.microsoft.com/office/thememl/2012/main" name="Office Theme" id="{62F939B6-93AF-4DB8-9C6B-D6C7DFDC589F}" vid="{4A3C46E8-61CC-4603-A589-7422A47A8E4A}"/>
+    </a:ext>
+  </a:extLst>
+</a:theme>
 </file>
--- a/Lab3/视觉化商业模式画布.pptx
+++ b/Lab3/视觉化商业模式画布.pptx
@@ -8,8 +8,8 @@
     <p:notesMasterId r:id="rId5"/>
   </p:notesMasterIdLst>
   <p:sldIdLst>
-    <p:sldId id="256" r:id="rId2"/>
-    <p:sldId id="258" r:id="rId3"/>
+    <p:sldId id="258" r:id="rId2"/>
+    <p:sldId id="256" r:id="rId3"/>
     <p:sldId id="257" r:id="rId4"/>
   </p:sldIdLst>
   <p:sldSz cx="15125700" cy="10693400"/>
@@ -551,7 +551,7 @@
     </p:spTree>
     <p:extLst>
       <p:ext uri="{BB962C8B-B14F-4D97-AF65-F5344CB8AC3E}">
-        <p14:creationId xmlns:p14="http://schemas.microsoft.com/office/powerpoint/2010/main" val="2384224237"/>
+        <p14:creationId xmlns:p14="http://schemas.microsoft.com/office/powerpoint/2010/main" val="1400260700"/>
       </p:ext>
     </p:extLst>
   </p:cSld>
@@ -635,7 +635,7 @@
     </p:spTree>
     <p:extLst>
       <p:ext uri="{BB962C8B-B14F-4D97-AF65-F5344CB8AC3E}">
-        <p14:creationId xmlns:p14="http://schemas.microsoft.com/office/powerpoint/2010/main" val="1400260700"/>
+        <p14:creationId xmlns:p14="http://schemas.microsoft.com/office/powerpoint/2010/main" val="2384224237"/>
       </p:ext>
     </p:extLst>
   </p:cSld>
@@ -689,30 +689,7 @@
           <a:bodyPr/>
           <a:lstStyle/>
           <a:p>
-            <a:r>
-              <a:rPr lang="en-US" altLang="zh-CN" dirty="0"/>
-              <a:t>Eagle Bear </a:t>
-            </a:r>
-            <a:r>
-              <a:rPr lang="zh-CN" altLang="en-US" dirty="0"/>
-              <a:t>是南京大学软件学院的本科生和 </a:t>
-            </a:r>
-            <a:r>
-              <a:rPr lang="en-US" altLang="zh-CN" dirty="0"/>
-              <a:t>Get-It </a:t>
-            </a:r>
-            <a:r>
-              <a:rPr lang="zh-CN" altLang="en-US" dirty="0"/>
-              <a:t>平台的创始人之一。在匡老师的精心指导下，</a:t>
-            </a:r>
-            <a:r>
-              <a:rPr lang="en-US" altLang="zh-CN" dirty="0"/>
-              <a:t>Eagle </a:t>
-            </a:r>
-            <a:r>
-              <a:rPr lang="zh-CN" altLang="en-US" dirty="0"/>
-              <a:t>抱着三个队友的大腿顺利完成了平台的初期开发运维工作。</a:t>
-            </a:r>
+            <a:endParaRPr lang="zh-CN" altLang="en-US" dirty="0"/>
           </a:p>
         </p:txBody>
       </p:sp>
@@ -6863,1411 +6840,1401 @@
           </a:p>
         </p:txBody>
       </p:sp>
-      <p:pic>
-        <p:nvPicPr>
-          <p:cNvPr id="48" name="图形 47">
+      <p:sp>
+        <p:nvSpPr>
+          <p:cNvPr id="45" name="文本框 44">
             <a:extLst>
               <a:ext uri="{FF2B5EF4-FFF2-40B4-BE49-F238E27FC236}">
-                <a16:creationId xmlns:a16="http://schemas.microsoft.com/office/drawing/2014/main" id="{C63BC51D-C001-8443-47F2-EF7C62DFF3BB}"/>
+                <a16:creationId xmlns:a16="http://schemas.microsoft.com/office/drawing/2014/main" id="{A17AC7EB-9CCD-B517-57E5-F5C709B53246}"/>
               </a:ext>
             </a:extLst>
           </p:cNvPr>
-          <p:cNvPicPr>
-            <a:picLocks noChangeAspect="1"/>
-          </p:cNvPicPr>
-          <p:nvPr/>
-        </p:nvPicPr>
-        <p:blipFill>
-          <a:blip r:embed="rId15">
-            <a:extLst>
-              <a:ext uri="{28A0092B-C50C-407E-A947-70E740481C1C}">
-                <a14:useLocalDpi xmlns:a14="http://schemas.microsoft.com/office/drawing/2010/main" val="0"/>
-              </a:ext>
-              <a:ext uri="{96DAC541-7B7A-43D3-8B79-37D633B846F1}">
-                <asvg:svgBlip xmlns:asvg="http://schemas.microsoft.com/office/drawing/2016/SVG/main" r:embed="rId16"/>
-              </a:ext>
-            </a:extLst>
-          </a:blip>
-          <a:stretch>
-            <a:fillRect/>
-          </a:stretch>
-        </p:blipFill>
-        <p:spPr>
-          <a:xfrm>
-            <a:off x="1169241" y="1884605"/>
-            <a:ext cx="1528415" cy="1528415"/>
+          <p:cNvSpPr txBox="1"/>
+          <p:nvPr/>
+        </p:nvSpPr>
+        <p:spPr>
+          <a:xfrm>
+            <a:off x="993263" y="2268391"/>
+            <a:ext cx="1940392" cy="954107"/>
           </a:xfrm>
           <a:prstGeom prst="rect">
             <a:avLst/>
           </a:prstGeom>
-        </p:spPr>
-      </p:pic>
-      <p:pic>
-        <p:nvPicPr>
-          <p:cNvPr id="50" name="图形 49">
+          <a:noFill/>
+        </p:spPr>
+        <p:txBody>
+          <a:bodyPr wrap="square" rtlCol="0">
+            <a:spAutoFit/>
+          </a:bodyPr>
+          <a:lstStyle/>
+          <a:p>
+            <a:r>
+              <a:rPr lang="zh-CN" altLang="en-US" sz="2800" b="1" dirty="0">
+                <a:latin typeface="微软雅黑" panose="020B0503020204020204" pitchFamily="34" charset="-122"/>
+                <a:ea typeface="微软雅黑" panose="020B0503020204020204" pitchFamily="34" charset="-122"/>
+              </a:rPr>
+              <a:t>素材资源版权方</a:t>
+            </a:r>
+          </a:p>
+        </p:txBody>
+      </p:sp>
+      <p:sp>
+        <p:nvSpPr>
+          <p:cNvPr id="51" name="文本框 50">
             <a:extLst>
               <a:ext uri="{FF2B5EF4-FFF2-40B4-BE49-F238E27FC236}">
-                <a16:creationId xmlns:a16="http://schemas.microsoft.com/office/drawing/2014/main" id="{F3C9141E-4153-EBB0-AA57-E544E05CBD54}"/>
+                <a16:creationId xmlns:a16="http://schemas.microsoft.com/office/drawing/2014/main" id="{997044CB-5130-3170-3A90-3F653B319BC2}"/>
               </a:ext>
             </a:extLst>
           </p:cNvPr>
-          <p:cNvPicPr>
-            <a:picLocks noChangeAspect="1"/>
-          </p:cNvPicPr>
-          <p:nvPr/>
-        </p:nvPicPr>
-        <p:blipFill>
-          <a:blip r:embed="rId17">
-            <a:extLst>
-              <a:ext uri="{28A0092B-C50C-407E-A947-70E740481C1C}">
-                <a14:useLocalDpi xmlns:a14="http://schemas.microsoft.com/office/drawing/2010/main" val="0"/>
-              </a:ext>
-              <a:ext uri="{96DAC541-7B7A-43D3-8B79-37D633B846F1}">
-                <asvg:svgBlip xmlns:asvg="http://schemas.microsoft.com/office/drawing/2016/SVG/main" r:embed="rId18"/>
-              </a:ext>
-            </a:extLst>
-          </a:blip>
-          <a:stretch>
-            <a:fillRect/>
-          </a:stretch>
-        </p:blipFill>
-        <p:spPr>
-          <a:xfrm>
-            <a:off x="1203900" y="3566344"/>
-            <a:ext cx="1439988" cy="1439988"/>
+          <p:cNvSpPr txBox="1"/>
+          <p:nvPr/>
+        </p:nvSpPr>
+        <p:spPr>
+          <a:xfrm>
+            <a:off x="936252" y="3944790"/>
+            <a:ext cx="2125499" cy="523220"/>
           </a:xfrm>
           <a:prstGeom prst="rect">
             <a:avLst/>
           </a:prstGeom>
-        </p:spPr>
-      </p:pic>
-      <p:pic>
-        <p:nvPicPr>
-          <p:cNvPr id="52" name="图形 51">
+          <a:noFill/>
+        </p:spPr>
+        <p:txBody>
+          <a:bodyPr wrap="square" rtlCol="0">
+            <a:spAutoFit/>
+          </a:bodyPr>
+          <a:lstStyle/>
+          <a:p>
+            <a:r>
+              <a:rPr lang="zh-CN" altLang="en-US" sz="2800" b="1" dirty="0">
+                <a:latin typeface="微软雅黑" panose="020B0503020204020204" pitchFamily="34" charset="-122"/>
+                <a:ea typeface="微软雅黑" panose="020B0503020204020204" pitchFamily="34" charset="-122"/>
+              </a:rPr>
+              <a:t>云服务公司</a:t>
+            </a:r>
+          </a:p>
+        </p:txBody>
+      </p:sp>
+      <p:sp>
+        <p:nvSpPr>
+          <p:cNvPr id="53" name="文本框 52">
             <a:extLst>
               <a:ext uri="{FF2B5EF4-FFF2-40B4-BE49-F238E27FC236}">
-                <a16:creationId xmlns:a16="http://schemas.microsoft.com/office/drawing/2014/main" id="{24155C41-0B74-4673-513B-2A933EEEBDD3}"/>
+                <a16:creationId xmlns:a16="http://schemas.microsoft.com/office/drawing/2014/main" id="{EB3A3E9E-0CED-47A9-180D-22F2994807E2}"/>
               </a:ext>
             </a:extLst>
           </p:cNvPr>
-          <p:cNvPicPr>
-            <a:picLocks noChangeAspect="1"/>
-          </p:cNvPicPr>
-          <p:nvPr/>
-        </p:nvPicPr>
-        <p:blipFill>
-          <a:blip r:embed="rId19">
-            <a:extLst>
-              <a:ext uri="{28A0092B-C50C-407E-A947-70E740481C1C}">
-                <a14:useLocalDpi xmlns:a14="http://schemas.microsoft.com/office/drawing/2010/main" val="0"/>
-              </a:ext>
-              <a:ext uri="{96DAC541-7B7A-43D3-8B79-37D633B846F1}">
-                <asvg:svgBlip xmlns:asvg="http://schemas.microsoft.com/office/drawing/2016/SVG/main" r:embed="rId20"/>
-              </a:ext>
-            </a:extLst>
-          </a:blip>
-          <a:stretch>
-            <a:fillRect/>
-          </a:stretch>
-        </p:blipFill>
-        <p:spPr>
-          <a:xfrm>
-            <a:off x="1131294" y="5553631"/>
-            <a:ext cx="1435939" cy="990798"/>
+          <p:cNvSpPr txBox="1"/>
+          <p:nvPr/>
+        </p:nvSpPr>
+        <p:spPr>
+          <a:xfrm>
+            <a:off x="1101272" y="5619980"/>
+            <a:ext cx="1783436" cy="523220"/>
           </a:xfrm>
           <a:prstGeom prst="rect">
             <a:avLst/>
           </a:prstGeom>
-        </p:spPr>
-      </p:pic>
-      <p:pic>
-        <p:nvPicPr>
-          <p:cNvPr id="56" name="图形 55">
+          <a:noFill/>
+        </p:spPr>
+        <p:txBody>
+          <a:bodyPr wrap="square" rtlCol="0">
+            <a:spAutoFit/>
+          </a:bodyPr>
+          <a:lstStyle/>
+          <a:p>
+            <a:r>
+              <a:rPr lang="zh-CN" altLang="en-US" sz="2800" b="1" dirty="0">
+                <a:latin typeface="微软雅黑" panose="020B0503020204020204" pitchFamily="34" charset="-122"/>
+                <a:ea typeface="微软雅黑" panose="020B0503020204020204" pitchFamily="34" charset="-122"/>
+              </a:rPr>
+              <a:t>社交媒体</a:t>
+            </a:r>
+          </a:p>
+        </p:txBody>
+      </p:sp>
+      <p:sp>
+        <p:nvSpPr>
+          <p:cNvPr id="54" name="文本框 53">
             <a:extLst>
               <a:ext uri="{FF2B5EF4-FFF2-40B4-BE49-F238E27FC236}">
-                <a16:creationId xmlns:a16="http://schemas.microsoft.com/office/drawing/2014/main" id="{31B7C879-246E-F12A-E6D9-B5D553D5255B}"/>
+                <a16:creationId xmlns:a16="http://schemas.microsoft.com/office/drawing/2014/main" id="{5313424D-C300-2930-2BA7-50DAFD8A10E1}"/>
               </a:ext>
             </a:extLst>
           </p:cNvPr>
-          <p:cNvPicPr>
-            <a:picLocks noChangeAspect="1"/>
-          </p:cNvPicPr>
-          <p:nvPr/>
-        </p:nvPicPr>
-        <p:blipFill>
-          <a:blip r:embed="rId21" cstate="print">
-            <a:extLst>
-              <a:ext uri="{28A0092B-C50C-407E-A947-70E740481C1C}">
-                <a14:useLocalDpi xmlns:a14="http://schemas.microsoft.com/office/drawing/2010/main" val="0"/>
-              </a:ext>
-              <a:ext uri="{96DAC541-7B7A-43D3-8B79-37D633B846F1}">
-                <asvg:svgBlip xmlns:asvg="http://schemas.microsoft.com/office/drawing/2016/SVG/main" r:embed="rId22"/>
-              </a:ext>
-            </a:extLst>
-          </a:blip>
-          <a:stretch>
-            <a:fillRect/>
-          </a:stretch>
-        </p:blipFill>
-        <p:spPr>
-          <a:xfrm>
-            <a:off x="3528148" y="1596630"/>
-            <a:ext cx="902972" cy="902972"/>
+          <p:cNvSpPr txBox="1"/>
+          <p:nvPr/>
+        </p:nvSpPr>
+        <p:spPr>
+          <a:xfrm>
+            <a:off x="3463948" y="1589715"/>
+            <a:ext cx="1222521" cy="923330"/>
           </a:xfrm>
           <a:prstGeom prst="rect">
             <a:avLst/>
           </a:prstGeom>
-        </p:spPr>
-      </p:pic>
-      <p:pic>
-        <p:nvPicPr>
-          <p:cNvPr id="58" name="图形 57">
+          <a:noFill/>
+        </p:spPr>
+        <p:txBody>
+          <a:bodyPr wrap="square" rtlCol="0">
+            <a:spAutoFit/>
+          </a:bodyPr>
+          <a:lstStyle/>
+          <a:p>
+            <a:r>
+              <a:rPr lang="zh-CN" altLang="en-US" b="1" dirty="0">
+                <a:latin typeface="微软雅黑" panose="020B0503020204020204" pitchFamily="34" charset="-122"/>
+                <a:ea typeface="微软雅黑" panose="020B0503020204020204" pitchFamily="34" charset="-122"/>
+              </a:rPr>
+              <a:t>软件平台开发维护和升级</a:t>
+            </a:r>
+          </a:p>
+        </p:txBody>
+      </p:sp>
+      <p:sp>
+        <p:nvSpPr>
+          <p:cNvPr id="55" name="文本框 54">
             <a:extLst>
               <a:ext uri="{FF2B5EF4-FFF2-40B4-BE49-F238E27FC236}">
-                <a16:creationId xmlns:a16="http://schemas.microsoft.com/office/drawing/2014/main" id="{45950AE2-C75B-2E92-E0D1-652FB10359C3}"/>
+                <a16:creationId xmlns:a16="http://schemas.microsoft.com/office/drawing/2014/main" id="{004EB9C7-79AF-14E0-7AA9-E5C118C63A0E}"/>
               </a:ext>
             </a:extLst>
           </p:cNvPr>
-          <p:cNvPicPr>
-            <a:picLocks noChangeAspect="1"/>
-          </p:cNvPicPr>
-          <p:nvPr/>
-        </p:nvPicPr>
-        <p:blipFill>
-          <a:blip r:embed="rId23" cstate="print">
-            <a:extLst>
-              <a:ext uri="{28A0092B-C50C-407E-A947-70E740481C1C}">
-                <a14:useLocalDpi xmlns:a14="http://schemas.microsoft.com/office/drawing/2010/main" val="0"/>
-              </a:ext>
-              <a:ext uri="{96DAC541-7B7A-43D3-8B79-37D633B846F1}">
-                <asvg:svgBlip xmlns:asvg="http://schemas.microsoft.com/office/drawing/2016/SVG/main" r:embed="rId24"/>
-              </a:ext>
-            </a:extLst>
-          </a:blip>
-          <a:stretch>
-            <a:fillRect/>
-          </a:stretch>
-        </p:blipFill>
-        <p:spPr>
-          <a:xfrm>
-            <a:off x="4705339" y="1289814"/>
-            <a:ext cx="805893" cy="805893"/>
+          <p:cNvSpPr txBox="1"/>
+          <p:nvPr/>
+        </p:nvSpPr>
+        <p:spPr>
+          <a:xfrm>
+            <a:off x="4636599" y="1398728"/>
+            <a:ext cx="1222521" cy="738664"/>
           </a:xfrm>
           <a:prstGeom prst="rect">
             <a:avLst/>
           </a:prstGeom>
-        </p:spPr>
-      </p:pic>
-      <p:pic>
-        <p:nvPicPr>
-          <p:cNvPr id="60" name="图形 59">
+          <a:noFill/>
+        </p:spPr>
+        <p:txBody>
+          <a:bodyPr wrap="square" rtlCol="0">
+            <a:spAutoFit/>
+          </a:bodyPr>
+          <a:lstStyle/>
+          <a:p>
+            <a:r>
+              <a:rPr lang="zh-CN" altLang="en-US" sz="1400" b="1" dirty="0">
+                <a:latin typeface="微软雅黑" panose="020B0503020204020204" pitchFamily="34" charset="-122"/>
+                <a:ea typeface="微软雅黑" panose="020B0503020204020204" pitchFamily="34" charset="-122"/>
+              </a:rPr>
+              <a:t>高质量图文的原始积累与迭代更新</a:t>
+            </a:r>
+          </a:p>
+        </p:txBody>
+      </p:sp>
+      <p:sp>
+        <p:nvSpPr>
+          <p:cNvPr id="57" name="文本框 56">
             <a:extLst>
               <a:ext uri="{FF2B5EF4-FFF2-40B4-BE49-F238E27FC236}">
-                <a16:creationId xmlns:a16="http://schemas.microsoft.com/office/drawing/2014/main" id="{BEBD0D04-7D6E-53D5-C792-63BD03AACE06}"/>
+                <a16:creationId xmlns:a16="http://schemas.microsoft.com/office/drawing/2014/main" id="{C4173C67-82CF-FDD4-1717-59D9FDAB4398}"/>
               </a:ext>
             </a:extLst>
           </p:cNvPr>
-          <p:cNvPicPr>
-            <a:picLocks noChangeAspect="1"/>
-          </p:cNvPicPr>
-          <p:nvPr/>
-        </p:nvPicPr>
-        <p:blipFill>
-          <a:blip r:embed="rId25">
-            <a:extLst>
-              <a:ext uri="{28A0092B-C50C-407E-A947-70E740481C1C}">
-                <a14:useLocalDpi xmlns:a14="http://schemas.microsoft.com/office/drawing/2010/main" val="0"/>
-              </a:ext>
-              <a:ext uri="{96DAC541-7B7A-43D3-8B79-37D633B846F1}">
-                <asvg:svgBlip xmlns:asvg="http://schemas.microsoft.com/office/drawing/2016/SVG/main" r:embed="rId26"/>
-              </a:ext>
-            </a:extLst>
-          </a:blip>
-          <a:stretch>
-            <a:fillRect/>
-          </a:stretch>
-        </p:blipFill>
-        <p:spPr>
-          <a:xfrm>
-            <a:off x="3500166" y="2310186"/>
-            <a:ext cx="981993" cy="981993"/>
+          <p:cNvSpPr txBox="1"/>
+          <p:nvPr/>
+        </p:nvSpPr>
+        <p:spPr>
+          <a:xfrm>
+            <a:off x="3444454" y="2494982"/>
+            <a:ext cx="1222521" cy="584775"/>
           </a:xfrm>
           <a:prstGeom prst="rect">
             <a:avLst/>
           </a:prstGeom>
-        </p:spPr>
-      </p:pic>
-      <p:pic>
-        <p:nvPicPr>
-          <p:cNvPr id="62" name="图形 61">
+          <a:noFill/>
+        </p:spPr>
+        <p:txBody>
+          <a:bodyPr wrap="square" rtlCol="0">
+            <a:spAutoFit/>
+          </a:bodyPr>
+          <a:lstStyle/>
+          <a:p>
+            <a:r>
+              <a:rPr lang="zh-CN" altLang="en-US" sz="1600" b="1" dirty="0">
+                <a:latin typeface="微软雅黑" panose="020B0503020204020204" pitchFamily="34" charset="-122"/>
+                <a:ea typeface="微软雅黑" panose="020B0503020204020204" pitchFamily="34" charset="-122"/>
+              </a:rPr>
+              <a:t>搜索引擎推荐算法研发</a:t>
+            </a:r>
+          </a:p>
+        </p:txBody>
+      </p:sp>
+      <p:sp>
+        <p:nvSpPr>
+          <p:cNvPr id="59" name="文本框 58">
             <a:extLst>
               <a:ext uri="{FF2B5EF4-FFF2-40B4-BE49-F238E27FC236}">
-                <a16:creationId xmlns:a16="http://schemas.microsoft.com/office/drawing/2014/main" id="{013A2A12-AB52-73E5-0B2C-640D8200F478}"/>
+                <a16:creationId xmlns:a16="http://schemas.microsoft.com/office/drawing/2014/main" id="{C622185D-DC43-7A87-0F99-D9ECD1851733}"/>
               </a:ext>
             </a:extLst>
           </p:cNvPr>
-          <p:cNvPicPr>
-            <a:picLocks noChangeAspect="1"/>
-          </p:cNvPicPr>
-          <p:nvPr/>
-        </p:nvPicPr>
-        <p:blipFill>
-          <a:blip r:embed="rId27" cstate="print">
-            <a:extLst>
-              <a:ext uri="{28A0092B-C50C-407E-A947-70E740481C1C}">
-                <a14:useLocalDpi xmlns:a14="http://schemas.microsoft.com/office/drawing/2010/main" val="0"/>
-              </a:ext>
-              <a:ext uri="{96DAC541-7B7A-43D3-8B79-37D633B846F1}">
-                <asvg:svgBlip xmlns:asvg="http://schemas.microsoft.com/office/drawing/2016/SVG/main" r:embed="rId28"/>
-              </a:ext>
-            </a:extLst>
-          </a:blip>
-          <a:stretch>
-            <a:fillRect/>
-          </a:stretch>
-        </p:blipFill>
-        <p:spPr>
-          <a:xfrm>
-            <a:off x="4768059" y="2142951"/>
-            <a:ext cx="760345" cy="760345"/>
+          <p:cNvSpPr txBox="1"/>
+          <p:nvPr/>
+        </p:nvSpPr>
+        <p:spPr>
+          <a:xfrm>
+            <a:off x="3452350" y="3172438"/>
+            <a:ext cx="1222521" cy="738664"/>
           </a:xfrm>
           <a:prstGeom prst="rect">
             <a:avLst/>
           </a:prstGeom>
-        </p:spPr>
-      </p:pic>
-      <p:pic>
-        <p:nvPicPr>
-          <p:cNvPr id="64" name="图形 63">
+          <a:noFill/>
+        </p:spPr>
+        <p:txBody>
+          <a:bodyPr wrap="square" rtlCol="0">
+            <a:spAutoFit/>
+          </a:bodyPr>
+          <a:lstStyle/>
+          <a:p>
+            <a:r>
+              <a:rPr lang="en-US" altLang="zh-CN" sz="1400" b="1" dirty="0">
+                <a:latin typeface="微软雅黑" panose="020B0503020204020204" pitchFamily="34" charset="-122"/>
+                <a:ea typeface="微软雅黑" panose="020B0503020204020204" pitchFamily="34" charset="-122"/>
+              </a:rPr>
+              <a:t>Dark Mode </a:t>
+            </a:r>
+            <a:r>
+              <a:rPr lang="zh-CN" altLang="en-US" sz="1400" b="1" dirty="0">
+                <a:latin typeface="微软雅黑" panose="020B0503020204020204" pitchFamily="34" charset="-122"/>
+                <a:ea typeface="微软雅黑" panose="020B0503020204020204" pitchFamily="34" charset="-122"/>
+              </a:rPr>
+              <a:t>网络流行工具集研发</a:t>
+            </a:r>
+          </a:p>
+        </p:txBody>
+      </p:sp>
+      <p:sp>
+        <p:nvSpPr>
+          <p:cNvPr id="61" name="文本框 60">
             <a:extLst>
               <a:ext uri="{FF2B5EF4-FFF2-40B4-BE49-F238E27FC236}">
-                <a16:creationId xmlns:a16="http://schemas.microsoft.com/office/drawing/2014/main" id="{22D07171-A155-BA28-4E31-005F8D080641}"/>
+                <a16:creationId xmlns:a16="http://schemas.microsoft.com/office/drawing/2014/main" id="{85C231B7-934A-B2D0-6425-045E6C80F293}"/>
               </a:ext>
             </a:extLst>
           </p:cNvPr>
-          <p:cNvPicPr>
-            <a:picLocks noChangeAspect="1"/>
-          </p:cNvPicPr>
-          <p:nvPr/>
-        </p:nvPicPr>
-        <p:blipFill>
-          <a:blip r:embed="rId29">
-            <a:extLst>
-              <a:ext uri="{28A0092B-C50C-407E-A947-70E740481C1C}">
-                <a14:useLocalDpi xmlns:a14="http://schemas.microsoft.com/office/drawing/2010/main" val="0"/>
-              </a:ext>
-              <a:ext uri="{96DAC541-7B7A-43D3-8B79-37D633B846F1}">
-                <asvg:svgBlip xmlns:asvg="http://schemas.microsoft.com/office/drawing/2016/SVG/main" r:embed="rId30"/>
-              </a:ext>
-            </a:extLst>
-          </a:blip>
-          <a:stretch>
-            <a:fillRect/>
-          </a:stretch>
-        </p:blipFill>
-        <p:spPr>
-          <a:xfrm>
-            <a:off x="4612385" y="3046124"/>
-            <a:ext cx="991800" cy="991800"/>
+          <p:cNvSpPr txBox="1"/>
+          <p:nvPr/>
+        </p:nvSpPr>
+        <p:spPr>
+          <a:xfrm>
+            <a:off x="4665446" y="2226382"/>
+            <a:ext cx="1071187" cy="707886"/>
           </a:xfrm>
           <a:prstGeom prst="rect">
             <a:avLst/>
           </a:prstGeom>
-        </p:spPr>
-      </p:pic>
-      <p:pic>
-        <p:nvPicPr>
-          <p:cNvPr id="66" name="图形 65">
+          <a:noFill/>
+        </p:spPr>
+        <p:txBody>
+          <a:bodyPr wrap="square" rtlCol="0">
+            <a:spAutoFit/>
+          </a:bodyPr>
+          <a:lstStyle/>
+          <a:p>
+            <a:r>
+              <a:rPr lang="zh-CN" altLang="en-US" sz="2000" b="1" dirty="0">
+                <a:latin typeface="微软雅黑" panose="020B0503020204020204" pitchFamily="34" charset="-122"/>
+                <a:ea typeface="微软雅黑" panose="020B0503020204020204" pitchFamily="34" charset="-122"/>
+              </a:rPr>
+              <a:t>平台社区监管</a:t>
+            </a:r>
+          </a:p>
+        </p:txBody>
+      </p:sp>
+      <p:sp>
+        <p:nvSpPr>
+          <p:cNvPr id="63" name="文本框 62">
             <a:extLst>
               <a:ext uri="{FF2B5EF4-FFF2-40B4-BE49-F238E27FC236}">
-                <a16:creationId xmlns:a16="http://schemas.microsoft.com/office/drawing/2014/main" id="{6C44155E-764C-34DC-C7B9-9BC16FAE6112}"/>
+                <a16:creationId xmlns:a16="http://schemas.microsoft.com/office/drawing/2014/main" id="{D052179F-5783-77DD-509B-170F5779B56E}"/>
               </a:ext>
             </a:extLst>
           </p:cNvPr>
-          <p:cNvPicPr>
-            <a:picLocks noChangeAspect="1"/>
-          </p:cNvPicPr>
-          <p:nvPr/>
-        </p:nvPicPr>
-        <p:blipFill>
-          <a:blip r:embed="rId31">
-            <a:extLst>
-              <a:ext uri="{28A0092B-C50C-407E-A947-70E740481C1C}">
-                <a14:useLocalDpi xmlns:a14="http://schemas.microsoft.com/office/drawing/2010/main" val="0"/>
-              </a:ext>
-              <a:ext uri="{96DAC541-7B7A-43D3-8B79-37D633B846F1}">
-                <asvg:svgBlip xmlns:asvg="http://schemas.microsoft.com/office/drawing/2016/SVG/main" r:embed="rId32"/>
-              </a:ext>
-            </a:extLst>
-          </a:blip>
-          <a:stretch>
-            <a:fillRect/>
-          </a:stretch>
-        </p:blipFill>
-        <p:spPr>
-          <a:xfrm>
-            <a:off x="3514913" y="4764797"/>
-            <a:ext cx="952500" cy="952500"/>
+          <p:cNvSpPr txBox="1"/>
+          <p:nvPr/>
+        </p:nvSpPr>
+        <p:spPr>
+          <a:xfrm>
+            <a:off x="4686076" y="3144076"/>
+            <a:ext cx="1071187" cy="707886"/>
           </a:xfrm>
           <a:prstGeom prst="rect">
             <a:avLst/>
           </a:prstGeom>
-        </p:spPr>
-      </p:pic>
-      <p:pic>
-        <p:nvPicPr>
-          <p:cNvPr id="68" name="图形 67">
+          <a:noFill/>
+        </p:spPr>
+        <p:txBody>
+          <a:bodyPr wrap="square" rtlCol="0">
+            <a:spAutoFit/>
+          </a:bodyPr>
+          <a:lstStyle/>
+          <a:p>
+            <a:r>
+              <a:rPr lang="zh-CN" altLang="en-US" sz="2000" b="1" dirty="0">
+                <a:latin typeface="微软雅黑" panose="020B0503020204020204" pitchFamily="34" charset="-122"/>
+                <a:ea typeface="微软雅黑" panose="020B0503020204020204" pitchFamily="34" charset="-122"/>
+              </a:rPr>
+              <a:t>跟进用户反馈</a:t>
+            </a:r>
+          </a:p>
+        </p:txBody>
+      </p:sp>
+      <p:sp>
+        <p:nvSpPr>
+          <p:cNvPr id="65" name="文本框 64">
             <a:extLst>
               <a:ext uri="{FF2B5EF4-FFF2-40B4-BE49-F238E27FC236}">
-                <a16:creationId xmlns:a16="http://schemas.microsoft.com/office/drawing/2014/main" id="{7BADE583-0FC9-618D-B140-D1C7D09A5F50}"/>
+                <a16:creationId xmlns:a16="http://schemas.microsoft.com/office/drawing/2014/main" id="{27F7FFA6-9595-75E9-4EE5-A9FA6408885F}"/>
               </a:ext>
             </a:extLst>
           </p:cNvPr>
-          <p:cNvPicPr>
-            <a:picLocks noChangeAspect="1"/>
-          </p:cNvPicPr>
-          <p:nvPr/>
-        </p:nvPicPr>
-        <p:blipFill>
-          <a:blip r:embed="rId33" cstate="print">
-            <a:extLst>
-              <a:ext uri="{28A0092B-C50C-407E-A947-70E740481C1C}">
-                <a14:useLocalDpi xmlns:a14="http://schemas.microsoft.com/office/drawing/2010/main" val="0"/>
-              </a:ext>
-              <a:ext uri="{96DAC541-7B7A-43D3-8B79-37D633B846F1}">
-                <asvg:svgBlip xmlns:asvg="http://schemas.microsoft.com/office/drawing/2016/SVG/main" r:embed="rId34"/>
-              </a:ext>
-            </a:extLst>
-          </a:blip>
-          <a:stretch>
-            <a:fillRect/>
-          </a:stretch>
-        </p:blipFill>
-        <p:spPr>
-          <a:xfrm>
-            <a:off x="4762314" y="4286338"/>
-            <a:ext cx="828549" cy="828549"/>
+          <p:cNvSpPr txBox="1"/>
+          <p:nvPr/>
+        </p:nvSpPr>
+        <p:spPr>
+          <a:xfrm>
+            <a:off x="3455835" y="4810457"/>
+            <a:ext cx="1123001" cy="830997"/>
           </a:xfrm>
           <a:prstGeom prst="rect">
             <a:avLst/>
           </a:prstGeom>
-        </p:spPr>
-      </p:pic>
-      <p:pic>
-        <p:nvPicPr>
-          <p:cNvPr id="70" name="图形 69">
+          <a:noFill/>
+        </p:spPr>
+        <p:txBody>
+          <a:bodyPr wrap="square" rtlCol="0">
+            <a:spAutoFit/>
+          </a:bodyPr>
+          <a:lstStyle/>
+          <a:p>
+            <a:r>
+              <a:rPr lang="zh-CN" altLang="en-US" sz="2400" b="1" dirty="0">
+                <a:latin typeface="微软雅黑" panose="020B0503020204020204" pitchFamily="34" charset="-122"/>
+                <a:ea typeface="微软雅黑" panose="020B0503020204020204" pitchFamily="34" charset="-122"/>
+              </a:rPr>
+              <a:t>知识性资源</a:t>
+            </a:r>
+          </a:p>
+        </p:txBody>
+      </p:sp>
+      <p:sp>
+        <p:nvSpPr>
+          <p:cNvPr id="67" name="文本框 66">
             <a:extLst>
               <a:ext uri="{FF2B5EF4-FFF2-40B4-BE49-F238E27FC236}">
-                <a16:creationId xmlns:a16="http://schemas.microsoft.com/office/drawing/2014/main" id="{DC12DF87-1426-E5FB-0464-FC9F9198EE6D}"/>
+                <a16:creationId xmlns:a16="http://schemas.microsoft.com/office/drawing/2014/main" id="{39C6EF08-3609-EC9E-5622-6AEC88680C57}"/>
               </a:ext>
             </a:extLst>
           </p:cNvPr>
-          <p:cNvPicPr>
-            <a:picLocks noChangeAspect="1"/>
-          </p:cNvPicPr>
-          <p:nvPr/>
-        </p:nvPicPr>
-        <p:blipFill>
-          <a:blip r:embed="rId35">
-            <a:extLst>
-              <a:ext uri="{28A0092B-C50C-407E-A947-70E740481C1C}">
-                <a14:useLocalDpi xmlns:a14="http://schemas.microsoft.com/office/drawing/2010/main" val="0"/>
-              </a:ext>
-              <a:ext uri="{96DAC541-7B7A-43D3-8B79-37D633B846F1}">
-                <asvg:svgBlip xmlns:asvg="http://schemas.microsoft.com/office/drawing/2016/SVG/main" r:embed="rId36"/>
-              </a:ext>
-            </a:extLst>
-          </a:blip>
-          <a:stretch>
-            <a:fillRect/>
-          </a:stretch>
-        </p:blipFill>
-        <p:spPr>
-          <a:xfrm>
-            <a:off x="3514913" y="5880094"/>
-            <a:ext cx="952501" cy="952501"/>
+          <p:cNvSpPr txBox="1"/>
+          <p:nvPr/>
+        </p:nvSpPr>
+        <p:spPr>
+          <a:xfrm>
+            <a:off x="3509334" y="5848581"/>
+            <a:ext cx="1028752" cy="954107"/>
           </a:xfrm>
           <a:prstGeom prst="rect">
             <a:avLst/>
           </a:prstGeom>
-        </p:spPr>
-      </p:pic>
-      <p:pic>
-        <p:nvPicPr>
-          <p:cNvPr id="72" name="图形 71">
+          <a:noFill/>
+        </p:spPr>
+        <p:txBody>
+          <a:bodyPr wrap="square" rtlCol="0">
+            <a:spAutoFit/>
+          </a:bodyPr>
+          <a:lstStyle/>
+          <a:p>
+            <a:r>
+              <a:rPr lang="zh-CN" altLang="en-US" sz="2800" b="1" dirty="0">
+                <a:latin typeface="微软雅黑" panose="020B0503020204020204" pitchFamily="34" charset="-122"/>
+                <a:ea typeface="微软雅黑" panose="020B0503020204020204" pitchFamily="34" charset="-122"/>
+              </a:rPr>
+              <a:t>金融资源</a:t>
+            </a:r>
+          </a:p>
+        </p:txBody>
+      </p:sp>
+      <p:sp>
+        <p:nvSpPr>
+          <p:cNvPr id="71" name="文本框 70">
             <a:extLst>
               <a:ext uri="{FF2B5EF4-FFF2-40B4-BE49-F238E27FC236}">
-                <a16:creationId xmlns:a16="http://schemas.microsoft.com/office/drawing/2014/main" id="{3EC1AF36-358E-4D36-B594-C2459E853E67}"/>
+                <a16:creationId xmlns:a16="http://schemas.microsoft.com/office/drawing/2014/main" id="{72719CCD-D04E-D71D-9657-8F8080FC5574}"/>
               </a:ext>
             </a:extLst>
           </p:cNvPr>
-          <p:cNvPicPr>
-            <a:picLocks noChangeAspect="1"/>
-          </p:cNvPicPr>
-          <p:nvPr/>
-        </p:nvPicPr>
-        <p:blipFill>
-          <a:blip r:embed="rId37" cstate="print">
-            <a:extLst>
-              <a:ext uri="{28A0092B-C50C-407E-A947-70E740481C1C}">
-                <a14:useLocalDpi xmlns:a14="http://schemas.microsoft.com/office/drawing/2010/main" val="0"/>
-              </a:ext>
-              <a:ext uri="{96DAC541-7B7A-43D3-8B79-37D633B846F1}">
-                <asvg:svgBlip xmlns:asvg="http://schemas.microsoft.com/office/drawing/2016/SVG/main" r:embed="rId38"/>
-              </a:ext>
-            </a:extLst>
-          </a:blip>
-          <a:stretch>
-            <a:fillRect/>
-          </a:stretch>
-        </p:blipFill>
-        <p:spPr>
-          <a:xfrm>
-            <a:off x="4903656" y="5203877"/>
-            <a:ext cx="796186" cy="796186"/>
+          <p:cNvSpPr txBox="1"/>
+          <p:nvPr/>
+        </p:nvSpPr>
+        <p:spPr>
+          <a:xfrm>
+            <a:off x="4783312" y="4229530"/>
+            <a:ext cx="1014428" cy="830997"/>
           </a:xfrm>
           <a:prstGeom prst="rect">
             <a:avLst/>
           </a:prstGeom>
-        </p:spPr>
-      </p:pic>
-      <p:pic>
-        <p:nvPicPr>
-          <p:cNvPr id="74" name="图形 73">
+          <a:noFill/>
+        </p:spPr>
+        <p:txBody>
+          <a:bodyPr wrap="square" rtlCol="0">
+            <a:spAutoFit/>
+          </a:bodyPr>
+          <a:lstStyle/>
+          <a:p>
+            <a:r>
+              <a:rPr lang="zh-CN" altLang="en-US" sz="2400" b="1" dirty="0">
+                <a:latin typeface="微软雅黑" panose="020B0503020204020204" pitchFamily="34" charset="-122"/>
+                <a:ea typeface="微软雅黑" panose="020B0503020204020204" pitchFamily="34" charset="-122"/>
+              </a:rPr>
+              <a:t>人力资源</a:t>
+            </a:r>
+          </a:p>
+        </p:txBody>
+      </p:sp>
+      <p:sp>
+        <p:nvSpPr>
+          <p:cNvPr id="73" name="文本框 72">
             <a:extLst>
               <a:ext uri="{FF2B5EF4-FFF2-40B4-BE49-F238E27FC236}">
-                <a16:creationId xmlns:a16="http://schemas.microsoft.com/office/drawing/2014/main" id="{0027FA17-DBBF-6379-2205-DA90BFE0E1AE}"/>
+                <a16:creationId xmlns:a16="http://schemas.microsoft.com/office/drawing/2014/main" id="{5BE12099-AF11-7337-54D7-9E3FE1F052B2}"/>
               </a:ext>
             </a:extLst>
           </p:cNvPr>
-          <p:cNvPicPr>
-            <a:picLocks noChangeAspect="1"/>
-          </p:cNvPicPr>
-          <p:nvPr/>
-        </p:nvPicPr>
-        <p:blipFill>
-          <a:blip r:embed="rId39">
-            <a:extLst>
-              <a:ext uri="{28A0092B-C50C-407E-A947-70E740481C1C}">
-                <a14:useLocalDpi xmlns:a14="http://schemas.microsoft.com/office/drawing/2010/main" val="0"/>
-              </a:ext>
-              <a:ext uri="{96DAC541-7B7A-43D3-8B79-37D633B846F1}">
-                <asvg:svgBlip xmlns:asvg="http://schemas.microsoft.com/office/drawing/2016/SVG/main" r:embed="rId40"/>
-              </a:ext>
-            </a:extLst>
-          </a:blip>
-          <a:stretch>
-            <a:fillRect/>
-          </a:stretch>
-        </p:blipFill>
-        <p:spPr>
-          <a:xfrm>
-            <a:off x="2217005" y="7547578"/>
-            <a:ext cx="1435939" cy="1435939"/>
+          <p:cNvSpPr txBox="1"/>
+          <p:nvPr/>
+        </p:nvSpPr>
+        <p:spPr>
+          <a:xfrm>
+            <a:off x="4839368" y="5113103"/>
+            <a:ext cx="1014428" cy="830997"/>
           </a:xfrm>
           <a:prstGeom prst="rect">
             <a:avLst/>
           </a:prstGeom>
-        </p:spPr>
-      </p:pic>
-      <p:pic>
-        <p:nvPicPr>
-          <p:cNvPr id="76" name="图形 75">
+          <a:noFill/>
+        </p:spPr>
+        <p:txBody>
+          <a:bodyPr wrap="square" rtlCol="0">
+            <a:spAutoFit/>
+          </a:bodyPr>
+          <a:lstStyle/>
+          <a:p>
+            <a:r>
+              <a:rPr lang="zh-CN" altLang="en-US" sz="2400" b="1" dirty="0">
+                <a:latin typeface="微软雅黑" panose="020B0503020204020204" pitchFamily="34" charset="-122"/>
+                <a:ea typeface="微软雅黑" panose="020B0503020204020204" pitchFamily="34" charset="-122"/>
+              </a:rPr>
+              <a:t>素材资源</a:t>
+            </a:r>
+          </a:p>
+        </p:txBody>
+      </p:sp>
+      <p:sp>
+        <p:nvSpPr>
+          <p:cNvPr id="75" name="文本框 74">
             <a:extLst>
               <a:ext uri="{FF2B5EF4-FFF2-40B4-BE49-F238E27FC236}">
-                <a16:creationId xmlns:a16="http://schemas.microsoft.com/office/drawing/2014/main" id="{8AF6DC7C-CBC2-141F-4609-A04A008EAE4E}"/>
+                <a16:creationId xmlns:a16="http://schemas.microsoft.com/office/drawing/2014/main" id="{287712AE-9154-86D0-44E3-42B7A09AD706}"/>
               </a:ext>
             </a:extLst>
           </p:cNvPr>
-          <p:cNvPicPr>
-            <a:picLocks noChangeAspect="1"/>
-          </p:cNvPicPr>
-          <p:nvPr/>
-        </p:nvPicPr>
-        <p:blipFill>
-          <a:blip r:embed="rId41">
-            <a:extLst>
-              <a:ext uri="{28A0092B-C50C-407E-A947-70E740481C1C}">
-                <a14:useLocalDpi xmlns:a14="http://schemas.microsoft.com/office/drawing/2010/main" val="0"/>
-              </a:ext>
-              <a:ext uri="{96DAC541-7B7A-43D3-8B79-37D633B846F1}">
-                <asvg:svgBlip xmlns:asvg="http://schemas.microsoft.com/office/drawing/2016/SVG/main" r:embed="rId42"/>
-              </a:ext>
-            </a:extLst>
-          </a:blip>
-          <a:stretch>
-            <a:fillRect/>
-          </a:stretch>
-        </p:blipFill>
-        <p:spPr>
-          <a:xfrm>
-            <a:off x="6296572" y="2106745"/>
-            <a:ext cx="1084133" cy="1084133"/>
+          <p:cNvSpPr txBox="1"/>
+          <p:nvPr/>
+        </p:nvSpPr>
+        <p:spPr>
+          <a:xfrm>
+            <a:off x="4822674" y="6036537"/>
+            <a:ext cx="1014428" cy="830997"/>
           </a:xfrm>
           <a:prstGeom prst="rect">
             <a:avLst/>
           </a:prstGeom>
-        </p:spPr>
-      </p:pic>
-      <p:pic>
-        <p:nvPicPr>
-          <p:cNvPr id="78" name="图形 77">
+          <a:noFill/>
+        </p:spPr>
+        <p:txBody>
+          <a:bodyPr wrap="square" rtlCol="0">
+            <a:spAutoFit/>
+          </a:bodyPr>
+          <a:lstStyle/>
+          <a:p>
+            <a:r>
+              <a:rPr lang="zh-CN" altLang="en-US" sz="2400" b="1" dirty="0">
+                <a:latin typeface="微软雅黑" panose="020B0503020204020204" pitchFamily="34" charset="-122"/>
+                <a:ea typeface="微软雅黑" panose="020B0503020204020204" pitchFamily="34" charset="-122"/>
+              </a:rPr>
+              <a:t>社区资源</a:t>
+            </a:r>
+          </a:p>
+        </p:txBody>
+      </p:sp>
+      <p:sp>
+        <p:nvSpPr>
+          <p:cNvPr id="77" name="文本框 76">
             <a:extLst>
               <a:ext uri="{FF2B5EF4-FFF2-40B4-BE49-F238E27FC236}">
-                <a16:creationId xmlns:a16="http://schemas.microsoft.com/office/drawing/2014/main" id="{DAD926C0-D527-8C17-4BA7-A60CE70CF397}"/>
+                <a16:creationId xmlns:a16="http://schemas.microsoft.com/office/drawing/2014/main" id="{BADD322D-6888-C67A-263B-180283765E2B}"/>
               </a:ext>
             </a:extLst>
           </p:cNvPr>
-          <p:cNvPicPr>
-            <a:picLocks noChangeAspect="1"/>
-          </p:cNvPicPr>
-          <p:nvPr/>
-        </p:nvPicPr>
-        <p:blipFill>
-          <a:blip r:embed="rId43">
-            <a:extLst>
-              <a:ext uri="{28A0092B-C50C-407E-A947-70E740481C1C}">
-                <a14:useLocalDpi xmlns:a14="http://schemas.microsoft.com/office/drawing/2010/main" val="0"/>
-              </a:ext>
-              <a:ext uri="{96DAC541-7B7A-43D3-8B79-37D633B846F1}">
-                <asvg:svgBlip xmlns:asvg="http://schemas.microsoft.com/office/drawing/2016/SVG/main" r:embed="rId44"/>
-              </a:ext>
-            </a:extLst>
-          </a:blip>
-          <a:stretch>
-            <a:fillRect/>
-          </a:stretch>
-        </p:blipFill>
-        <p:spPr>
-          <a:xfrm>
-            <a:off x="7542911" y="2478971"/>
-            <a:ext cx="1271155" cy="1271155"/>
+          <p:cNvSpPr txBox="1"/>
+          <p:nvPr/>
+        </p:nvSpPr>
+        <p:spPr>
+          <a:xfrm>
+            <a:off x="6313640" y="2294538"/>
+            <a:ext cx="1071187" cy="523220"/>
           </a:xfrm>
           <a:prstGeom prst="rect">
             <a:avLst/>
           </a:prstGeom>
-        </p:spPr>
-      </p:pic>
-      <p:pic>
-        <p:nvPicPr>
-          <p:cNvPr id="82" name="图形 81">
+          <a:noFill/>
+        </p:spPr>
+        <p:txBody>
+          <a:bodyPr wrap="square" rtlCol="0">
+            <a:spAutoFit/>
+          </a:bodyPr>
+          <a:lstStyle/>
+          <a:p>
+            <a:r>
+              <a:rPr lang="zh-CN" altLang="en-US" sz="2800" b="1" dirty="0">
+                <a:latin typeface="微软雅黑" panose="020B0503020204020204" pitchFamily="34" charset="-122"/>
+                <a:ea typeface="微软雅黑" panose="020B0503020204020204" pitchFamily="34" charset="-122"/>
+              </a:rPr>
+              <a:t>创新</a:t>
+            </a:r>
+          </a:p>
+        </p:txBody>
+      </p:sp>
+      <p:sp>
+        <p:nvSpPr>
+          <p:cNvPr id="79" name="文本框 78">
             <a:extLst>
               <a:ext uri="{FF2B5EF4-FFF2-40B4-BE49-F238E27FC236}">
-                <a16:creationId xmlns:a16="http://schemas.microsoft.com/office/drawing/2014/main" id="{46858554-F80E-D84E-A4BA-4AA91D43E727}"/>
+                <a16:creationId xmlns:a16="http://schemas.microsoft.com/office/drawing/2014/main" id="{D8E029B3-F0DA-CD67-247A-9FBE41BDB1CA}"/>
               </a:ext>
             </a:extLst>
           </p:cNvPr>
-          <p:cNvPicPr>
-            <a:picLocks noChangeAspect="1"/>
-          </p:cNvPicPr>
-          <p:nvPr/>
-        </p:nvPicPr>
-        <p:blipFill>
-          <a:blip r:embed="rId45">
-            <a:extLst>
-              <a:ext uri="{28A0092B-C50C-407E-A947-70E740481C1C}">
-                <a14:useLocalDpi xmlns:a14="http://schemas.microsoft.com/office/drawing/2010/main" val="0"/>
-              </a:ext>
-              <a:ext uri="{96DAC541-7B7A-43D3-8B79-37D633B846F1}">
-                <asvg:svgBlip xmlns:asvg="http://schemas.microsoft.com/office/drawing/2016/SVG/main" r:embed="rId46"/>
-              </a:ext>
-            </a:extLst>
-          </a:blip>
-          <a:stretch>
-            <a:fillRect/>
-          </a:stretch>
-        </p:blipFill>
-        <p:spPr>
-          <a:xfrm>
-            <a:off x="7679913" y="4340139"/>
-            <a:ext cx="952500" cy="952500"/>
+          <p:cNvSpPr txBox="1"/>
+          <p:nvPr/>
+        </p:nvSpPr>
+        <p:spPr>
+          <a:xfrm>
+            <a:off x="6367643" y="3556476"/>
+            <a:ext cx="1071187" cy="954107"/>
           </a:xfrm>
           <a:prstGeom prst="rect">
             <a:avLst/>
           </a:prstGeom>
-        </p:spPr>
-      </p:pic>
-      <p:pic>
-        <p:nvPicPr>
-          <p:cNvPr id="84" name="图形 83">
+          <a:noFill/>
+        </p:spPr>
+        <p:txBody>
+          <a:bodyPr wrap="square" rtlCol="0">
+            <a:spAutoFit/>
+          </a:bodyPr>
+          <a:lstStyle/>
+          <a:p>
+            <a:r>
+              <a:rPr lang="zh-CN" altLang="en-US" sz="2800" b="1" dirty="0">
+                <a:latin typeface="微软雅黑" panose="020B0503020204020204" pitchFamily="34" charset="-122"/>
+                <a:ea typeface="微软雅黑" panose="020B0503020204020204" pitchFamily="34" charset="-122"/>
+              </a:rPr>
+              <a:t>缩减成本</a:t>
+            </a:r>
+          </a:p>
+        </p:txBody>
+      </p:sp>
+      <p:sp>
+        <p:nvSpPr>
+          <p:cNvPr id="80" name="文本框 79">
             <a:extLst>
               <a:ext uri="{FF2B5EF4-FFF2-40B4-BE49-F238E27FC236}">
-                <a16:creationId xmlns:a16="http://schemas.microsoft.com/office/drawing/2014/main" id="{290A5E81-F4BE-EAAE-C987-E0588FEE431A}"/>
+                <a16:creationId xmlns:a16="http://schemas.microsoft.com/office/drawing/2014/main" id="{0C3B71DB-AE3D-36D7-126E-E9C4515C8679}"/>
               </a:ext>
             </a:extLst>
           </p:cNvPr>
-          <p:cNvPicPr>
-            <a:picLocks noChangeAspect="1"/>
-          </p:cNvPicPr>
-          <p:nvPr/>
-        </p:nvPicPr>
-        <p:blipFill>
-          <a:blip r:embed="rId47">
-            <a:extLst>
-              <a:ext uri="{28A0092B-C50C-407E-A947-70E740481C1C}">
-                <a14:useLocalDpi xmlns:a14="http://schemas.microsoft.com/office/drawing/2010/main" val="0"/>
-              </a:ext>
-              <a:ext uri="{96DAC541-7B7A-43D3-8B79-37D633B846F1}">
-                <asvg:svgBlip xmlns:asvg="http://schemas.microsoft.com/office/drawing/2016/SVG/main" r:embed="rId48"/>
-              </a:ext>
-            </a:extLst>
-          </a:blip>
-          <a:stretch>
-            <a:fillRect/>
-          </a:stretch>
-        </p:blipFill>
-        <p:spPr>
-          <a:xfrm>
-            <a:off x="6352479" y="3577462"/>
-            <a:ext cx="1201293" cy="1201293"/>
+          <p:cNvSpPr txBox="1"/>
+          <p:nvPr/>
+        </p:nvSpPr>
+        <p:spPr>
+          <a:xfrm>
+            <a:off x="6313639" y="5217336"/>
+            <a:ext cx="1071187" cy="707886"/>
           </a:xfrm>
           <a:prstGeom prst="rect">
             <a:avLst/>
           </a:prstGeom>
-        </p:spPr>
-      </p:pic>
-      <p:pic>
-        <p:nvPicPr>
-          <p:cNvPr id="86" name="图形 85">
+          <a:noFill/>
+        </p:spPr>
+        <p:txBody>
+          <a:bodyPr wrap="square" rtlCol="0">
+            <a:spAutoFit/>
+          </a:bodyPr>
+          <a:lstStyle/>
+          <a:p>
+            <a:r>
+              <a:rPr lang="zh-CN" altLang="en-US" sz="2000" b="1" dirty="0">
+                <a:latin typeface="微软雅黑" panose="020B0503020204020204" pitchFamily="34" charset="-122"/>
+                <a:ea typeface="微软雅黑" panose="020B0503020204020204" pitchFamily="34" charset="-122"/>
+              </a:rPr>
+              <a:t>便利性</a:t>
+            </a:r>
+            <a:r>
+              <a:rPr lang="en-US" altLang="zh-CN" sz="2000" b="1" dirty="0">
+                <a:latin typeface="微软雅黑" panose="020B0503020204020204" pitchFamily="34" charset="-122"/>
+                <a:ea typeface="微软雅黑" panose="020B0503020204020204" pitchFamily="34" charset="-122"/>
+              </a:rPr>
+              <a:t>/</a:t>
+            </a:r>
+            <a:r>
+              <a:rPr lang="zh-CN" altLang="en-US" sz="2000" b="1" dirty="0">
+                <a:latin typeface="微软雅黑" panose="020B0503020204020204" pitchFamily="34" charset="-122"/>
+                <a:ea typeface="微软雅黑" panose="020B0503020204020204" pitchFamily="34" charset="-122"/>
+              </a:rPr>
+              <a:t>实用性</a:t>
+            </a:r>
+          </a:p>
+        </p:txBody>
+      </p:sp>
+      <p:sp>
+        <p:nvSpPr>
+          <p:cNvPr id="81" name="文本框 80">
             <a:extLst>
               <a:ext uri="{FF2B5EF4-FFF2-40B4-BE49-F238E27FC236}">
-                <a16:creationId xmlns:a16="http://schemas.microsoft.com/office/drawing/2014/main" id="{1CCFD800-1CF5-3C5D-5E6F-44795C1040B1}"/>
+                <a16:creationId xmlns:a16="http://schemas.microsoft.com/office/drawing/2014/main" id="{C3CD75CA-9E43-0CE5-0CAA-5CAA56C2CF85}"/>
               </a:ext>
             </a:extLst>
           </p:cNvPr>
-          <p:cNvPicPr>
-            <a:picLocks noChangeAspect="1"/>
-          </p:cNvPicPr>
-          <p:nvPr/>
-        </p:nvPicPr>
-        <p:blipFill>
-          <a:blip r:embed="rId49">
-            <a:extLst>
-              <a:ext uri="{28A0092B-C50C-407E-A947-70E740481C1C}">
-                <a14:useLocalDpi xmlns:a14="http://schemas.microsoft.com/office/drawing/2010/main" val="0"/>
-              </a:ext>
-              <a:ext uri="{96DAC541-7B7A-43D3-8B79-37D633B846F1}">
-                <asvg:svgBlip xmlns:asvg="http://schemas.microsoft.com/office/drawing/2016/SVG/main" r:embed="rId50"/>
-              </a:ext>
-            </a:extLst>
-          </a:blip>
-          <a:stretch>
-            <a:fillRect/>
-          </a:stretch>
-        </p:blipFill>
-        <p:spPr>
-          <a:xfrm>
-            <a:off x="8913166" y="1618906"/>
-            <a:ext cx="1429011" cy="1429011"/>
+          <p:cNvSpPr txBox="1"/>
+          <p:nvPr/>
+        </p:nvSpPr>
+        <p:spPr>
+          <a:xfrm>
+            <a:off x="7562850" y="2839262"/>
+            <a:ext cx="1071187" cy="954107"/>
           </a:xfrm>
           <a:prstGeom prst="rect">
             <a:avLst/>
           </a:prstGeom>
-        </p:spPr>
-      </p:pic>
-      <p:pic>
-        <p:nvPicPr>
-          <p:cNvPr id="88" name="图形 87">
+          <a:noFill/>
+        </p:spPr>
+        <p:txBody>
+          <a:bodyPr wrap="square" rtlCol="0">
+            <a:spAutoFit/>
+          </a:bodyPr>
+          <a:lstStyle/>
+          <a:p>
+            <a:r>
+              <a:rPr lang="zh-CN" altLang="en-US" sz="2800" b="1" dirty="0">
+                <a:latin typeface="微软雅黑" panose="020B0503020204020204" pitchFamily="34" charset="-122"/>
+                <a:ea typeface="微软雅黑" panose="020B0503020204020204" pitchFamily="34" charset="-122"/>
+              </a:rPr>
+              <a:t>定制化</a:t>
+            </a:r>
+          </a:p>
+        </p:txBody>
+      </p:sp>
+      <p:sp>
+        <p:nvSpPr>
+          <p:cNvPr id="83" name="文本框 82">
             <a:extLst>
               <a:ext uri="{FF2B5EF4-FFF2-40B4-BE49-F238E27FC236}">
-                <a16:creationId xmlns:a16="http://schemas.microsoft.com/office/drawing/2014/main" id="{13796573-9776-CF24-469F-394DF3A540CE}"/>
+                <a16:creationId xmlns:a16="http://schemas.microsoft.com/office/drawing/2014/main" id="{373A6919-60F2-DDE1-E22D-75B2951F5E10}"/>
               </a:ext>
             </a:extLst>
           </p:cNvPr>
-          <p:cNvPicPr>
-            <a:picLocks noChangeAspect="1"/>
-          </p:cNvPicPr>
-          <p:nvPr/>
-        </p:nvPicPr>
-        <p:blipFill>
-          <a:blip r:embed="rId51">
-            <a:extLst>
-              <a:ext uri="{28A0092B-C50C-407E-A947-70E740481C1C}">
-                <a14:useLocalDpi xmlns:a14="http://schemas.microsoft.com/office/drawing/2010/main" val="0"/>
-              </a:ext>
-              <a:ext uri="{96DAC541-7B7A-43D3-8B79-37D633B846F1}">
-                <asvg:svgBlip xmlns:asvg="http://schemas.microsoft.com/office/drawing/2016/SVG/main" r:embed="rId52"/>
-              </a:ext>
-            </a:extLst>
-          </a:blip>
-          <a:stretch>
-            <a:fillRect/>
-          </a:stretch>
-        </p:blipFill>
-        <p:spPr>
-          <a:xfrm>
-            <a:off x="10361929" y="1797427"/>
-            <a:ext cx="1229380" cy="1186352"/>
+          <p:cNvSpPr txBox="1"/>
+          <p:nvPr/>
+        </p:nvSpPr>
+        <p:spPr>
+          <a:xfrm>
+            <a:off x="7591425" y="4323580"/>
+            <a:ext cx="1071187" cy="954107"/>
           </a:xfrm>
           <a:prstGeom prst="rect">
             <a:avLst/>
           </a:prstGeom>
-        </p:spPr>
-      </p:pic>
-      <p:pic>
-        <p:nvPicPr>
-          <p:cNvPr id="90" name="图形 89">
+          <a:noFill/>
+        </p:spPr>
+        <p:txBody>
+          <a:bodyPr wrap="square" rtlCol="0">
+            <a:spAutoFit/>
+          </a:bodyPr>
+          <a:lstStyle/>
+          <a:p>
+            <a:r>
+              <a:rPr lang="zh-CN" altLang="en-US" sz="2800" b="1" dirty="0">
+                <a:latin typeface="微软雅黑" panose="020B0503020204020204" pitchFamily="34" charset="-122"/>
+                <a:ea typeface="微软雅黑" panose="020B0503020204020204" pitchFamily="34" charset="-122"/>
+              </a:rPr>
+              <a:t>可获得性</a:t>
+            </a:r>
+          </a:p>
+        </p:txBody>
+      </p:sp>
+      <p:sp>
+        <p:nvSpPr>
+          <p:cNvPr id="85" name="文本框 84">
             <a:extLst>
               <a:ext uri="{FF2B5EF4-FFF2-40B4-BE49-F238E27FC236}">
-                <a16:creationId xmlns:a16="http://schemas.microsoft.com/office/drawing/2014/main" id="{49BED56C-5396-0AC2-69D9-3C355E0BD7D6}"/>
+                <a16:creationId xmlns:a16="http://schemas.microsoft.com/office/drawing/2014/main" id="{1D108017-5B80-8B2F-7352-EE1F561B547A}"/>
               </a:ext>
             </a:extLst>
           </p:cNvPr>
-          <p:cNvPicPr>
-            <a:picLocks noChangeAspect="1"/>
-          </p:cNvPicPr>
-          <p:nvPr/>
-        </p:nvPicPr>
-        <p:blipFill>
-          <a:blip r:embed="rId53">
-            <a:extLst>
-              <a:ext uri="{28A0092B-C50C-407E-A947-70E740481C1C}">
-                <a14:useLocalDpi xmlns:a14="http://schemas.microsoft.com/office/drawing/2010/main" val="0"/>
-              </a:ext>
-              <a:ext uri="{96DAC541-7B7A-43D3-8B79-37D633B846F1}">
-                <asvg:svgBlip xmlns:asvg="http://schemas.microsoft.com/office/drawing/2016/SVG/main" r:embed="rId54"/>
-              </a:ext>
-            </a:extLst>
-          </a:blip>
-          <a:stretch>
-            <a:fillRect/>
-          </a:stretch>
-        </p:blipFill>
-        <p:spPr>
-          <a:xfrm>
-            <a:off x="9059435" y="2766842"/>
-            <a:ext cx="1385993" cy="1385993"/>
+          <p:cNvSpPr txBox="1"/>
+          <p:nvPr/>
+        </p:nvSpPr>
+        <p:spPr>
+          <a:xfrm>
+            <a:off x="9068348" y="1879237"/>
+            <a:ext cx="1285291" cy="954107"/>
           </a:xfrm>
           <a:prstGeom prst="rect">
             <a:avLst/>
           </a:prstGeom>
-        </p:spPr>
-      </p:pic>
-      <p:pic>
-        <p:nvPicPr>
-          <p:cNvPr id="92" name="图形 91">
+          <a:noFill/>
+        </p:spPr>
+        <p:txBody>
+          <a:bodyPr wrap="square" rtlCol="0">
+            <a:spAutoFit/>
+          </a:bodyPr>
+          <a:lstStyle/>
+          <a:p>
+            <a:r>
+              <a:rPr lang="zh-CN" altLang="en-US" sz="2800" b="1" dirty="0">
+                <a:latin typeface="微软雅黑" panose="020B0503020204020204" pitchFamily="34" charset="-122"/>
+                <a:ea typeface="微软雅黑" panose="020B0503020204020204" pitchFamily="34" charset="-122"/>
+              </a:rPr>
+              <a:t>自动化服务</a:t>
+            </a:r>
+          </a:p>
+        </p:txBody>
+      </p:sp>
+      <p:sp>
+        <p:nvSpPr>
+          <p:cNvPr id="87" name="文本框 86">
             <a:extLst>
               <a:ext uri="{FF2B5EF4-FFF2-40B4-BE49-F238E27FC236}">
-                <a16:creationId xmlns:a16="http://schemas.microsoft.com/office/drawing/2014/main" id="{7F812232-D2F0-5424-6E1D-D0A8C9BAB6A7}"/>
+                <a16:creationId xmlns:a16="http://schemas.microsoft.com/office/drawing/2014/main" id="{32CD6F3A-85AB-9ED0-4E22-D361E3166516}"/>
               </a:ext>
             </a:extLst>
           </p:cNvPr>
-          <p:cNvPicPr>
-            <a:picLocks noChangeAspect="1"/>
-          </p:cNvPicPr>
-          <p:nvPr/>
-        </p:nvPicPr>
-        <p:blipFill>
-          <a:blip r:embed="rId55">
-            <a:extLst>
-              <a:ext uri="{28A0092B-C50C-407E-A947-70E740481C1C}">
-                <a14:useLocalDpi xmlns:a14="http://schemas.microsoft.com/office/drawing/2010/main" val="0"/>
-              </a:ext>
-              <a:ext uri="{96DAC541-7B7A-43D3-8B79-37D633B846F1}">
-                <asvg:svgBlip xmlns:asvg="http://schemas.microsoft.com/office/drawing/2016/SVG/main" r:embed="rId56"/>
-              </a:ext>
-            </a:extLst>
-          </a:blip>
-          <a:stretch>
-            <a:fillRect/>
-          </a:stretch>
-        </p:blipFill>
-        <p:spPr>
-          <a:xfrm>
-            <a:off x="9059435" y="4676945"/>
-            <a:ext cx="1124700" cy="1124700"/>
+          <p:cNvSpPr txBox="1"/>
+          <p:nvPr/>
+        </p:nvSpPr>
+        <p:spPr>
+          <a:xfrm>
+            <a:off x="10420660" y="1978258"/>
+            <a:ext cx="1285291" cy="646331"/>
           </a:xfrm>
           <a:prstGeom prst="rect">
             <a:avLst/>
           </a:prstGeom>
-        </p:spPr>
-      </p:pic>
-      <p:pic>
-        <p:nvPicPr>
-          <p:cNvPr id="94" name="图形 93">
+          <a:noFill/>
+        </p:spPr>
+        <p:txBody>
+          <a:bodyPr wrap="square" rtlCol="0">
+            <a:spAutoFit/>
+          </a:bodyPr>
+          <a:lstStyle/>
+          <a:p>
+            <a:r>
+              <a:rPr lang="zh-CN" altLang="en-US" sz="3600" b="1" dirty="0">
+                <a:latin typeface="微软雅黑" panose="020B0503020204020204" pitchFamily="34" charset="-122"/>
+                <a:ea typeface="微软雅黑" panose="020B0503020204020204" pitchFamily="34" charset="-122"/>
+              </a:rPr>
+              <a:t>社区</a:t>
+            </a:r>
+          </a:p>
+        </p:txBody>
+      </p:sp>
+      <p:sp>
+        <p:nvSpPr>
+          <p:cNvPr id="89" name="文本框 88">
             <a:extLst>
               <a:ext uri="{FF2B5EF4-FFF2-40B4-BE49-F238E27FC236}">
-                <a16:creationId xmlns:a16="http://schemas.microsoft.com/office/drawing/2014/main" id="{C15E87E5-1A4E-4AD1-9D3E-7CA4F0429062}"/>
+                <a16:creationId xmlns:a16="http://schemas.microsoft.com/office/drawing/2014/main" id="{A90FAE7A-8AB1-25AF-3CEC-F44BB4233952}"/>
               </a:ext>
             </a:extLst>
           </p:cNvPr>
-          <p:cNvPicPr>
-            <a:picLocks noChangeAspect="1"/>
-          </p:cNvPicPr>
-          <p:nvPr/>
-        </p:nvPicPr>
-        <p:blipFill>
-          <a:blip r:embed="rId57">
-            <a:extLst>
-              <a:ext uri="{28A0092B-C50C-407E-A947-70E740481C1C}">
-                <a14:useLocalDpi xmlns:a14="http://schemas.microsoft.com/office/drawing/2010/main" val="0"/>
-              </a:ext>
-              <a:ext uri="{96DAC541-7B7A-43D3-8B79-37D633B846F1}">
-                <asvg:svgBlip xmlns:asvg="http://schemas.microsoft.com/office/drawing/2016/SVG/main" r:embed="rId58"/>
-              </a:ext>
-            </a:extLst>
-          </a:blip>
-          <a:stretch>
-            <a:fillRect/>
-          </a:stretch>
-        </p:blipFill>
-        <p:spPr>
-          <a:xfrm>
-            <a:off x="9016946" y="5888301"/>
-            <a:ext cx="1209677" cy="1209677"/>
+          <p:cNvSpPr txBox="1"/>
+          <p:nvPr/>
+        </p:nvSpPr>
+        <p:spPr>
+          <a:xfrm>
+            <a:off x="9015032" y="2802576"/>
+            <a:ext cx="1561231" cy="1200329"/>
           </a:xfrm>
           <a:prstGeom prst="rect">
             <a:avLst/>
           </a:prstGeom>
-        </p:spPr>
-      </p:pic>
-      <p:pic>
-        <p:nvPicPr>
-          <p:cNvPr id="96" name="图形 95">
+          <a:noFill/>
+        </p:spPr>
+        <p:txBody>
+          <a:bodyPr wrap="square" rtlCol="0">
+            <a:spAutoFit/>
+          </a:bodyPr>
+          <a:lstStyle/>
+          <a:p>
+            <a:r>
+              <a:rPr lang="zh-CN" altLang="en-US" sz="2400" b="1" dirty="0">
+                <a:latin typeface="微软雅黑" panose="020B0503020204020204" pitchFamily="34" charset="-122"/>
+                <a:ea typeface="微软雅黑" panose="020B0503020204020204" pitchFamily="34" charset="-122"/>
+              </a:rPr>
+              <a:t>与客户协作、共同创造</a:t>
+            </a:r>
+          </a:p>
+        </p:txBody>
+      </p:sp>
+      <p:sp>
+        <p:nvSpPr>
+          <p:cNvPr id="91" name="文本框 90">
             <a:extLst>
               <a:ext uri="{FF2B5EF4-FFF2-40B4-BE49-F238E27FC236}">
-                <a16:creationId xmlns:a16="http://schemas.microsoft.com/office/drawing/2014/main" id="{ECE07AE5-3EF2-8B59-C0D0-64FBDEDC6F9A}"/>
+                <a16:creationId xmlns:a16="http://schemas.microsoft.com/office/drawing/2014/main" id="{713478C6-9CD6-C878-D8E5-F4D938E754D3}"/>
               </a:ext>
             </a:extLst>
           </p:cNvPr>
-          <p:cNvPicPr>
-            <a:picLocks noChangeAspect="1"/>
-          </p:cNvPicPr>
-          <p:nvPr/>
-        </p:nvPicPr>
-        <p:blipFill>
-          <a:blip r:embed="rId59">
-            <a:extLst>
-              <a:ext uri="{28A0092B-C50C-407E-A947-70E740481C1C}">
-                <a14:useLocalDpi xmlns:a14="http://schemas.microsoft.com/office/drawing/2010/main" val="0"/>
-              </a:ext>
-              <a:ext uri="{96DAC541-7B7A-43D3-8B79-37D633B846F1}">
-                <asvg:svgBlip xmlns:asvg="http://schemas.microsoft.com/office/drawing/2016/SVG/main" r:embed="rId60"/>
-              </a:ext>
-            </a:extLst>
-          </a:blip>
-          <a:stretch>
-            <a:fillRect/>
-          </a:stretch>
-        </p:blipFill>
-        <p:spPr>
-          <a:xfrm>
-            <a:off x="10301085" y="4247150"/>
-            <a:ext cx="947244" cy="947244"/>
+          <p:cNvSpPr txBox="1"/>
+          <p:nvPr/>
+        </p:nvSpPr>
+        <p:spPr>
+          <a:xfrm>
+            <a:off x="9169441" y="4955726"/>
+            <a:ext cx="1071187" cy="584775"/>
           </a:xfrm>
           <a:prstGeom prst="rect">
             <a:avLst/>
           </a:prstGeom>
-        </p:spPr>
-      </p:pic>
-      <p:pic>
-        <p:nvPicPr>
-          <p:cNvPr id="98" name="图形 97">
+          <a:noFill/>
+        </p:spPr>
+        <p:txBody>
+          <a:bodyPr wrap="square" rtlCol="0">
+            <a:spAutoFit/>
+          </a:bodyPr>
+          <a:lstStyle/>
+          <a:p>
+            <a:r>
+              <a:rPr lang="zh-CN" altLang="en-US" sz="3200" b="1" dirty="0">
+                <a:latin typeface="微软雅黑" panose="020B0503020204020204" pitchFamily="34" charset="-122"/>
+                <a:ea typeface="微软雅黑" panose="020B0503020204020204" pitchFamily="34" charset="-122"/>
+              </a:rPr>
+              <a:t>认知</a:t>
+            </a:r>
+          </a:p>
+        </p:txBody>
+      </p:sp>
+      <p:sp>
+        <p:nvSpPr>
+          <p:cNvPr id="93" name="文本框 92">
             <a:extLst>
               <a:ext uri="{FF2B5EF4-FFF2-40B4-BE49-F238E27FC236}">
-                <a16:creationId xmlns:a16="http://schemas.microsoft.com/office/drawing/2014/main" id="{26DA9079-90E9-8BA9-B91A-E9D7846F3F18}"/>
+                <a16:creationId xmlns:a16="http://schemas.microsoft.com/office/drawing/2014/main" id="{B2ACC69E-BD5E-C002-79A5-F701DAC524F5}"/>
               </a:ext>
             </a:extLst>
           </p:cNvPr>
-          <p:cNvPicPr>
-            <a:picLocks noChangeAspect="1"/>
-          </p:cNvPicPr>
-          <p:nvPr/>
-        </p:nvPicPr>
-        <p:blipFill>
-          <a:blip r:embed="rId61">
-            <a:extLst>
-              <a:ext uri="{28A0092B-C50C-407E-A947-70E740481C1C}">
-                <a14:useLocalDpi xmlns:a14="http://schemas.microsoft.com/office/drawing/2010/main" val="0"/>
-              </a:ext>
-              <a:ext uri="{96DAC541-7B7A-43D3-8B79-37D633B846F1}">
-                <asvg:svgBlip xmlns:asvg="http://schemas.microsoft.com/office/drawing/2016/SVG/main" r:embed="rId62"/>
-              </a:ext>
-            </a:extLst>
-          </a:blip>
-          <a:stretch>
-            <a:fillRect/>
-          </a:stretch>
-        </p:blipFill>
-        <p:spPr>
-          <a:xfrm>
-            <a:off x="10398239" y="5171216"/>
-            <a:ext cx="865321" cy="865321"/>
+          <p:cNvSpPr txBox="1"/>
+          <p:nvPr/>
+        </p:nvSpPr>
+        <p:spPr>
+          <a:xfrm>
+            <a:off x="9172992" y="6047905"/>
+            <a:ext cx="1071187" cy="584775"/>
           </a:xfrm>
           <a:prstGeom prst="rect">
             <a:avLst/>
           </a:prstGeom>
-        </p:spPr>
-      </p:pic>
-      <p:pic>
-        <p:nvPicPr>
-          <p:cNvPr id="100" name="图形 99">
+          <a:noFill/>
+        </p:spPr>
+        <p:txBody>
+          <a:bodyPr wrap="square" rtlCol="0">
+            <a:spAutoFit/>
+          </a:bodyPr>
+          <a:lstStyle/>
+          <a:p>
+            <a:r>
+              <a:rPr lang="zh-CN" altLang="en-US" sz="3200" b="1" dirty="0">
+                <a:latin typeface="微软雅黑" panose="020B0503020204020204" pitchFamily="34" charset="-122"/>
+                <a:ea typeface="微软雅黑" panose="020B0503020204020204" pitchFamily="34" charset="-122"/>
+              </a:rPr>
+              <a:t>评估</a:t>
+            </a:r>
+          </a:p>
+        </p:txBody>
+      </p:sp>
+      <p:sp>
+        <p:nvSpPr>
+          <p:cNvPr id="95" name="文本框 94">
             <a:extLst>
               <a:ext uri="{FF2B5EF4-FFF2-40B4-BE49-F238E27FC236}">
-                <a16:creationId xmlns:a16="http://schemas.microsoft.com/office/drawing/2014/main" id="{7B8ABA8F-CF8A-9EAA-9738-9ED1E8A0846D}"/>
+                <a16:creationId xmlns:a16="http://schemas.microsoft.com/office/drawing/2014/main" id="{65CCC311-2DE6-1C12-1EB8-4662A33504B4}"/>
               </a:ext>
             </a:extLst>
           </p:cNvPr>
-          <p:cNvPicPr>
-            <a:picLocks noChangeAspect="1"/>
-          </p:cNvPicPr>
-          <p:nvPr/>
-        </p:nvPicPr>
-        <p:blipFill>
-          <a:blip r:embed="rId63">
-            <a:extLst>
-              <a:ext uri="{28A0092B-C50C-407E-A947-70E740481C1C}">
-                <a14:useLocalDpi xmlns:a14="http://schemas.microsoft.com/office/drawing/2010/main" val="0"/>
-              </a:ext>
-              <a:ext uri="{96DAC541-7B7A-43D3-8B79-37D633B846F1}">
-                <asvg:svgBlip xmlns:asvg="http://schemas.microsoft.com/office/drawing/2016/SVG/main" r:embed="rId64"/>
-              </a:ext>
-            </a:extLst>
-          </a:blip>
-          <a:stretch>
-            <a:fillRect/>
-          </a:stretch>
-        </p:blipFill>
-        <p:spPr>
-          <a:xfrm>
-            <a:off x="10383933" y="6143520"/>
-            <a:ext cx="865321" cy="865321"/>
+          <p:cNvSpPr txBox="1"/>
+          <p:nvPr/>
+        </p:nvSpPr>
+        <p:spPr>
+          <a:xfrm>
+            <a:off x="10292885" y="4510583"/>
+            <a:ext cx="1071187" cy="584775"/>
           </a:xfrm>
           <a:prstGeom prst="rect">
             <a:avLst/>
           </a:prstGeom>
-        </p:spPr>
-      </p:pic>
-      <p:pic>
-        <p:nvPicPr>
-          <p:cNvPr id="102" name="图形 101">
+          <a:noFill/>
+        </p:spPr>
+        <p:txBody>
+          <a:bodyPr wrap="square" rtlCol="0">
+            <a:spAutoFit/>
+          </a:bodyPr>
+          <a:lstStyle/>
+          <a:p>
+            <a:r>
+              <a:rPr lang="zh-CN" altLang="en-US" sz="3200" b="1" dirty="0">
+                <a:latin typeface="微软雅黑" panose="020B0503020204020204" pitchFamily="34" charset="-122"/>
+                <a:ea typeface="微软雅黑" panose="020B0503020204020204" pitchFamily="34" charset="-122"/>
+              </a:rPr>
+              <a:t>购买</a:t>
+            </a:r>
+          </a:p>
+        </p:txBody>
+      </p:sp>
+      <p:sp>
+        <p:nvSpPr>
+          <p:cNvPr id="97" name="文本框 96">
             <a:extLst>
               <a:ext uri="{FF2B5EF4-FFF2-40B4-BE49-F238E27FC236}">
-                <a16:creationId xmlns:a16="http://schemas.microsoft.com/office/drawing/2014/main" id="{ED489BD9-8C2E-6BCD-EE84-5ABA8DB98105}"/>
+                <a16:creationId xmlns:a16="http://schemas.microsoft.com/office/drawing/2014/main" id="{177D4F77-5614-CCCC-3A91-67AFAF537800}"/>
               </a:ext>
             </a:extLst>
           </p:cNvPr>
-          <p:cNvPicPr>
-            <a:picLocks noChangeAspect="1"/>
-          </p:cNvPicPr>
-          <p:nvPr/>
-        </p:nvPicPr>
-        <p:blipFill>
-          <a:blip r:embed="rId65">
-            <a:extLst>
-              <a:ext uri="{28A0092B-C50C-407E-A947-70E740481C1C}">
-                <a14:useLocalDpi xmlns:a14="http://schemas.microsoft.com/office/drawing/2010/main" val="0"/>
-              </a:ext>
-              <a:ext uri="{96DAC541-7B7A-43D3-8B79-37D633B846F1}">
-                <asvg:svgBlip xmlns:asvg="http://schemas.microsoft.com/office/drawing/2016/SVG/main" r:embed="rId66"/>
-              </a:ext>
-            </a:extLst>
-          </a:blip>
-          <a:stretch>
-            <a:fillRect/>
-          </a:stretch>
-        </p:blipFill>
-        <p:spPr>
-          <a:xfrm>
-            <a:off x="12880034" y="1936773"/>
-            <a:ext cx="1355406" cy="1355406"/>
+          <p:cNvSpPr txBox="1"/>
+          <p:nvPr/>
+        </p:nvSpPr>
+        <p:spPr>
+          <a:xfrm>
+            <a:off x="10300874" y="5350505"/>
+            <a:ext cx="1071187" cy="584775"/>
           </a:xfrm>
           <a:prstGeom prst="rect">
             <a:avLst/>
           </a:prstGeom>
-        </p:spPr>
-      </p:pic>
-      <p:pic>
-        <p:nvPicPr>
-          <p:cNvPr id="104" name="图形 103">
+          <a:noFill/>
+        </p:spPr>
+        <p:txBody>
+          <a:bodyPr wrap="square" rtlCol="0">
+            <a:spAutoFit/>
+          </a:bodyPr>
+          <a:lstStyle/>
+          <a:p>
+            <a:r>
+              <a:rPr lang="zh-CN" altLang="en-US" sz="3200" b="1" dirty="0">
+                <a:latin typeface="微软雅黑" panose="020B0503020204020204" pitchFamily="34" charset="-122"/>
+                <a:ea typeface="微软雅黑" panose="020B0503020204020204" pitchFamily="34" charset="-122"/>
+              </a:rPr>
+              <a:t>传递</a:t>
+            </a:r>
+          </a:p>
+        </p:txBody>
+      </p:sp>
+      <p:sp>
+        <p:nvSpPr>
+          <p:cNvPr id="99" name="文本框 98">
             <a:extLst>
               <a:ext uri="{FF2B5EF4-FFF2-40B4-BE49-F238E27FC236}">
-                <a16:creationId xmlns:a16="http://schemas.microsoft.com/office/drawing/2014/main" id="{D7775F56-8618-B17A-5A27-718EBCC5FE50}"/>
+                <a16:creationId xmlns:a16="http://schemas.microsoft.com/office/drawing/2014/main" id="{2B31D679-8986-084B-AEEF-65CCBDB5A918}"/>
               </a:ext>
             </a:extLst>
           </p:cNvPr>
-          <p:cNvPicPr>
-            <a:picLocks noChangeAspect="1"/>
-          </p:cNvPicPr>
-          <p:nvPr/>
-        </p:nvPicPr>
-        <p:blipFill>
-          <a:blip r:embed="rId67">
-            <a:extLst>
-              <a:ext uri="{28A0092B-C50C-407E-A947-70E740481C1C}">
-                <a14:useLocalDpi xmlns:a14="http://schemas.microsoft.com/office/drawing/2010/main" val="0"/>
-              </a:ext>
-              <a:ext uri="{96DAC541-7B7A-43D3-8B79-37D633B846F1}">
-                <asvg:svgBlip xmlns:asvg="http://schemas.microsoft.com/office/drawing/2016/SVG/main" r:embed="rId68"/>
-              </a:ext>
-            </a:extLst>
-          </a:blip>
-          <a:stretch>
-            <a:fillRect/>
-          </a:stretch>
-        </p:blipFill>
-        <p:spPr>
-          <a:xfrm>
-            <a:off x="12031571" y="3396381"/>
-            <a:ext cx="1123571" cy="1123571"/>
+          <p:cNvSpPr txBox="1"/>
+          <p:nvPr/>
+        </p:nvSpPr>
+        <p:spPr>
+          <a:xfrm>
+            <a:off x="10280656" y="6217913"/>
+            <a:ext cx="1071187" cy="584775"/>
           </a:xfrm>
           <a:prstGeom prst="rect">
             <a:avLst/>
           </a:prstGeom>
-        </p:spPr>
-      </p:pic>
-      <p:pic>
-        <p:nvPicPr>
-          <p:cNvPr id="106" name="图形 105">
+          <a:noFill/>
+        </p:spPr>
+        <p:txBody>
+          <a:bodyPr wrap="square" rtlCol="0">
+            <a:spAutoFit/>
+          </a:bodyPr>
+          <a:lstStyle/>
+          <a:p>
+            <a:r>
+              <a:rPr lang="zh-CN" altLang="en-US" sz="3200" b="1" dirty="0">
+                <a:latin typeface="微软雅黑" panose="020B0503020204020204" pitchFamily="34" charset="-122"/>
+                <a:ea typeface="微软雅黑" panose="020B0503020204020204" pitchFamily="34" charset="-122"/>
+              </a:rPr>
+              <a:t>售后</a:t>
+            </a:r>
+          </a:p>
+        </p:txBody>
+      </p:sp>
+      <p:sp>
+        <p:nvSpPr>
+          <p:cNvPr id="101" name="文本框 100">
             <a:extLst>
               <a:ext uri="{FF2B5EF4-FFF2-40B4-BE49-F238E27FC236}">
-                <a16:creationId xmlns:a16="http://schemas.microsoft.com/office/drawing/2014/main" id="{BBFC545D-EC10-058D-5416-61773D3F8BA8}"/>
+                <a16:creationId xmlns:a16="http://schemas.microsoft.com/office/drawing/2014/main" id="{F96A2782-80B0-8447-7097-E2578A73226A}"/>
               </a:ext>
             </a:extLst>
           </p:cNvPr>
-          <p:cNvPicPr>
-            <a:picLocks noChangeAspect="1"/>
-          </p:cNvPicPr>
-          <p:nvPr/>
-        </p:nvPicPr>
-        <p:blipFill>
-          <a:blip r:embed="rId69">
-            <a:extLst>
-              <a:ext uri="{28A0092B-C50C-407E-A947-70E740481C1C}">
-                <a14:useLocalDpi xmlns:a14="http://schemas.microsoft.com/office/drawing/2010/main" val="0"/>
-              </a:ext>
-              <a:ext uri="{96DAC541-7B7A-43D3-8B79-37D633B846F1}">
-                <asvg:svgBlip xmlns:asvg="http://schemas.microsoft.com/office/drawing/2016/SVG/main" r:embed="rId70"/>
-              </a:ext>
-            </a:extLst>
-          </a:blip>
-          <a:stretch>
-            <a:fillRect/>
-          </a:stretch>
-        </p:blipFill>
-        <p:spPr>
-          <a:xfrm>
-            <a:off x="13105500" y="4323580"/>
-            <a:ext cx="1209677" cy="1209677"/>
+          <p:cNvSpPr txBox="1"/>
+          <p:nvPr/>
+        </p:nvSpPr>
+        <p:spPr>
+          <a:xfrm>
+            <a:off x="12869768" y="2038090"/>
+            <a:ext cx="1350149" cy="1384995"/>
           </a:xfrm>
           <a:prstGeom prst="rect">
             <a:avLst/>
           </a:prstGeom>
-        </p:spPr>
-      </p:pic>
-      <p:pic>
-        <p:nvPicPr>
-          <p:cNvPr id="108" name="图形 107">
+          <a:noFill/>
+        </p:spPr>
+        <p:txBody>
+          <a:bodyPr wrap="square" rtlCol="0">
+            <a:spAutoFit/>
+          </a:bodyPr>
+          <a:lstStyle/>
+          <a:p>
+            <a:r>
+              <a:rPr lang="zh-CN" altLang="en-US" sz="2800" b="1" dirty="0">
+                <a:latin typeface="微软雅黑" panose="020B0503020204020204" pitchFamily="34" charset="-122"/>
+                <a:ea typeface="微软雅黑" panose="020B0503020204020204" pitchFamily="34" charset="-122"/>
+              </a:rPr>
+              <a:t>日常网络交流者</a:t>
+            </a:r>
+          </a:p>
+        </p:txBody>
+      </p:sp>
+      <p:sp>
+        <p:nvSpPr>
+          <p:cNvPr id="103" name="文本框 102">
             <a:extLst>
               <a:ext uri="{FF2B5EF4-FFF2-40B4-BE49-F238E27FC236}">
-                <a16:creationId xmlns:a16="http://schemas.microsoft.com/office/drawing/2014/main" id="{A29A2CF8-A61A-CFA6-CEBD-058880C56546}"/>
+                <a16:creationId xmlns:a16="http://schemas.microsoft.com/office/drawing/2014/main" id="{AF58AB2D-AFA8-2D25-5AA3-5C423253E160}"/>
               </a:ext>
             </a:extLst>
           </p:cNvPr>
-          <p:cNvPicPr>
-            <a:picLocks noChangeAspect="1"/>
-          </p:cNvPicPr>
-          <p:nvPr/>
-        </p:nvPicPr>
-        <p:blipFill>
-          <a:blip r:embed="rId71">
-            <a:extLst>
-              <a:ext uri="{28A0092B-C50C-407E-A947-70E740481C1C}">
-                <a14:useLocalDpi xmlns:a14="http://schemas.microsoft.com/office/drawing/2010/main" val="0"/>
-              </a:ext>
-              <a:ext uri="{96DAC541-7B7A-43D3-8B79-37D633B846F1}">
-                <asvg:svgBlip xmlns:asvg="http://schemas.microsoft.com/office/drawing/2016/SVG/main" r:embed="rId72"/>
-              </a:ext>
-            </a:extLst>
-          </a:blip>
-          <a:stretch>
-            <a:fillRect/>
-          </a:stretch>
-        </p:blipFill>
-        <p:spPr>
-          <a:xfrm>
-            <a:off x="7880457" y="7560661"/>
-            <a:ext cx="1604059" cy="1596039"/>
+          <p:cNvSpPr txBox="1"/>
+          <p:nvPr/>
+        </p:nvSpPr>
+        <p:spPr>
+          <a:xfrm>
+            <a:off x="11788968" y="3525315"/>
+            <a:ext cx="1561231" cy="1077218"/>
           </a:xfrm>
           <a:prstGeom prst="rect">
             <a:avLst/>
           </a:prstGeom>
-        </p:spPr>
-      </p:pic>
-      <p:pic>
-        <p:nvPicPr>
-          <p:cNvPr id="110" name="图形 109">
+          <a:noFill/>
+        </p:spPr>
+        <p:txBody>
+          <a:bodyPr wrap="square" rtlCol="0">
+            <a:spAutoFit/>
+          </a:bodyPr>
+          <a:lstStyle/>
+          <a:p>
+            <a:r>
+              <a:rPr lang="zh-CN" altLang="en-US" sz="3200" b="1" dirty="0">
+                <a:latin typeface="微软雅黑" panose="020B0503020204020204" pitchFamily="34" charset="-122"/>
+                <a:ea typeface="微软雅黑" panose="020B0503020204020204" pitchFamily="34" charset="-122"/>
+              </a:rPr>
+              <a:t>宣传工作者</a:t>
+            </a:r>
+          </a:p>
+        </p:txBody>
+      </p:sp>
+      <p:sp>
+        <p:nvSpPr>
+          <p:cNvPr id="105" name="文本框 104">
             <a:extLst>
               <a:ext uri="{FF2B5EF4-FFF2-40B4-BE49-F238E27FC236}">
-                <a16:creationId xmlns:a16="http://schemas.microsoft.com/office/drawing/2014/main" id="{83303E29-C6C5-ADFB-6B5C-7CC71EEC08D5}"/>
+                <a16:creationId xmlns:a16="http://schemas.microsoft.com/office/drawing/2014/main" id="{525C7F72-ABA5-5921-E3A5-E0552189C8BB}"/>
               </a:ext>
             </a:extLst>
           </p:cNvPr>
-          <p:cNvPicPr>
-            <a:picLocks noChangeAspect="1"/>
-          </p:cNvPicPr>
-          <p:nvPr/>
-        </p:nvPicPr>
-        <p:blipFill>
-          <a:blip r:embed="rId73">
-            <a:extLst>
-              <a:ext uri="{28A0092B-C50C-407E-A947-70E740481C1C}">
-                <a14:useLocalDpi xmlns:a14="http://schemas.microsoft.com/office/drawing/2010/main" val="0"/>
-              </a:ext>
-              <a:ext uri="{96DAC541-7B7A-43D3-8B79-37D633B846F1}">
-                <asvg:svgBlip xmlns:asvg="http://schemas.microsoft.com/office/drawing/2016/SVG/main" r:embed="rId74"/>
-              </a:ext>
-            </a:extLst>
-          </a:blip>
-          <a:stretch>
-            <a:fillRect/>
-          </a:stretch>
-        </p:blipFill>
-        <p:spPr>
-          <a:xfrm>
-            <a:off x="9883968" y="7442938"/>
-            <a:ext cx="1905000" cy="1905000"/>
+          <p:cNvSpPr txBox="1"/>
+          <p:nvPr/>
+        </p:nvSpPr>
+        <p:spPr>
+          <a:xfrm>
+            <a:off x="12951807" y="4542762"/>
+            <a:ext cx="1446195" cy="1077218"/>
           </a:xfrm>
           <a:prstGeom prst="rect">
             <a:avLst/>
           </a:prstGeom>
-        </p:spPr>
-      </p:pic>
-      <p:pic>
-        <p:nvPicPr>
-          <p:cNvPr id="112" name="图形 111">
+          <a:noFill/>
+        </p:spPr>
+        <p:txBody>
+          <a:bodyPr wrap="square" rtlCol="0">
+            <a:spAutoFit/>
+          </a:bodyPr>
+          <a:lstStyle/>
+          <a:p>
+            <a:r>
+              <a:rPr lang="zh-CN" altLang="en-US" sz="3200" b="1" dirty="0">
+                <a:latin typeface="微软雅黑" panose="020B0503020204020204" pitchFamily="34" charset="-122"/>
+                <a:ea typeface="微软雅黑" panose="020B0503020204020204" pitchFamily="34" charset="-122"/>
+              </a:rPr>
+              <a:t>书面写作者</a:t>
+            </a:r>
+          </a:p>
+        </p:txBody>
+      </p:sp>
+      <p:sp>
+        <p:nvSpPr>
+          <p:cNvPr id="107" name="文本框 106">
             <a:extLst>
               <a:ext uri="{FF2B5EF4-FFF2-40B4-BE49-F238E27FC236}">
-                <a16:creationId xmlns:a16="http://schemas.microsoft.com/office/drawing/2014/main" id="{08FBE41A-8370-8313-277C-EF8FEFB8B602}"/>
+                <a16:creationId xmlns:a16="http://schemas.microsoft.com/office/drawing/2014/main" id="{6350696E-8019-6254-1047-DAD0EC23C6F0}"/>
               </a:ext>
             </a:extLst>
           </p:cNvPr>
-          <p:cNvPicPr>
-            <a:picLocks noChangeAspect="1"/>
-          </p:cNvPicPr>
-          <p:nvPr/>
-        </p:nvPicPr>
-        <p:blipFill>
-          <a:blip r:embed="rId75">
-            <a:extLst>
-              <a:ext uri="{28A0092B-C50C-407E-A947-70E740481C1C}">
-                <a14:useLocalDpi xmlns:a14="http://schemas.microsoft.com/office/drawing/2010/main" val="0"/>
-              </a:ext>
-              <a:ext uri="{96DAC541-7B7A-43D3-8B79-37D633B846F1}">
-                <asvg:svgBlip xmlns:asvg="http://schemas.microsoft.com/office/drawing/2016/SVG/main" r:embed="rId76"/>
-              </a:ext>
-            </a:extLst>
-          </a:blip>
-          <a:stretch>
-            <a:fillRect/>
-          </a:stretch>
-        </p:blipFill>
-        <p:spPr>
-          <a:xfrm>
-            <a:off x="12081627" y="7530833"/>
-            <a:ext cx="1654135" cy="1654135"/>
+          <p:cNvSpPr txBox="1"/>
+          <p:nvPr/>
+        </p:nvSpPr>
+        <p:spPr>
+          <a:xfrm>
+            <a:off x="11905953" y="5848581"/>
+            <a:ext cx="1285291" cy="646331"/>
           </a:xfrm>
           <a:prstGeom prst="rect">
             <a:avLst/>
           </a:prstGeom>
-        </p:spPr>
-      </p:pic>
-      <p:pic>
-        <p:nvPicPr>
-          <p:cNvPr id="114" name="图形 113">
+          <a:noFill/>
+        </p:spPr>
+        <p:txBody>
+          <a:bodyPr wrap="square" rtlCol="0">
+            <a:spAutoFit/>
+          </a:bodyPr>
+          <a:lstStyle/>
+          <a:p>
+            <a:r>
+              <a:rPr lang="zh-CN" altLang="en-US" sz="3600" b="1" dirty="0">
+                <a:latin typeface="微软雅黑" panose="020B0503020204020204" pitchFamily="34" charset="-122"/>
+                <a:ea typeface="微软雅黑" panose="020B0503020204020204" pitchFamily="34" charset="-122"/>
+              </a:rPr>
+              <a:t>学生</a:t>
+            </a:r>
+          </a:p>
+        </p:txBody>
+      </p:sp>
+      <p:sp>
+        <p:nvSpPr>
+          <p:cNvPr id="109" name="文本框 108">
             <a:extLst>
               <a:ext uri="{FF2B5EF4-FFF2-40B4-BE49-F238E27FC236}">
-                <a16:creationId xmlns:a16="http://schemas.microsoft.com/office/drawing/2014/main" id="{DBEA63BB-F541-A93B-0E0A-8923AF94A413}"/>
+                <a16:creationId xmlns:a16="http://schemas.microsoft.com/office/drawing/2014/main" id="{E1C6D47E-F8F6-5ABA-08AE-1C6C7E36FD3B}"/>
               </a:ext>
             </a:extLst>
           </p:cNvPr>
-          <p:cNvPicPr>
-            <a:picLocks noChangeAspect="1"/>
-          </p:cNvPicPr>
-          <p:nvPr/>
-        </p:nvPicPr>
-        <p:blipFill>
-          <a:blip r:embed="rId77">
-            <a:extLst>
-              <a:ext uri="{28A0092B-C50C-407E-A947-70E740481C1C}">
-                <a14:useLocalDpi xmlns:a14="http://schemas.microsoft.com/office/drawing/2010/main" val="0"/>
-              </a:ext>
-              <a:ext uri="{96DAC541-7B7A-43D3-8B79-37D633B846F1}">
-                <asvg:svgBlip xmlns:asvg="http://schemas.microsoft.com/office/drawing/2016/SVG/main" r:embed="rId78"/>
-              </a:ext>
-            </a:extLst>
-          </a:blip>
-          <a:stretch>
-            <a:fillRect/>
-          </a:stretch>
-        </p:blipFill>
-        <p:spPr>
-          <a:xfrm>
-            <a:off x="4818128" y="6115948"/>
-            <a:ext cx="904610" cy="904610"/>
+          <p:cNvSpPr txBox="1"/>
+          <p:nvPr/>
+        </p:nvSpPr>
+        <p:spPr>
+          <a:xfrm>
+            <a:off x="2358805" y="7636959"/>
+            <a:ext cx="1405892" cy="1446550"/>
           </a:xfrm>
           <a:prstGeom prst="rect">
             <a:avLst/>
           </a:prstGeom>
-        </p:spPr>
-      </p:pic>
-      <p:pic>
-        <p:nvPicPr>
-          <p:cNvPr id="118" name="图形 117">
+          <a:noFill/>
+        </p:spPr>
+        <p:txBody>
+          <a:bodyPr wrap="square" rtlCol="0">
+            <a:spAutoFit/>
+          </a:bodyPr>
+          <a:lstStyle/>
+          <a:p>
+            <a:r>
+              <a:rPr lang="zh-CN" altLang="en-US" sz="4400" b="1" dirty="0">
+                <a:latin typeface="微软雅黑" panose="020B0503020204020204" pitchFamily="34" charset="-122"/>
+                <a:ea typeface="微软雅黑" panose="020B0503020204020204" pitchFamily="34" charset="-122"/>
+              </a:rPr>
+              <a:t>固定成本</a:t>
+            </a:r>
+          </a:p>
+        </p:txBody>
+      </p:sp>
+      <p:sp>
+        <p:nvSpPr>
+          <p:cNvPr id="111" name="文本框 110">
             <a:extLst>
               <a:ext uri="{FF2B5EF4-FFF2-40B4-BE49-F238E27FC236}">
-                <a16:creationId xmlns:a16="http://schemas.microsoft.com/office/drawing/2014/main" id="{ABC4CACE-D210-912F-575F-66A7FE95B225}"/>
+                <a16:creationId xmlns:a16="http://schemas.microsoft.com/office/drawing/2014/main" id="{156D7E61-E7FF-1E4B-429E-55AFDB7494E7}"/>
               </a:ext>
             </a:extLst>
           </p:cNvPr>
-          <p:cNvPicPr>
-            <a:picLocks noChangeAspect="1"/>
-          </p:cNvPicPr>
-          <p:nvPr/>
-        </p:nvPicPr>
-        <p:blipFill>
-          <a:blip r:embed="rId79">
-            <a:extLst>
-              <a:ext uri="{28A0092B-C50C-407E-A947-70E740481C1C}">
-                <a14:useLocalDpi xmlns:a14="http://schemas.microsoft.com/office/drawing/2010/main" val="0"/>
-              </a:ext>
-              <a:ext uri="{96DAC541-7B7A-43D3-8B79-37D633B846F1}">
-                <asvg:svgBlip xmlns:asvg="http://schemas.microsoft.com/office/drawing/2016/SVG/main" r:embed="rId80"/>
-              </a:ext>
-            </a:extLst>
-          </a:blip>
-          <a:stretch>
-            <a:fillRect/>
-          </a:stretch>
-        </p:blipFill>
-        <p:spPr>
-          <a:xfrm>
-            <a:off x="6065771" y="4809729"/>
-            <a:ext cx="1584948" cy="1584948"/>
+          <p:cNvSpPr txBox="1"/>
+          <p:nvPr/>
+        </p:nvSpPr>
+        <p:spPr>
+          <a:xfrm>
+            <a:off x="4447905" y="7614314"/>
+            <a:ext cx="1405891" cy="1446550"/>
           </a:xfrm>
           <a:prstGeom prst="rect">
             <a:avLst/>
           </a:prstGeom>
-        </p:spPr>
-      </p:pic>
-      <p:pic>
-        <p:nvPicPr>
-          <p:cNvPr id="120" name="图形 119">
+          <a:noFill/>
+        </p:spPr>
+        <p:txBody>
+          <a:bodyPr wrap="square" rtlCol="0">
+            <a:spAutoFit/>
+          </a:bodyPr>
+          <a:lstStyle/>
+          <a:p>
+            <a:r>
+              <a:rPr lang="zh-CN" altLang="en-US" sz="4400" b="1" dirty="0">
+                <a:latin typeface="微软雅黑" panose="020B0503020204020204" pitchFamily="34" charset="-122"/>
+                <a:ea typeface="微软雅黑" panose="020B0503020204020204" pitchFamily="34" charset="-122"/>
+              </a:rPr>
+              <a:t>可变成本</a:t>
+            </a:r>
+          </a:p>
+        </p:txBody>
+      </p:sp>
+      <p:sp>
+        <p:nvSpPr>
+          <p:cNvPr id="113" name="文本框 112">
             <a:extLst>
               <a:ext uri="{FF2B5EF4-FFF2-40B4-BE49-F238E27FC236}">
-                <a16:creationId xmlns:a16="http://schemas.microsoft.com/office/drawing/2014/main" id="{0F02B986-4976-CB67-52E5-6E88AB7A1653}"/>
+                <a16:creationId xmlns:a16="http://schemas.microsoft.com/office/drawing/2014/main" id="{ADD3DAAD-A9E5-3DB7-D625-F90F3FDC61F1}"/>
               </a:ext>
             </a:extLst>
           </p:cNvPr>
-          <p:cNvPicPr>
-            <a:picLocks noChangeAspect="1"/>
-          </p:cNvPicPr>
-          <p:nvPr/>
-        </p:nvPicPr>
-        <p:blipFill>
-          <a:blip r:embed="rId81">
-            <a:extLst>
-              <a:ext uri="{28A0092B-C50C-407E-A947-70E740481C1C}">
-                <a14:useLocalDpi xmlns:a14="http://schemas.microsoft.com/office/drawing/2010/main" val="0"/>
-              </a:ext>
-              <a:ext uri="{96DAC541-7B7A-43D3-8B79-37D633B846F1}">
-                <asvg:svgBlip xmlns:asvg="http://schemas.microsoft.com/office/drawing/2016/SVG/main" r:embed="rId82"/>
-              </a:ext>
-            </a:extLst>
-          </a:blip>
-          <a:stretch>
-            <a:fillRect/>
-          </a:stretch>
-        </p:blipFill>
-        <p:spPr>
-          <a:xfrm>
-            <a:off x="4416534" y="7554887"/>
-            <a:ext cx="1463394" cy="1463394"/>
+          <p:cNvSpPr txBox="1"/>
+          <p:nvPr/>
+        </p:nvSpPr>
+        <p:spPr>
+          <a:xfrm>
+            <a:off x="7898815" y="8006291"/>
+            <a:ext cx="2110688" cy="707886"/>
           </a:xfrm>
           <a:prstGeom prst="rect">
             <a:avLst/>
           </a:prstGeom>
-        </p:spPr>
-      </p:pic>
-      <p:pic>
-        <p:nvPicPr>
-          <p:cNvPr id="46" name="图形 45">
+          <a:noFill/>
+        </p:spPr>
+        <p:txBody>
+          <a:bodyPr wrap="square" rtlCol="0">
+            <a:spAutoFit/>
+          </a:bodyPr>
+          <a:lstStyle/>
+          <a:p>
+            <a:r>
+              <a:rPr lang="zh-CN" altLang="en-US" sz="4000" b="1" dirty="0">
+                <a:latin typeface="微软雅黑" panose="020B0503020204020204" pitchFamily="34" charset="-122"/>
+                <a:ea typeface="微软雅黑" panose="020B0503020204020204" pitchFamily="34" charset="-122"/>
+              </a:rPr>
+              <a:t>使用费</a:t>
+            </a:r>
+          </a:p>
+        </p:txBody>
+      </p:sp>
+      <p:sp>
+        <p:nvSpPr>
+          <p:cNvPr id="115" name="文本框 114">
             <a:extLst>
               <a:ext uri="{FF2B5EF4-FFF2-40B4-BE49-F238E27FC236}">
-                <a16:creationId xmlns:a16="http://schemas.microsoft.com/office/drawing/2014/main" id="{2C99C84A-CFD4-8ACB-3954-FA1FC2AC884E}"/>
+                <a16:creationId xmlns:a16="http://schemas.microsoft.com/office/drawing/2014/main" id="{286ACF6F-205C-9420-550B-D06EDB204452}"/>
               </a:ext>
             </a:extLst>
           </p:cNvPr>
-          <p:cNvPicPr>
-            <a:picLocks noChangeAspect="1"/>
-          </p:cNvPicPr>
-          <p:nvPr/>
-        </p:nvPicPr>
-        <p:blipFill>
-          <a:blip r:embed="rId83">
-            <a:extLst>
-              <a:ext uri="{28A0092B-C50C-407E-A947-70E740481C1C}">
-                <a14:useLocalDpi xmlns:a14="http://schemas.microsoft.com/office/drawing/2010/main" val="0"/>
-              </a:ext>
-              <a:ext uri="{96DAC541-7B7A-43D3-8B79-37D633B846F1}">
-                <asvg:svgBlip xmlns:asvg="http://schemas.microsoft.com/office/drawing/2016/SVG/main" r:embed="rId84"/>
-              </a:ext>
-            </a:extLst>
-          </a:blip>
-          <a:stretch>
-            <a:fillRect/>
-          </a:stretch>
-        </p:blipFill>
-        <p:spPr>
-          <a:xfrm>
-            <a:off x="3490417" y="3121771"/>
-            <a:ext cx="991800" cy="991800"/>
+          <p:cNvSpPr txBox="1"/>
+          <p:nvPr/>
+        </p:nvSpPr>
+        <p:spPr>
+          <a:xfrm>
+            <a:off x="9938121" y="7980280"/>
+            <a:ext cx="1767830" cy="707886"/>
           </a:xfrm>
           <a:prstGeom prst="rect">
             <a:avLst/>
           </a:prstGeom>
-        </p:spPr>
-      </p:pic>
-      <p:pic>
-        <p:nvPicPr>
-          <p:cNvPr id="47" name="图形 46">
+          <a:noFill/>
+        </p:spPr>
+        <p:txBody>
+          <a:bodyPr wrap="square" rtlCol="0">
+            <a:spAutoFit/>
+          </a:bodyPr>
+          <a:lstStyle/>
+          <a:p>
+            <a:r>
+              <a:rPr lang="zh-CN" altLang="en-US" sz="4000" b="1" dirty="0">
+                <a:latin typeface="微软雅黑" panose="020B0503020204020204" pitchFamily="34" charset="-122"/>
+                <a:ea typeface="微软雅黑" panose="020B0503020204020204" pitchFamily="34" charset="-122"/>
+              </a:rPr>
+              <a:t>会员费</a:t>
+            </a:r>
+          </a:p>
+        </p:txBody>
+      </p:sp>
+      <p:sp>
+        <p:nvSpPr>
+          <p:cNvPr id="116" name="文本框 115">
             <a:extLst>
               <a:ext uri="{FF2B5EF4-FFF2-40B4-BE49-F238E27FC236}">
-                <a16:creationId xmlns:a16="http://schemas.microsoft.com/office/drawing/2014/main" id="{F07FB5E9-4DDE-B442-9478-A5C8F0750E83}"/>
+                <a16:creationId xmlns:a16="http://schemas.microsoft.com/office/drawing/2014/main" id="{49874800-DBD3-3219-88EE-0932F028FA83}"/>
               </a:ext>
             </a:extLst>
           </p:cNvPr>
-          <p:cNvPicPr>
-            <a:picLocks noChangeAspect="1"/>
-          </p:cNvPicPr>
-          <p:nvPr/>
-        </p:nvPicPr>
-        <p:blipFill>
-          <a:blip r:embed="rId85">
-            <a:extLst>
-              <a:ext uri="{28A0092B-C50C-407E-A947-70E740481C1C}">
-                <a14:useLocalDpi xmlns:a14="http://schemas.microsoft.com/office/drawing/2010/main" val="0"/>
-              </a:ext>
-              <a:ext uri="{96DAC541-7B7A-43D3-8B79-37D633B846F1}">
-                <asvg:svgBlip xmlns:asvg="http://schemas.microsoft.com/office/drawing/2016/SVG/main" r:embed="rId86"/>
-              </a:ext>
-            </a:extLst>
-          </a:blip>
-          <a:stretch>
-            <a:fillRect/>
-          </a:stretch>
-        </p:blipFill>
-        <p:spPr>
-          <a:xfrm>
-            <a:off x="11772443" y="5456152"/>
-            <a:ext cx="1641826" cy="1641826"/>
+          <p:cNvSpPr txBox="1"/>
+          <p:nvPr/>
+        </p:nvSpPr>
+        <p:spPr>
+          <a:xfrm>
+            <a:off x="11917141" y="7698188"/>
+            <a:ext cx="1800872" cy="1323439"/>
           </a:xfrm>
           <a:prstGeom prst="rect">
             <a:avLst/>
           </a:prstGeom>
-        </p:spPr>
-      </p:pic>
+          <a:noFill/>
+        </p:spPr>
+        <p:txBody>
+          <a:bodyPr wrap="square" rtlCol="0">
+            <a:spAutoFit/>
+          </a:bodyPr>
+          <a:lstStyle/>
+          <a:p>
+            <a:r>
+              <a:rPr lang="zh-CN" altLang="en-US" sz="4000" b="1" dirty="0">
+                <a:latin typeface="微软雅黑" panose="020B0503020204020204" pitchFamily="34" charset="-122"/>
+                <a:ea typeface="微软雅黑" panose="020B0503020204020204" pitchFamily="34" charset="-122"/>
+              </a:rPr>
+              <a:t>工具使用费</a:t>
+            </a:r>
+          </a:p>
+        </p:txBody>
+      </p:sp>
     </p:spTree>
+    <p:extLst>
+      <p:ext uri="{BB962C8B-B14F-4D97-AF65-F5344CB8AC3E}">
+        <p14:creationId xmlns:p14="http://schemas.microsoft.com/office/powerpoint/2010/main" val="4125684692"/>
+      </p:ext>
+    </p:extLst>
   </p:cSld>
   <p:clrMapOvr>
     <a:masterClrMapping/>
@@ -12678,1401 +12645,1411 @@
           </a:p>
         </p:txBody>
       </p:sp>
-      <p:sp>
-        <p:nvSpPr>
-          <p:cNvPr id="45" name="文本框 44">
+      <p:pic>
+        <p:nvPicPr>
+          <p:cNvPr id="48" name="图形 47">
             <a:extLst>
               <a:ext uri="{FF2B5EF4-FFF2-40B4-BE49-F238E27FC236}">
-                <a16:creationId xmlns:a16="http://schemas.microsoft.com/office/drawing/2014/main" id="{A17AC7EB-9CCD-B517-57E5-F5C709B53246}"/>
+                <a16:creationId xmlns:a16="http://schemas.microsoft.com/office/drawing/2014/main" id="{C63BC51D-C001-8443-47F2-EF7C62DFF3BB}"/>
               </a:ext>
             </a:extLst>
           </p:cNvPr>
-          <p:cNvSpPr txBox="1"/>
-          <p:nvPr/>
-        </p:nvSpPr>
-        <p:spPr>
-          <a:xfrm>
-            <a:off x="993263" y="2268391"/>
-            <a:ext cx="1940392" cy="954107"/>
+          <p:cNvPicPr>
+            <a:picLocks noChangeAspect="1"/>
+          </p:cNvPicPr>
+          <p:nvPr/>
+        </p:nvPicPr>
+        <p:blipFill>
+          <a:blip r:embed="rId15">
+            <a:extLst>
+              <a:ext uri="{28A0092B-C50C-407E-A947-70E740481C1C}">
+                <a14:useLocalDpi xmlns:a14="http://schemas.microsoft.com/office/drawing/2010/main" val="0"/>
+              </a:ext>
+              <a:ext uri="{96DAC541-7B7A-43D3-8B79-37D633B846F1}">
+                <asvg:svgBlip xmlns:asvg="http://schemas.microsoft.com/office/drawing/2016/SVG/main" r:embed="rId16"/>
+              </a:ext>
+            </a:extLst>
+          </a:blip>
+          <a:stretch>
+            <a:fillRect/>
+          </a:stretch>
+        </p:blipFill>
+        <p:spPr>
+          <a:xfrm>
+            <a:off x="1169241" y="1884605"/>
+            <a:ext cx="1528415" cy="1528415"/>
           </a:xfrm>
           <a:prstGeom prst="rect">
             <a:avLst/>
           </a:prstGeom>
-          <a:noFill/>
-        </p:spPr>
-        <p:txBody>
-          <a:bodyPr wrap="square" rtlCol="0">
-            <a:spAutoFit/>
-          </a:bodyPr>
-          <a:lstStyle/>
-          <a:p>
-            <a:r>
-              <a:rPr lang="zh-CN" altLang="en-US" sz="2800" b="1" dirty="0">
-                <a:latin typeface="微软雅黑" panose="020B0503020204020204" pitchFamily="34" charset="-122"/>
-                <a:ea typeface="微软雅黑" panose="020B0503020204020204" pitchFamily="34" charset="-122"/>
-              </a:rPr>
-              <a:t>素材资源版权方</a:t>
-            </a:r>
-          </a:p>
-        </p:txBody>
-      </p:sp>
-      <p:sp>
-        <p:nvSpPr>
-          <p:cNvPr id="51" name="文本框 50">
+        </p:spPr>
+      </p:pic>
+      <p:pic>
+        <p:nvPicPr>
+          <p:cNvPr id="50" name="图形 49">
             <a:extLst>
               <a:ext uri="{FF2B5EF4-FFF2-40B4-BE49-F238E27FC236}">
-                <a16:creationId xmlns:a16="http://schemas.microsoft.com/office/drawing/2014/main" id="{997044CB-5130-3170-3A90-3F653B319BC2}"/>
+                <a16:creationId xmlns:a16="http://schemas.microsoft.com/office/drawing/2014/main" id="{F3C9141E-4153-EBB0-AA57-E544E05CBD54}"/>
               </a:ext>
             </a:extLst>
           </p:cNvPr>
-          <p:cNvSpPr txBox="1"/>
-          <p:nvPr/>
-        </p:nvSpPr>
-        <p:spPr>
-          <a:xfrm>
-            <a:off x="936252" y="3944790"/>
-            <a:ext cx="2125499" cy="523220"/>
+          <p:cNvPicPr>
+            <a:picLocks noChangeAspect="1"/>
+          </p:cNvPicPr>
+          <p:nvPr/>
+        </p:nvPicPr>
+        <p:blipFill>
+          <a:blip r:embed="rId17">
+            <a:extLst>
+              <a:ext uri="{28A0092B-C50C-407E-A947-70E740481C1C}">
+                <a14:useLocalDpi xmlns:a14="http://schemas.microsoft.com/office/drawing/2010/main" val="0"/>
+              </a:ext>
+              <a:ext uri="{96DAC541-7B7A-43D3-8B79-37D633B846F1}">
+                <asvg:svgBlip xmlns:asvg="http://schemas.microsoft.com/office/drawing/2016/SVG/main" r:embed="rId18"/>
+              </a:ext>
+            </a:extLst>
+          </a:blip>
+          <a:stretch>
+            <a:fillRect/>
+          </a:stretch>
+        </p:blipFill>
+        <p:spPr>
+          <a:xfrm>
+            <a:off x="1203900" y="3566344"/>
+            <a:ext cx="1439988" cy="1439988"/>
           </a:xfrm>
           <a:prstGeom prst="rect">
             <a:avLst/>
           </a:prstGeom>
-          <a:noFill/>
-        </p:spPr>
-        <p:txBody>
-          <a:bodyPr wrap="square" rtlCol="0">
-            <a:spAutoFit/>
-          </a:bodyPr>
-          <a:lstStyle/>
-          <a:p>
-            <a:r>
-              <a:rPr lang="zh-CN" altLang="en-US" sz="2800" b="1" dirty="0">
-                <a:latin typeface="微软雅黑" panose="020B0503020204020204" pitchFamily="34" charset="-122"/>
-                <a:ea typeface="微软雅黑" panose="020B0503020204020204" pitchFamily="34" charset="-122"/>
-              </a:rPr>
-              <a:t>云服务公司</a:t>
-            </a:r>
-          </a:p>
-        </p:txBody>
-      </p:sp>
-      <p:sp>
-        <p:nvSpPr>
-          <p:cNvPr id="53" name="文本框 52">
+        </p:spPr>
+      </p:pic>
+      <p:pic>
+        <p:nvPicPr>
+          <p:cNvPr id="52" name="图形 51">
             <a:extLst>
               <a:ext uri="{FF2B5EF4-FFF2-40B4-BE49-F238E27FC236}">
-                <a16:creationId xmlns:a16="http://schemas.microsoft.com/office/drawing/2014/main" id="{EB3A3E9E-0CED-47A9-180D-22F2994807E2}"/>
+                <a16:creationId xmlns:a16="http://schemas.microsoft.com/office/drawing/2014/main" id="{24155C41-0B74-4673-513B-2A933EEEBDD3}"/>
               </a:ext>
             </a:extLst>
           </p:cNvPr>
-          <p:cNvSpPr txBox="1"/>
-          <p:nvPr/>
-        </p:nvSpPr>
-        <p:spPr>
-          <a:xfrm>
-            <a:off x="1101272" y="5619980"/>
-            <a:ext cx="1783436" cy="523220"/>
+          <p:cNvPicPr>
+            <a:picLocks noChangeAspect="1"/>
+          </p:cNvPicPr>
+          <p:nvPr/>
+        </p:nvPicPr>
+        <p:blipFill>
+          <a:blip r:embed="rId19">
+            <a:extLst>
+              <a:ext uri="{28A0092B-C50C-407E-A947-70E740481C1C}">
+                <a14:useLocalDpi xmlns:a14="http://schemas.microsoft.com/office/drawing/2010/main" val="0"/>
+              </a:ext>
+              <a:ext uri="{96DAC541-7B7A-43D3-8B79-37D633B846F1}">
+                <asvg:svgBlip xmlns:asvg="http://schemas.microsoft.com/office/drawing/2016/SVG/main" r:embed="rId20"/>
+              </a:ext>
+            </a:extLst>
+          </a:blip>
+          <a:stretch>
+            <a:fillRect/>
+          </a:stretch>
+        </p:blipFill>
+        <p:spPr>
+          <a:xfrm>
+            <a:off x="1131294" y="5553631"/>
+            <a:ext cx="1435939" cy="990798"/>
           </a:xfrm>
           <a:prstGeom prst="rect">
             <a:avLst/>
           </a:prstGeom>
-          <a:noFill/>
-        </p:spPr>
-        <p:txBody>
-          <a:bodyPr wrap="square" rtlCol="0">
-            <a:spAutoFit/>
-          </a:bodyPr>
-          <a:lstStyle/>
-          <a:p>
-            <a:r>
-              <a:rPr lang="zh-CN" altLang="en-US" sz="2800" b="1" dirty="0">
-                <a:latin typeface="微软雅黑" panose="020B0503020204020204" pitchFamily="34" charset="-122"/>
-                <a:ea typeface="微软雅黑" panose="020B0503020204020204" pitchFamily="34" charset="-122"/>
-              </a:rPr>
-              <a:t>社交媒体</a:t>
-            </a:r>
-          </a:p>
-        </p:txBody>
-      </p:sp>
-      <p:sp>
-        <p:nvSpPr>
-          <p:cNvPr id="54" name="文本框 53">
+        </p:spPr>
+      </p:pic>
+      <p:pic>
+        <p:nvPicPr>
+          <p:cNvPr id="56" name="图形 55">
             <a:extLst>
               <a:ext uri="{FF2B5EF4-FFF2-40B4-BE49-F238E27FC236}">
-                <a16:creationId xmlns:a16="http://schemas.microsoft.com/office/drawing/2014/main" id="{5313424D-C300-2930-2BA7-50DAFD8A10E1}"/>
+                <a16:creationId xmlns:a16="http://schemas.microsoft.com/office/drawing/2014/main" id="{31B7C879-246E-F12A-E6D9-B5D553D5255B}"/>
               </a:ext>
             </a:extLst>
           </p:cNvPr>
-          <p:cNvSpPr txBox="1"/>
-          <p:nvPr/>
-        </p:nvSpPr>
-        <p:spPr>
-          <a:xfrm>
-            <a:off x="3463948" y="1589715"/>
-            <a:ext cx="1222521" cy="923330"/>
+          <p:cNvPicPr>
+            <a:picLocks noChangeAspect="1"/>
+          </p:cNvPicPr>
+          <p:nvPr/>
+        </p:nvPicPr>
+        <p:blipFill>
+          <a:blip r:embed="rId21" cstate="print">
+            <a:extLst>
+              <a:ext uri="{28A0092B-C50C-407E-A947-70E740481C1C}">
+                <a14:useLocalDpi xmlns:a14="http://schemas.microsoft.com/office/drawing/2010/main" val="0"/>
+              </a:ext>
+              <a:ext uri="{96DAC541-7B7A-43D3-8B79-37D633B846F1}">
+                <asvg:svgBlip xmlns:asvg="http://schemas.microsoft.com/office/drawing/2016/SVG/main" r:embed="rId22"/>
+              </a:ext>
+            </a:extLst>
+          </a:blip>
+          <a:stretch>
+            <a:fillRect/>
+          </a:stretch>
+        </p:blipFill>
+        <p:spPr>
+          <a:xfrm>
+            <a:off x="3528148" y="1596630"/>
+            <a:ext cx="902972" cy="902972"/>
           </a:xfrm>
           <a:prstGeom prst="rect">
             <a:avLst/>
           </a:prstGeom>
-          <a:noFill/>
-        </p:spPr>
-        <p:txBody>
-          <a:bodyPr wrap="square" rtlCol="0">
-            <a:spAutoFit/>
-          </a:bodyPr>
-          <a:lstStyle/>
-          <a:p>
-            <a:r>
-              <a:rPr lang="zh-CN" altLang="en-US" b="1" dirty="0">
-                <a:latin typeface="微软雅黑" panose="020B0503020204020204" pitchFamily="34" charset="-122"/>
-                <a:ea typeface="微软雅黑" panose="020B0503020204020204" pitchFamily="34" charset="-122"/>
-              </a:rPr>
-              <a:t>软件平台开发维护和升级</a:t>
-            </a:r>
-          </a:p>
-        </p:txBody>
-      </p:sp>
-      <p:sp>
-        <p:nvSpPr>
-          <p:cNvPr id="55" name="文本框 54">
+        </p:spPr>
+      </p:pic>
+      <p:pic>
+        <p:nvPicPr>
+          <p:cNvPr id="58" name="图形 57">
             <a:extLst>
               <a:ext uri="{FF2B5EF4-FFF2-40B4-BE49-F238E27FC236}">
-                <a16:creationId xmlns:a16="http://schemas.microsoft.com/office/drawing/2014/main" id="{004EB9C7-79AF-14E0-7AA9-E5C118C63A0E}"/>
+                <a16:creationId xmlns:a16="http://schemas.microsoft.com/office/drawing/2014/main" id="{45950AE2-C75B-2E92-E0D1-652FB10359C3}"/>
               </a:ext>
             </a:extLst>
           </p:cNvPr>
-          <p:cNvSpPr txBox="1"/>
-          <p:nvPr/>
-        </p:nvSpPr>
-        <p:spPr>
-          <a:xfrm>
-            <a:off x="4636599" y="1398728"/>
-            <a:ext cx="1222521" cy="738664"/>
+          <p:cNvPicPr>
+            <a:picLocks noChangeAspect="1"/>
+          </p:cNvPicPr>
+          <p:nvPr/>
+        </p:nvPicPr>
+        <p:blipFill>
+          <a:blip r:embed="rId23" cstate="print">
+            <a:extLst>
+              <a:ext uri="{28A0092B-C50C-407E-A947-70E740481C1C}">
+                <a14:useLocalDpi xmlns:a14="http://schemas.microsoft.com/office/drawing/2010/main" val="0"/>
+              </a:ext>
+              <a:ext uri="{96DAC541-7B7A-43D3-8B79-37D633B846F1}">
+                <asvg:svgBlip xmlns:asvg="http://schemas.microsoft.com/office/drawing/2016/SVG/main" r:embed="rId24"/>
+              </a:ext>
+            </a:extLst>
+          </a:blip>
+          <a:stretch>
+            <a:fillRect/>
+          </a:stretch>
+        </p:blipFill>
+        <p:spPr>
+          <a:xfrm>
+            <a:off x="4705339" y="1289814"/>
+            <a:ext cx="805893" cy="805893"/>
           </a:xfrm>
           <a:prstGeom prst="rect">
             <a:avLst/>
           </a:prstGeom>
-          <a:noFill/>
-        </p:spPr>
-        <p:txBody>
-          <a:bodyPr wrap="square" rtlCol="0">
-            <a:spAutoFit/>
-          </a:bodyPr>
-          <a:lstStyle/>
-          <a:p>
-            <a:r>
-              <a:rPr lang="zh-CN" altLang="en-US" sz="1400" b="1" dirty="0">
-                <a:latin typeface="微软雅黑" panose="020B0503020204020204" pitchFamily="34" charset="-122"/>
-                <a:ea typeface="微软雅黑" panose="020B0503020204020204" pitchFamily="34" charset="-122"/>
-              </a:rPr>
-              <a:t>高质量图文的原始积累与迭代更新</a:t>
-            </a:r>
-          </a:p>
-        </p:txBody>
-      </p:sp>
-      <p:sp>
-        <p:nvSpPr>
-          <p:cNvPr id="57" name="文本框 56">
+        </p:spPr>
+      </p:pic>
+      <p:pic>
+        <p:nvPicPr>
+          <p:cNvPr id="60" name="图形 59">
             <a:extLst>
               <a:ext uri="{FF2B5EF4-FFF2-40B4-BE49-F238E27FC236}">
-                <a16:creationId xmlns:a16="http://schemas.microsoft.com/office/drawing/2014/main" id="{C4173C67-82CF-FDD4-1717-59D9FDAB4398}"/>
+                <a16:creationId xmlns:a16="http://schemas.microsoft.com/office/drawing/2014/main" id="{BEBD0D04-7D6E-53D5-C792-63BD03AACE06}"/>
               </a:ext>
             </a:extLst>
           </p:cNvPr>
-          <p:cNvSpPr txBox="1"/>
-          <p:nvPr/>
-        </p:nvSpPr>
-        <p:spPr>
-          <a:xfrm>
-            <a:off x="3444454" y="2494982"/>
-            <a:ext cx="1222521" cy="584775"/>
+          <p:cNvPicPr>
+            <a:picLocks noChangeAspect="1"/>
+          </p:cNvPicPr>
+          <p:nvPr/>
+        </p:nvPicPr>
+        <p:blipFill>
+          <a:blip r:embed="rId25">
+            <a:extLst>
+              <a:ext uri="{28A0092B-C50C-407E-A947-70E740481C1C}">
+                <a14:useLocalDpi xmlns:a14="http://schemas.microsoft.com/office/drawing/2010/main" val="0"/>
+              </a:ext>
+              <a:ext uri="{96DAC541-7B7A-43D3-8B79-37D633B846F1}">
+                <asvg:svgBlip xmlns:asvg="http://schemas.microsoft.com/office/drawing/2016/SVG/main" r:embed="rId26"/>
+              </a:ext>
+            </a:extLst>
+          </a:blip>
+          <a:stretch>
+            <a:fillRect/>
+          </a:stretch>
+        </p:blipFill>
+        <p:spPr>
+          <a:xfrm>
+            <a:off x="3500166" y="2310186"/>
+            <a:ext cx="981993" cy="981993"/>
           </a:xfrm>
           <a:prstGeom prst="rect">
             <a:avLst/>
           </a:prstGeom>
-          <a:noFill/>
-        </p:spPr>
-        <p:txBody>
-          <a:bodyPr wrap="square" rtlCol="0">
-            <a:spAutoFit/>
-          </a:bodyPr>
-          <a:lstStyle/>
-          <a:p>
-            <a:r>
-              <a:rPr lang="zh-CN" altLang="en-US" sz="1600" b="1" dirty="0">
-                <a:latin typeface="微软雅黑" panose="020B0503020204020204" pitchFamily="34" charset="-122"/>
-                <a:ea typeface="微软雅黑" panose="020B0503020204020204" pitchFamily="34" charset="-122"/>
-              </a:rPr>
-              <a:t>搜索引擎推荐算法研发</a:t>
-            </a:r>
-          </a:p>
-        </p:txBody>
-      </p:sp>
-      <p:sp>
-        <p:nvSpPr>
-          <p:cNvPr id="59" name="文本框 58">
+        </p:spPr>
+      </p:pic>
+      <p:pic>
+        <p:nvPicPr>
+          <p:cNvPr id="62" name="图形 61">
             <a:extLst>
               <a:ext uri="{FF2B5EF4-FFF2-40B4-BE49-F238E27FC236}">
-                <a16:creationId xmlns:a16="http://schemas.microsoft.com/office/drawing/2014/main" id="{C622185D-DC43-7A87-0F99-D9ECD1851733}"/>
+                <a16:creationId xmlns:a16="http://schemas.microsoft.com/office/drawing/2014/main" id="{013A2A12-AB52-73E5-0B2C-640D8200F478}"/>
               </a:ext>
             </a:extLst>
           </p:cNvPr>
-          <p:cNvSpPr txBox="1"/>
-          <p:nvPr/>
-        </p:nvSpPr>
-        <p:spPr>
-          <a:xfrm>
-            <a:off x="3452350" y="3172438"/>
-            <a:ext cx="1222521" cy="738664"/>
+          <p:cNvPicPr>
+            <a:picLocks noChangeAspect="1"/>
+          </p:cNvPicPr>
+          <p:nvPr/>
+        </p:nvPicPr>
+        <p:blipFill>
+          <a:blip r:embed="rId27" cstate="print">
+            <a:extLst>
+              <a:ext uri="{28A0092B-C50C-407E-A947-70E740481C1C}">
+                <a14:useLocalDpi xmlns:a14="http://schemas.microsoft.com/office/drawing/2010/main" val="0"/>
+              </a:ext>
+              <a:ext uri="{96DAC541-7B7A-43D3-8B79-37D633B846F1}">
+                <asvg:svgBlip xmlns:asvg="http://schemas.microsoft.com/office/drawing/2016/SVG/main" r:embed="rId28"/>
+              </a:ext>
+            </a:extLst>
+          </a:blip>
+          <a:stretch>
+            <a:fillRect/>
+          </a:stretch>
+        </p:blipFill>
+        <p:spPr>
+          <a:xfrm>
+            <a:off x="4768059" y="2142951"/>
+            <a:ext cx="760345" cy="760345"/>
           </a:xfrm>
           <a:prstGeom prst="rect">
             <a:avLst/>
           </a:prstGeom>
-          <a:noFill/>
-        </p:spPr>
-        <p:txBody>
-          <a:bodyPr wrap="square" rtlCol="0">
-            <a:spAutoFit/>
-          </a:bodyPr>
-          <a:lstStyle/>
-          <a:p>
-            <a:r>
-              <a:rPr lang="en-US" altLang="zh-CN" sz="1400" b="1" dirty="0">
-                <a:latin typeface="微软雅黑" panose="020B0503020204020204" pitchFamily="34" charset="-122"/>
-                <a:ea typeface="微软雅黑" panose="020B0503020204020204" pitchFamily="34" charset="-122"/>
-              </a:rPr>
-              <a:t>Dark Mode </a:t>
-            </a:r>
-            <a:r>
-              <a:rPr lang="zh-CN" altLang="en-US" sz="1400" b="1" dirty="0">
-                <a:latin typeface="微软雅黑" panose="020B0503020204020204" pitchFamily="34" charset="-122"/>
-                <a:ea typeface="微软雅黑" panose="020B0503020204020204" pitchFamily="34" charset="-122"/>
-              </a:rPr>
-              <a:t>网络流行工具集研发</a:t>
-            </a:r>
-          </a:p>
-        </p:txBody>
-      </p:sp>
-      <p:sp>
-        <p:nvSpPr>
-          <p:cNvPr id="61" name="文本框 60">
+        </p:spPr>
+      </p:pic>
+      <p:pic>
+        <p:nvPicPr>
+          <p:cNvPr id="64" name="图形 63">
             <a:extLst>
               <a:ext uri="{FF2B5EF4-FFF2-40B4-BE49-F238E27FC236}">
-                <a16:creationId xmlns:a16="http://schemas.microsoft.com/office/drawing/2014/main" id="{85C231B7-934A-B2D0-6425-045E6C80F293}"/>
+                <a16:creationId xmlns:a16="http://schemas.microsoft.com/office/drawing/2014/main" id="{22D07171-A155-BA28-4E31-005F8D080641}"/>
               </a:ext>
             </a:extLst>
           </p:cNvPr>
-          <p:cNvSpPr txBox="1"/>
-          <p:nvPr/>
-        </p:nvSpPr>
-        <p:spPr>
-          <a:xfrm>
-            <a:off x="4665446" y="2226382"/>
-            <a:ext cx="1071187" cy="707886"/>
+          <p:cNvPicPr>
+            <a:picLocks noChangeAspect="1"/>
+          </p:cNvPicPr>
+          <p:nvPr/>
+        </p:nvPicPr>
+        <p:blipFill>
+          <a:blip r:embed="rId29">
+            <a:extLst>
+              <a:ext uri="{28A0092B-C50C-407E-A947-70E740481C1C}">
+                <a14:useLocalDpi xmlns:a14="http://schemas.microsoft.com/office/drawing/2010/main" val="0"/>
+              </a:ext>
+              <a:ext uri="{96DAC541-7B7A-43D3-8B79-37D633B846F1}">
+                <asvg:svgBlip xmlns:asvg="http://schemas.microsoft.com/office/drawing/2016/SVG/main" r:embed="rId30"/>
+              </a:ext>
+            </a:extLst>
+          </a:blip>
+          <a:stretch>
+            <a:fillRect/>
+          </a:stretch>
+        </p:blipFill>
+        <p:spPr>
+          <a:xfrm>
+            <a:off x="4612385" y="3046124"/>
+            <a:ext cx="991800" cy="991800"/>
           </a:xfrm>
           <a:prstGeom prst="rect">
             <a:avLst/>
           </a:prstGeom>
-          <a:noFill/>
-        </p:spPr>
-        <p:txBody>
-          <a:bodyPr wrap="square" rtlCol="0">
-            <a:spAutoFit/>
-          </a:bodyPr>
-          <a:lstStyle/>
-          <a:p>
-            <a:r>
-              <a:rPr lang="zh-CN" altLang="en-US" sz="2000" b="1" dirty="0">
-                <a:latin typeface="微软雅黑" panose="020B0503020204020204" pitchFamily="34" charset="-122"/>
-                <a:ea typeface="微软雅黑" panose="020B0503020204020204" pitchFamily="34" charset="-122"/>
-              </a:rPr>
-              <a:t>平台社区监管</a:t>
-            </a:r>
-          </a:p>
-        </p:txBody>
-      </p:sp>
-      <p:sp>
-        <p:nvSpPr>
-          <p:cNvPr id="63" name="文本框 62">
+        </p:spPr>
+      </p:pic>
+      <p:pic>
+        <p:nvPicPr>
+          <p:cNvPr id="66" name="图形 65">
             <a:extLst>
               <a:ext uri="{FF2B5EF4-FFF2-40B4-BE49-F238E27FC236}">
-                <a16:creationId xmlns:a16="http://schemas.microsoft.com/office/drawing/2014/main" id="{D052179F-5783-77DD-509B-170F5779B56E}"/>
+                <a16:creationId xmlns:a16="http://schemas.microsoft.com/office/drawing/2014/main" id="{6C44155E-764C-34DC-C7B9-9BC16FAE6112}"/>
               </a:ext>
             </a:extLst>
           </p:cNvPr>
-          <p:cNvSpPr txBox="1"/>
-          <p:nvPr/>
-        </p:nvSpPr>
-        <p:spPr>
-          <a:xfrm>
-            <a:off x="4686076" y="3144076"/>
-            <a:ext cx="1071187" cy="707886"/>
+          <p:cNvPicPr>
+            <a:picLocks noChangeAspect="1"/>
+          </p:cNvPicPr>
+          <p:nvPr/>
+        </p:nvPicPr>
+        <p:blipFill>
+          <a:blip r:embed="rId31">
+            <a:extLst>
+              <a:ext uri="{28A0092B-C50C-407E-A947-70E740481C1C}">
+                <a14:useLocalDpi xmlns:a14="http://schemas.microsoft.com/office/drawing/2010/main" val="0"/>
+              </a:ext>
+              <a:ext uri="{96DAC541-7B7A-43D3-8B79-37D633B846F1}">
+                <asvg:svgBlip xmlns:asvg="http://schemas.microsoft.com/office/drawing/2016/SVG/main" r:embed="rId32"/>
+              </a:ext>
+            </a:extLst>
+          </a:blip>
+          <a:stretch>
+            <a:fillRect/>
+          </a:stretch>
+        </p:blipFill>
+        <p:spPr>
+          <a:xfrm>
+            <a:off x="3514913" y="4764797"/>
+            <a:ext cx="952500" cy="952500"/>
           </a:xfrm>
           <a:prstGeom prst="rect">
             <a:avLst/>
           </a:prstGeom>
-          <a:noFill/>
-        </p:spPr>
-        <p:txBody>
-          <a:bodyPr wrap="square" rtlCol="0">
-            <a:spAutoFit/>
-          </a:bodyPr>
-          <a:lstStyle/>
-          <a:p>
-            <a:r>
-              <a:rPr lang="zh-CN" altLang="en-US" sz="2000" b="1" dirty="0">
-                <a:latin typeface="微软雅黑" panose="020B0503020204020204" pitchFamily="34" charset="-122"/>
-                <a:ea typeface="微软雅黑" panose="020B0503020204020204" pitchFamily="34" charset="-122"/>
-              </a:rPr>
-              <a:t>跟进用户反馈</a:t>
-            </a:r>
-          </a:p>
-        </p:txBody>
-      </p:sp>
-      <p:sp>
-        <p:nvSpPr>
-          <p:cNvPr id="65" name="文本框 64">
+        </p:spPr>
+      </p:pic>
+      <p:pic>
+        <p:nvPicPr>
+          <p:cNvPr id="68" name="图形 67">
             <a:extLst>
               <a:ext uri="{FF2B5EF4-FFF2-40B4-BE49-F238E27FC236}">
-                <a16:creationId xmlns:a16="http://schemas.microsoft.com/office/drawing/2014/main" id="{27F7FFA6-9595-75E9-4EE5-A9FA6408885F}"/>
+                <a16:creationId xmlns:a16="http://schemas.microsoft.com/office/drawing/2014/main" id="{7BADE583-0FC9-618D-B140-D1C7D09A5F50}"/>
               </a:ext>
             </a:extLst>
           </p:cNvPr>
-          <p:cNvSpPr txBox="1"/>
-          <p:nvPr/>
-        </p:nvSpPr>
-        <p:spPr>
-          <a:xfrm>
-            <a:off x="3455835" y="4810457"/>
-            <a:ext cx="1123001" cy="830997"/>
+          <p:cNvPicPr>
+            <a:picLocks noChangeAspect="1"/>
+          </p:cNvPicPr>
+          <p:nvPr/>
+        </p:nvPicPr>
+        <p:blipFill>
+          <a:blip r:embed="rId33" cstate="print">
+            <a:extLst>
+              <a:ext uri="{28A0092B-C50C-407E-A947-70E740481C1C}">
+                <a14:useLocalDpi xmlns:a14="http://schemas.microsoft.com/office/drawing/2010/main" val="0"/>
+              </a:ext>
+              <a:ext uri="{96DAC541-7B7A-43D3-8B79-37D633B846F1}">
+                <asvg:svgBlip xmlns:asvg="http://schemas.microsoft.com/office/drawing/2016/SVG/main" r:embed="rId34"/>
+              </a:ext>
+            </a:extLst>
+          </a:blip>
+          <a:stretch>
+            <a:fillRect/>
+          </a:stretch>
+        </p:blipFill>
+        <p:spPr>
+          <a:xfrm>
+            <a:off x="4762314" y="4286338"/>
+            <a:ext cx="828549" cy="828549"/>
           </a:xfrm>
           <a:prstGeom prst="rect">
             <a:avLst/>
           </a:prstGeom>
-          <a:noFill/>
-        </p:spPr>
-        <p:txBody>
-          <a:bodyPr wrap="square" rtlCol="0">
-            <a:spAutoFit/>
-          </a:bodyPr>
-          <a:lstStyle/>
-          <a:p>
-            <a:r>
-              <a:rPr lang="zh-CN" altLang="en-US" sz="2400" b="1" dirty="0">
-                <a:latin typeface="微软雅黑" panose="020B0503020204020204" pitchFamily="34" charset="-122"/>
-                <a:ea typeface="微软雅黑" panose="020B0503020204020204" pitchFamily="34" charset="-122"/>
-              </a:rPr>
-              <a:t>知识性资源</a:t>
-            </a:r>
-          </a:p>
-        </p:txBody>
-      </p:sp>
-      <p:sp>
-        <p:nvSpPr>
-          <p:cNvPr id="67" name="文本框 66">
+        </p:spPr>
+      </p:pic>
+      <p:pic>
+        <p:nvPicPr>
+          <p:cNvPr id="70" name="图形 69">
             <a:extLst>
               <a:ext uri="{FF2B5EF4-FFF2-40B4-BE49-F238E27FC236}">
-                <a16:creationId xmlns:a16="http://schemas.microsoft.com/office/drawing/2014/main" id="{39C6EF08-3609-EC9E-5622-6AEC88680C57}"/>
+                <a16:creationId xmlns:a16="http://schemas.microsoft.com/office/drawing/2014/main" id="{DC12DF87-1426-E5FB-0464-FC9F9198EE6D}"/>
               </a:ext>
             </a:extLst>
           </p:cNvPr>
-          <p:cNvSpPr txBox="1"/>
-          <p:nvPr/>
-        </p:nvSpPr>
-        <p:spPr>
-          <a:xfrm>
-            <a:off x="3509334" y="5848581"/>
-            <a:ext cx="1028752" cy="954107"/>
+          <p:cNvPicPr>
+            <a:picLocks noChangeAspect="1"/>
+          </p:cNvPicPr>
+          <p:nvPr/>
+        </p:nvPicPr>
+        <p:blipFill>
+          <a:blip r:embed="rId35">
+            <a:extLst>
+              <a:ext uri="{28A0092B-C50C-407E-A947-70E740481C1C}">
+                <a14:useLocalDpi xmlns:a14="http://schemas.microsoft.com/office/drawing/2010/main" val="0"/>
+              </a:ext>
+              <a:ext uri="{96DAC541-7B7A-43D3-8B79-37D633B846F1}">
+                <asvg:svgBlip xmlns:asvg="http://schemas.microsoft.com/office/drawing/2016/SVG/main" r:embed="rId36"/>
+              </a:ext>
+            </a:extLst>
+          </a:blip>
+          <a:stretch>
+            <a:fillRect/>
+          </a:stretch>
+        </p:blipFill>
+        <p:spPr>
+          <a:xfrm>
+            <a:off x="3514913" y="5880094"/>
+            <a:ext cx="952501" cy="952501"/>
           </a:xfrm>
           <a:prstGeom prst="rect">
             <a:avLst/>
           </a:prstGeom>
-          <a:noFill/>
-        </p:spPr>
-        <p:txBody>
-          <a:bodyPr wrap="square" rtlCol="0">
-            <a:spAutoFit/>
-          </a:bodyPr>
-          <a:lstStyle/>
-          <a:p>
-            <a:r>
-              <a:rPr lang="zh-CN" altLang="en-US" sz="2800" b="1" dirty="0">
-                <a:latin typeface="微软雅黑" panose="020B0503020204020204" pitchFamily="34" charset="-122"/>
-                <a:ea typeface="微软雅黑" panose="020B0503020204020204" pitchFamily="34" charset="-122"/>
-              </a:rPr>
-              <a:t>金融资源</a:t>
-            </a:r>
-          </a:p>
-        </p:txBody>
-      </p:sp>
-      <p:sp>
-        <p:nvSpPr>
-          <p:cNvPr id="71" name="文本框 70">
+        </p:spPr>
+      </p:pic>
+      <p:pic>
+        <p:nvPicPr>
+          <p:cNvPr id="72" name="图形 71">
             <a:extLst>
               <a:ext uri="{FF2B5EF4-FFF2-40B4-BE49-F238E27FC236}">
-                <a16:creationId xmlns:a16="http://schemas.microsoft.com/office/drawing/2014/main" id="{72719CCD-D04E-D71D-9657-8F8080FC5574}"/>
+                <a16:creationId xmlns:a16="http://schemas.microsoft.com/office/drawing/2014/main" id="{3EC1AF36-358E-4D36-B594-C2459E853E67}"/>
               </a:ext>
             </a:extLst>
           </p:cNvPr>
-          <p:cNvSpPr txBox="1"/>
-          <p:nvPr/>
-        </p:nvSpPr>
-        <p:spPr>
-          <a:xfrm>
-            <a:off x="4783312" y="4229530"/>
-            <a:ext cx="1014428" cy="830997"/>
+          <p:cNvPicPr>
+            <a:picLocks noChangeAspect="1"/>
+          </p:cNvPicPr>
+          <p:nvPr/>
+        </p:nvPicPr>
+        <p:blipFill>
+          <a:blip r:embed="rId37" cstate="print">
+            <a:extLst>
+              <a:ext uri="{28A0092B-C50C-407E-A947-70E740481C1C}">
+                <a14:useLocalDpi xmlns:a14="http://schemas.microsoft.com/office/drawing/2010/main" val="0"/>
+              </a:ext>
+              <a:ext uri="{96DAC541-7B7A-43D3-8B79-37D633B846F1}">
+                <asvg:svgBlip xmlns:asvg="http://schemas.microsoft.com/office/drawing/2016/SVG/main" r:embed="rId38"/>
+              </a:ext>
+            </a:extLst>
+          </a:blip>
+          <a:stretch>
+            <a:fillRect/>
+          </a:stretch>
+        </p:blipFill>
+        <p:spPr>
+          <a:xfrm>
+            <a:off x="4903656" y="5203877"/>
+            <a:ext cx="796186" cy="796186"/>
           </a:xfrm>
           <a:prstGeom prst="rect">
             <a:avLst/>
           </a:prstGeom>
-          <a:noFill/>
-        </p:spPr>
-        <p:txBody>
-          <a:bodyPr wrap="square" rtlCol="0">
-            <a:spAutoFit/>
-          </a:bodyPr>
-          <a:lstStyle/>
-          <a:p>
-            <a:r>
-              <a:rPr lang="zh-CN" altLang="en-US" sz="2400" b="1" dirty="0">
-                <a:latin typeface="微软雅黑" panose="020B0503020204020204" pitchFamily="34" charset="-122"/>
-                <a:ea typeface="微软雅黑" panose="020B0503020204020204" pitchFamily="34" charset="-122"/>
-              </a:rPr>
-              <a:t>人力资源</a:t>
-            </a:r>
-          </a:p>
-        </p:txBody>
-      </p:sp>
-      <p:sp>
-        <p:nvSpPr>
-          <p:cNvPr id="73" name="文本框 72">
+        </p:spPr>
+      </p:pic>
+      <p:pic>
+        <p:nvPicPr>
+          <p:cNvPr id="74" name="图形 73">
             <a:extLst>
               <a:ext uri="{FF2B5EF4-FFF2-40B4-BE49-F238E27FC236}">
-                <a16:creationId xmlns:a16="http://schemas.microsoft.com/office/drawing/2014/main" id="{5BE12099-AF11-7337-54D7-9E3FE1F052B2}"/>
+                <a16:creationId xmlns:a16="http://schemas.microsoft.com/office/drawing/2014/main" id="{0027FA17-DBBF-6379-2205-DA90BFE0E1AE}"/>
               </a:ext>
             </a:extLst>
           </p:cNvPr>
-          <p:cNvSpPr txBox="1"/>
-          <p:nvPr/>
-        </p:nvSpPr>
-        <p:spPr>
-          <a:xfrm>
-            <a:off x="4839368" y="5113103"/>
-            <a:ext cx="1014428" cy="830997"/>
+          <p:cNvPicPr>
+            <a:picLocks noChangeAspect="1"/>
+          </p:cNvPicPr>
+          <p:nvPr/>
+        </p:nvPicPr>
+        <p:blipFill>
+          <a:blip r:embed="rId39">
+            <a:extLst>
+              <a:ext uri="{28A0092B-C50C-407E-A947-70E740481C1C}">
+                <a14:useLocalDpi xmlns:a14="http://schemas.microsoft.com/office/drawing/2010/main" val="0"/>
+              </a:ext>
+              <a:ext uri="{96DAC541-7B7A-43D3-8B79-37D633B846F1}">
+                <asvg:svgBlip xmlns:asvg="http://schemas.microsoft.com/office/drawing/2016/SVG/main" r:embed="rId40"/>
+              </a:ext>
+            </a:extLst>
+          </a:blip>
+          <a:stretch>
+            <a:fillRect/>
+          </a:stretch>
+        </p:blipFill>
+        <p:spPr>
+          <a:xfrm>
+            <a:off x="2217005" y="7547578"/>
+            <a:ext cx="1435939" cy="1435939"/>
           </a:xfrm>
           <a:prstGeom prst="rect">
             <a:avLst/>
           </a:prstGeom>
-          <a:noFill/>
-        </p:spPr>
-        <p:txBody>
-          <a:bodyPr wrap="square" rtlCol="0">
-            <a:spAutoFit/>
-          </a:bodyPr>
-          <a:lstStyle/>
-          <a:p>
-            <a:r>
-              <a:rPr lang="zh-CN" altLang="en-US" sz="2400" b="1" dirty="0">
-                <a:latin typeface="微软雅黑" panose="020B0503020204020204" pitchFamily="34" charset="-122"/>
-                <a:ea typeface="微软雅黑" panose="020B0503020204020204" pitchFamily="34" charset="-122"/>
-              </a:rPr>
-              <a:t>素材资源</a:t>
-            </a:r>
-          </a:p>
-        </p:txBody>
-      </p:sp>
-      <p:sp>
-        <p:nvSpPr>
-          <p:cNvPr id="75" name="文本框 74">
+        </p:spPr>
+      </p:pic>
+      <p:pic>
+        <p:nvPicPr>
+          <p:cNvPr id="76" name="图形 75">
             <a:extLst>
               <a:ext uri="{FF2B5EF4-FFF2-40B4-BE49-F238E27FC236}">
-                <a16:creationId xmlns:a16="http://schemas.microsoft.com/office/drawing/2014/main" id="{287712AE-9154-86D0-44E3-42B7A09AD706}"/>
+                <a16:creationId xmlns:a16="http://schemas.microsoft.com/office/drawing/2014/main" id="{8AF6DC7C-CBC2-141F-4609-A04A008EAE4E}"/>
               </a:ext>
             </a:extLst>
           </p:cNvPr>
-          <p:cNvSpPr txBox="1"/>
-          <p:nvPr/>
-        </p:nvSpPr>
-        <p:spPr>
-          <a:xfrm>
-            <a:off x="4822674" y="6036537"/>
-            <a:ext cx="1014428" cy="830997"/>
+          <p:cNvPicPr>
+            <a:picLocks noChangeAspect="1"/>
+          </p:cNvPicPr>
+          <p:nvPr/>
+        </p:nvPicPr>
+        <p:blipFill>
+          <a:blip r:embed="rId41">
+            <a:extLst>
+              <a:ext uri="{28A0092B-C50C-407E-A947-70E740481C1C}">
+                <a14:useLocalDpi xmlns:a14="http://schemas.microsoft.com/office/drawing/2010/main" val="0"/>
+              </a:ext>
+              <a:ext uri="{96DAC541-7B7A-43D3-8B79-37D633B846F1}">
+                <asvg:svgBlip xmlns:asvg="http://schemas.microsoft.com/office/drawing/2016/SVG/main" r:embed="rId42"/>
+              </a:ext>
+            </a:extLst>
+          </a:blip>
+          <a:stretch>
+            <a:fillRect/>
+          </a:stretch>
+        </p:blipFill>
+        <p:spPr>
+          <a:xfrm>
+            <a:off x="6296572" y="2106745"/>
+            <a:ext cx="1084133" cy="1084133"/>
           </a:xfrm>
           <a:prstGeom prst="rect">
             <a:avLst/>
           </a:prstGeom>
-          <a:noFill/>
-        </p:spPr>
-        <p:txBody>
-          <a:bodyPr wrap="square" rtlCol="0">
-            <a:spAutoFit/>
-          </a:bodyPr>
-          <a:lstStyle/>
-          <a:p>
-            <a:r>
-              <a:rPr lang="zh-CN" altLang="en-US" sz="2400" b="1" dirty="0">
-                <a:latin typeface="微软雅黑" panose="020B0503020204020204" pitchFamily="34" charset="-122"/>
-                <a:ea typeface="微软雅黑" panose="020B0503020204020204" pitchFamily="34" charset="-122"/>
-              </a:rPr>
-              <a:t>社区资源</a:t>
-            </a:r>
-          </a:p>
-        </p:txBody>
-      </p:sp>
-      <p:sp>
-        <p:nvSpPr>
-          <p:cNvPr id="77" name="文本框 76">
+        </p:spPr>
+      </p:pic>
+      <p:pic>
+        <p:nvPicPr>
+          <p:cNvPr id="78" name="图形 77">
             <a:extLst>
               <a:ext uri="{FF2B5EF4-FFF2-40B4-BE49-F238E27FC236}">
-                <a16:creationId xmlns:a16="http://schemas.microsoft.com/office/drawing/2014/main" id="{BADD322D-6888-C67A-263B-180283765E2B}"/>
+                <a16:creationId xmlns:a16="http://schemas.microsoft.com/office/drawing/2014/main" id="{DAD926C0-D527-8C17-4BA7-A60CE70CF397}"/>
               </a:ext>
             </a:extLst>
           </p:cNvPr>
-          <p:cNvSpPr txBox="1"/>
-          <p:nvPr/>
-        </p:nvSpPr>
-        <p:spPr>
-          <a:xfrm>
-            <a:off x="6313640" y="2294538"/>
-            <a:ext cx="1071187" cy="523220"/>
+          <p:cNvPicPr>
+            <a:picLocks noChangeAspect="1"/>
+          </p:cNvPicPr>
+          <p:nvPr/>
+        </p:nvPicPr>
+        <p:blipFill>
+          <a:blip r:embed="rId43">
+            <a:extLst>
+              <a:ext uri="{28A0092B-C50C-407E-A947-70E740481C1C}">
+                <a14:useLocalDpi xmlns:a14="http://schemas.microsoft.com/office/drawing/2010/main" val="0"/>
+              </a:ext>
+              <a:ext uri="{96DAC541-7B7A-43D3-8B79-37D633B846F1}">
+                <asvg:svgBlip xmlns:asvg="http://schemas.microsoft.com/office/drawing/2016/SVG/main" r:embed="rId44"/>
+              </a:ext>
+            </a:extLst>
+          </a:blip>
+          <a:stretch>
+            <a:fillRect/>
+          </a:stretch>
+        </p:blipFill>
+        <p:spPr>
+          <a:xfrm>
+            <a:off x="7542911" y="2478971"/>
+            <a:ext cx="1271155" cy="1271155"/>
           </a:xfrm>
           <a:prstGeom prst="rect">
             <a:avLst/>
           </a:prstGeom>
-          <a:noFill/>
-        </p:spPr>
-        <p:txBody>
-          <a:bodyPr wrap="square" rtlCol="0">
-            <a:spAutoFit/>
-          </a:bodyPr>
-          <a:lstStyle/>
-          <a:p>
-            <a:r>
-              <a:rPr lang="zh-CN" altLang="en-US" sz="2800" b="1" dirty="0">
-                <a:latin typeface="微软雅黑" panose="020B0503020204020204" pitchFamily="34" charset="-122"/>
-                <a:ea typeface="微软雅黑" panose="020B0503020204020204" pitchFamily="34" charset="-122"/>
-              </a:rPr>
-              <a:t>创新</a:t>
-            </a:r>
-          </a:p>
-        </p:txBody>
-      </p:sp>
-      <p:sp>
-        <p:nvSpPr>
-          <p:cNvPr id="79" name="文本框 78">
+        </p:spPr>
+      </p:pic>
+      <p:pic>
+        <p:nvPicPr>
+          <p:cNvPr id="82" name="图形 81">
             <a:extLst>
               <a:ext uri="{FF2B5EF4-FFF2-40B4-BE49-F238E27FC236}">
-                <a16:creationId xmlns:a16="http://schemas.microsoft.com/office/drawing/2014/main" id="{D8E029B3-F0DA-CD67-247A-9FBE41BDB1CA}"/>
+                <a16:creationId xmlns:a16="http://schemas.microsoft.com/office/drawing/2014/main" id="{46858554-F80E-D84E-A4BA-4AA91D43E727}"/>
               </a:ext>
             </a:extLst>
           </p:cNvPr>
-          <p:cNvSpPr txBox="1"/>
-          <p:nvPr/>
-        </p:nvSpPr>
-        <p:spPr>
-          <a:xfrm>
-            <a:off x="6367643" y="3556476"/>
-            <a:ext cx="1071187" cy="954107"/>
+          <p:cNvPicPr>
+            <a:picLocks noChangeAspect="1"/>
+          </p:cNvPicPr>
+          <p:nvPr/>
+        </p:nvPicPr>
+        <p:blipFill>
+          <a:blip r:embed="rId45">
+            <a:extLst>
+              <a:ext uri="{28A0092B-C50C-407E-A947-70E740481C1C}">
+                <a14:useLocalDpi xmlns:a14="http://schemas.microsoft.com/office/drawing/2010/main" val="0"/>
+              </a:ext>
+              <a:ext uri="{96DAC541-7B7A-43D3-8B79-37D633B846F1}">
+                <asvg:svgBlip xmlns:asvg="http://schemas.microsoft.com/office/drawing/2016/SVG/main" r:embed="rId46"/>
+              </a:ext>
+            </a:extLst>
+          </a:blip>
+          <a:stretch>
+            <a:fillRect/>
+          </a:stretch>
+        </p:blipFill>
+        <p:spPr>
+          <a:xfrm>
+            <a:off x="7679913" y="4340139"/>
+            <a:ext cx="952500" cy="952500"/>
           </a:xfrm>
           <a:prstGeom prst="rect">
             <a:avLst/>
           </a:prstGeom>
-          <a:noFill/>
-        </p:spPr>
-        <p:txBody>
-          <a:bodyPr wrap="square" rtlCol="0">
-            <a:spAutoFit/>
-          </a:bodyPr>
-          <a:lstStyle/>
-          <a:p>
-            <a:r>
-              <a:rPr lang="zh-CN" altLang="en-US" sz="2800" b="1" dirty="0">
-                <a:latin typeface="微软雅黑" panose="020B0503020204020204" pitchFamily="34" charset="-122"/>
-                <a:ea typeface="微软雅黑" panose="020B0503020204020204" pitchFamily="34" charset="-122"/>
-              </a:rPr>
-              <a:t>缩减成本</a:t>
-            </a:r>
-          </a:p>
-        </p:txBody>
-      </p:sp>
-      <p:sp>
-        <p:nvSpPr>
-          <p:cNvPr id="80" name="文本框 79">
+        </p:spPr>
+      </p:pic>
+      <p:pic>
+        <p:nvPicPr>
+          <p:cNvPr id="84" name="图形 83">
             <a:extLst>
               <a:ext uri="{FF2B5EF4-FFF2-40B4-BE49-F238E27FC236}">
-                <a16:creationId xmlns:a16="http://schemas.microsoft.com/office/drawing/2014/main" id="{0C3B71DB-AE3D-36D7-126E-E9C4515C8679}"/>
+                <a16:creationId xmlns:a16="http://schemas.microsoft.com/office/drawing/2014/main" id="{290A5E81-F4BE-EAAE-C987-E0588FEE431A}"/>
               </a:ext>
             </a:extLst>
           </p:cNvPr>
-          <p:cNvSpPr txBox="1"/>
-          <p:nvPr/>
-        </p:nvSpPr>
-        <p:spPr>
-          <a:xfrm>
-            <a:off x="6313639" y="5217336"/>
-            <a:ext cx="1071187" cy="707886"/>
+          <p:cNvPicPr>
+            <a:picLocks noChangeAspect="1"/>
+          </p:cNvPicPr>
+          <p:nvPr/>
+        </p:nvPicPr>
+        <p:blipFill>
+          <a:blip r:embed="rId47">
+            <a:extLst>
+              <a:ext uri="{28A0092B-C50C-407E-A947-70E740481C1C}">
+                <a14:useLocalDpi xmlns:a14="http://schemas.microsoft.com/office/drawing/2010/main" val="0"/>
+              </a:ext>
+              <a:ext uri="{96DAC541-7B7A-43D3-8B79-37D633B846F1}">
+                <asvg:svgBlip xmlns:asvg="http://schemas.microsoft.com/office/drawing/2016/SVG/main" r:embed="rId48"/>
+              </a:ext>
+            </a:extLst>
+          </a:blip>
+          <a:stretch>
+            <a:fillRect/>
+          </a:stretch>
+        </p:blipFill>
+        <p:spPr>
+          <a:xfrm>
+            <a:off x="6352479" y="3577462"/>
+            <a:ext cx="1201293" cy="1201293"/>
           </a:xfrm>
           <a:prstGeom prst="rect">
             <a:avLst/>
           </a:prstGeom>
-          <a:noFill/>
-        </p:spPr>
-        <p:txBody>
-          <a:bodyPr wrap="square" rtlCol="0">
-            <a:spAutoFit/>
-          </a:bodyPr>
-          <a:lstStyle/>
-          <a:p>
-            <a:r>
-              <a:rPr lang="zh-CN" altLang="en-US" sz="2000" b="1" dirty="0">
-                <a:latin typeface="微软雅黑" panose="020B0503020204020204" pitchFamily="34" charset="-122"/>
-                <a:ea typeface="微软雅黑" panose="020B0503020204020204" pitchFamily="34" charset="-122"/>
-              </a:rPr>
-              <a:t>便利性</a:t>
-            </a:r>
-            <a:r>
-              <a:rPr lang="en-US" altLang="zh-CN" sz="2000" b="1" dirty="0">
-                <a:latin typeface="微软雅黑" panose="020B0503020204020204" pitchFamily="34" charset="-122"/>
-                <a:ea typeface="微软雅黑" panose="020B0503020204020204" pitchFamily="34" charset="-122"/>
-              </a:rPr>
-              <a:t>/</a:t>
-            </a:r>
-            <a:r>
-              <a:rPr lang="zh-CN" altLang="en-US" sz="2000" b="1" dirty="0">
-                <a:latin typeface="微软雅黑" panose="020B0503020204020204" pitchFamily="34" charset="-122"/>
-                <a:ea typeface="微软雅黑" panose="020B0503020204020204" pitchFamily="34" charset="-122"/>
-              </a:rPr>
-              <a:t>实用性</a:t>
-            </a:r>
-          </a:p>
-        </p:txBody>
-      </p:sp>
-      <p:sp>
-        <p:nvSpPr>
-          <p:cNvPr id="81" name="文本框 80">
+        </p:spPr>
+      </p:pic>
+      <p:pic>
+        <p:nvPicPr>
+          <p:cNvPr id="86" name="图形 85">
             <a:extLst>
               <a:ext uri="{FF2B5EF4-FFF2-40B4-BE49-F238E27FC236}">
-                <a16:creationId xmlns:a16="http://schemas.microsoft.com/office/drawing/2014/main" id="{C3CD75CA-9E43-0CE5-0CAA-5CAA56C2CF85}"/>
+                <a16:creationId xmlns:a16="http://schemas.microsoft.com/office/drawing/2014/main" id="{1CCFD800-1CF5-3C5D-5E6F-44795C1040B1}"/>
               </a:ext>
             </a:extLst>
           </p:cNvPr>
-          <p:cNvSpPr txBox="1"/>
-          <p:nvPr/>
-        </p:nvSpPr>
-        <p:spPr>
-          <a:xfrm>
-            <a:off x="7562850" y="2839262"/>
-            <a:ext cx="1071187" cy="954107"/>
+          <p:cNvPicPr>
+            <a:picLocks noChangeAspect="1"/>
+          </p:cNvPicPr>
+          <p:nvPr/>
+        </p:nvPicPr>
+        <p:blipFill>
+          <a:blip r:embed="rId49">
+            <a:extLst>
+              <a:ext uri="{28A0092B-C50C-407E-A947-70E740481C1C}">
+                <a14:useLocalDpi xmlns:a14="http://schemas.microsoft.com/office/drawing/2010/main" val="0"/>
+              </a:ext>
+              <a:ext uri="{96DAC541-7B7A-43D3-8B79-37D633B846F1}">
+                <asvg:svgBlip xmlns:asvg="http://schemas.microsoft.com/office/drawing/2016/SVG/main" r:embed="rId50"/>
+              </a:ext>
+            </a:extLst>
+          </a:blip>
+          <a:stretch>
+            <a:fillRect/>
+          </a:stretch>
+        </p:blipFill>
+        <p:spPr>
+          <a:xfrm>
+            <a:off x="8913166" y="1618906"/>
+            <a:ext cx="1429011" cy="1429011"/>
           </a:xfrm>
           <a:prstGeom prst="rect">
             <a:avLst/>
           </a:prstGeom>
-          <a:noFill/>
-        </p:spPr>
-        <p:txBody>
-          <a:bodyPr wrap="square" rtlCol="0">
-            <a:spAutoFit/>
-          </a:bodyPr>
-          <a:lstStyle/>
-          <a:p>
-            <a:r>
-              <a:rPr lang="zh-CN" altLang="en-US" sz="2800" b="1" dirty="0">
-                <a:latin typeface="微软雅黑" panose="020B0503020204020204" pitchFamily="34" charset="-122"/>
-                <a:ea typeface="微软雅黑" panose="020B0503020204020204" pitchFamily="34" charset="-122"/>
-              </a:rPr>
-              <a:t>定制化</a:t>
-            </a:r>
-          </a:p>
-        </p:txBody>
-      </p:sp>
-      <p:sp>
-        <p:nvSpPr>
-          <p:cNvPr id="83" name="文本框 82">
+        </p:spPr>
+      </p:pic>
+      <p:pic>
+        <p:nvPicPr>
+          <p:cNvPr id="88" name="图形 87">
             <a:extLst>
               <a:ext uri="{FF2B5EF4-FFF2-40B4-BE49-F238E27FC236}">
-                <a16:creationId xmlns:a16="http://schemas.microsoft.com/office/drawing/2014/main" id="{373A6919-60F2-DDE1-E22D-75B2951F5E10}"/>
+                <a16:creationId xmlns:a16="http://schemas.microsoft.com/office/drawing/2014/main" id="{13796573-9776-CF24-469F-394DF3A540CE}"/>
               </a:ext>
             </a:extLst>
           </p:cNvPr>
-          <p:cNvSpPr txBox="1"/>
-          <p:nvPr/>
-        </p:nvSpPr>
-        <p:spPr>
-          <a:xfrm>
-            <a:off x="7591425" y="4323580"/>
-            <a:ext cx="1071187" cy="954107"/>
+          <p:cNvPicPr>
+            <a:picLocks noChangeAspect="1"/>
+          </p:cNvPicPr>
+          <p:nvPr/>
+        </p:nvPicPr>
+        <p:blipFill>
+          <a:blip r:embed="rId51">
+            <a:extLst>
+              <a:ext uri="{28A0092B-C50C-407E-A947-70E740481C1C}">
+                <a14:useLocalDpi xmlns:a14="http://schemas.microsoft.com/office/drawing/2010/main" val="0"/>
+              </a:ext>
+              <a:ext uri="{96DAC541-7B7A-43D3-8B79-37D633B846F1}">
+                <asvg:svgBlip xmlns:asvg="http://schemas.microsoft.com/office/drawing/2016/SVG/main" r:embed="rId52"/>
+              </a:ext>
+            </a:extLst>
+          </a:blip>
+          <a:stretch>
+            <a:fillRect/>
+          </a:stretch>
+        </p:blipFill>
+        <p:spPr>
+          <a:xfrm>
+            <a:off x="10361929" y="1797427"/>
+            <a:ext cx="1229380" cy="1186352"/>
           </a:xfrm>
           <a:prstGeom prst="rect">
             <a:avLst/>
           </a:prstGeom>
-          <a:noFill/>
-        </p:spPr>
-        <p:txBody>
-          <a:bodyPr wrap="square" rtlCol="0">
-            <a:spAutoFit/>
-          </a:bodyPr>
-          <a:lstStyle/>
-          <a:p>
-            <a:r>
-              <a:rPr lang="zh-CN" altLang="en-US" sz="2800" b="1" dirty="0">
-                <a:latin typeface="微软雅黑" panose="020B0503020204020204" pitchFamily="34" charset="-122"/>
-                <a:ea typeface="微软雅黑" panose="020B0503020204020204" pitchFamily="34" charset="-122"/>
-              </a:rPr>
-              <a:t>可获得性</a:t>
-            </a:r>
-          </a:p>
-        </p:txBody>
-      </p:sp>
-      <p:sp>
-        <p:nvSpPr>
-          <p:cNvPr id="85" name="文本框 84">
+        </p:spPr>
+      </p:pic>
+      <p:pic>
+        <p:nvPicPr>
+          <p:cNvPr id="90" name="图形 89">
             <a:extLst>
               <a:ext uri="{FF2B5EF4-FFF2-40B4-BE49-F238E27FC236}">
-                <a16:creationId xmlns:a16="http://schemas.microsoft.com/office/drawing/2014/main" id="{1D108017-5B80-8B2F-7352-EE1F561B547A}"/>
+                <a16:creationId xmlns:a16="http://schemas.microsoft.com/office/drawing/2014/main" id="{49BED56C-5396-0AC2-69D9-3C355E0BD7D6}"/>
               </a:ext>
             </a:extLst>
           </p:cNvPr>
-          <p:cNvSpPr txBox="1"/>
-          <p:nvPr/>
-        </p:nvSpPr>
-        <p:spPr>
-          <a:xfrm>
-            <a:off x="9068348" y="1879237"/>
-            <a:ext cx="1285291" cy="954107"/>
+          <p:cNvPicPr>
+            <a:picLocks noChangeAspect="1"/>
+          </p:cNvPicPr>
+          <p:nvPr/>
+        </p:nvPicPr>
+        <p:blipFill>
+          <a:blip r:embed="rId53">
+            <a:extLst>
+              <a:ext uri="{28A0092B-C50C-407E-A947-70E740481C1C}">
+                <a14:useLocalDpi xmlns:a14="http://schemas.microsoft.com/office/drawing/2010/main" val="0"/>
+              </a:ext>
+              <a:ext uri="{96DAC541-7B7A-43D3-8B79-37D633B846F1}">
+                <asvg:svgBlip xmlns:asvg="http://schemas.microsoft.com/office/drawing/2016/SVG/main" r:embed="rId54"/>
+              </a:ext>
+            </a:extLst>
+          </a:blip>
+          <a:stretch>
+            <a:fillRect/>
+          </a:stretch>
+        </p:blipFill>
+        <p:spPr>
+          <a:xfrm>
+            <a:off x="9059435" y="2766842"/>
+            <a:ext cx="1385993" cy="1385993"/>
           </a:xfrm>
           <a:prstGeom prst="rect">
             <a:avLst/>
           </a:prstGeom>
-          <a:noFill/>
-        </p:spPr>
-        <p:txBody>
-          <a:bodyPr wrap="square" rtlCol="0">
-            <a:spAutoFit/>
-          </a:bodyPr>
-          <a:lstStyle/>
-          <a:p>
-            <a:r>
-              <a:rPr lang="zh-CN" altLang="en-US" sz="2800" b="1" dirty="0">
-                <a:latin typeface="微软雅黑" panose="020B0503020204020204" pitchFamily="34" charset="-122"/>
-                <a:ea typeface="微软雅黑" panose="020B0503020204020204" pitchFamily="34" charset="-122"/>
-              </a:rPr>
-              <a:t>自动化服务</a:t>
-            </a:r>
-          </a:p>
-        </p:txBody>
-      </p:sp>
-      <p:sp>
-        <p:nvSpPr>
-          <p:cNvPr id="87" name="文本框 86">
+        </p:spPr>
+      </p:pic>
+      <p:pic>
+        <p:nvPicPr>
+          <p:cNvPr id="92" name="图形 91">
             <a:extLst>
               <a:ext uri="{FF2B5EF4-FFF2-40B4-BE49-F238E27FC236}">
-                <a16:creationId xmlns:a16="http://schemas.microsoft.com/office/drawing/2014/main" id="{32CD6F3A-85AB-9ED0-4E22-D361E3166516}"/>
+                <a16:creationId xmlns:a16="http://schemas.microsoft.com/office/drawing/2014/main" id="{7F812232-D2F0-5424-6E1D-D0A8C9BAB6A7}"/>
               </a:ext>
             </a:extLst>
           </p:cNvPr>
-          <p:cNvSpPr txBox="1"/>
-          <p:nvPr/>
-        </p:nvSpPr>
-        <p:spPr>
-          <a:xfrm>
-            <a:off x="10420660" y="1978258"/>
-            <a:ext cx="1285291" cy="646331"/>
+          <p:cNvPicPr>
+            <a:picLocks noChangeAspect="1"/>
+          </p:cNvPicPr>
+          <p:nvPr/>
+        </p:nvPicPr>
+        <p:blipFill>
+          <a:blip r:embed="rId55">
+            <a:extLst>
+              <a:ext uri="{28A0092B-C50C-407E-A947-70E740481C1C}">
+                <a14:useLocalDpi xmlns:a14="http://schemas.microsoft.com/office/drawing/2010/main" val="0"/>
+              </a:ext>
+              <a:ext uri="{96DAC541-7B7A-43D3-8B79-37D633B846F1}">
+                <asvg:svgBlip xmlns:asvg="http://schemas.microsoft.com/office/drawing/2016/SVG/main" r:embed="rId56"/>
+              </a:ext>
+            </a:extLst>
+          </a:blip>
+          <a:stretch>
+            <a:fillRect/>
+          </a:stretch>
+        </p:blipFill>
+        <p:spPr>
+          <a:xfrm>
+            <a:off x="9059435" y="4676945"/>
+            <a:ext cx="1124700" cy="1124700"/>
           </a:xfrm>
           <a:prstGeom prst="rect">
             <a:avLst/>
           </a:prstGeom>
-          <a:noFill/>
-        </p:spPr>
-        <p:txBody>
-          <a:bodyPr wrap="square" rtlCol="0">
-            <a:spAutoFit/>
-          </a:bodyPr>
-          <a:lstStyle/>
-          <a:p>
-            <a:r>
-              <a:rPr lang="zh-CN" altLang="en-US" sz="3600" b="1" dirty="0">
-                <a:latin typeface="微软雅黑" panose="020B0503020204020204" pitchFamily="34" charset="-122"/>
-                <a:ea typeface="微软雅黑" panose="020B0503020204020204" pitchFamily="34" charset="-122"/>
-              </a:rPr>
-              <a:t>社区</a:t>
-            </a:r>
-          </a:p>
-        </p:txBody>
-      </p:sp>
-      <p:sp>
-        <p:nvSpPr>
-          <p:cNvPr id="89" name="文本框 88">
+        </p:spPr>
+      </p:pic>
+      <p:pic>
+        <p:nvPicPr>
+          <p:cNvPr id="94" name="图形 93">
             <a:extLst>
               <a:ext uri="{FF2B5EF4-FFF2-40B4-BE49-F238E27FC236}">
-                <a16:creationId xmlns:a16="http://schemas.microsoft.com/office/drawing/2014/main" id="{A90FAE7A-8AB1-25AF-3CEC-F44BB4233952}"/>
+                <a16:creationId xmlns:a16="http://schemas.microsoft.com/office/drawing/2014/main" id="{C15E87E5-1A4E-4AD1-9D3E-7CA4F0429062}"/>
               </a:ext>
             </a:extLst>
           </p:cNvPr>
-          <p:cNvSpPr txBox="1"/>
-          <p:nvPr/>
-        </p:nvSpPr>
-        <p:spPr>
-          <a:xfrm>
-            <a:off x="9015032" y="2802576"/>
-            <a:ext cx="1561231" cy="1200329"/>
+          <p:cNvPicPr>
+            <a:picLocks noChangeAspect="1"/>
+          </p:cNvPicPr>
+          <p:nvPr/>
+        </p:nvPicPr>
+        <p:blipFill>
+          <a:blip r:embed="rId57">
+            <a:extLst>
+              <a:ext uri="{28A0092B-C50C-407E-A947-70E740481C1C}">
+                <a14:useLocalDpi xmlns:a14="http://schemas.microsoft.com/office/drawing/2010/main" val="0"/>
+              </a:ext>
+              <a:ext uri="{96DAC541-7B7A-43D3-8B79-37D633B846F1}">
+                <asvg:svgBlip xmlns:asvg="http://schemas.microsoft.com/office/drawing/2016/SVG/main" r:embed="rId58"/>
+              </a:ext>
+            </a:extLst>
+          </a:blip>
+          <a:stretch>
+            <a:fillRect/>
+          </a:stretch>
+        </p:blipFill>
+        <p:spPr>
+          <a:xfrm>
+            <a:off x="9016946" y="5888301"/>
+            <a:ext cx="1209677" cy="1209677"/>
           </a:xfrm>
           <a:prstGeom prst="rect">
             <a:avLst/>
           </a:prstGeom>
-          <a:noFill/>
-        </p:spPr>
-        <p:txBody>
-          <a:bodyPr wrap="square" rtlCol="0">
-            <a:spAutoFit/>
-          </a:bodyPr>
-          <a:lstStyle/>
-          <a:p>
-            <a:r>
-              <a:rPr lang="zh-CN" altLang="en-US" sz="2400" b="1" dirty="0">
-                <a:latin typeface="微软雅黑" panose="020B0503020204020204" pitchFamily="34" charset="-122"/>
-                <a:ea typeface="微软雅黑" panose="020B0503020204020204" pitchFamily="34" charset="-122"/>
-              </a:rPr>
-              <a:t>与客户协作、共同创造</a:t>
-            </a:r>
-          </a:p>
-        </p:txBody>
-      </p:sp>
-      <p:sp>
-        <p:nvSpPr>
-          <p:cNvPr id="91" name="文本框 90">
+        </p:spPr>
+      </p:pic>
+      <p:pic>
+        <p:nvPicPr>
+          <p:cNvPr id="96" name="图形 95">
             <a:extLst>
               <a:ext uri="{FF2B5EF4-FFF2-40B4-BE49-F238E27FC236}">
-                <a16:creationId xmlns:a16="http://schemas.microsoft.com/office/drawing/2014/main" id="{713478C6-9CD6-C878-D8E5-F4D938E754D3}"/>
+                <a16:creationId xmlns:a16="http://schemas.microsoft.com/office/drawing/2014/main" id="{ECE07AE5-3EF2-8B59-C0D0-64FBDEDC6F9A}"/>
               </a:ext>
             </a:extLst>
           </p:cNvPr>
-          <p:cNvSpPr txBox="1"/>
-          <p:nvPr/>
-        </p:nvSpPr>
-        <p:spPr>
-          <a:xfrm>
-            <a:off x="9169441" y="4955726"/>
-            <a:ext cx="1071187" cy="584775"/>
+          <p:cNvPicPr>
+            <a:picLocks noChangeAspect="1"/>
+          </p:cNvPicPr>
+          <p:nvPr/>
+        </p:nvPicPr>
+        <p:blipFill>
+          <a:blip r:embed="rId59">
+            <a:extLst>
+              <a:ext uri="{28A0092B-C50C-407E-A947-70E740481C1C}">
+                <a14:useLocalDpi xmlns:a14="http://schemas.microsoft.com/office/drawing/2010/main" val="0"/>
+              </a:ext>
+              <a:ext uri="{96DAC541-7B7A-43D3-8B79-37D633B846F1}">
+                <asvg:svgBlip xmlns:asvg="http://schemas.microsoft.com/office/drawing/2016/SVG/main" r:embed="rId60"/>
+              </a:ext>
+            </a:extLst>
+          </a:blip>
+          <a:stretch>
+            <a:fillRect/>
+          </a:stretch>
+        </p:blipFill>
+        <p:spPr>
+          <a:xfrm>
+            <a:off x="10301085" y="4247150"/>
+            <a:ext cx="947244" cy="947244"/>
           </a:xfrm>
           <a:prstGeom prst="rect">
             <a:avLst/>
           </a:prstGeom>
-          <a:noFill/>
-        </p:spPr>
-        <p:txBody>
-          <a:bodyPr wrap="square" rtlCol="0">
-            <a:spAutoFit/>
-          </a:bodyPr>
-          <a:lstStyle/>
-          <a:p>
-            <a:r>
-              <a:rPr lang="zh-CN" altLang="en-US" sz="3200" b="1" dirty="0">
-                <a:latin typeface="微软雅黑" panose="020B0503020204020204" pitchFamily="34" charset="-122"/>
-                <a:ea typeface="微软雅黑" panose="020B0503020204020204" pitchFamily="34" charset="-122"/>
-              </a:rPr>
-              <a:t>认知</a:t>
-            </a:r>
-          </a:p>
-        </p:txBody>
-      </p:sp>
-      <p:sp>
-        <p:nvSpPr>
-          <p:cNvPr id="93" name="文本框 92">
+        </p:spPr>
+      </p:pic>
+      <p:pic>
+        <p:nvPicPr>
+          <p:cNvPr id="98" name="图形 97">
             <a:extLst>
               <a:ext uri="{FF2B5EF4-FFF2-40B4-BE49-F238E27FC236}">
-                <a16:creationId xmlns:a16="http://schemas.microsoft.com/office/drawing/2014/main" id="{B2ACC69E-BD5E-C002-79A5-F701DAC524F5}"/>
+                <a16:creationId xmlns:a16="http://schemas.microsoft.com/office/drawing/2014/main" id="{26DA9079-90E9-8BA9-B91A-E9D7846F3F18}"/>
               </a:ext>
             </a:extLst>
           </p:cNvPr>
-          <p:cNvSpPr txBox="1"/>
-          <p:nvPr/>
-        </p:nvSpPr>
-        <p:spPr>
-          <a:xfrm>
-            <a:off x="9172992" y="6047905"/>
-            <a:ext cx="1071187" cy="584775"/>
+          <p:cNvPicPr>
+            <a:picLocks noChangeAspect="1"/>
+          </p:cNvPicPr>
+          <p:nvPr/>
+        </p:nvPicPr>
+        <p:blipFill>
+          <a:blip r:embed="rId61">
+            <a:extLst>
+              <a:ext uri="{28A0092B-C50C-407E-A947-70E740481C1C}">
+                <a14:useLocalDpi xmlns:a14="http://schemas.microsoft.com/office/drawing/2010/main" val="0"/>
+              </a:ext>
+              <a:ext uri="{96DAC541-7B7A-43D3-8B79-37D633B846F1}">
+                <asvg:svgBlip xmlns:asvg="http://schemas.microsoft.com/office/drawing/2016/SVG/main" r:embed="rId62"/>
+              </a:ext>
+            </a:extLst>
+          </a:blip>
+          <a:stretch>
+            <a:fillRect/>
+          </a:stretch>
+        </p:blipFill>
+        <p:spPr>
+          <a:xfrm>
+            <a:off x="10398239" y="5171216"/>
+            <a:ext cx="865321" cy="865321"/>
           </a:xfrm>
           <a:prstGeom prst="rect">
             <a:avLst/>
           </a:prstGeom>
-          <a:noFill/>
-        </p:spPr>
-        <p:txBody>
-          <a:bodyPr wrap="square" rtlCol="0">
-            <a:spAutoFit/>
-          </a:bodyPr>
-          <a:lstStyle/>
-          <a:p>
-            <a:r>
-              <a:rPr lang="zh-CN" altLang="en-US" sz="3200" b="1" dirty="0">
-                <a:latin typeface="微软雅黑" panose="020B0503020204020204" pitchFamily="34" charset="-122"/>
-                <a:ea typeface="微软雅黑" panose="020B0503020204020204" pitchFamily="34" charset="-122"/>
-              </a:rPr>
-              <a:t>评估</a:t>
-            </a:r>
-          </a:p>
-        </p:txBody>
-      </p:sp>
-      <p:sp>
-        <p:nvSpPr>
-          <p:cNvPr id="95" name="文本框 94">
+        </p:spPr>
+      </p:pic>
+      <p:pic>
+        <p:nvPicPr>
+          <p:cNvPr id="100" name="图形 99">
             <a:extLst>
               <a:ext uri="{FF2B5EF4-FFF2-40B4-BE49-F238E27FC236}">
-                <a16:creationId xmlns:a16="http://schemas.microsoft.com/office/drawing/2014/main" id="{65CCC311-2DE6-1C12-1EB8-4662A33504B4}"/>
+                <a16:creationId xmlns:a16="http://schemas.microsoft.com/office/drawing/2014/main" id="{7B8ABA8F-CF8A-9EAA-9738-9ED1E8A0846D}"/>
               </a:ext>
             </a:extLst>
           </p:cNvPr>
-          <p:cNvSpPr txBox="1"/>
-          <p:nvPr/>
-        </p:nvSpPr>
-        <p:spPr>
-          <a:xfrm>
-            <a:off x="10292885" y="4510583"/>
-            <a:ext cx="1071187" cy="584775"/>
+          <p:cNvPicPr>
+            <a:picLocks noChangeAspect="1"/>
+          </p:cNvPicPr>
+          <p:nvPr/>
+        </p:nvPicPr>
+        <p:blipFill>
+          <a:blip r:embed="rId63">
+            <a:extLst>
+              <a:ext uri="{28A0092B-C50C-407E-A947-70E740481C1C}">
+                <a14:useLocalDpi xmlns:a14="http://schemas.microsoft.com/office/drawing/2010/main" val="0"/>
+              </a:ext>
+              <a:ext uri="{96DAC541-7B7A-43D3-8B79-37D633B846F1}">
+                <asvg:svgBlip xmlns:asvg="http://schemas.microsoft.com/office/drawing/2016/SVG/main" r:embed="rId64"/>
+              </a:ext>
+            </a:extLst>
+          </a:blip>
+          <a:stretch>
+            <a:fillRect/>
+          </a:stretch>
+        </p:blipFill>
+        <p:spPr>
+          <a:xfrm>
+            <a:off x="10383933" y="6143520"/>
+            <a:ext cx="865321" cy="865321"/>
           </a:xfrm>
           <a:prstGeom prst="rect">
             <a:avLst/>
           </a:prstGeom>
-          <a:noFill/>
-        </p:spPr>
-        <p:txBody>
-          <a:bodyPr wrap="square" rtlCol="0">
-            <a:spAutoFit/>
-          </a:bodyPr>
-          <a:lstStyle/>
-          <a:p>
-            <a:r>
-              <a:rPr lang="zh-CN" altLang="en-US" sz="3200" b="1" dirty="0">
-                <a:latin typeface="微软雅黑" panose="020B0503020204020204" pitchFamily="34" charset="-122"/>
-                <a:ea typeface="微软雅黑" panose="020B0503020204020204" pitchFamily="34" charset="-122"/>
-              </a:rPr>
-              <a:t>购买</a:t>
-            </a:r>
-          </a:p>
-        </p:txBody>
-      </p:sp>
-      <p:sp>
-        <p:nvSpPr>
-          <p:cNvPr id="97" name="文本框 96">
+        </p:spPr>
+      </p:pic>
+      <p:pic>
+        <p:nvPicPr>
+          <p:cNvPr id="102" name="图形 101">
             <a:extLst>
               <a:ext uri="{FF2B5EF4-FFF2-40B4-BE49-F238E27FC236}">
-                <a16:creationId xmlns:a16="http://schemas.microsoft.com/office/drawing/2014/main" id="{177D4F77-5614-CCCC-3A91-67AFAF537800}"/>
+                <a16:creationId xmlns:a16="http://schemas.microsoft.com/office/drawing/2014/main" id="{ED489BD9-8C2E-6BCD-EE84-5ABA8DB98105}"/>
               </a:ext>
             </a:extLst>
           </p:cNvPr>
-          <p:cNvSpPr txBox="1"/>
-          <p:nvPr/>
-        </p:nvSpPr>
-        <p:spPr>
-          <a:xfrm>
-            <a:off x="10300874" y="5350505"/>
-            <a:ext cx="1071187" cy="584775"/>
+          <p:cNvPicPr>
+            <a:picLocks noChangeAspect="1"/>
+          </p:cNvPicPr>
+          <p:nvPr/>
+        </p:nvPicPr>
+        <p:blipFill>
+          <a:blip r:embed="rId65">
+            <a:extLst>
+              <a:ext uri="{28A0092B-C50C-407E-A947-70E740481C1C}">
+                <a14:useLocalDpi xmlns:a14="http://schemas.microsoft.com/office/drawing/2010/main" val="0"/>
+              </a:ext>
+              <a:ext uri="{96DAC541-7B7A-43D3-8B79-37D633B846F1}">
+                <asvg:svgBlip xmlns:asvg="http://schemas.microsoft.com/office/drawing/2016/SVG/main" r:embed="rId66"/>
+              </a:ext>
+            </a:extLst>
+          </a:blip>
+          <a:stretch>
+            <a:fillRect/>
+          </a:stretch>
+        </p:blipFill>
+        <p:spPr>
+          <a:xfrm>
+            <a:off x="12880034" y="1936773"/>
+            <a:ext cx="1355406" cy="1355406"/>
           </a:xfrm>
           <a:prstGeom prst="rect">
             <a:avLst/>
           </a:prstGeom>
-          <a:noFill/>
-        </p:spPr>
-        <p:txBody>
-          <a:bodyPr wrap="square" rtlCol="0">
-            <a:spAutoFit/>
-          </a:bodyPr>
-          <a:lstStyle/>
-          <a:p>
-            <a:r>
-              <a:rPr lang="zh-CN" altLang="en-US" sz="3200" b="1" dirty="0">
-                <a:latin typeface="微软雅黑" panose="020B0503020204020204" pitchFamily="34" charset="-122"/>
-                <a:ea typeface="微软雅黑" panose="020B0503020204020204" pitchFamily="34" charset="-122"/>
-              </a:rPr>
-              <a:t>传递</a:t>
-            </a:r>
-          </a:p>
-        </p:txBody>
-      </p:sp>
-      <p:sp>
-        <p:nvSpPr>
-          <p:cNvPr id="99" name="文本框 98">
+        </p:spPr>
+      </p:pic>
+      <p:pic>
+        <p:nvPicPr>
+          <p:cNvPr id="104" name="图形 103">
             <a:extLst>
               <a:ext uri="{FF2B5EF4-FFF2-40B4-BE49-F238E27FC236}">
-                <a16:creationId xmlns:a16="http://schemas.microsoft.com/office/drawing/2014/main" id="{2B31D679-8986-084B-AEEF-65CCBDB5A918}"/>
+                <a16:creationId xmlns:a16="http://schemas.microsoft.com/office/drawing/2014/main" id="{D7775F56-8618-B17A-5A27-718EBCC5FE50}"/>
               </a:ext>
             </a:extLst>
           </p:cNvPr>
-          <p:cNvSpPr txBox="1"/>
-          <p:nvPr/>
-        </p:nvSpPr>
-        <p:spPr>
-          <a:xfrm>
-            <a:off x="10280656" y="6217913"/>
-            <a:ext cx="1071187" cy="584775"/>
+          <p:cNvPicPr>
+            <a:picLocks noChangeAspect="1"/>
+          </p:cNvPicPr>
+          <p:nvPr/>
+        </p:nvPicPr>
+        <p:blipFill>
+          <a:blip r:embed="rId67">
+            <a:extLst>
+              <a:ext uri="{28A0092B-C50C-407E-A947-70E740481C1C}">
+                <a14:useLocalDpi xmlns:a14="http://schemas.microsoft.com/office/drawing/2010/main" val="0"/>
+              </a:ext>
+              <a:ext uri="{96DAC541-7B7A-43D3-8B79-37D633B846F1}">
+                <asvg:svgBlip xmlns:asvg="http://schemas.microsoft.com/office/drawing/2016/SVG/main" r:embed="rId68"/>
+              </a:ext>
+            </a:extLst>
+          </a:blip>
+          <a:stretch>
+            <a:fillRect/>
+          </a:stretch>
+        </p:blipFill>
+        <p:spPr>
+          <a:xfrm>
+            <a:off x="12031571" y="3396381"/>
+            <a:ext cx="1123571" cy="1123571"/>
           </a:xfrm>
           <a:prstGeom prst="rect">
             <a:avLst/>
           </a:prstGeom>
-          <a:noFill/>
-        </p:spPr>
-        <p:txBody>
-          <a:bodyPr wrap="square" rtlCol="0">
-            <a:spAutoFit/>
-          </a:bodyPr>
-          <a:lstStyle/>
-          <a:p>
-            <a:r>
-              <a:rPr lang="zh-CN" altLang="en-US" sz="3200" b="1" dirty="0">
-                <a:latin typeface="微软雅黑" panose="020B0503020204020204" pitchFamily="34" charset="-122"/>
-                <a:ea typeface="微软雅黑" panose="020B0503020204020204" pitchFamily="34" charset="-122"/>
-              </a:rPr>
-              <a:t>售后</a:t>
-            </a:r>
-          </a:p>
-        </p:txBody>
-      </p:sp>
-      <p:sp>
-        <p:nvSpPr>
-          <p:cNvPr id="101" name="文本框 100">
+        </p:spPr>
+      </p:pic>
+      <p:pic>
+        <p:nvPicPr>
+          <p:cNvPr id="106" name="图形 105">
             <a:extLst>
               <a:ext uri="{FF2B5EF4-FFF2-40B4-BE49-F238E27FC236}">
-                <a16:creationId xmlns:a16="http://schemas.microsoft.com/office/drawing/2014/main" id="{F96A2782-80B0-8447-7097-E2578A73226A}"/>
+                <a16:creationId xmlns:a16="http://schemas.microsoft.com/office/drawing/2014/main" id="{BBFC545D-EC10-058D-5416-61773D3F8BA8}"/>
               </a:ext>
             </a:extLst>
           </p:cNvPr>
-          <p:cNvSpPr txBox="1"/>
-          <p:nvPr/>
-        </p:nvSpPr>
-        <p:spPr>
-          <a:xfrm>
-            <a:off x="12869768" y="2038090"/>
-            <a:ext cx="1350149" cy="1384995"/>
+          <p:cNvPicPr>
+            <a:picLocks noChangeAspect="1"/>
+          </p:cNvPicPr>
+          <p:nvPr/>
+        </p:nvPicPr>
+        <p:blipFill>
+          <a:blip r:embed="rId69">
+            <a:extLst>
+              <a:ext uri="{28A0092B-C50C-407E-A947-70E740481C1C}">
+                <a14:useLocalDpi xmlns:a14="http://schemas.microsoft.com/office/drawing/2010/main" val="0"/>
+              </a:ext>
+              <a:ext uri="{96DAC541-7B7A-43D3-8B79-37D633B846F1}">
+                <asvg:svgBlip xmlns:asvg="http://schemas.microsoft.com/office/drawing/2016/SVG/main" r:embed="rId70"/>
+              </a:ext>
+            </a:extLst>
+          </a:blip>
+          <a:stretch>
+            <a:fillRect/>
+          </a:stretch>
+        </p:blipFill>
+        <p:spPr>
+          <a:xfrm>
+            <a:off x="13105500" y="4323580"/>
+            <a:ext cx="1209677" cy="1209677"/>
           </a:xfrm>
           <a:prstGeom prst="rect">
             <a:avLst/>
           </a:prstGeom>
-          <a:noFill/>
-        </p:spPr>
-        <p:txBody>
-          <a:bodyPr wrap="square" rtlCol="0">
-            <a:spAutoFit/>
-          </a:bodyPr>
-          <a:lstStyle/>
-          <a:p>
-            <a:r>
-              <a:rPr lang="zh-CN" altLang="en-US" sz="2800" b="1" dirty="0">
-                <a:latin typeface="微软雅黑" panose="020B0503020204020204" pitchFamily="34" charset="-122"/>
-                <a:ea typeface="微软雅黑" panose="020B0503020204020204" pitchFamily="34" charset="-122"/>
-              </a:rPr>
-              <a:t>日常网络交流者</a:t>
-            </a:r>
-          </a:p>
-        </p:txBody>
-      </p:sp>
-      <p:sp>
-        <p:nvSpPr>
-          <p:cNvPr id="103" name="文本框 102">
+        </p:spPr>
+      </p:pic>
+      <p:pic>
+        <p:nvPicPr>
+          <p:cNvPr id="108" name="图形 107">
             <a:extLst>
               <a:ext uri="{FF2B5EF4-FFF2-40B4-BE49-F238E27FC236}">
-                <a16:creationId xmlns:a16="http://schemas.microsoft.com/office/drawing/2014/main" id="{AF58AB2D-AFA8-2D25-5AA3-5C423253E160}"/>
+                <a16:creationId xmlns:a16="http://schemas.microsoft.com/office/drawing/2014/main" id="{A29A2CF8-A61A-CFA6-CEBD-058880C56546}"/>
               </a:ext>
             </a:extLst>
           </p:cNvPr>
-          <p:cNvSpPr txBox="1"/>
-          <p:nvPr/>
-        </p:nvSpPr>
-        <p:spPr>
-          <a:xfrm>
-            <a:off x="11788968" y="3525315"/>
-            <a:ext cx="1561231" cy="1077218"/>
+          <p:cNvPicPr>
+            <a:picLocks noChangeAspect="1"/>
+          </p:cNvPicPr>
+          <p:nvPr/>
+        </p:nvPicPr>
+        <p:blipFill>
+          <a:blip r:embed="rId71">
+            <a:extLst>
+              <a:ext uri="{28A0092B-C50C-407E-A947-70E740481C1C}">
+                <a14:useLocalDpi xmlns:a14="http://schemas.microsoft.com/office/drawing/2010/main" val="0"/>
+              </a:ext>
+              <a:ext uri="{96DAC541-7B7A-43D3-8B79-37D633B846F1}">
+                <asvg:svgBlip xmlns:asvg="http://schemas.microsoft.com/office/drawing/2016/SVG/main" r:embed="rId72"/>
+              </a:ext>
+            </a:extLst>
+          </a:blip>
+          <a:stretch>
+            <a:fillRect/>
+          </a:stretch>
+        </p:blipFill>
+        <p:spPr>
+          <a:xfrm>
+            <a:off x="7880457" y="7560661"/>
+            <a:ext cx="1604059" cy="1596039"/>
           </a:xfrm>
           <a:prstGeom prst="rect">
             <a:avLst/>
           </a:prstGeom>
-          <a:noFill/>
-        </p:spPr>
-        <p:txBody>
-          <a:bodyPr wrap="square" rtlCol="0">
-            <a:spAutoFit/>
-          </a:bodyPr>
-          <a:lstStyle/>
-          <a:p>
-            <a:r>
-              <a:rPr lang="zh-CN" altLang="en-US" sz="3200" b="1" dirty="0">
-                <a:latin typeface="微软雅黑" panose="020B0503020204020204" pitchFamily="34" charset="-122"/>
-                <a:ea typeface="微软雅黑" panose="020B0503020204020204" pitchFamily="34" charset="-122"/>
-              </a:rPr>
-              <a:t>宣传工作者</a:t>
-            </a:r>
-          </a:p>
-        </p:txBody>
-      </p:sp>
-      <p:sp>
-        <p:nvSpPr>
-          <p:cNvPr id="105" name="文本框 104">
+        </p:spPr>
+      </p:pic>
+      <p:pic>
+        <p:nvPicPr>
+          <p:cNvPr id="110" name="图形 109">
             <a:extLst>
               <a:ext uri="{FF2B5EF4-FFF2-40B4-BE49-F238E27FC236}">
-                <a16:creationId xmlns:a16="http://schemas.microsoft.com/office/drawing/2014/main" id="{525C7F72-ABA5-5921-E3A5-E0552189C8BB}"/>
+                <a16:creationId xmlns:a16="http://schemas.microsoft.com/office/drawing/2014/main" id="{83303E29-C6C5-ADFB-6B5C-7CC71EEC08D5}"/>
               </a:ext>
             </a:extLst>
           </p:cNvPr>
-          <p:cNvSpPr txBox="1"/>
-          <p:nvPr/>
-        </p:nvSpPr>
-        <p:spPr>
-          <a:xfrm>
-            <a:off x="12951807" y="4542762"/>
-            <a:ext cx="1446195" cy="1077218"/>
+          <p:cNvPicPr>
+            <a:picLocks noChangeAspect="1"/>
+          </p:cNvPicPr>
+          <p:nvPr/>
+        </p:nvPicPr>
+        <p:blipFill>
+          <a:blip r:embed="rId73">
+            <a:extLst>
+              <a:ext uri="{28A0092B-C50C-407E-A947-70E740481C1C}">
+                <a14:useLocalDpi xmlns:a14="http://schemas.microsoft.com/office/drawing/2010/main" val="0"/>
+              </a:ext>
+              <a:ext uri="{96DAC541-7B7A-43D3-8B79-37D633B846F1}">
+                <asvg:svgBlip xmlns:asvg="http://schemas.microsoft.com/office/drawing/2016/SVG/main" r:embed="rId74"/>
+              </a:ext>
+            </a:extLst>
+          </a:blip>
+          <a:stretch>
+            <a:fillRect/>
+          </a:stretch>
+        </p:blipFill>
+        <p:spPr>
+          <a:xfrm>
+            <a:off x="9883968" y="7442938"/>
+            <a:ext cx="1905000" cy="1905000"/>
           </a:xfrm>
           <a:prstGeom prst="rect">
             <a:avLst/>
           </a:prstGeom>
-          <a:noFill/>
-        </p:spPr>
-        <p:txBody>
-          <a:bodyPr wrap="square" rtlCol="0">
-            <a:spAutoFit/>
-          </a:bodyPr>
-          <a:lstStyle/>
-          <a:p>
-            <a:r>
-              <a:rPr lang="zh-CN" altLang="en-US" sz="3200" b="1" dirty="0">
-                <a:latin typeface="微软雅黑" panose="020B0503020204020204" pitchFamily="34" charset="-122"/>
-                <a:ea typeface="微软雅黑" panose="020B0503020204020204" pitchFamily="34" charset="-122"/>
-              </a:rPr>
-              <a:t>书面写作者</a:t>
-            </a:r>
-          </a:p>
-        </p:txBody>
-      </p:sp>
-      <p:sp>
-        <p:nvSpPr>
-          <p:cNvPr id="107" name="文本框 106">
+        </p:spPr>
+      </p:pic>
+      <p:pic>
+        <p:nvPicPr>
+          <p:cNvPr id="112" name="图形 111">
             <a:extLst>
               <a:ext uri="{FF2B5EF4-FFF2-40B4-BE49-F238E27FC236}">
-                <a16:creationId xmlns:a16="http://schemas.microsoft.com/office/drawing/2014/main" id="{6350696E-8019-6254-1047-DAD0EC23C6F0}"/>
+                <a16:creationId xmlns:a16="http://schemas.microsoft.com/office/drawing/2014/main" id="{08FBE41A-8370-8313-277C-EF8FEFB8B602}"/>
               </a:ext>
             </a:extLst>
           </p:cNvPr>
-          <p:cNvSpPr txBox="1"/>
-          <p:nvPr/>
-        </p:nvSpPr>
-        <p:spPr>
-          <a:xfrm>
-            <a:off x="11905953" y="5848581"/>
-            <a:ext cx="1285291" cy="646331"/>
+          <p:cNvPicPr>
+            <a:picLocks noChangeAspect="1"/>
+          </p:cNvPicPr>
+          <p:nvPr/>
+        </p:nvPicPr>
+        <p:blipFill>
+          <a:blip r:embed="rId75">
+            <a:extLst>
+              <a:ext uri="{28A0092B-C50C-407E-A947-70E740481C1C}">
+                <a14:useLocalDpi xmlns:a14="http://schemas.microsoft.com/office/drawing/2010/main" val="0"/>
+              </a:ext>
+              <a:ext uri="{96DAC541-7B7A-43D3-8B79-37D633B846F1}">
+                <asvg:svgBlip xmlns:asvg="http://schemas.microsoft.com/office/drawing/2016/SVG/main" r:embed="rId76"/>
+              </a:ext>
+            </a:extLst>
+          </a:blip>
+          <a:stretch>
+            <a:fillRect/>
+          </a:stretch>
+        </p:blipFill>
+        <p:spPr>
+          <a:xfrm>
+            <a:off x="12081627" y="7530833"/>
+            <a:ext cx="1654135" cy="1654135"/>
           </a:xfrm>
           <a:prstGeom prst="rect">
             <a:avLst/>
           </a:prstGeom>
-          <a:noFill/>
-        </p:spPr>
-        <p:txBody>
-          <a:bodyPr wrap="square" rtlCol="0">
-            <a:spAutoFit/>
-          </a:bodyPr>
-          <a:lstStyle/>
-          <a:p>
-            <a:r>
-              <a:rPr lang="zh-CN" altLang="en-US" sz="3600" b="1" dirty="0">
-                <a:latin typeface="微软雅黑" panose="020B0503020204020204" pitchFamily="34" charset="-122"/>
-                <a:ea typeface="微软雅黑" panose="020B0503020204020204" pitchFamily="34" charset="-122"/>
-              </a:rPr>
-              <a:t>学生</a:t>
-            </a:r>
-          </a:p>
-        </p:txBody>
-      </p:sp>
-      <p:sp>
-        <p:nvSpPr>
-          <p:cNvPr id="109" name="文本框 108">
+        </p:spPr>
+      </p:pic>
+      <p:pic>
+        <p:nvPicPr>
+          <p:cNvPr id="114" name="图形 113">
             <a:extLst>
               <a:ext uri="{FF2B5EF4-FFF2-40B4-BE49-F238E27FC236}">
-                <a16:creationId xmlns:a16="http://schemas.microsoft.com/office/drawing/2014/main" id="{E1C6D47E-F8F6-5ABA-08AE-1C6C7E36FD3B}"/>
+                <a16:creationId xmlns:a16="http://schemas.microsoft.com/office/drawing/2014/main" id="{DBEA63BB-F541-A93B-0E0A-8923AF94A413}"/>
               </a:ext>
             </a:extLst>
           </p:cNvPr>
-          <p:cNvSpPr txBox="1"/>
-          <p:nvPr/>
-        </p:nvSpPr>
-        <p:spPr>
-          <a:xfrm>
-            <a:off x="2358805" y="7636959"/>
-            <a:ext cx="1405892" cy="1446550"/>
+          <p:cNvPicPr>
+            <a:picLocks noChangeAspect="1"/>
+          </p:cNvPicPr>
+          <p:nvPr/>
+        </p:nvPicPr>
+        <p:blipFill>
+          <a:blip r:embed="rId77">
+            <a:extLst>
+              <a:ext uri="{28A0092B-C50C-407E-A947-70E740481C1C}">
+                <a14:useLocalDpi xmlns:a14="http://schemas.microsoft.com/office/drawing/2010/main" val="0"/>
+              </a:ext>
+              <a:ext uri="{96DAC541-7B7A-43D3-8B79-37D633B846F1}">
+                <asvg:svgBlip xmlns:asvg="http://schemas.microsoft.com/office/drawing/2016/SVG/main" r:embed="rId78"/>
+              </a:ext>
+            </a:extLst>
+          </a:blip>
+          <a:stretch>
+            <a:fillRect/>
+          </a:stretch>
+        </p:blipFill>
+        <p:spPr>
+          <a:xfrm>
+            <a:off x="4818128" y="6115948"/>
+            <a:ext cx="904610" cy="904610"/>
           </a:xfrm>
           <a:prstGeom prst="rect">
             <a:avLst/>
           </a:prstGeom>
-          <a:noFill/>
-        </p:spPr>
-        <p:txBody>
-          <a:bodyPr wrap="square" rtlCol="0">
-            <a:spAutoFit/>
-          </a:bodyPr>
-          <a:lstStyle/>
-          <a:p>
-            <a:r>
-              <a:rPr lang="zh-CN" altLang="en-US" sz="4400" b="1" dirty="0">
-                <a:latin typeface="微软雅黑" panose="020B0503020204020204" pitchFamily="34" charset="-122"/>
-                <a:ea typeface="微软雅黑" panose="020B0503020204020204" pitchFamily="34" charset="-122"/>
-              </a:rPr>
-              <a:t>固定成本</a:t>
-            </a:r>
-          </a:p>
-        </p:txBody>
-      </p:sp>
-      <p:sp>
-        <p:nvSpPr>
-          <p:cNvPr id="111" name="文本框 110">
+        </p:spPr>
+      </p:pic>
+      <p:pic>
+        <p:nvPicPr>
+          <p:cNvPr id="118" name="图形 117">
             <a:extLst>
               <a:ext uri="{FF2B5EF4-FFF2-40B4-BE49-F238E27FC236}">
-                <a16:creationId xmlns:a16="http://schemas.microsoft.com/office/drawing/2014/main" id="{156D7E61-E7FF-1E4B-429E-55AFDB7494E7}"/>
+                <a16:creationId xmlns:a16="http://schemas.microsoft.com/office/drawing/2014/main" id="{ABC4CACE-D210-912F-575F-66A7FE95B225}"/>
               </a:ext>
             </a:extLst>
           </p:cNvPr>
-          <p:cNvSpPr txBox="1"/>
-          <p:nvPr/>
-        </p:nvSpPr>
-        <p:spPr>
-          <a:xfrm>
-            <a:off x="4447905" y="7614314"/>
-            <a:ext cx="1405891" cy="1446550"/>
+          <p:cNvPicPr>
+            <a:picLocks noChangeAspect="1"/>
+          </p:cNvPicPr>
+          <p:nvPr/>
+        </p:nvPicPr>
+        <p:blipFill>
+          <a:blip r:embed="rId79">
+            <a:extLst>
+              <a:ext uri="{28A0092B-C50C-407E-A947-70E740481C1C}">
+                <a14:useLocalDpi xmlns:a14="http://schemas.microsoft.com/office/drawing/2010/main" val="0"/>
+              </a:ext>
+              <a:ext uri="{96DAC541-7B7A-43D3-8B79-37D633B846F1}">
+                <asvg:svgBlip xmlns:asvg="http://schemas.microsoft.com/office/drawing/2016/SVG/main" r:embed="rId80"/>
+              </a:ext>
+            </a:extLst>
+          </a:blip>
+          <a:stretch>
+            <a:fillRect/>
+          </a:stretch>
+        </p:blipFill>
+        <p:spPr>
+          <a:xfrm>
+            <a:off x="6065771" y="4809729"/>
+            <a:ext cx="1584948" cy="1584948"/>
           </a:xfrm>
           <a:prstGeom prst="rect">
             <a:avLst/>
           </a:prstGeom>
-          <a:noFill/>
-        </p:spPr>
-        <p:txBody>
-          <a:bodyPr wrap="square" rtlCol="0">
-            <a:spAutoFit/>
-          </a:bodyPr>
-          <a:lstStyle/>
-          <a:p>
-            <a:r>
-              <a:rPr lang="zh-CN" altLang="en-US" sz="4400" b="1" dirty="0">
-                <a:latin typeface="微软雅黑" panose="020B0503020204020204" pitchFamily="34" charset="-122"/>
-                <a:ea typeface="微软雅黑" panose="020B0503020204020204" pitchFamily="34" charset="-122"/>
-              </a:rPr>
-              <a:t>可变成本</a:t>
-            </a:r>
-          </a:p>
-        </p:txBody>
-      </p:sp>
-      <p:sp>
-        <p:nvSpPr>
-          <p:cNvPr id="113" name="文本框 112">
+        </p:spPr>
+      </p:pic>
+      <p:pic>
+        <p:nvPicPr>
+          <p:cNvPr id="120" name="图形 119">
             <a:extLst>
               <a:ext uri="{FF2B5EF4-FFF2-40B4-BE49-F238E27FC236}">
-                <a16:creationId xmlns:a16="http://schemas.microsoft.com/office/drawing/2014/main" id="{ADD3DAAD-A9E5-3DB7-D625-F90F3FDC61F1}"/>
+                <a16:creationId xmlns:a16="http://schemas.microsoft.com/office/drawing/2014/main" id="{0F02B986-4976-CB67-52E5-6E88AB7A1653}"/>
               </a:ext>
             </a:extLst>
           </p:cNvPr>
-          <p:cNvSpPr txBox="1"/>
-          <p:nvPr/>
-        </p:nvSpPr>
-        <p:spPr>
-          <a:xfrm>
-            <a:off x="7898815" y="8006291"/>
-            <a:ext cx="2110688" cy="707886"/>
+          <p:cNvPicPr>
+            <a:picLocks noChangeAspect="1"/>
+          </p:cNvPicPr>
+          <p:nvPr/>
+        </p:nvPicPr>
+        <p:blipFill>
+          <a:blip r:embed="rId81">
+            <a:extLst>
+              <a:ext uri="{28A0092B-C50C-407E-A947-70E740481C1C}">
+                <a14:useLocalDpi xmlns:a14="http://schemas.microsoft.com/office/drawing/2010/main" val="0"/>
+              </a:ext>
+              <a:ext uri="{96DAC541-7B7A-43D3-8B79-37D633B846F1}">
+                <asvg:svgBlip xmlns:asvg="http://schemas.microsoft.com/office/drawing/2016/SVG/main" r:embed="rId82"/>
+              </a:ext>
+            </a:extLst>
+          </a:blip>
+          <a:stretch>
+            <a:fillRect/>
+          </a:stretch>
+        </p:blipFill>
+        <p:spPr>
+          <a:xfrm>
+            <a:off x="4416534" y="7554887"/>
+            <a:ext cx="1463394" cy="1463394"/>
           </a:xfrm>
           <a:prstGeom prst="rect">
             <a:avLst/>
           </a:prstGeom>
-          <a:noFill/>
-        </p:spPr>
-        <p:txBody>
-          <a:bodyPr wrap="square" rtlCol="0">
-            <a:spAutoFit/>
-          </a:bodyPr>
-          <a:lstStyle/>
-          <a:p>
-            <a:r>
-              <a:rPr lang="zh-CN" altLang="en-US" sz="4000" b="1" dirty="0">
-                <a:latin typeface="微软雅黑" panose="020B0503020204020204" pitchFamily="34" charset="-122"/>
-                <a:ea typeface="微软雅黑" panose="020B0503020204020204" pitchFamily="34" charset="-122"/>
-              </a:rPr>
-              <a:t>使用费</a:t>
-            </a:r>
-          </a:p>
-        </p:txBody>
-      </p:sp>
-      <p:sp>
-        <p:nvSpPr>
-          <p:cNvPr id="115" name="文本框 114">
+        </p:spPr>
+      </p:pic>
+      <p:pic>
+        <p:nvPicPr>
+          <p:cNvPr id="46" name="图形 45">
             <a:extLst>
               <a:ext uri="{FF2B5EF4-FFF2-40B4-BE49-F238E27FC236}">
-                <a16:creationId xmlns:a16="http://schemas.microsoft.com/office/drawing/2014/main" id="{286ACF6F-205C-9420-550B-D06EDB204452}"/>
+                <a16:creationId xmlns:a16="http://schemas.microsoft.com/office/drawing/2014/main" id="{2C99C84A-CFD4-8ACB-3954-FA1FC2AC884E}"/>
               </a:ext>
             </a:extLst>
           </p:cNvPr>
-          <p:cNvSpPr txBox="1"/>
-          <p:nvPr/>
-        </p:nvSpPr>
-        <p:spPr>
-          <a:xfrm>
-            <a:off x="9938121" y="7980280"/>
-            <a:ext cx="1767830" cy="707886"/>
+          <p:cNvPicPr>
+            <a:picLocks noChangeAspect="1"/>
+          </p:cNvPicPr>
+          <p:nvPr/>
+        </p:nvPicPr>
+        <p:blipFill>
+          <a:blip r:embed="rId83">
+            <a:extLst>
+              <a:ext uri="{28A0092B-C50C-407E-A947-70E740481C1C}">
+                <a14:useLocalDpi xmlns:a14="http://schemas.microsoft.com/office/drawing/2010/main" val="0"/>
+              </a:ext>
+              <a:ext uri="{96DAC541-7B7A-43D3-8B79-37D633B846F1}">
+                <asvg:svgBlip xmlns:asvg="http://schemas.microsoft.com/office/drawing/2016/SVG/main" r:embed="rId84"/>
+              </a:ext>
+            </a:extLst>
+          </a:blip>
+          <a:stretch>
+            <a:fillRect/>
+          </a:stretch>
+        </p:blipFill>
+        <p:spPr>
+          <a:xfrm>
+            <a:off x="3490417" y="3121771"/>
+            <a:ext cx="991800" cy="991800"/>
           </a:xfrm>
           <a:prstGeom prst="rect">
             <a:avLst/>
           </a:prstGeom>
-          <a:noFill/>
-        </p:spPr>
-        <p:txBody>
-          <a:bodyPr wrap="square" rtlCol="0">
-            <a:spAutoFit/>
-          </a:bodyPr>
-          <a:lstStyle/>
-          <a:p>
-            <a:r>
-              <a:rPr lang="zh-CN" altLang="en-US" sz="4000" b="1" dirty="0">
-                <a:latin typeface="微软雅黑" panose="020B0503020204020204" pitchFamily="34" charset="-122"/>
-                <a:ea typeface="微软雅黑" panose="020B0503020204020204" pitchFamily="34" charset="-122"/>
-              </a:rPr>
-              <a:t>会员费</a:t>
-            </a:r>
-          </a:p>
-        </p:txBody>
-      </p:sp>
-      <p:sp>
-        <p:nvSpPr>
-          <p:cNvPr id="116" name="文本框 115">
+        </p:spPr>
+      </p:pic>
+      <p:pic>
+        <p:nvPicPr>
+          <p:cNvPr id="47" name="图形 46">
             <a:extLst>
               <a:ext uri="{FF2B5EF4-FFF2-40B4-BE49-F238E27FC236}">
-                <a16:creationId xmlns:a16="http://schemas.microsoft.com/office/drawing/2014/main" id="{49874800-DBD3-3219-88EE-0932F028FA83}"/>
+                <a16:creationId xmlns:a16="http://schemas.microsoft.com/office/drawing/2014/main" id="{F07FB5E9-4DDE-B442-9478-A5C8F0750E83}"/>
               </a:ext>
             </a:extLst>
           </p:cNvPr>
-          <p:cNvSpPr txBox="1"/>
-          <p:nvPr/>
-        </p:nvSpPr>
-        <p:spPr>
-          <a:xfrm>
-            <a:off x="11917141" y="7698188"/>
-            <a:ext cx="1800872" cy="1323439"/>
+          <p:cNvPicPr>
+            <a:picLocks noChangeAspect="1"/>
+          </p:cNvPicPr>
+          <p:nvPr/>
+        </p:nvPicPr>
+        <p:blipFill>
+          <a:blip r:embed="rId85">
+            <a:extLst>
+              <a:ext uri="{28A0092B-C50C-407E-A947-70E740481C1C}">
+                <a14:useLocalDpi xmlns:a14="http://schemas.microsoft.com/office/drawing/2010/main" val="0"/>
+              </a:ext>
+              <a:ext uri="{96DAC541-7B7A-43D3-8B79-37D633B846F1}">
+                <asvg:svgBlip xmlns:asvg="http://schemas.microsoft.com/office/drawing/2016/SVG/main" r:embed="rId86"/>
+              </a:ext>
+            </a:extLst>
+          </a:blip>
+          <a:stretch>
+            <a:fillRect/>
+          </a:stretch>
+        </p:blipFill>
+        <p:spPr>
+          <a:xfrm>
+            <a:off x="11772443" y="5456152"/>
+            <a:ext cx="1641826" cy="1641826"/>
           </a:xfrm>
           <a:prstGeom prst="rect">
             <a:avLst/>
           </a:prstGeom>
-          <a:noFill/>
-        </p:spPr>
-        <p:txBody>
-          <a:bodyPr wrap="square" rtlCol="0">
-            <a:spAutoFit/>
-          </a:bodyPr>
-          <a:lstStyle/>
-          <a:p>
-            <a:r>
-              <a:rPr lang="zh-CN" altLang="en-US" sz="4000" b="1" dirty="0">
-                <a:latin typeface="微软雅黑" panose="020B0503020204020204" pitchFamily="34" charset="-122"/>
-                <a:ea typeface="微软雅黑" panose="020B0503020204020204" pitchFamily="34" charset="-122"/>
-              </a:rPr>
-              <a:t>工具使用费</a:t>
-            </a:r>
-          </a:p>
-        </p:txBody>
-      </p:sp>
+        </p:spPr>
+      </p:pic>
     </p:spTree>
-    <p:extLst>
-      <p:ext uri="{BB962C8B-B14F-4D97-AF65-F5344CB8AC3E}">
-        <p14:creationId xmlns:p14="http://schemas.microsoft.com/office/powerpoint/2010/main" val="4125684692"/>
-      </p:ext>
-    </p:extLst>
   </p:cSld>
   <p:clrMapOvr>
     <a:masterClrMapping/>

--- a/Lab3/视觉化商业模式画布.pptx
+++ b/Lab3/视觉化商业模式画布.pptx
@@ -5,12 +5,13 @@
     <p:sldMasterId id="2147483648" r:id="rId1"/>
   </p:sldMasterIdLst>
   <p:notesMasterIdLst>
-    <p:notesMasterId r:id="rId5"/>
+    <p:notesMasterId r:id="rId6"/>
   </p:notesMasterIdLst>
   <p:sldIdLst>
     <p:sldId id="258" r:id="rId2"/>
-    <p:sldId id="256" r:id="rId3"/>
-    <p:sldId id="257" r:id="rId4"/>
+    <p:sldId id="259" r:id="rId3"/>
+    <p:sldId id="256" r:id="rId4"/>
+    <p:sldId id="257" r:id="rId5"/>
   </p:sldIdLst>
   <p:sldSz cx="15125700" cy="10693400"/>
   <p:notesSz cx="15125700" cy="10693400"/>
@@ -210,7 +211,7 @@
           <a:p>
             <a:fld id="{096FEFEA-28FA-4A28-A221-459B8F68BF39}" type="datetimeFigureOut">
               <a:rPr lang="zh-CN" altLang="en-US" smtClean="0"/>
-              <a:t>22/12/10</a:t>
+              <a:t>22/12/17</a:t>
             </a:fld>
             <a:endParaRPr lang="zh-CN" altLang="en-US"/>
           </a:p>
@@ -521,6 +522,26 @@
           <a:bodyPr/>
           <a:lstStyle/>
           <a:p>
+            <a:r>
+              <a:rPr lang="zh-CN" altLang="en-US" dirty="0"/>
+              <a:t>针对甚嚣尘上的“网络失语症”，我们小组设计了 </a:t>
+            </a:r>
+            <a:r>
+              <a:rPr lang="en-US" altLang="zh-CN" dirty="0"/>
+              <a:t>Get-It </a:t>
+            </a:r>
+            <a:r>
+              <a:rPr lang="zh-CN" altLang="en-US" dirty="0"/>
+              <a:t>这一用户平台，以改善用户的表达体验并促进互联网文化的良心发展。接下来我们将为大家介绍 </a:t>
+            </a:r>
+            <a:r>
+              <a:rPr lang="en-US" altLang="zh-CN" dirty="0"/>
+              <a:t>Get-It </a:t>
+            </a:r>
+            <a:r>
+              <a:rPr lang="zh-CN" altLang="en-US"/>
+              <a:t>商业模式画布的主要元素</a:t>
+            </a:r>
             <a:endParaRPr lang="zh-CN" altLang="en-US" dirty="0"/>
           </a:p>
         </p:txBody>
@@ -635,7 +656,7 @@
     </p:spTree>
     <p:extLst>
       <p:ext uri="{BB962C8B-B14F-4D97-AF65-F5344CB8AC3E}">
-        <p14:creationId xmlns:p14="http://schemas.microsoft.com/office/powerpoint/2010/main" val="2384224237"/>
+        <p14:creationId xmlns:p14="http://schemas.microsoft.com/office/powerpoint/2010/main" val="3901638646"/>
       </p:ext>
     </p:extLst>
   </p:cSld>
@@ -711,6 +732,90 @@
             <a:fld id="{297DFFE7-7814-42A3-B248-976011B9578B}" type="slidenum">
               <a:rPr lang="zh-CN" altLang="en-US" smtClean="0"/>
               <a:t>3</a:t>
+            </a:fld>
+            <a:endParaRPr lang="zh-CN" altLang="en-US"/>
+          </a:p>
+        </p:txBody>
+      </p:sp>
+    </p:spTree>
+    <p:extLst>
+      <p:ext uri="{BB962C8B-B14F-4D97-AF65-F5344CB8AC3E}">
+        <p14:creationId xmlns:p14="http://schemas.microsoft.com/office/powerpoint/2010/main" val="2384224237"/>
+      </p:ext>
+    </p:extLst>
+  </p:cSld>
+  <p:clrMapOvr>
+    <a:masterClrMapping/>
+  </p:clrMapOvr>
+</p:notes>
+</file>
+
+<file path=ppt/notesSlides/notesSlide4.xml><?xml version="1.0" encoding="utf-8"?>
+<p:notes xmlns:a="http://schemas.openxmlformats.org/drawingml/2006/main" xmlns:r="http://schemas.openxmlformats.org/officeDocument/2006/relationships" xmlns:p="http://schemas.openxmlformats.org/presentationml/2006/main">
+  <p:cSld>
+    <p:spTree>
+      <p:nvGrpSpPr>
+        <p:cNvPr id="1" name=""/>
+        <p:cNvGrpSpPr/>
+        <p:nvPr/>
+      </p:nvGrpSpPr>
+      <p:grpSpPr>
+        <a:xfrm>
+          <a:off x="0" y="0"/>
+          <a:ext cx="0" cy="0"/>
+          <a:chOff x="0" y="0"/>
+          <a:chExt cx="0" cy="0"/>
+        </a:xfrm>
+      </p:grpSpPr>
+      <p:sp>
+        <p:nvSpPr>
+          <p:cNvPr id="2" name="幻灯片图像占位符 1"/>
+          <p:cNvSpPr>
+            <a:spLocks noGrp="1" noRot="1" noChangeAspect="1"/>
+          </p:cNvSpPr>
+          <p:nvPr>
+            <p:ph type="sldImg"/>
+          </p:nvPr>
+        </p:nvSpPr>
+        <p:spPr/>
+      </p:sp>
+      <p:sp>
+        <p:nvSpPr>
+          <p:cNvPr id="3" name="备注占位符 2"/>
+          <p:cNvSpPr>
+            <a:spLocks noGrp="1"/>
+          </p:cNvSpPr>
+          <p:nvPr>
+            <p:ph type="body" idx="1"/>
+          </p:nvPr>
+        </p:nvSpPr>
+        <p:spPr/>
+        <p:txBody>
+          <a:bodyPr/>
+          <a:lstStyle/>
+          <a:p>
+            <a:endParaRPr lang="zh-CN" altLang="en-US" dirty="0"/>
+          </a:p>
+        </p:txBody>
+      </p:sp>
+      <p:sp>
+        <p:nvSpPr>
+          <p:cNvPr id="4" name="灯片编号占位符 3"/>
+          <p:cNvSpPr>
+            <a:spLocks noGrp="1"/>
+          </p:cNvSpPr>
+          <p:nvPr>
+            <p:ph type="sldNum" sz="quarter" idx="5"/>
+          </p:nvPr>
+        </p:nvSpPr>
+        <p:spPr/>
+        <p:txBody>
+          <a:bodyPr/>
+          <a:lstStyle/>
+          <a:p>
+            <a:fld id="{297DFFE7-7814-42A3-B248-976011B9578B}" type="slidenum">
+              <a:rPr lang="zh-CN" altLang="en-US" smtClean="0"/>
+              <a:t>4</a:t>
             </a:fld>
             <a:endParaRPr lang="zh-CN" altLang="en-US"/>
           </a:p>
@@ -868,7 +973,7 @@
           <a:p>
             <a:fld id="{1D8BD707-D9CF-40AE-B4C6-C98DA3205C09}" type="datetimeFigureOut">
               <a:rPr lang="en-US"/>
-              <a:t>12/10/2022</a:t>
+              <a:t>12/17/2022</a:t>
             </a:fld>
             <a:endParaRPr lang="en-US"/>
           </a:p>
@@ -1033,7 +1138,7 @@
           <a:p>
             <a:fld id="{1D8BD707-D9CF-40AE-B4C6-C98DA3205C09}" type="datetimeFigureOut">
               <a:rPr lang="en-US"/>
-              <a:t>12/10/2022</a:t>
+              <a:t>12/17/2022</a:t>
             </a:fld>
             <a:endParaRPr lang="en-US"/>
           </a:p>
@@ -1241,7 +1346,7 @@
           <a:p>
             <a:fld id="{1D8BD707-D9CF-40AE-B4C6-C98DA3205C09}" type="datetimeFigureOut">
               <a:rPr lang="en-US"/>
-              <a:t>12/10/2022</a:t>
+              <a:t>12/17/2022</a:t>
             </a:fld>
             <a:endParaRPr lang="en-US"/>
           </a:p>
@@ -1383,7 +1488,7 @@
           <a:p>
             <a:fld id="{1D8BD707-D9CF-40AE-B4C6-C98DA3205C09}" type="datetimeFigureOut">
               <a:rPr lang="en-US"/>
-              <a:t>12/10/2022</a:t>
+              <a:t>12/17/2022</a:t>
             </a:fld>
             <a:endParaRPr lang="en-US"/>
           </a:p>
@@ -1502,7 +1607,7 @@
           <a:p>
             <a:fld id="{1D8BD707-D9CF-40AE-B4C6-C98DA3205C09}" type="datetimeFigureOut">
               <a:rPr lang="en-US"/>
-              <a:t>12/10/2022</a:t>
+              <a:t>12/17/2022</a:t>
             </a:fld>
             <a:endParaRPr lang="en-US"/>
           </a:p>
@@ -2235,7 +2340,7 @@
           <a:p>
             <a:fld id="{1D8BD707-D9CF-40AE-B4C6-C98DA3205C09}" type="datetimeFigureOut">
               <a:rPr lang="en-US"/>
-              <a:t>12/10/2022</a:t>
+              <a:t>12/17/2022</a:t>
             </a:fld>
             <a:endParaRPr lang="en-US"/>
           </a:p>
@@ -12645,12 +12750,1363 @@
           </a:p>
         </p:txBody>
       </p:sp>
+      <p:sp>
+        <p:nvSpPr>
+          <p:cNvPr id="45" name="文本框 44">
+            <a:extLst>
+              <a:ext uri="{FF2B5EF4-FFF2-40B4-BE49-F238E27FC236}">
+                <a16:creationId xmlns:a16="http://schemas.microsoft.com/office/drawing/2014/main" id="{A17AC7EB-9CCD-B517-57E5-F5C709B53246}"/>
+              </a:ext>
+            </a:extLst>
+          </p:cNvPr>
+          <p:cNvSpPr txBox="1"/>
+          <p:nvPr/>
+        </p:nvSpPr>
+        <p:spPr>
+          <a:xfrm>
+            <a:off x="993263" y="2268391"/>
+            <a:ext cx="1940392" cy="954107"/>
+          </a:xfrm>
+          <a:prstGeom prst="rect">
+            <a:avLst/>
+          </a:prstGeom>
+          <a:noFill/>
+        </p:spPr>
+        <p:txBody>
+          <a:bodyPr wrap="square" rtlCol="0">
+            <a:spAutoFit/>
+          </a:bodyPr>
+          <a:lstStyle/>
+          <a:p>
+            <a:r>
+              <a:rPr lang="zh-CN" altLang="en-US" sz="2800" b="1" dirty="0">
+                <a:latin typeface="微软雅黑" panose="020B0503020204020204" pitchFamily="34" charset="-122"/>
+                <a:ea typeface="微软雅黑" panose="020B0503020204020204" pitchFamily="34" charset="-122"/>
+              </a:rPr>
+              <a:t>素材资源版权方</a:t>
+            </a:r>
+          </a:p>
+        </p:txBody>
+      </p:sp>
+      <p:sp>
+        <p:nvSpPr>
+          <p:cNvPr id="51" name="文本框 50">
+            <a:extLst>
+              <a:ext uri="{FF2B5EF4-FFF2-40B4-BE49-F238E27FC236}">
+                <a16:creationId xmlns:a16="http://schemas.microsoft.com/office/drawing/2014/main" id="{997044CB-5130-3170-3A90-3F653B319BC2}"/>
+              </a:ext>
+            </a:extLst>
+          </p:cNvPr>
+          <p:cNvSpPr txBox="1"/>
+          <p:nvPr/>
+        </p:nvSpPr>
+        <p:spPr>
+          <a:xfrm>
+            <a:off x="936252" y="3944790"/>
+            <a:ext cx="2125499" cy="523220"/>
+          </a:xfrm>
+          <a:prstGeom prst="rect">
+            <a:avLst/>
+          </a:prstGeom>
+          <a:noFill/>
+        </p:spPr>
+        <p:txBody>
+          <a:bodyPr wrap="square" rtlCol="0">
+            <a:spAutoFit/>
+          </a:bodyPr>
+          <a:lstStyle/>
+          <a:p>
+            <a:r>
+              <a:rPr lang="zh-CN" altLang="en-US" sz="2800" b="1" dirty="0">
+                <a:latin typeface="微软雅黑" panose="020B0503020204020204" pitchFamily="34" charset="-122"/>
+                <a:ea typeface="微软雅黑" panose="020B0503020204020204" pitchFamily="34" charset="-122"/>
+              </a:rPr>
+              <a:t>云服务公司</a:t>
+            </a:r>
+          </a:p>
+        </p:txBody>
+      </p:sp>
+      <p:sp>
+        <p:nvSpPr>
+          <p:cNvPr id="53" name="文本框 52">
+            <a:extLst>
+              <a:ext uri="{FF2B5EF4-FFF2-40B4-BE49-F238E27FC236}">
+                <a16:creationId xmlns:a16="http://schemas.microsoft.com/office/drawing/2014/main" id="{EB3A3E9E-0CED-47A9-180D-22F2994807E2}"/>
+              </a:ext>
+            </a:extLst>
+          </p:cNvPr>
+          <p:cNvSpPr txBox="1"/>
+          <p:nvPr/>
+        </p:nvSpPr>
+        <p:spPr>
+          <a:xfrm>
+            <a:off x="1101272" y="5619980"/>
+            <a:ext cx="1783436" cy="523220"/>
+          </a:xfrm>
+          <a:prstGeom prst="rect">
+            <a:avLst/>
+          </a:prstGeom>
+          <a:noFill/>
+        </p:spPr>
+        <p:txBody>
+          <a:bodyPr wrap="square" rtlCol="0">
+            <a:spAutoFit/>
+          </a:bodyPr>
+          <a:lstStyle/>
+          <a:p>
+            <a:r>
+              <a:rPr lang="zh-CN" altLang="en-US" sz="2800" b="1" dirty="0">
+                <a:latin typeface="微软雅黑" panose="020B0503020204020204" pitchFamily="34" charset="-122"/>
+                <a:ea typeface="微软雅黑" panose="020B0503020204020204" pitchFamily="34" charset="-122"/>
+              </a:rPr>
+              <a:t>社交媒体</a:t>
+            </a:r>
+          </a:p>
+        </p:txBody>
+      </p:sp>
+      <p:sp>
+        <p:nvSpPr>
+          <p:cNvPr id="54" name="文本框 53">
+            <a:extLst>
+              <a:ext uri="{FF2B5EF4-FFF2-40B4-BE49-F238E27FC236}">
+                <a16:creationId xmlns:a16="http://schemas.microsoft.com/office/drawing/2014/main" id="{5313424D-C300-2930-2BA7-50DAFD8A10E1}"/>
+              </a:ext>
+            </a:extLst>
+          </p:cNvPr>
+          <p:cNvSpPr txBox="1"/>
+          <p:nvPr/>
+        </p:nvSpPr>
+        <p:spPr>
+          <a:xfrm>
+            <a:off x="3463948" y="1589715"/>
+            <a:ext cx="1222521" cy="923330"/>
+          </a:xfrm>
+          <a:prstGeom prst="rect">
+            <a:avLst/>
+          </a:prstGeom>
+          <a:noFill/>
+        </p:spPr>
+        <p:txBody>
+          <a:bodyPr wrap="square" rtlCol="0">
+            <a:spAutoFit/>
+          </a:bodyPr>
+          <a:lstStyle/>
+          <a:p>
+            <a:r>
+              <a:rPr lang="zh-CN" altLang="en-US" b="1" dirty="0">
+                <a:latin typeface="微软雅黑" panose="020B0503020204020204" pitchFamily="34" charset="-122"/>
+                <a:ea typeface="微软雅黑" panose="020B0503020204020204" pitchFamily="34" charset="-122"/>
+              </a:rPr>
+              <a:t>软件平台开发维护和升级</a:t>
+            </a:r>
+          </a:p>
+        </p:txBody>
+      </p:sp>
+      <p:sp>
+        <p:nvSpPr>
+          <p:cNvPr id="55" name="文本框 54">
+            <a:extLst>
+              <a:ext uri="{FF2B5EF4-FFF2-40B4-BE49-F238E27FC236}">
+                <a16:creationId xmlns:a16="http://schemas.microsoft.com/office/drawing/2014/main" id="{004EB9C7-79AF-14E0-7AA9-E5C118C63A0E}"/>
+              </a:ext>
+            </a:extLst>
+          </p:cNvPr>
+          <p:cNvSpPr txBox="1"/>
+          <p:nvPr/>
+        </p:nvSpPr>
+        <p:spPr>
+          <a:xfrm>
+            <a:off x="4636599" y="1398728"/>
+            <a:ext cx="1222521" cy="738664"/>
+          </a:xfrm>
+          <a:prstGeom prst="rect">
+            <a:avLst/>
+          </a:prstGeom>
+          <a:noFill/>
+        </p:spPr>
+        <p:txBody>
+          <a:bodyPr wrap="square" rtlCol="0">
+            <a:spAutoFit/>
+          </a:bodyPr>
+          <a:lstStyle/>
+          <a:p>
+            <a:r>
+              <a:rPr lang="zh-CN" altLang="en-US" sz="1400" b="1" dirty="0">
+                <a:latin typeface="微软雅黑" panose="020B0503020204020204" pitchFamily="34" charset="-122"/>
+                <a:ea typeface="微软雅黑" panose="020B0503020204020204" pitchFamily="34" charset="-122"/>
+              </a:rPr>
+              <a:t>高质量图文的原始积累与迭代更新</a:t>
+            </a:r>
+          </a:p>
+        </p:txBody>
+      </p:sp>
+      <p:sp>
+        <p:nvSpPr>
+          <p:cNvPr id="57" name="文本框 56">
+            <a:extLst>
+              <a:ext uri="{FF2B5EF4-FFF2-40B4-BE49-F238E27FC236}">
+                <a16:creationId xmlns:a16="http://schemas.microsoft.com/office/drawing/2014/main" id="{C4173C67-82CF-FDD4-1717-59D9FDAB4398}"/>
+              </a:ext>
+            </a:extLst>
+          </p:cNvPr>
+          <p:cNvSpPr txBox="1"/>
+          <p:nvPr/>
+        </p:nvSpPr>
+        <p:spPr>
+          <a:xfrm>
+            <a:off x="3444454" y="2494982"/>
+            <a:ext cx="1222521" cy="584775"/>
+          </a:xfrm>
+          <a:prstGeom prst="rect">
+            <a:avLst/>
+          </a:prstGeom>
+          <a:noFill/>
+        </p:spPr>
+        <p:txBody>
+          <a:bodyPr wrap="square" rtlCol="0">
+            <a:spAutoFit/>
+          </a:bodyPr>
+          <a:lstStyle/>
+          <a:p>
+            <a:r>
+              <a:rPr lang="zh-CN" altLang="en-US" sz="1600" b="1" dirty="0">
+                <a:latin typeface="微软雅黑" panose="020B0503020204020204" pitchFamily="34" charset="-122"/>
+                <a:ea typeface="微软雅黑" panose="020B0503020204020204" pitchFamily="34" charset="-122"/>
+              </a:rPr>
+              <a:t>搜索引擎推荐算法研发</a:t>
+            </a:r>
+          </a:p>
+        </p:txBody>
+      </p:sp>
+      <p:sp>
+        <p:nvSpPr>
+          <p:cNvPr id="59" name="文本框 58">
+            <a:extLst>
+              <a:ext uri="{FF2B5EF4-FFF2-40B4-BE49-F238E27FC236}">
+                <a16:creationId xmlns:a16="http://schemas.microsoft.com/office/drawing/2014/main" id="{C622185D-DC43-7A87-0F99-D9ECD1851733}"/>
+              </a:ext>
+            </a:extLst>
+          </p:cNvPr>
+          <p:cNvSpPr txBox="1"/>
+          <p:nvPr/>
+        </p:nvSpPr>
+        <p:spPr>
+          <a:xfrm>
+            <a:off x="3452350" y="3172438"/>
+            <a:ext cx="1222521" cy="738664"/>
+          </a:xfrm>
+          <a:prstGeom prst="rect">
+            <a:avLst/>
+          </a:prstGeom>
+          <a:noFill/>
+        </p:spPr>
+        <p:txBody>
+          <a:bodyPr wrap="square" rtlCol="0">
+            <a:spAutoFit/>
+          </a:bodyPr>
+          <a:lstStyle/>
+          <a:p>
+            <a:r>
+              <a:rPr lang="en-US" altLang="zh-CN" sz="1400" b="1" dirty="0">
+                <a:latin typeface="微软雅黑" panose="020B0503020204020204" pitchFamily="34" charset="-122"/>
+                <a:ea typeface="微软雅黑" panose="020B0503020204020204" pitchFamily="34" charset="-122"/>
+              </a:rPr>
+              <a:t>Dark Mode </a:t>
+            </a:r>
+            <a:r>
+              <a:rPr lang="zh-CN" altLang="en-US" sz="1400" b="1" dirty="0">
+                <a:latin typeface="微软雅黑" panose="020B0503020204020204" pitchFamily="34" charset="-122"/>
+                <a:ea typeface="微软雅黑" panose="020B0503020204020204" pitchFamily="34" charset="-122"/>
+              </a:rPr>
+              <a:t>网络流行工具集研发</a:t>
+            </a:r>
+          </a:p>
+        </p:txBody>
+      </p:sp>
+      <p:sp>
+        <p:nvSpPr>
+          <p:cNvPr id="61" name="文本框 60">
+            <a:extLst>
+              <a:ext uri="{FF2B5EF4-FFF2-40B4-BE49-F238E27FC236}">
+                <a16:creationId xmlns:a16="http://schemas.microsoft.com/office/drawing/2014/main" id="{85C231B7-934A-B2D0-6425-045E6C80F293}"/>
+              </a:ext>
+            </a:extLst>
+          </p:cNvPr>
+          <p:cNvSpPr txBox="1"/>
+          <p:nvPr/>
+        </p:nvSpPr>
+        <p:spPr>
+          <a:xfrm>
+            <a:off x="4665446" y="2226382"/>
+            <a:ext cx="1071187" cy="707886"/>
+          </a:xfrm>
+          <a:prstGeom prst="rect">
+            <a:avLst/>
+          </a:prstGeom>
+          <a:noFill/>
+        </p:spPr>
+        <p:txBody>
+          <a:bodyPr wrap="square" rtlCol="0">
+            <a:spAutoFit/>
+          </a:bodyPr>
+          <a:lstStyle/>
+          <a:p>
+            <a:r>
+              <a:rPr lang="zh-CN" altLang="en-US" sz="2000" b="1" dirty="0">
+                <a:latin typeface="微软雅黑" panose="020B0503020204020204" pitchFamily="34" charset="-122"/>
+                <a:ea typeface="微软雅黑" panose="020B0503020204020204" pitchFamily="34" charset="-122"/>
+              </a:rPr>
+              <a:t>平台社区监管</a:t>
+            </a:r>
+          </a:p>
+        </p:txBody>
+      </p:sp>
+      <p:sp>
+        <p:nvSpPr>
+          <p:cNvPr id="63" name="文本框 62">
+            <a:extLst>
+              <a:ext uri="{FF2B5EF4-FFF2-40B4-BE49-F238E27FC236}">
+                <a16:creationId xmlns:a16="http://schemas.microsoft.com/office/drawing/2014/main" id="{D052179F-5783-77DD-509B-170F5779B56E}"/>
+              </a:ext>
+            </a:extLst>
+          </p:cNvPr>
+          <p:cNvSpPr txBox="1"/>
+          <p:nvPr/>
+        </p:nvSpPr>
+        <p:spPr>
+          <a:xfrm>
+            <a:off x="4686076" y="3144076"/>
+            <a:ext cx="1071187" cy="707886"/>
+          </a:xfrm>
+          <a:prstGeom prst="rect">
+            <a:avLst/>
+          </a:prstGeom>
+          <a:noFill/>
+        </p:spPr>
+        <p:txBody>
+          <a:bodyPr wrap="square" rtlCol="0">
+            <a:spAutoFit/>
+          </a:bodyPr>
+          <a:lstStyle/>
+          <a:p>
+            <a:r>
+              <a:rPr lang="zh-CN" altLang="en-US" sz="2000" b="1" dirty="0">
+                <a:latin typeface="微软雅黑" panose="020B0503020204020204" pitchFamily="34" charset="-122"/>
+                <a:ea typeface="微软雅黑" panose="020B0503020204020204" pitchFamily="34" charset="-122"/>
+              </a:rPr>
+              <a:t>跟进用户反馈</a:t>
+            </a:r>
+          </a:p>
+        </p:txBody>
+      </p:sp>
+      <p:sp>
+        <p:nvSpPr>
+          <p:cNvPr id="65" name="文本框 64">
+            <a:extLst>
+              <a:ext uri="{FF2B5EF4-FFF2-40B4-BE49-F238E27FC236}">
+                <a16:creationId xmlns:a16="http://schemas.microsoft.com/office/drawing/2014/main" id="{27F7FFA6-9595-75E9-4EE5-A9FA6408885F}"/>
+              </a:ext>
+            </a:extLst>
+          </p:cNvPr>
+          <p:cNvSpPr txBox="1"/>
+          <p:nvPr/>
+        </p:nvSpPr>
+        <p:spPr>
+          <a:xfrm>
+            <a:off x="3455835" y="4810457"/>
+            <a:ext cx="1123001" cy="830997"/>
+          </a:xfrm>
+          <a:prstGeom prst="rect">
+            <a:avLst/>
+          </a:prstGeom>
+          <a:noFill/>
+        </p:spPr>
+        <p:txBody>
+          <a:bodyPr wrap="square" rtlCol="0">
+            <a:spAutoFit/>
+          </a:bodyPr>
+          <a:lstStyle/>
+          <a:p>
+            <a:r>
+              <a:rPr lang="zh-CN" altLang="en-US" sz="2400" b="1" dirty="0">
+                <a:latin typeface="微软雅黑" panose="020B0503020204020204" pitchFamily="34" charset="-122"/>
+                <a:ea typeface="微软雅黑" panose="020B0503020204020204" pitchFamily="34" charset="-122"/>
+              </a:rPr>
+              <a:t>知识性资源</a:t>
+            </a:r>
+          </a:p>
+        </p:txBody>
+      </p:sp>
+      <p:sp>
+        <p:nvSpPr>
+          <p:cNvPr id="67" name="文本框 66">
+            <a:extLst>
+              <a:ext uri="{FF2B5EF4-FFF2-40B4-BE49-F238E27FC236}">
+                <a16:creationId xmlns:a16="http://schemas.microsoft.com/office/drawing/2014/main" id="{39C6EF08-3609-EC9E-5622-6AEC88680C57}"/>
+              </a:ext>
+            </a:extLst>
+          </p:cNvPr>
+          <p:cNvSpPr txBox="1"/>
+          <p:nvPr/>
+        </p:nvSpPr>
+        <p:spPr>
+          <a:xfrm>
+            <a:off x="3509334" y="5848581"/>
+            <a:ext cx="1028752" cy="954107"/>
+          </a:xfrm>
+          <a:prstGeom prst="rect">
+            <a:avLst/>
+          </a:prstGeom>
+          <a:noFill/>
+        </p:spPr>
+        <p:txBody>
+          <a:bodyPr wrap="square" rtlCol="0">
+            <a:spAutoFit/>
+          </a:bodyPr>
+          <a:lstStyle/>
+          <a:p>
+            <a:r>
+              <a:rPr lang="zh-CN" altLang="en-US" sz="2800" b="1" dirty="0">
+                <a:latin typeface="微软雅黑" panose="020B0503020204020204" pitchFamily="34" charset="-122"/>
+                <a:ea typeface="微软雅黑" panose="020B0503020204020204" pitchFamily="34" charset="-122"/>
+              </a:rPr>
+              <a:t>金融资源</a:t>
+            </a:r>
+          </a:p>
+        </p:txBody>
+      </p:sp>
+      <p:sp>
+        <p:nvSpPr>
+          <p:cNvPr id="71" name="文本框 70">
+            <a:extLst>
+              <a:ext uri="{FF2B5EF4-FFF2-40B4-BE49-F238E27FC236}">
+                <a16:creationId xmlns:a16="http://schemas.microsoft.com/office/drawing/2014/main" id="{72719CCD-D04E-D71D-9657-8F8080FC5574}"/>
+              </a:ext>
+            </a:extLst>
+          </p:cNvPr>
+          <p:cNvSpPr txBox="1"/>
+          <p:nvPr/>
+        </p:nvSpPr>
+        <p:spPr>
+          <a:xfrm>
+            <a:off x="4783312" y="4229530"/>
+            <a:ext cx="1014428" cy="830997"/>
+          </a:xfrm>
+          <a:prstGeom prst="rect">
+            <a:avLst/>
+          </a:prstGeom>
+          <a:noFill/>
+        </p:spPr>
+        <p:txBody>
+          <a:bodyPr wrap="square" rtlCol="0">
+            <a:spAutoFit/>
+          </a:bodyPr>
+          <a:lstStyle/>
+          <a:p>
+            <a:r>
+              <a:rPr lang="zh-CN" altLang="en-US" sz="2400" b="1" dirty="0">
+                <a:latin typeface="微软雅黑" panose="020B0503020204020204" pitchFamily="34" charset="-122"/>
+                <a:ea typeface="微软雅黑" panose="020B0503020204020204" pitchFamily="34" charset="-122"/>
+              </a:rPr>
+              <a:t>人力资源</a:t>
+            </a:r>
+          </a:p>
+        </p:txBody>
+      </p:sp>
+      <p:sp>
+        <p:nvSpPr>
+          <p:cNvPr id="73" name="文本框 72">
+            <a:extLst>
+              <a:ext uri="{FF2B5EF4-FFF2-40B4-BE49-F238E27FC236}">
+                <a16:creationId xmlns:a16="http://schemas.microsoft.com/office/drawing/2014/main" id="{5BE12099-AF11-7337-54D7-9E3FE1F052B2}"/>
+              </a:ext>
+            </a:extLst>
+          </p:cNvPr>
+          <p:cNvSpPr txBox="1"/>
+          <p:nvPr/>
+        </p:nvSpPr>
+        <p:spPr>
+          <a:xfrm>
+            <a:off x="4839368" y="5113103"/>
+            <a:ext cx="1014428" cy="830997"/>
+          </a:xfrm>
+          <a:prstGeom prst="rect">
+            <a:avLst/>
+          </a:prstGeom>
+          <a:noFill/>
+        </p:spPr>
+        <p:txBody>
+          <a:bodyPr wrap="square" rtlCol="0">
+            <a:spAutoFit/>
+          </a:bodyPr>
+          <a:lstStyle/>
+          <a:p>
+            <a:r>
+              <a:rPr lang="zh-CN" altLang="en-US" sz="2400" b="1" dirty="0">
+                <a:latin typeface="微软雅黑" panose="020B0503020204020204" pitchFamily="34" charset="-122"/>
+                <a:ea typeface="微软雅黑" panose="020B0503020204020204" pitchFamily="34" charset="-122"/>
+              </a:rPr>
+              <a:t>素材资源</a:t>
+            </a:r>
+          </a:p>
+        </p:txBody>
+      </p:sp>
+      <p:sp>
+        <p:nvSpPr>
+          <p:cNvPr id="75" name="文本框 74">
+            <a:extLst>
+              <a:ext uri="{FF2B5EF4-FFF2-40B4-BE49-F238E27FC236}">
+                <a16:creationId xmlns:a16="http://schemas.microsoft.com/office/drawing/2014/main" id="{287712AE-9154-86D0-44E3-42B7A09AD706}"/>
+              </a:ext>
+            </a:extLst>
+          </p:cNvPr>
+          <p:cNvSpPr txBox="1"/>
+          <p:nvPr/>
+        </p:nvSpPr>
+        <p:spPr>
+          <a:xfrm>
+            <a:off x="4822674" y="6036537"/>
+            <a:ext cx="1014428" cy="830997"/>
+          </a:xfrm>
+          <a:prstGeom prst="rect">
+            <a:avLst/>
+          </a:prstGeom>
+          <a:noFill/>
+        </p:spPr>
+        <p:txBody>
+          <a:bodyPr wrap="square" rtlCol="0">
+            <a:spAutoFit/>
+          </a:bodyPr>
+          <a:lstStyle/>
+          <a:p>
+            <a:r>
+              <a:rPr lang="zh-CN" altLang="en-US" sz="2400" b="1" dirty="0">
+                <a:latin typeface="微软雅黑" panose="020B0503020204020204" pitchFamily="34" charset="-122"/>
+                <a:ea typeface="微软雅黑" panose="020B0503020204020204" pitchFamily="34" charset="-122"/>
+              </a:rPr>
+              <a:t>社区资源</a:t>
+            </a:r>
+          </a:p>
+        </p:txBody>
+      </p:sp>
+      <p:sp>
+        <p:nvSpPr>
+          <p:cNvPr id="77" name="文本框 76">
+            <a:extLst>
+              <a:ext uri="{FF2B5EF4-FFF2-40B4-BE49-F238E27FC236}">
+                <a16:creationId xmlns:a16="http://schemas.microsoft.com/office/drawing/2014/main" id="{BADD322D-6888-C67A-263B-180283765E2B}"/>
+              </a:ext>
+            </a:extLst>
+          </p:cNvPr>
+          <p:cNvSpPr txBox="1"/>
+          <p:nvPr/>
+        </p:nvSpPr>
+        <p:spPr>
+          <a:xfrm>
+            <a:off x="6313640" y="2294538"/>
+            <a:ext cx="1071187" cy="523220"/>
+          </a:xfrm>
+          <a:prstGeom prst="rect">
+            <a:avLst/>
+          </a:prstGeom>
+          <a:noFill/>
+        </p:spPr>
+        <p:txBody>
+          <a:bodyPr wrap="square" rtlCol="0">
+            <a:spAutoFit/>
+          </a:bodyPr>
+          <a:lstStyle/>
+          <a:p>
+            <a:r>
+              <a:rPr lang="zh-CN" altLang="en-US" sz="2800" b="1" dirty="0">
+                <a:latin typeface="微软雅黑" panose="020B0503020204020204" pitchFamily="34" charset="-122"/>
+                <a:ea typeface="微软雅黑" panose="020B0503020204020204" pitchFamily="34" charset="-122"/>
+              </a:rPr>
+              <a:t>创新</a:t>
+            </a:r>
+          </a:p>
+        </p:txBody>
+      </p:sp>
+      <p:sp>
+        <p:nvSpPr>
+          <p:cNvPr id="79" name="文本框 78">
+            <a:extLst>
+              <a:ext uri="{FF2B5EF4-FFF2-40B4-BE49-F238E27FC236}">
+                <a16:creationId xmlns:a16="http://schemas.microsoft.com/office/drawing/2014/main" id="{D8E029B3-F0DA-CD67-247A-9FBE41BDB1CA}"/>
+              </a:ext>
+            </a:extLst>
+          </p:cNvPr>
+          <p:cNvSpPr txBox="1"/>
+          <p:nvPr/>
+        </p:nvSpPr>
+        <p:spPr>
+          <a:xfrm>
+            <a:off x="6367643" y="3556476"/>
+            <a:ext cx="1071187" cy="954107"/>
+          </a:xfrm>
+          <a:prstGeom prst="rect">
+            <a:avLst/>
+          </a:prstGeom>
+          <a:noFill/>
+        </p:spPr>
+        <p:txBody>
+          <a:bodyPr wrap="square" rtlCol="0">
+            <a:spAutoFit/>
+          </a:bodyPr>
+          <a:lstStyle/>
+          <a:p>
+            <a:r>
+              <a:rPr lang="zh-CN" altLang="en-US" sz="2800" b="1" dirty="0">
+                <a:latin typeface="微软雅黑" panose="020B0503020204020204" pitchFamily="34" charset="-122"/>
+                <a:ea typeface="微软雅黑" panose="020B0503020204020204" pitchFamily="34" charset="-122"/>
+              </a:rPr>
+              <a:t>缩减成本</a:t>
+            </a:r>
+          </a:p>
+        </p:txBody>
+      </p:sp>
+      <p:sp>
+        <p:nvSpPr>
+          <p:cNvPr id="80" name="文本框 79">
+            <a:extLst>
+              <a:ext uri="{FF2B5EF4-FFF2-40B4-BE49-F238E27FC236}">
+                <a16:creationId xmlns:a16="http://schemas.microsoft.com/office/drawing/2014/main" id="{0C3B71DB-AE3D-36D7-126E-E9C4515C8679}"/>
+              </a:ext>
+            </a:extLst>
+          </p:cNvPr>
+          <p:cNvSpPr txBox="1"/>
+          <p:nvPr/>
+        </p:nvSpPr>
+        <p:spPr>
+          <a:xfrm>
+            <a:off x="6313639" y="5217336"/>
+            <a:ext cx="1071187" cy="707886"/>
+          </a:xfrm>
+          <a:prstGeom prst="rect">
+            <a:avLst/>
+          </a:prstGeom>
+          <a:noFill/>
+        </p:spPr>
+        <p:txBody>
+          <a:bodyPr wrap="square" rtlCol="0">
+            <a:spAutoFit/>
+          </a:bodyPr>
+          <a:lstStyle/>
+          <a:p>
+            <a:r>
+              <a:rPr lang="zh-CN" altLang="en-US" sz="2000" b="1" dirty="0">
+                <a:latin typeface="微软雅黑" panose="020B0503020204020204" pitchFamily="34" charset="-122"/>
+                <a:ea typeface="微软雅黑" panose="020B0503020204020204" pitchFamily="34" charset="-122"/>
+              </a:rPr>
+              <a:t>便利性</a:t>
+            </a:r>
+            <a:r>
+              <a:rPr lang="en-US" altLang="zh-CN" sz="2000" b="1" dirty="0">
+                <a:latin typeface="微软雅黑" panose="020B0503020204020204" pitchFamily="34" charset="-122"/>
+                <a:ea typeface="微软雅黑" panose="020B0503020204020204" pitchFamily="34" charset="-122"/>
+              </a:rPr>
+              <a:t>/</a:t>
+            </a:r>
+            <a:r>
+              <a:rPr lang="zh-CN" altLang="en-US" sz="2000" b="1" dirty="0">
+                <a:latin typeface="微软雅黑" panose="020B0503020204020204" pitchFamily="34" charset="-122"/>
+                <a:ea typeface="微软雅黑" panose="020B0503020204020204" pitchFamily="34" charset="-122"/>
+              </a:rPr>
+              <a:t>实用性</a:t>
+            </a:r>
+          </a:p>
+        </p:txBody>
+      </p:sp>
+      <p:sp>
+        <p:nvSpPr>
+          <p:cNvPr id="81" name="文本框 80">
+            <a:extLst>
+              <a:ext uri="{FF2B5EF4-FFF2-40B4-BE49-F238E27FC236}">
+                <a16:creationId xmlns:a16="http://schemas.microsoft.com/office/drawing/2014/main" id="{C3CD75CA-9E43-0CE5-0CAA-5CAA56C2CF85}"/>
+              </a:ext>
+            </a:extLst>
+          </p:cNvPr>
+          <p:cNvSpPr txBox="1"/>
+          <p:nvPr/>
+        </p:nvSpPr>
+        <p:spPr>
+          <a:xfrm>
+            <a:off x="7562850" y="2839262"/>
+            <a:ext cx="1071187" cy="954107"/>
+          </a:xfrm>
+          <a:prstGeom prst="rect">
+            <a:avLst/>
+          </a:prstGeom>
+          <a:noFill/>
+        </p:spPr>
+        <p:txBody>
+          <a:bodyPr wrap="square" rtlCol="0">
+            <a:spAutoFit/>
+          </a:bodyPr>
+          <a:lstStyle/>
+          <a:p>
+            <a:r>
+              <a:rPr lang="zh-CN" altLang="en-US" sz="2800" b="1" dirty="0">
+                <a:latin typeface="微软雅黑" panose="020B0503020204020204" pitchFamily="34" charset="-122"/>
+                <a:ea typeface="微软雅黑" panose="020B0503020204020204" pitchFamily="34" charset="-122"/>
+              </a:rPr>
+              <a:t>定制化</a:t>
+            </a:r>
+          </a:p>
+        </p:txBody>
+      </p:sp>
+      <p:sp>
+        <p:nvSpPr>
+          <p:cNvPr id="83" name="文本框 82">
+            <a:extLst>
+              <a:ext uri="{FF2B5EF4-FFF2-40B4-BE49-F238E27FC236}">
+                <a16:creationId xmlns:a16="http://schemas.microsoft.com/office/drawing/2014/main" id="{373A6919-60F2-DDE1-E22D-75B2951F5E10}"/>
+              </a:ext>
+            </a:extLst>
+          </p:cNvPr>
+          <p:cNvSpPr txBox="1"/>
+          <p:nvPr/>
+        </p:nvSpPr>
+        <p:spPr>
+          <a:xfrm>
+            <a:off x="7591425" y="4323580"/>
+            <a:ext cx="1071187" cy="954107"/>
+          </a:xfrm>
+          <a:prstGeom prst="rect">
+            <a:avLst/>
+          </a:prstGeom>
+          <a:noFill/>
+        </p:spPr>
+        <p:txBody>
+          <a:bodyPr wrap="square" rtlCol="0">
+            <a:spAutoFit/>
+          </a:bodyPr>
+          <a:lstStyle/>
+          <a:p>
+            <a:r>
+              <a:rPr lang="zh-CN" altLang="en-US" sz="2800" b="1" dirty="0">
+                <a:latin typeface="微软雅黑" panose="020B0503020204020204" pitchFamily="34" charset="-122"/>
+                <a:ea typeface="微软雅黑" panose="020B0503020204020204" pitchFamily="34" charset="-122"/>
+              </a:rPr>
+              <a:t>可获得性</a:t>
+            </a:r>
+          </a:p>
+        </p:txBody>
+      </p:sp>
+      <p:sp>
+        <p:nvSpPr>
+          <p:cNvPr id="85" name="文本框 84">
+            <a:extLst>
+              <a:ext uri="{FF2B5EF4-FFF2-40B4-BE49-F238E27FC236}">
+                <a16:creationId xmlns:a16="http://schemas.microsoft.com/office/drawing/2014/main" id="{1D108017-5B80-8B2F-7352-EE1F561B547A}"/>
+              </a:ext>
+            </a:extLst>
+          </p:cNvPr>
+          <p:cNvSpPr txBox="1"/>
+          <p:nvPr/>
+        </p:nvSpPr>
+        <p:spPr>
+          <a:xfrm>
+            <a:off x="9068348" y="1879237"/>
+            <a:ext cx="1285291" cy="954107"/>
+          </a:xfrm>
+          <a:prstGeom prst="rect">
+            <a:avLst/>
+          </a:prstGeom>
+          <a:noFill/>
+        </p:spPr>
+        <p:txBody>
+          <a:bodyPr wrap="square" rtlCol="0">
+            <a:spAutoFit/>
+          </a:bodyPr>
+          <a:lstStyle/>
+          <a:p>
+            <a:r>
+              <a:rPr lang="zh-CN" altLang="en-US" sz="2800" b="1" dirty="0">
+                <a:latin typeface="微软雅黑" panose="020B0503020204020204" pitchFamily="34" charset="-122"/>
+                <a:ea typeface="微软雅黑" panose="020B0503020204020204" pitchFamily="34" charset="-122"/>
+              </a:rPr>
+              <a:t>自动化服务</a:t>
+            </a:r>
+          </a:p>
+        </p:txBody>
+      </p:sp>
+      <p:sp>
+        <p:nvSpPr>
+          <p:cNvPr id="87" name="文本框 86">
+            <a:extLst>
+              <a:ext uri="{FF2B5EF4-FFF2-40B4-BE49-F238E27FC236}">
+                <a16:creationId xmlns:a16="http://schemas.microsoft.com/office/drawing/2014/main" id="{32CD6F3A-85AB-9ED0-4E22-D361E3166516}"/>
+              </a:ext>
+            </a:extLst>
+          </p:cNvPr>
+          <p:cNvSpPr txBox="1"/>
+          <p:nvPr/>
+        </p:nvSpPr>
+        <p:spPr>
+          <a:xfrm>
+            <a:off x="10420660" y="1978258"/>
+            <a:ext cx="1285291" cy="646331"/>
+          </a:xfrm>
+          <a:prstGeom prst="rect">
+            <a:avLst/>
+          </a:prstGeom>
+          <a:noFill/>
+        </p:spPr>
+        <p:txBody>
+          <a:bodyPr wrap="square" rtlCol="0">
+            <a:spAutoFit/>
+          </a:bodyPr>
+          <a:lstStyle/>
+          <a:p>
+            <a:r>
+              <a:rPr lang="zh-CN" altLang="en-US" sz="3600" b="1" dirty="0">
+                <a:latin typeface="微软雅黑" panose="020B0503020204020204" pitchFamily="34" charset="-122"/>
+                <a:ea typeface="微软雅黑" panose="020B0503020204020204" pitchFamily="34" charset="-122"/>
+              </a:rPr>
+              <a:t>社区</a:t>
+            </a:r>
+          </a:p>
+        </p:txBody>
+      </p:sp>
+      <p:sp>
+        <p:nvSpPr>
+          <p:cNvPr id="89" name="文本框 88">
+            <a:extLst>
+              <a:ext uri="{FF2B5EF4-FFF2-40B4-BE49-F238E27FC236}">
+                <a16:creationId xmlns:a16="http://schemas.microsoft.com/office/drawing/2014/main" id="{A90FAE7A-8AB1-25AF-3CEC-F44BB4233952}"/>
+              </a:ext>
+            </a:extLst>
+          </p:cNvPr>
+          <p:cNvSpPr txBox="1"/>
+          <p:nvPr/>
+        </p:nvSpPr>
+        <p:spPr>
+          <a:xfrm>
+            <a:off x="9015032" y="2802576"/>
+            <a:ext cx="1561231" cy="1200329"/>
+          </a:xfrm>
+          <a:prstGeom prst="rect">
+            <a:avLst/>
+          </a:prstGeom>
+          <a:noFill/>
+        </p:spPr>
+        <p:txBody>
+          <a:bodyPr wrap="square" rtlCol="0">
+            <a:spAutoFit/>
+          </a:bodyPr>
+          <a:lstStyle/>
+          <a:p>
+            <a:r>
+              <a:rPr lang="zh-CN" altLang="en-US" sz="2400" b="1" dirty="0">
+                <a:latin typeface="微软雅黑" panose="020B0503020204020204" pitchFamily="34" charset="-122"/>
+                <a:ea typeface="微软雅黑" panose="020B0503020204020204" pitchFamily="34" charset="-122"/>
+              </a:rPr>
+              <a:t>与客户协作、共同创造</a:t>
+            </a:r>
+          </a:p>
+        </p:txBody>
+      </p:sp>
+      <p:sp>
+        <p:nvSpPr>
+          <p:cNvPr id="91" name="文本框 90">
+            <a:extLst>
+              <a:ext uri="{FF2B5EF4-FFF2-40B4-BE49-F238E27FC236}">
+                <a16:creationId xmlns:a16="http://schemas.microsoft.com/office/drawing/2014/main" id="{713478C6-9CD6-C878-D8E5-F4D938E754D3}"/>
+              </a:ext>
+            </a:extLst>
+          </p:cNvPr>
+          <p:cNvSpPr txBox="1"/>
+          <p:nvPr/>
+        </p:nvSpPr>
+        <p:spPr>
+          <a:xfrm>
+            <a:off x="9169441" y="4955726"/>
+            <a:ext cx="1071187" cy="584775"/>
+          </a:xfrm>
+          <a:prstGeom prst="rect">
+            <a:avLst/>
+          </a:prstGeom>
+          <a:noFill/>
+        </p:spPr>
+        <p:txBody>
+          <a:bodyPr wrap="square" rtlCol="0">
+            <a:spAutoFit/>
+          </a:bodyPr>
+          <a:lstStyle/>
+          <a:p>
+            <a:r>
+              <a:rPr lang="zh-CN" altLang="en-US" sz="3200" b="1" dirty="0">
+                <a:latin typeface="微软雅黑" panose="020B0503020204020204" pitchFamily="34" charset="-122"/>
+                <a:ea typeface="微软雅黑" panose="020B0503020204020204" pitchFamily="34" charset="-122"/>
+              </a:rPr>
+              <a:t>认知</a:t>
+            </a:r>
+          </a:p>
+        </p:txBody>
+      </p:sp>
+      <p:sp>
+        <p:nvSpPr>
+          <p:cNvPr id="93" name="文本框 92">
+            <a:extLst>
+              <a:ext uri="{FF2B5EF4-FFF2-40B4-BE49-F238E27FC236}">
+                <a16:creationId xmlns:a16="http://schemas.microsoft.com/office/drawing/2014/main" id="{B2ACC69E-BD5E-C002-79A5-F701DAC524F5}"/>
+              </a:ext>
+            </a:extLst>
+          </p:cNvPr>
+          <p:cNvSpPr txBox="1"/>
+          <p:nvPr/>
+        </p:nvSpPr>
+        <p:spPr>
+          <a:xfrm>
+            <a:off x="9172992" y="6047905"/>
+            <a:ext cx="1071187" cy="584775"/>
+          </a:xfrm>
+          <a:prstGeom prst="rect">
+            <a:avLst/>
+          </a:prstGeom>
+          <a:noFill/>
+        </p:spPr>
+        <p:txBody>
+          <a:bodyPr wrap="square" rtlCol="0">
+            <a:spAutoFit/>
+          </a:bodyPr>
+          <a:lstStyle/>
+          <a:p>
+            <a:r>
+              <a:rPr lang="zh-CN" altLang="en-US" sz="3200" b="1" dirty="0">
+                <a:latin typeface="微软雅黑" panose="020B0503020204020204" pitchFamily="34" charset="-122"/>
+                <a:ea typeface="微软雅黑" panose="020B0503020204020204" pitchFamily="34" charset="-122"/>
+              </a:rPr>
+              <a:t>评估</a:t>
+            </a:r>
+          </a:p>
+        </p:txBody>
+      </p:sp>
+      <p:sp>
+        <p:nvSpPr>
+          <p:cNvPr id="95" name="文本框 94">
+            <a:extLst>
+              <a:ext uri="{FF2B5EF4-FFF2-40B4-BE49-F238E27FC236}">
+                <a16:creationId xmlns:a16="http://schemas.microsoft.com/office/drawing/2014/main" id="{65CCC311-2DE6-1C12-1EB8-4662A33504B4}"/>
+              </a:ext>
+            </a:extLst>
+          </p:cNvPr>
+          <p:cNvSpPr txBox="1"/>
+          <p:nvPr/>
+        </p:nvSpPr>
+        <p:spPr>
+          <a:xfrm>
+            <a:off x="10292885" y="4510583"/>
+            <a:ext cx="1071187" cy="584775"/>
+          </a:xfrm>
+          <a:prstGeom prst="rect">
+            <a:avLst/>
+          </a:prstGeom>
+          <a:noFill/>
+        </p:spPr>
+        <p:txBody>
+          <a:bodyPr wrap="square" rtlCol="0">
+            <a:spAutoFit/>
+          </a:bodyPr>
+          <a:lstStyle/>
+          <a:p>
+            <a:r>
+              <a:rPr lang="zh-CN" altLang="en-US" sz="3200" b="1" dirty="0">
+                <a:latin typeface="微软雅黑" panose="020B0503020204020204" pitchFamily="34" charset="-122"/>
+                <a:ea typeface="微软雅黑" panose="020B0503020204020204" pitchFamily="34" charset="-122"/>
+              </a:rPr>
+              <a:t>购买</a:t>
+            </a:r>
+          </a:p>
+        </p:txBody>
+      </p:sp>
+      <p:sp>
+        <p:nvSpPr>
+          <p:cNvPr id="97" name="文本框 96">
+            <a:extLst>
+              <a:ext uri="{FF2B5EF4-FFF2-40B4-BE49-F238E27FC236}">
+                <a16:creationId xmlns:a16="http://schemas.microsoft.com/office/drawing/2014/main" id="{177D4F77-5614-CCCC-3A91-67AFAF537800}"/>
+              </a:ext>
+            </a:extLst>
+          </p:cNvPr>
+          <p:cNvSpPr txBox="1"/>
+          <p:nvPr/>
+        </p:nvSpPr>
+        <p:spPr>
+          <a:xfrm>
+            <a:off x="10300874" y="5350505"/>
+            <a:ext cx="1071187" cy="584775"/>
+          </a:xfrm>
+          <a:prstGeom prst="rect">
+            <a:avLst/>
+          </a:prstGeom>
+          <a:noFill/>
+        </p:spPr>
+        <p:txBody>
+          <a:bodyPr wrap="square" rtlCol="0">
+            <a:spAutoFit/>
+          </a:bodyPr>
+          <a:lstStyle/>
+          <a:p>
+            <a:r>
+              <a:rPr lang="zh-CN" altLang="en-US" sz="3200" b="1" dirty="0">
+                <a:latin typeface="微软雅黑" panose="020B0503020204020204" pitchFamily="34" charset="-122"/>
+                <a:ea typeface="微软雅黑" panose="020B0503020204020204" pitchFamily="34" charset="-122"/>
+              </a:rPr>
+              <a:t>传递</a:t>
+            </a:r>
+          </a:p>
+        </p:txBody>
+      </p:sp>
+      <p:sp>
+        <p:nvSpPr>
+          <p:cNvPr id="99" name="文本框 98">
+            <a:extLst>
+              <a:ext uri="{FF2B5EF4-FFF2-40B4-BE49-F238E27FC236}">
+                <a16:creationId xmlns:a16="http://schemas.microsoft.com/office/drawing/2014/main" id="{2B31D679-8986-084B-AEEF-65CCBDB5A918}"/>
+              </a:ext>
+            </a:extLst>
+          </p:cNvPr>
+          <p:cNvSpPr txBox="1"/>
+          <p:nvPr/>
+        </p:nvSpPr>
+        <p:spPr>
+          <a:xfrm>
+            <a:off x="10280656" y="6217913"/>
+            <a:ext cx="1071187" cy="584775"/>
+          </a:xfrm>
+          <a:prstGeom prst="rect">
+            <a:avLst/>
+          </a:prstGeom>
+          <a:noFill/>
+        </p:spPr>
+        <p:txBody>
+          <a:bodyPr wrap="square" rtlCol="0">
+            <a:spAutoFit/>
+          </a:bodyPr>
+          <a:lstStyle/>
+          <a:p>
+            <a:r>
+              <a:rPr lang="zh-CN" altLang="en-US" sz="3200" b="1" dirty="0">
+                <a:latin typeface="微软雅黑" panose="020B0503020204020204" pitchFamily="34" charset="-122"/>
+                <a:ea typeface="微软雅黑" panose="020B0503020204020204" pitchFamily="34" charset="-122"/>
+              </a:rPr>
+              <a:t>售后</a:t>
+            </a:r>
+          </a:p>
+        </p:txBody>
+      </p:sp>
+      <p:sp>
+        <p:nvSpPr>
+          <p:cNvPr id="103" name="文本框 102">
+            <a:extLst>
+              <a:ext uri="{FF2B5EF4-FFF2-40B4-BE49-F238E27FC236}">
+                <a16:creationId xmlns:a16="http://schemas.microsoft.com/office/drawing/2014/main" id="{AF58AB2D-AFA8-2D25-5AA3-5C423253E160}"/>
+              </a:ext>
+            </a:extLst>
+          </p:cNvPr>
+          <p:cNvSpPr txBox="1"/>
+          <p:nvPr/>
+        </p:nvSpPr>
+        <p:spPr>
+          <a:xfrm>
+            <a:off x="11788968" y="3525315"/>
+            <a:ext cx="1561231" cy="1077218"/>
+          </a:xfrm>
+          <a:prstGeom prst="rect">
+            <a:avLst/>
+          </a:prstGeom>
+          <a:noFill/>
+        </p:spPr>
+        <p:txBody>
+          <a:bodyPr wrap="square" rtlCol="0">
+            <a:spAutoFit/>
+          </a:bodyPr>
+          <a:lstStyle/>
+          <a:p>
+            <a:r>
+              <a:rPr lang="zh-CN" altLang="en-US" sz="3200" b="1" dirty="0">
+                <a:latin typeface="微软雅黑" panose="020B0503020204020204" pitchFamily="34" charset="-122"/>
+                <a:ea typeface="微软雅黑" panose="020B0503020204020204" pitchFamily="34" charset="-122"/>
+              </a:rPr>
+              <a:t>宣传工作者</a:t>
+            </a:r>
+          </a:p>
+        </p:txBody>
+      </p:sp>
+      <p:sp>
+        <p:nvSpPr>
+          <p:cNvPr id="105" name="文本框 104">
+            <a:extLst>
+              <a:ext uri="{FF2B5EF4-FFF2-40B4-BE49-F238E27FC236}">
+                <a16:creationId xmlns:a16="http://schemas.microsoft.com/office/drawing/2014/main" id="{525C7F72-ABA5-5921-E3A5-E0552189C8BB}"/>
+              </a:ext>
+            </a:extLst>
+          </p:cNvPr>
+          <p:cNvSpPr txBox="1"/>
+          <p:nvPr/>
+        </p:nvSpPr>
+        <p:spPr>
+          <a:xfrm>
+            <a:off x="12951807" y="4542762"/>
+            <a:ext cx="1446195" cy="1077218"/>
+          </a:xfrm>
+          <a:prstGeom prst="rect">
+            <a:avLst/>
+          </a:prstGeom>
+          <a:noFill/>
+        </p:spPr>
+        <p:txBody>
+          <a:bodyPr wrap="square" rtlCol="0">
+            <a:spAutoFit/>
+          </a:bodyPr>
+          <a:lstStyle/>
+          <a:p>
+            <a:r>
+              <a:rPr lang="zh-CN" altLang="en-US" sz="3200" b="1" dirty="0">
+                <a:latin typeface="微软雅黑" panose="020B0503020204020204" pitchFamily="34" charset="-122"/>
+                <a:ea typeface="微软雅黑" panose="020B0503020204020204" pitchFamily="34" charset="-122"/>
+              </a:rPr>
+              <a:t>书面写作者</a:t>
+            </a:r>
+          </a:p>
+        </p:txBody>
+      </p:sp>
+      <p:sp>
+        <p:nvSpPr>
+          <p:cNvPr id="107" name="文本框 106">
+            <a:extLst>
+              <a:ext uri="{FF2B5EF4-FFF2-40B4-BE49-F238E27FC236}">
+                <a16:creationId xmlns:a16="http://schemas.microsoft.com/office/drawing/2014/main" id="{6350696E-8019-6254-1047-DAD0EC23C6F0}"/>
+              </a:ext>
+            </a:extLst>
+          </p:cNvPr>
+          <p:cNvSpPr txBox="1"/>
+          <p:nvPr/>
+        </p:nvSpPr>
+        <p:spPr>
+          <a:xfrm>
+            <a:off x="11905953" y="5848581"/>
+            <a:ext cx="1285291" cy="646331"/>
+          </a:xfrm>
+          <a:prstGeom prst="rect">
+            <a:avLst/>
+          </a:prstGeom>
+          <a:noFill/>
+        </p:spPr>
+        <p:txBody>
+          <a:bodyPr wrap="square" rtlCol="0">
+            <a:spAutoFit/>
+          </a:bodyPr>
+          <a:lstStyle/>
+          <a:p>
+            <a:r>
+              <a:rPr lang="zh-CN" altLang="en-US" sz="3600" b="1" dirty="0">
+                <a:latin typeface="微软雅黑" panose="020B0503020204020204" pitchFamily="34" charset="-122"/>
+                <a:ea typeface="微软雅黑" panose="020B0503020204020204" pitchFamily="34" charset="-122"/>
+              </a:rPr>
+              <a:t>学生</a:t>
+            </a:r>
+          </a:p>
+        </p:txBody>
+      </p:sp>
+      <p:sp>
+        <p:nvSpPr>
+          <p:cNvPr id="109" name="文本框 108">
+            <a:extLst>
+              <a:ext uri="{FF2B5EF4-FFF2-40B4-BE49-F238E27FC236}">
+                <a16:creationId xmlns:a16="http://schemas.microsoft.com/office/drawing/2014/main" id="{E1C6D47E-F8F6-5ABA-08AE-1C6C7E36FD3B}"/>
+              </a:ext>
+            </a:extLst>
+          </p:cNvPr>
+          <p:cNvSpPr txBox="1"/>
+          <p:nvPr/>
+        </p:nvSpPr>
+        <p:spPr>
+          <a:xfrm>
+            <a:off x="2358805" y="7636959"/>
+            <a:ext cx="1405892" cy="1446550"/>
+          </a:xfrm>
+          <a:prstGeom prst="rect">
+            <a:avLst/>
+          </a:prstGeom>
+          <a:noFill/>
+        </p:spPr>
+        <p:txBody>
+          <a:bodyPr wrap="square" rtlCol="0">
+            <a:spAutoFit/>
+          </a:bodyPr>
+          <a:lstStyle/>
+          <a:p>
+            <a:r>
+              <a:rPr lang="zh-CN" altLang="en-US" sz="4400" b="1" dirty="0">
+                <a:latin typeface="微软雅黑" panose="020B0503020204020204" pitchFamily="34" charset="-122"/>
+                <a:ea typeface="微软雅黑" panose="020B0503020204020204" pitchFamily="34" charset="-122"/>
+              </a:rPr>
+              <a:t>固定成本</a:t>
+            </a:r>
+          </a:p>
+        </p:txBody>
+      </p:sp>
+      <p:sp>
+        <p:nvSpPr>
+          <p:cNvPr id="111" name="文本框 110">
+            <a:extLst>
+              <a:ext uri="{FF2B5EF4-FFF2-40B4-BE49-F238E27FC236}">
+                <a16:creationId xmlns:a16="http://schemas.microsoft.com/office/drawing/2014/main" id="{156D7E61-E7FF-1E4B-429E-55AFDB7494E7}"/>
+              </a:ext>
+            </a:extLst>
+          </p:cNvPr>
+          <p:cNvSpPr txBox="1"/>
+          <p:nvPr/>
+        </p:nvSpPr>
+        <p:spPr>
+          <a:xfrm>
+            <a:off x="4447905" y="7614314"/>
+            <a:ext cx="1405891" cy="1446550"/>
+          </a:xfrm>
+          <a:prstGeom prst="rect">
+            <a:avLst/>
+          </a:prstGeom>
+          <a:noFill/>
+        </p:spPr>
+        <p:txBody>
+          <a:bodyPr wrap="square" rtlCol="0">
+            <a:spAutoFit/>
+          </a:bodyPr>
+          <a:lstStyle/>
+          <a:p>
+            <a:r>
+              <a:rPr lang="zh-CN" altLang="en-US" sz="4400" b="1" dirty="0">
+                <a:latin typeface="微软雅黑" panose="020B0503020204020204" pitchFamily="34" charset="-122"/>
+                <a:ea typeface="微软雅黑" panose="020B0503020204020204" pitchFamily="34" charset="-122"/>
+              </a:rPr>
+              <a:t>可变成本</a:t>
+            </a:r>
+          </a:p>
+        </p:txBody>
+      </p:sp>
+      <p:sp>
+        <p:nvSpPr>
+          <p:cNvPr id="113" name="文本框 112">
+            <a:extLst>
+              <a:ext uri="{FF2B5EF4-FFF2-40B4-BE49-F238E27FC236}">
+                <a16:creationId xmlns:a16="http://schemas.microsoft.com/office/drawing/2014/main" id="{ADD3DAAD-A9E5-3DB7-D625-F90F3FDC61F1}"/>
+              </a:ext>
+            </a:extLst>
+          </p:cNvPr>
+          <p:cNvSpPr txBox="1"/>
+          <p:nvPr/>
+        </p:nvSpPr>
+        <p:spPr>
+          <a:xfrm>
+            <a:off x="7898815" y="8006291"/>
+            <a:ext cx="2110688" cy="707886"/>
+          </a:xfrm>
+          <a:prstGeom prst="rect">
+            <a:avLst/>
+          </a:prstGeom>
+          <a:noFill/>
+        </p:spPr>
+        <p:txBody>
+          <a:bodyPr wrap="square" rtlCol="0">
+            <a:spAutoFit/>
+          </a:bodyPr>
+          <a:lstStyle/>
+          <a:p>
+            <a:r>
+              <a:rPr lang="zh-CN" altLang="en-US" sz="4000" b="1" dirty="0">
+                <a:latin typeface="微软雅黑" panose="020B0503020204020204" pitchFamily="34" charset="-122"/>
+                <a:ea typeface="微软雅黑" panose="020B0503020204020204" pitchFamily="34" charset="-122"/>
+              </a:rPr>
+              <a:t>使用费</a:t>
+            </a:r>
+          </a:p>
+        </p:txBody>
+      </p:sp>
+      <p:sp>
+        <p:nvSpPr>
+          <p:cNvPr id="115" name="文本框 114">
+            <a:extLst>
+              <a:ext uri="{FF2B5EF4-FFF2-40B4-BE49-F238E27FC236}">
+                <a16:creationId xmlns:a16="http://schemas.microsoft.com/office/drawing/2014/main" id="{286ACF6F-205C-9420-550B-D06EDB204452}"/>
+              </a:ext>
+            </a:extLst>
+          </p:cNvPr>
+          <p:cNvSpPr txBox="1"/>
+          <p:nvPr/>
+        </p:nvSpPr>
+        <p:spPr>
+          <a:xfrm>
+            <a:off x="9938121" y="7980280"/>
+            <a:ext cx="1767830" cy="707886"/>
+          </a:xfrm>
+          <a:prstGeom prst="rect">
+            <a:avLst/>
+          </a:prstGeom>
+          <a:noFill/>
+        </p:spPr>
+        <p:txBody>
+          <a:bodyPr wrap="square" rtlCol="0">
+            <a:spAutoFit/>
+          </a:bodyPr>
+          <a:lstStyle/>
+          <a:p>
+            <a:r>
+              <a:rPr lang="zh-CN" altLang="en-US" sz="4000" b="1" dirty="0">
+                <a:latin typeface="微软雅黑" panose="020B0503020204020204" pitchFamily="34" charset="-122"/>
+                <a:ea typeface="微软雅黑" panose="020B0503020204020204" pitchFamily="34" charset="-122"/>
+              </a:rPr>
+              <a:t>会员费</a:t>
+            </a:r>
+          </a:p>
+        </p:txBody>
+      </p:sp>
+      <p:sp>
+        <p:nvSpPr>
+          <p:cNvPr id="116" name="文本框 115">
+            <a:extLst>
+              <a:ext uri="{FF2B5EF4-FFF2-40B4-BE49-F238E27FC236}">
+                <a16:creationId xmlns:a16="http://schemas.microsoft.com/office/drawing/2014/main" id="{49874800-DBD3-3219-88EE-0932F028FA83}"/>
+              </a:ext>
+            </a:extLst>
+          </p:cNvPr>
+          <p:cNvSpPr txBox="1"/>
+          <p:nvPr/>
+        </p:nvSpPr>
+        <p:spPr>
+          <a:xfrm>
+            <a:off x="11917141" y="7698188"/>
+            <a:ext cx="1800872" cy="1323439"/>
+          </a:xfrm>
+          <a:prstGeom prst="rect">
+            <a:avLst/>
+          </a:prstGeom>
+          <a:noFill/>
+        </p:spPr>
+        <p:txBody>
+          <a:bodyPr wrap="square" rtlCol="0">
+            <a:spAutoFit/>
+          </a:bodyPr>
+          <a:lstStyle/>
+          <a:p>
+            <a:r>
+              <a:rPr lang="zh-CN" altLang="en-US" sz="4000" b="1" dirty="0">
+                <a:latin typeface="微软雅黑" panose="020B0503020204020204" pitchFamily="34" charset="-122"/>
+                <a:ea typeface="微软雅黑" panose="020B0503020204020204" pitchFamily="34" charset="-122"/>
+              </a:rPr>
+              <a:t>工具使用费</a:t>
+            </a:r>
+          </a:p>
+        </p:txBody>
+      </p:sp>
       <p:pic>
         <p:nvPicPr>
-          <p:cNvPr id="48" name="图形 47">
+          <p:cNvPr id="46" name="图形 45">
             <a:extLst>
               <a:ext uri="{FF2B5EF4-FFF2-40B4-BE49-F238E27FC236}">
-                <a16:creationId xmlns:a16="http://schemas.microsoft.com/office/drawing/2014/main" id="{C63BC51D-C001-8443-47F2-EF7C62DFF3BB}"/>
+                <a16:creationId xmlns:a16="http://schemas.microsoft.com/office/drawing/2014/main" id="{0D35CCCA-3E02-AD40-BD44-A546E9FA2243}"/>
               </a:ext>
             </a:extLst>
           </p:cNvPr>
@@ -12676,6 +14132,4461 @@
         </p:blipFill>
         <p:spPr>
           <a:xfrm>
+            <a:off x="12880034" y="1936773"/>
+            <a:ext cx="1355406" cy="1355406"/>
+          </a:xfrm>
+          <a:prstGeom prst="rect">
+            <a:avLst/>
+          </a:prstGeom>
+        </p:spPr>
+      </p:pic>
+    </p:spTree>
+    <p:extLst>
+      <p:ext uri="{BB962C8B-B14F-4D97-AF65-F5344CB8AC3E}">
+        <p14:creationId xmlns:p14="http://schemas.microsoft.com/office/powerpoint/2010/main" val="1646816717"/>
+      </p:ext>
+    </p:extLst>
+  </p:cSld>
+  <p:clrMapOvr>
+    <a:masterClrMapping/>
+  </p:clrMapOvr>
+</p:sld>
+</file>
+
+<file path=ppt/slides/slide3.xml><?xml version="1.0" encoding="utf-8"?>
+<p:sld xmlns:a="http://schemas.openxmlformats.org/drawingml/2006/main" xmlns:r="http://schemas.openxmlformats.org/officeDocument/2006/relationships" xmlns:p="http://schemas.openxmlformats.org/presentationml/2006/main">
+  <p:cSld>
+    <p:spTree>
+      <p:nvGrpSpPr>
+        <p:cNvPr id="1" name=""/>
+        <p:cNvGrpSpPr/>
+        <p:nvPr/>
+      </p:nvGrpSpPr>
+      <p:grpSpPr>
+        <a:xfrm>
+          <a:off x="0" y="0"/>
+          <a:ext cx="0" cy="0"/>
+          <a:chOff x="0" y="0"/>
+          <a:chExt cx="0" cy="0"/>
+        </a:xfrm>
+      </p:grpSpPr>
+      <p:sp>
+        <p:nvSpPr>
+          <p:cNvPr id="2" name="object 2"/>
+          <p:cNvSpPr txBox="1"/>
+          <p:nvPr/>
+        </p:nvSpPr>
+        <p:spPr>
+          <a:xfrm>
+            <a:off x="460698" y="540312"/>
+            <a:ext cx="4948555" cy="452120"/>
+          </a:xfrm>
+          <a:prstGeom prst="rect">
+            <a:avLst/>
+          </a:prstGeom>
+        </p:spPr>
+        <p:txBody>
+          <a:bodyPr vert="horz" wrap="square" lIns="0" tIns="12700" rIns="0" bIns="0" rtlCol="0">
+            <a:spAutoFit/>
+          </a:bodyPr>
+          <a:lstStyle/>
+          <a:p>
+            <a:pPr marL="12700">
+              <a:lnSpc>
+                <a:spcPct val="100000"/>
+              </a:lnSpc>
+              <a:spcBef>
+                <a:spcPts val="100"/>
+              </a:spcBef>
+            </a:pPr>
+            <a:r>
+              <a:rPr lang="en-US" altLang="zh-CN" sz="2800" b="1" spc="5" dirty="0">
+                <a:solidFill>
+                  <a:srgbClr val="231F20"/>
+                </a:solidFill>
+                <a:latin typeface="Tahoma"/>
+                <a:cs typeface="Tahoma"/>
+              </a:rPr>
+              <a:t>Get-It </a:t>
+            </a:r>
+            <a:r>
+              <a:rPr lang="zh-CN" altLang="en-US" sz="2800" b="1" spc="5" dirty="0">
+                <a:solidFill>
+                  <a:srgbClr val="231F20"/>
+                </a:solidFill>
+                <a:latin typeface="Tahoma"/>
+                <a:cs typeface="Tahoma"/>
+              </a:rPr>
+              <a:t>视觉化商业模式画布</a:t>
+            </a:r>
+            <a:endParaRPr sz="2800" dirty="0">
+              <a:latin typeface="Tahoma"/>
+              <a:cs typeface="Tahoma"/>
+            </a:endParaRPr>
+          </a:p>
+        </p:txBody>
+      </p:sp>
+      <p:sp>
+        <p:nvSpPr>
+          <p:cNvPr id="3" name="object 3"/>
+          <p:cNvSpPr txBox="1"/>
+          <p:nvPr/>
+        </p:nvSpPr>
+        <p:spPr>
+          <a:xfrm>
+            <a:off x="444500" y="9983437"/>
+            <a:ext cx="2625090" cy="281940"/>
+          </a:xfrm>
+          <a:prstGeom prst="rect">
+            <a:avLst/>
+          </a:prstGeom>
+        </p:spPr>
+        <p:txBody>
+          <a:bodyPr vert="horz" wrap="square" lIns="0" tIns="23495" rIns="0" bIns="0" rtlCol="0">
+            <a:spAutoFit/>
+          </a:bodyPr>
+          <a:lstStyle/>
+          <a:p>
+            <a:pPr marL="12700">
+              <a:lnSpc>
+                <a:spcPct val="100000"/>
+              </a:lnSpc>
+              <a:spcBef>
+                <a:spcPts val="185"/>
+              </a:spcBef>
+            </a:pPr>
+            <a:r>
+              <a:rPr sz="850" b="1" spc="-15" dirty="0">
+                <a:solidFill>
+                  <a:srgbClr val="231F20"/>
+                </a:solidFill>
+                <a:latin typeface="Tahoma"/>
+                <a:cs typeface="Tahoma"/>
+              </a:rPr>
+              <a:t>DesigneD </a:t>
+            </a:r>
+            <a:r>
+              <a:rPr sz="850" b="1" spc="-5" dirty="0">
+                <a:solidFill>
+                  <a:srgbClr val="231F20"/>
+                </a:solidFill>
+                <a:latin typeface="Tahoma"/>
+                <a:cs typeface="Tahoma"/>
+              </a:rPr>
+              <a:t>by</a:t>
+            </a:r>
+            <a:r>
+              <a:rPr sz="850" b="1" spc="-5" dirty="0">
+                <a:solidFill>
+                  <a:srgbClr val="231F20"/>
+                </a:solidFill>
+                <a:latin typeface="Segoe Print"/>
+                <a:cs typeface="Segoe Print"/>
+              </a:rPr>
+              <a:t>: </a:t>
+            </a:r>
+            <a:r>
+              <a:rPr sz="850" spc="55" dirty="0">
+                <a:solidFill>
+                  <a:srgbClr val="231F20"/>
+                </a:solidFill>
+                <a:latin typeface="Tahoma"/>
+                <a:cs typeface="Tahoma"/>
+              </a:rPr>
+              <a:t>Strategyzer</a:t>
+            </a:r>
+            <a:r>
+              <a:rPr sz="850" spc="-105" dirty="0">
+                <a:solidFill>
+                  <a:srgbClr val="231F20"/>
+                </a:solidFill>
+                <a:latin typeface="Tahoma"/>
+                <a:cs typeface="Tahoma"/>
+              </a:rPr>
+              <a:t> </a:t>
+            </a:r>
+            <a:r>
+              <a:rPr sz="850" spc="45" dirty="0">
+                <a:solidFill>
+                  <a:srgbClr val="231F20"/>
+                </a:solidFill>
+                <a:latin typeface="Tahoma"/>
+                <a:cs typeface="Tahoma"/>
+              </a:rPr>
+              <a:t>AG</a:t>
+            </a:r>
+            <a:endParaRPr sz="850">
+              <a:latin typeface="Tahoma"/>
+              <a:cs typeface="Tahoma"/>
+            </a:endParaRPr>
+          </a:p>
+          <a:p>
+            <a:pPr marL="12700">
+              <a:lnSpc>
+                <a:spcPct val="100000"/>
+              </a:lnSpc>
+              <a:spcBef>
+                <a:spcPts val="75"/>
+              </a:spcBef>
+            </a:pPr>
+            <a:r>
+              <a:rPr sz="700" i="1" spc="-10" dirty="0">
+                <a:solidFill>
+                  <a:srgbClr val="231F20"/>
+                </a:solidFill>
+                <a:latin typeface="Verdana"/>
+                <a:cs typeface="Verdana"/>
+              </a:rPr>
+              <a:t>The</a:t>
+            </a:r>
+            <a:r>
+              <a:rPr sz="700" i="1" spc="-45" dirty="0">
+                <a:solidFill>
+                  <a:srgbClr val="231F20"/>
+                </a:solidFill>
+                <a:latin typeface="Verdana"/>
+                <a:cs typeface="Verdana"/>
+              </a:rPr>
+              <a:t> </a:t>
+            </a:r>
+            <a:r>
+              <a:rPr sz="700" i="1" spc="-10" dirty="0">
+                <a:solidFill>
+                  <a:srgbClr val="231F20"/>
+                </a:solidFill>
+                <a:latin typeface="Verdana"/>
+                <a:cs typeface="Verdana"/>
+              </a:rPr>
+              <a:t>makers</a:t>
+            </a:r>
+            <a:r>
+              <a:rPr sz="700" i="1" spc="-40" dirty="0">
+                <a:solidFill>
+                  <a:srgbClr val="231F20"/>
+                </a:solidFill>
+                <a:latin typeface="Verdana"/>
+                <a:cs typeface="Verdana"/>
+              </a:rPr>
+              <a:t> </a:t>
+            </a:r>
+            <a:r>
+              <a:rPr sz="700" i="1" dirty="0">
+                <a:solidFill>
+                  <a:srgbClr val="231F20"/>
+                </a:solidFill>
+                <a:latin typeface="Verdana"/>
+                <a:cs typeface="Verdana"/>
+              </a:rPr>
+              <a:t>of</a:t>
+            </a:r>
+            <a:r>
+              <a:rPr sz="700" i="1" spc="-40" dirty="0">
+                <a:solidFill>
+                  <a:srgbClr val="231F20"/>
+                </a:solidFill>
+                <a:latin typeface="Verdana"/>
+                <a:cs typeface="Verdana"/>
+              </a:rPr>
+              <a:t> </a:t>
+            </a:r>
+            <a:r>
+              <a:rPr sz="700" i="1" dirty="0">
+                <a:solidFill>
+                  <a:srgbClr val="231F20"/>
+                </a:solidFill>
+                <a:latin typeface="Verdana"/>
+                <a:cs typeface="Verdana"/>
+              </a:rPr>
+              <a:t>Business</a:t>
+            </a:r>
+            <a:r>
+              <a:rPr sz="700" i="1" spc="-40" dirty="0">
+                <a:solidFill>
+                  <a:srgbClr val="231F20"/>
+                </a:solidFill>
+                <a:latin typeface="Verdana"/>
+                <a:cs typeface="Verdana"/>
+              </a:rPr>
+              <a:t> </a:t>
+            </a:r>
+            <a:r>
+              <a:rPr sz="700" i="1" spc="10" dirty="0">
+                <a:solidFill>
+                  <a:srgbClr val="231F20"/>
+                </a:solidFill>
+                <a:latin typeface="Verdana"/>
+                <a:cs typeface="Verdana"/>
+              </a:rPr>
+              <a:t>Model</a:t>
+            </a:r>
+            <a:r>
+              <a:rPr sz="700" i="1" spc="-40" dirty="0">
+                <a:solidFill>
+                  <a:srgbClr val="231F20"/>
+                </a:solidFill>
+                <a:latin typeface="Verdana"/>
+                <a:cs typeface="Verdana"/>
+              </a:rPr>
+              <a:t> </a:t>
+            </a:r>
+            <a:r>
+              <a:rPr sz="700" i="1" spc="-5" dirty="0">
+                <a:solidFill>
+                  <a:srgbClr val="231F20"/>
+                </a:solidFill>
+                <a:latin typeface="Verdana"/>
+                <a:cs typeface="Verdana"/>
+              </a:rPr>
+              <a:t>Generation</a:t>
+            </a:r>
+            <a:r>
+              <a:rPr sz="700" i="1" spc="-40" dirty="0">
+                <a:solidFill>
+                  <a:srgbClr val="231F20"/>
+                </a:solidFill>
+                <a:latin typeface="Verdana"/>
+                <a:cs typeface="Verdana"/>
+              </a:rPr>
+              <a:t> </a:t>
+            </a:r>
+            <a:r>
+              <a:rPr sz="700" i="1" dirty="0">
+                <a:solidFill>
+                  <a:srgbClr val="231F20"/>
+                </a:solidFill>
+                <a:latin typeface="Verdana"/>
+                <a:cs typeface="Verdana"/>
+              </a:rPr>
+              <a:t>and</a:t>
+            </a:r>
+            <a:r>
+              <a:rPr sz="700" i="1" spc="-40" dirty="0">
+                <a:solidFill>
+                  <a:srgbClr val="231F20"/>
+                </a:solidFill>
+                <a:latin typeface="Verdana"/>
+                <a:cs typeface="Verdana"/>
+              </a:rPr>
+              <a:t> </a:t>
+            </a:r>
+            <a:r>
+              <a:rPr sz="700" i="1" spc="-5" dirty="0">
+                <a:solidFill>
+                  <a:srgbClr val="231F20"/>
+                </a:solidFill>
+                <a:latin typeface="Verdana"/>
+                <a:cs typeface="Verdana"/>
+              </a:rPr>
+              <a:t>Strategyzer</a:t>
+            </a:r>
+            <a:endParaRPr sz="700">
+              <a:latin typeface="Verdana"/>
+              <a:cs typeface="Verdana"/>
+            </a:endParaRPr>
+          </a:p>
+        </p:txBody>
+      </p:sp>
+      <p:sp>
+        <p:nvSpPr>
+          <p:cNvPr id="4" name="object 4"/>
+          <p:cNvSpPr txBox="1"/>
+          <p:nvPr/>
+        </p:nvSpPr>
+        <p:spPr>
+          <a:xfrm>
+            <a:off x="1875906" y="9740573"/>
+            <a:ext cx="4685665" cy="215900"/>
+          </a:xfrm>
+          <a:prstGeom prst="rect">
+            <a:avLst/>
+          </a:prstGeom>
+        </p:spPr>
+        <p:txBody>
+          <a:bodyPr vert="horz" wrap="square" lIns="0" tIns="12700" rIns="0" bIns="0" rtlCol="0">
+            <a:spAutoFit/>
+          </a:bodyPr>
+          <a:lstStyle/>
+          <a:p>
+            <a:pPr marL="12700" marR="5080">
+              <a:lnSpc>
+                <a:spcPct val="125000"/>
+              </a:lnSpc>
+              <a:spcBef>
+                <a:spcPts val="100"/>
+              </a:spcBef>
+            </a:pPr>
+            <a:r>
+              <a:rPr sz="500" spc="15" dirty="0">
+                <a:solidFill>
+                  <a:srgbClr val="231F20"/>
+                </a:solidFill>
+                <a:latin typeface="Tahoma"/>
+                <a:cs typeface="Tahoma"/>
+              </a:rPr>
+              <a:t>This </a:t>
+            </a:r>
+            <a:r>
+              <a:rPr sz="500" spc="25" dirty="0">
+                <a:solidFill>
+                  <a:srgbClr val="231F20"/>
+                </a:solidFill>
+                <a:latin typeface="Tahoma"/>
+                <a:cs typeface="Tahoma"/>
+              </a:rPr>
+              <a:t>work </a:t>
+            </a:r>
+            <a:r>
+              <a:rPr sz="500" spc="20" dirty="0">
+                <a:solidFill>
+                  <a:srgbClr val="231F20"/>
+                </a:solidFill>
+                <a:latin typeface="Tahoma"/>
+                <a:cs typeface="Tahoma"/>
+              </a:rPr>
+              <a:t>is </a:t>
+            </a:r>
+            <a:r>
+              <a:rPr sz="500" spc="25" dirty="0">
+                <a:solidFill>
+                  <a:srgbClr val="231F20"/>
+                </a:solidFill>
+                <a:latin typeface="Tahoma"/>
+                <a:cs typeface="Tahoma"/>
+              </a:rPr>
+              <a:t>licensed under the </a:t>
+            </a:r>
+            <a:r>
+              <a:rPr sz="500" spc="20" dirty="0">
+                <a:solidFill>
+                  <a:srgbClr val="231F20"/>
+                </a:solidFill>
+                <a:latin typeface="Tahoma"/>
+                <a:cs typeface="Tahoma"/>
+              </a:rPr>
+              <a:t>Creative </a:t>
+            </a:r>
+            <a:r>
+              <a:rPr sz="500" spc="30" dirty="0">
+                <a:solidFill>
+                  <a:srgbClr val="231F20"/>
+                </a:solidFill>
+                <a:latin typeface="Tahoma"/>
+                <a:cs typeface="Tahoma"/>
+              </a:rPr>
+              <a:t>Commons </a:t>
+            </a:r>
+            <a:r>
+              <a:rPr sz="500" spc="20" dirty="0">
+                <a:solidFill>
+                  <a:srgbClr val="231F20"/>
+                </a:solidFill>
+                <a:latin typeface="Tahoma"/>
+                <a:cs typeface="Tahoma"/>
+              </a:rPr>
+              <a:t>Attribution-Share Alike </a:t>
+            </a:r>
+            <a:r>
+              <a:rPr sz="500" dirty="0">
+                <a:solidFill>
+                  <a:srgbClr val="231F20"/>
+                </a:solidFill>
+                <a:latin typeface="Tahoma"/>
+                <a:cs typeface="Tahoma"/>
+              </a:rPr>
+              <a:t>3.0 </a:t>
+            </a:r>
+            <a:r>
+              <a:rPr sz="500" spc="25" dirty="0">
+                <a:solidFill>
+                  <a:srgbClr val="231F20"/>
+                </a:solidFill>
+                <a:latin typeface="Tahoma"/>
+                <a:cs typeface="Tahoma"/>
+              </a:rPr>
+              <a:t>Unported </a:t>
+            </a:r>
+            <a:r>
+              <a:rPr sz="500" spc="20" dirty="0">
+                <a:solidFill>
+                  <a:srgbClr val="231F20"/>
+                </a:solidFill>
+                <a:latin typeface="Tahoma"/>
+                <a:cs typeface="Tahoma"/>
+              </a:rPr>
+              <a:t>License. </a:t>
+            </a:r>
+            <a:r>
+              <a:rPr sz="500" spc="-5" dirty="0">
+                <a:solidFill>
+                  <a:srgbClr val="231F20"/>
+                </a:solidFill>
+                <a:latin typeface="Tahoma"/>
+                <a:cs typeface="Tahoma"/>
+              </a:rPr>
+              <a:t>To </a:t>
+            </a:r>
+            <a:r>
+              <a:rPr sz="500" spc="15" dirty="0">
+                <a:solidFill>
+                  <a:srgbClr val="231F20"/>
+                </a:solidFill>
+                <a:latin typeface="Tahoma"/>
+                <a:cs typeface="Tahoma"/>
+              </a:rPr>
+              <a:t>view </a:t>
+            </a:r>
+            <a:r>
+              <a:rPr sz="500" spc="20" dirty="0">
+                <a:solidFill>
+                  <a:srgbClr val="231F20"/>
+                </a:solidFill>
+                <a:latin typeface="Tahoma"/>
+                <a:cs typeface="Tahoma"/>
+              </a:rPr>
+              <a:t>a </a:t>
+            </a:r>
+            <a:r>
+              <a:rPr sz="500" spc="25" dirty="0">
+                <a:solidFill>
+                  <a:srgbClr val="231F20"/>
+                </a:solidFill>
+                <a:latin typeface="Tahoma"/>
+                <a:cs typeface="Tahoma"/>
+              </a:rPr>
+              <a:t>copy </a:t>
+            </a:r>
+            <a:r>
+              <a:rPr sz="500" spc="20" dirty="0">
+                <a:solidFill>
+                  <a:srgbClr val="231F20"/>
+                </a:solidFill>
+                <a:latin typeface="Tahoma"/>
+                <a:cs typeface="Tahoma"/>
+              </a:rPr>
+              <a:t>of this </a:t>
+            </a:r>
+            <a:r>
+              <a:rPr sz="500" spc="15" dirty="0">
+                <a:solidFill>
+                  <a:srgbClr val="231F20"/>
+                </a:solidFill>
+                <a:latin typeface="Tahoma"/>
+                <a:cs typeface="Tahoma"/>
+              </a:rPr>
+              <a:t>license, </a:t>
+            </a:r>
+            <a:r>
+              <a:rPr sz="500" spc="10" dirty="0">
+                <a:solidFill>
+                  <a:srgbClr val="231F20"/>
+                </a:solidFill>
+                <a:latin typeface="Tahoma"/>
+                <a:cs typeface="Tahoma"/>
+              </a:rPr>
+              <a:t>visit:  </a:t>
+            </a:r>
+            <a:r>
+              <a:rPr sz="500" spc="15" dirty="0">
+                <a:solidFill>
+                  <a:srgbClr val="231F20"/>
+                </a:solidFill>
+                <a:latin typeface="Tahoma"/>
+                <a:cs typeface="Tahoma"/>
+                <a:hlinkClick r:id="rId3"/>
+              </a:rPr>
+              <a:t>http://creativecommons.org/licenses/by-sa/3.0/</a:t>
+            </a:r>
+            <a:r>
+              <a:rPr sz="500" spc="-15" dirty="0">
+                <a:solidFill>
+                  <a:srgbClr val="231F20"/>
+                </a:solidFill>
+                <a:latin typeface="Tahoma"/>
+                <a:cs typeface="Tahoma"/>
+                <a:hlinkClick r:id="rId3"/>
+              </a:rPr>
+              <a:t> </a:t>
+            </a:r>
+            <a:r>
+              <a:rPr sz="500" spc="20" dirty="0">
+                <a:solidFill>
+                  <a:srgbClr val="231F20"/>
+                </a:solidFill>
+                <a:latin typeface="Tahoma"/>
+                <a:cs typeface="Tahoma"/>
+              </a:rPr>
+              <a:t>or</a:t>
+            </a:r>
+            <a:r>
+              <a:rPr sz="500" spc="-10" dirty="0">
+                <a:solidFill>
+                  <a:srgbClr val="231F20"/>
+                </a:solidFill>
+                <a:latin typeface="Tahoma"/>
+                <a:cs typeface="Tahoma"/>
+              </a:rPr>
+              <a:t> </a:t>
+            </a:r>
+            <a:r>
+              <a:rPr sz="500" spc="30" dirty="0">
+                <a:solidFill>
+                  <a:srgbClr val="231F20"/>
+                </a:solidFill>
+                <a:latin typeface="Tahoma"/>
+                <a:cs typeface="Tahoma"/>
+              </a:rPr>
+              <a:t>send</a:t>
+            </a:r>
+            <a:r>
+              <a:rPr sz="500" spc="-10" dirty="0">
+                <a:solidFill>
+                  <a:srgbClr val="231F20"/>
+                </a:solidFill>
+                <a:latin typeface="Tahoma"/>
+                <a:cs typeface="Tahoma"/>
+              </a:rPr>
+              <a:t> </a:t>
+            </a:r>
+            <a:r>
+              <a:rPr sz="500" spc="20" dirty="0">
+                <a:solidFill>
+                  <a:srgbClr val="231F20"/>
+                </a:solidFill>
+                <a:latin typeface="Tahoma"/>
+                <a:cs typeface="Tahoma"/>
+              </a:rPr>
+              <a:t>a</a:t>
+            </a:r>
+            <a:r>
+              <a:rPr sz="500" spc="-10" dirty="0">
+                <a:solidFill>
+                  <a:srgbClr val="231F20"/>
+                </a:solidFill>
+                <a:latin typeface="Tahoma"/>
+                <a:cs typeface="Tahoma"/>
+              </a:rPr>
+              <a:t> </a:t>
+            </a:r>
+            <a:r>
+              <a:rPr sz="500" spc="20" dirty="0">
+                <a:solidFill>
+                  <a:srgbClr val="231F20"/>
+                </a:solidFill>
+                <a:latin typeface="Tahoma"/>
+                <a:cs typeface="Tahoma"/>
+              </a:rPr>
+              <a:t>letter</a:t>
+            </a:r>
+            <a:r>
+              <a:rPr sz="500" spc="-10" dirty="0">
+                <a:solidFill>
+                  <a:srgbClr val="231F20"/>
+                </a:solidFill>
+                <a:latin typeface="Tahoma"/>
+                <a:cs typeface="Tahoma"/>
+              </a:rPr>
+              <a:t> </a:t>
+            </a:r>
+            <a:r>
+              <a:rPr sz="500" spc="25" dirty="0">
+                <a:solidFill>
+                  <a:srgbClr val="231F20"/>
+                </a:solidFill>
+                <a:latin typeface="Tahoma"/>
+                <a:cs typeface="Tahoma"/>
+              </a:rPr>
+              <a:t>to</a:t>
+            </a:r>
+            <a:r>
+              <a:rPr sz="500" spc="-10" dirty="0">
+                <a:solidFill>
+                  <a:srgbClr val="231F20"/>
+                </a:solidFill>
+                <a:latin typeface="Tahoma"/>
+                <a:cs typeface="Tahoma"/>
+              </a:rPr>
+              <a:t> </a:t>
+            </a:r>
+            <a:r>
+              <a:rPr sz="500" spc="20" dirty="0">
+                <a:solidFill>
+                  <a:srgbClr val="231F20"/>
+                </a:solidFill>
+                <a:latin typeface="Tahoma"/>
+                <a:cs typeface="Tahoma"/>
+              </a:rPr>
+              <a:t>Creative</a:t>
+            </a:r>
+            <a:r>
+              <a:rPr sz="500" spc="-15" dirty="0">
+                <a:solidFill>
+                  <a:srgbClr val="231F20"/>
+                </a:solidFill>
+                <a:latin typeface="Tahoma"/>
+                <a:cs typeface="Tahoma"/>
+              </a:rPr>
+              <a:t> </a:t>
+            </a:r>
+            <a:r>
+              <a:rPr sz="500" spc="20" dirty="0">
+                <a:solidFill>
+                  <a:srgbClr val="231F20"/>
+                </a:solidFill>
+                <a:latin typeface="Tahoma"/>
+                <a:cs typeface="Tahoma"/>
+              </a:rPr>
+              <a:t>Commons,</a:t>
+            </a:r>
+            <a:r>
+              <a:rPr sz="500" spc="-10" dirty="0">
+                <a:solidFill>
+                  <a:srgbClr val="231F20"/>
+                </a:solidFill>
+                <a:latin typeface="Tahoma"/>
+                <a:cs typeface="Tahoma"/>
+              </a:rPr>
+              <a:t> </a:t>
+            </a:r>
+            <a:r>
+              <a:rPr sz="500" spc="15" dirty="0">
+                <a:solidFill>
+                  <a:srgbClr val="231F20"/>
+                </a:solidFill>
+                <a:latin typeface="Tahoma"/>
+                <a:cs typeface="Tahoma"/>
+              </a:rPr>
+              <a:t>171</a:t>
+            </a:r>
+            <a:r>
+              <a:rPr sz="500" spc="-10" dirty="0">
+                <a:solidFill>
+                  <a:srgbClr val="231F20"/>
+                </a:solidFill>
+                <a:latin typeface="Tahoma"/>
+                <a:cs typeface="Tahoma"/>
+              </a:rPr>
+              <a:t> </a:t>
+            </a:r>
+            <a:r>
+              <a:rPr sz="500" spc="25" dirty="0">
+                <a:solidFill>
+                  <a:srgbClr val="231F20"/>
+                </a:solidFill>
+                <a:latin typeface="Tahoma"/>
+                <a:cs typeface="Tahoma"/>
+              </a:rPr>
+              <a:t>Second</a:t>
+            </a:r>
+            <a:r>
+              <a:rPr sz="500" spc="-10" dirty="0">
+                <a:solidFill>
+                  <a:srgbClr val="231F20"/>
+                </a:solidFill>
+                <a:latin typeface="Tahoma"/>
+                <a:cs typeface="Tahoma"/>
+              </a:rPr>
+              <a:t> </a:t>
+            </a:r>
+            <a:r>
+              <a:rPr sz="500" spc="15" dirty="0">
+                <a:solidFill>
+                  <a:srgbClr val="231F20"/>
+                </a:solidFill>
+                <a:latin typeface="Tahoma"/>
+                <a:cs typeface="Tahoma"/>
+              </a:rPr>
+              <a:t>Street,</a:t>
+            </a:r>
+            <a:r>
+              <a:rPr sz="500" spc="-10" dirty="0">
+                <a:solidFill>
+                  <a:srgbClr val="231F20"/>
+                </a:solidFill>
+                <a:latin typeface="Tahoma"/>
+                <a:cs typeface="Tahoma"/>
+              </a:rPr>
+              <a:t> </a:t>
+            </a:r>
+            <a:r>
+              <a:rPr sz="500" spc="20" dirty="0">
+                <a:solidFill>
+                  <a:srgbClr val="231F20"/>
+                </a:solidFill>
+                <a:latin typeface="Tahoma"/>
+                <a:cs typeface="Tahoma"/>
+              </a:rPr>
+              <a:t>Suite</a:t>
+            </a:r>
+            <a:r>
+              <a:rPr sz="500" spc="-10" dirty="0">
+                <a:solidFill>
+                  <a:srgbClr val="231F20"/>
+                </a:solidFill>
+                <a:latin typeface="Tahoma"/>
+                <a:cs typeface="Tahoma"/>
+              </a:rPr>
+              <a:t> </a:t>
+            </a:r>
+            <a:r>
+              <a:rPr sz="500" spc="5" dirty="0">
+                <a:solidFill>
+                  <a:srgbClr val="231F20"/>
+                </a:solidFill>
+                <a:latin typeface="Tahoma"/>
+                <a:cs typeface="Tahoma"/>
+              </a:rPr>
+              <a:t>300,</a:t>
+            </a:r>
+            <a:r>
+              <a:rPr sz="500" spc="-15" dirty="0">
+                <a:solidFill>
+                  <a:srgbClr val="231F20"/>
+                </a:solidFill>
+                <a:latin typeface="Tahoma"/>
+                <a:cs typeface="Tahoma"/>
+              </a:rPr>
+              <a:t> </a:t>
+            </a:r>
+            <a:r>
+              <a:rPr sz="500" spc="20" dirty="0">
+                <a:solidFill>
+                  <a:srgbClr val="231F20"/>
+                </a:solidFill>
+                <a:latin typeface="Tahoma"/>
+                <a:cs typeface="Tahoma"/>
+              </a:rPr>
+              <a:t>San</a:t>
+            </a:r>
+            <a:r>
+              <a:rPr sz="500" spc="-10" dirty="0">
+                <a:solidFill>
+                  <a:srgbClr val="231F20"/>
+                </a:solidFill>
+                <a:latin typeface="Tahoma"/>
+                <a:cs typeface="Tahoma"/>
+              </a:rPr>
+              <a:t> </a:t>
+            </a:r>
+            <a:r>
+              <a:rPr sz="500" spc="20" dirty="0">
+                <a:solidFill>
+                  <a:srgbClr val="231F20"/>
+                </a:solidFill>
+                <a:latin typeface="Tahoma"/>
+                <a:cs typeface="Tahoma"/>
+              </a:rPr>
+              <a:t>Francisco,</a:t>
+            </a:r>
+            <a:r>
+              <a:rPr sz="500" spc="-10" dirty="0">
+                <a:solidFill>
+                  <a:srgbClr val="231F20"/>
+                </a:solidFill>
+                <a:latin typeface="Tahoma"/>
+                <a:cs typeface="Tahoma"/>
+              </a:rPr>
+              <a:t> </a:t>
+            </a:r>
+            <a:r>
+              <a:rPr sz="500" spc="10" dirty="0">
+                <a:solidFill>
+                  <a:srgbClr val="231F20"/>
+                </a:solidFill>
+                <a:latin typeface="Tahoma"/>
+                <a:cs typeface="Tahoma"/>
+              </a:rPr>
+              <a:t>California,</a:t>
+            </a:r>
+            <a:r>
+              <a:rPr sz="500" spc="-10" dirty="0">
+                <a:solidFill>
+                  <a:srgbClr val="231F20"/>
+                </a:solidFill>
+                <a:latin typeface="Tahoma"/>
+                <a:cs typeface="Tahoma"/>
+              </a:rPr>
+              <a:t> </a:t>
+            </a:r>
+            <a:r>
+              <a:rPr sz="500" spc="5" dirty="0">
+                <a:solidFill>
+                  <a:srgbClr val="231F20"/>
+                </a:solidFill>
+                <a:latin typeface="Tahoma"/>
+                <a:cs typeface="Tahoma"/>
+              </a:rPr>
+              <a:t>94105,</a:t>
+            </a:r>
+            <a:r>
+              <a:rPr sz="500" spc="-10" dirty="0">
+                <a:solidFill>
+                  <a:srgbClr val="231F20"/>
+                </a:solidFill>
+                <a:latin typeface="Tahoma"/>
+                <a:cs typeface="Tahoma"/>
+              </a:rPr>
+              <a:t> </a:t>
+            </a:r>
+            <a:r>
+              <a:rPr sz="500" spc="10" dirty="0">
+                <a:solidFill>
+                  <a:srgbClr val="231F20"/>
+                </a:solidFill>
+                <a:latin typeface="Tahoma"/>
+                <a:cs typeface="Tahoma"/>
+              </a:rPr>
+              <a:t>USA.</a:t>
+            </a:r>
+            <a:endParaRPr sz="500">
+              <a:latin typeface="Tahoma"/>
+              <a:cs typeface="Tahoma"/>
+            </a:endParaRPr>
+          </a:p>
+        </p:txBody>
+      </p:sp>
+      <p:sp>
+        <p:nvSpPr>
+          <p:cNvPr id="5" name="object 5"/>
+          <p:cNvSpPr/>
+          <p:nvPr/>
+        </p:nvSpPr>
+        <p:spPr>
+          <a:xfrm>
+            <a:off x="1532430" y="9747522"/>
+            <a:ext cx="198399" cy="198399"/>
+          </a:xfrm>
+          <a:prstGeom prst="rect">
+            <a:avLst/>
+          </a:prstGeom>
+          <a:blipFill>
+            <a:blip r:embed="rId4" cstate="print"/>
+            <a:stretch>
+              <a:fillRect/>
+            </a:stretch>
+          </a:blipFill>
+        </p:spPr>
+        <p:txBody>
+          <a:bodyPr wrap="square" lIns="0" tIns="0" rIns="0" bIns="0" rtlCol="0"/>
+          <a:lstStyle/>
+          <a:p>
+            <a:endParaRPr/>
+          </a:p>
+        </p:txBody>
+      </p:sp>
+      <p:sp>
+        <p:nvSpPr>
+          <p:cNvPr id="6" name="object 6"/>
+          <p:cNvSpPr/>
+          <p:nvPr/>
+        </p:nvSpPr>
+        <p:spPr>
+          <a:xfrm>
+            <a:off x="477158" y="9747522"/>
+            <a:ext cx="968964" cy="198577"/>
+          </a:xfrm>
+          <a:prstGeom prst="rect">
+            <a:avLst/>
+          </a:prstGeom>
+          <a:blipFill>
+            <a:blip r:embed="rId5" cstate="print"/>
+            <a:stretch>
+              <a:fillRect/>
+            </a:stretch>
+          </a:blipFill>
+        </p:spPr>
+        <p:txBody>
+          <a:bodyPr wrap="square" lIns="0" tIns="0" rIns="0" bIns="0" rtlCol="0"/>
+          <a:lstStyle/>
+          <a:p>
+            <a:endParaRPr/>
+          </a:p>
+        </p:txBody>
+      </p:sp>
+      <p:sp>
+        <p:nvSpPr>
+          <p:cNvPr id="7" name="object 7"/>
+          <p:cNvSpPr/>
+          <p:nvPr/>
+        </p:nvSpPr>
+        <p:spPr>
+          <a:xfrm>
+            <a:off x="1819681" y="9759622"/>
+            <a:ext cx="0" cy="178435"/>
+          </a:xfrm>
+          <a:custGeom>
+            <a:avLst/>
+            <a:gdLst/>
+            <a:ahLst/>
+            <a:cxnLst/>
+            <a:rect l="l" t="t" r="r" b="b"/>
+            <a:pathLst>
+              <a:path h="178434">
+                <a:moveTo>
+                  <a:pt x="0" y="0"/>
+                </a:moveTo>
+                <a:lnTo>
+                  <a:pt x="0" y="177812"/>
+                </a:lnTo>
+              </a:path>
+            </a:pathLst>
+          </a:custGeom>
+          <a:ln w="3175">
+            <a:solidFill>
+              <a:srgbClr val="231F20"/>
+            </a:solidFill>
+          </a:ln>
+        </p:spPr>
+        <p:txBody>
+          <a:bodyPr wrap="square" lIns="0" tIns="0" rIns="0" bIns="0" rtlCol="0"/>
+          <a:lstStyle/>
+          <a:p>
+            <a:endParaRPr/>
+          </a:p>
+        </p:txBody>
+      </p:sp>
+      <p:sp>
+        <p:nvSpPr>
+          <p:cNvPr id="8" name="object 8"/>
+          <p:cNvSpPr/>
+          <p:nvPr/>
+        </p:nvSpPr>
+        <p:spPr>
+          <a:xfrm>
+            <a:off x="11344728" y="1313109"/>
+            <a:ext cx="282575" cy="244475"/>
+          </a:xfrm>
+          <a:custGeom>
+            <a:avLst/>
+            <a:gdLst/>
+            <a:ahLst/>
+            <a:cxnLst/>
+            <a:rect l="l" t="t" r="r" b="b"/>
+            <a:pathLst>
+              <a:path w="282575" h="244475">
+                <a:moveTo>
+                  <a:pt x="69402" y="0"/>
+                </a:moveTo>
+                <a:lnTo>
+                  <a:pt x="41460" y="6897"/>
+                </a:lnTo>
+                <a:lnTo>
+                  <a:pt x="18399" y="24119"/>
+                </a:lnTo>
+                <a:lnTo>
+                  <a:pt x="4209" y="48053"/>
+                </a:lnTo>
+                <a:lnTo>
+                  <a:pt x="0" y="75589"/>
+                </a:lnTo>
+                <a:lnTo>
+                  <a:pt x="6878" y="103620"/>
+                </a:lnTo>
+                <a:lnTo>
+                  <a:pt x="35008" y="140877"/>
+                </a:lnTo>
+                <a:lnTo>
+                  <a:pt x="80303" y="187441"/>
+                </a:lnTo>
+                <a:lnTo>
+                  <a:pt x="122407" y="227198"/>
+                </a:lnTo>
+                <a:lnTo>
+                  <a:pt x="140965" y="244031"/>
+                </a:lnTo>
+                <a:lnTo>
+                  <a:pt x="140990" y="243713"/>
+                </a:lnTo>
+                <a:lnTo>
+                  <a:pt x="141396" y="243713"/>
+                </a:lnTo>
+                <a:lnTo>
+                  <a:pt x="208973" y="183280"/>
+                </a:lnTo>
+                <a:lnTo>
+                  <a:pt x="245584" y="148403"/>
+                </a:lnTo>
+                <a:lnTo>
+                  <a:pt x="275127" y="103620"/>
+                </a:lnTo>
+                <a:lnTo>
+                  <a:pt x="281997" y="75589"/>
+                </a:lnTo>
+                <a:lnTo>
+                  <a:pt x="278233" y="51029"/>
+                </a:lnTo>
+                <a:lnTo>
+                  <a:pt x="140990" y="51029"/>
+                </a:lnTo>
+                <a:lnTo>
+                  <a:pt x="140088" y="47346"/>
+                </a:lnTo>
+                <a:lnTo>
+                  <a:pt x="139047" y="44196"/>
+                </a:lnTo>
+                <a:lnTo>
+                  <a:pt x="137866" y="41656"/>
+                </a:lnTo>
+                <a:lnTo>
+                  <a:pt x="120704" y="18500"/>
+                </a:lnTo>
+                <a:lnTo>
+                  <a:pt x="96850" y="4241"/>
+                </a:lnTo>
+                <a:lnTo>
+                  <a:pt x="69402" y="0"/>
+                </a:lnTo>
+                <a:close/>
+              </a:path>
+              <a:path w="282575" h="244475">
+                <a:moveTo>
+                  <a:pt x="141396" y="243713"/>
+                </a:moveTo>
+                <a:lnTo>
+                  <a:pt x="140990" y="243713"/>
+                </a:lnTo>
+                <a:lnTo>
+                  <a:pt x="141041" y="244031"/>
+                </a:lnTo>
+                <a:lnTo>
+                  <a:pt x="141396" y="243713"/>
+                </a:lnTo>
+                <a:close/>
+              </a:path>
+              <a:path w="282575" h="244475">
+                <a:moveTo>
+                  <a:pt x="212549" y="0"/>
+                </a:moveTo>
+                <a:lnTo>
+                  <a:pt x="161257" y="18500"/>
+                </a:lnTo>
+                <a:lnTo>
+                  <a:pt x="140990" y="51029"/>
+                </a:lnTo>
+                <a:lnTo>
+                  <a:pt x="278233" y="51029"/>
+                </a:lnTo>
+                <a:lnTo>
+                  <a:pt x="277777" y="48053"/>
+                </a:lnTo>
+                <a:lnTo>
+                  <a:pt x="263567" y="24119"/>
+                </a:lnTo>
+                <a:lnTo>
+                  <a:pt x="240469" y="6897"/>
+                </a:lnTo>
+                <a:lnTo>
+                  <a:pt x="212549" y="0"/>
+                </a:lnTo>
+                <a:close/>
+              </a:path>
+            </a:pathLst>
+          </a:custGeom>
+          <a:solidFill>
+            <a:srgbClr val="231F20"/>
+          </a:solidFill>
+        </p:spPr>
+        <p:txBody>
+          <a:bodyPr wrap="square" lIns="0" tIns="0" rIns="0" bIns="0" rtlCol="0"/>
+          <a:lstStyle/>
+          <a:p>
+            <a:endParaRPr/>
+          </a:p>
+        </p:txBody>
+      </p:sp>
+      <p:sp>
+        <p:nvSpPr>
+          <p:cNvPr id="9" name="object 9"/>
+          <p:cNvSpPr txBox="1"/>
+          <p:nvPr/>
+        </p:nvSpPr>
+        <p:spPr>
+          <a:xfrm>
+            <a:off x="13476940" y="10069066"/>
+            <a:ext cx="1198880" cy="208279"/>
+          </a:xfrm>
+          <a:prstGeom prst="rect">
+            <a:avLst/>
+          </a:prstGeom>
+        </p:spPr>
+        <p:txBody>
+          <a:bodyPr vert="horz" wrap="square" lIns="0" tIns="12700" rIns="0" bIns="0" rtlCol="0">
+            <a:spAutoFit/>
+          </a:bodyPr>
+          <a:lstStyle/>
+          <a:p>
+            <a:pPr marL="12700">
+              <a:lnSpc>
+                <a:spcPct val="100000"/>
+              </a:lnSpc>
+              <a:spcBef>
+                <a:spcPts val="100"/>
+              </a:spcBef>
+            </a:pPr>
+            <a:r>
+              <a:rPr sz="1200" spc="65" dirty="0">
+                <a:solidFill>
+                  <a:srgbClr val="231F20"/>
+                </a:solidFill>
+                <a:latin typeface="Tahoma"/>
+                <a:cs typeface="Tahoma"/>
+              </a:rPr>
+              <a:t>st</a:t>
+            </a:r>
+            <a:r>
+              <a:rPr sz="1200" spc="45" dirty="0">
+                <a:solidFill>
+                  <a:srgbClr val="231F20"/>
+                </a:solidFill>
+                <a:latin typeface="Tahoma"/>
+                <a:cs typeface="Tahoma"/>
+              </a:rPr>
+              <a:t>r</a:t>
+            </a:r>
+            <a:r>
+              <a:rPr sz="1200" spc="65" dirty="0">
+                <a:solidFill>
+                  <a:srgbClr val="231F20"/>
+                </a:solidFill>
+                <a:latin typeface="Tahoma"/>
+                <a:cs typeface="Tahoma"/>
+              </a:rPr>
+              <a:t>ateg</a:t>
+            </a:r>
+            <a:r>
+              <a:rPr sz="1200" spc="15" dirty="0">
+                <a:solidFill>
+                  <a:srgbClr val="231F20"/>
+                </a:solidFill>
+                <a:latin typeface="Tahoma"/>
+                <a:cs typeface="Tahoma"/>
+              </a:rPr>
+              <a:t>y</a:t>
+            </a:r>
+            <a:r>
+              <a:rPr sz="1200" spc="65" dirty="0">
+                <a:solidFill>
+                  <a:srgbClr val="231F20"/>
+                </a:solidFill>
+                <a:latin typeface="Tahoma"/>
+                <a:cs typeface="Tahoma"/>
+              </a:rPr>
+              <a:t>ze</a:t>
+            </a:r>
+            <a:r>
+              <a:rPr sz="1200" spc="-40" dirty="0">
+                <a:solidFill>
+                  <a:srgbClr val="231F20"/>
+                </a:solidFill>
+                <a:latin typeface="Tahoma"/>
+                <a:cs typeface="Tahoma"/>
+              </a:rPr>
+              <a:t>r</a:t>
+            </a:r>
+            <a:r>
+              <a:rPr sz="1200" spc="-55" dirty="0">
+                <a:solidFill>
+                  <a:srgbClr val="231F20"/>
+                </a:solidFill>
+                <a:latin typeface="Tahoma"/>
+                <a:cs typeface="Tahoma"/>
+              </a:rPr>
+              <a:t>.</a:t>
+            </a:r>
+            <a:r>
+              <a:rPr sz="1200" spc="75" dirty="0">
+                <a:solidFill>
+                  <a:srgbClr val="231F20"/>
+                </a:solidFill>
+                <a:latin typeface="Tahoma"/>
+                <a:cs typeface="Tahoma"/>
+              </a:rPr>
+              <a:t>c</a:t>
+            </a:r>
+            <a:r>
+              <a:rPr sz="1200" spc="80" dirty="0">
+                <a:solidFill>
+                  <a:srgbClr val="231F20"/>
+                </a:solidFill>
+                <a:latin typeface="Tahoma"/>
+                <a:cs typeface="Tahoma"/>
+              </a:rPr>
+              <a:t>om</a:t>
+            </a:r>
+            <a:endParaRPr sz="1200">
+              <a:latin typeface="Tahoma"/>
+              <a:cs typeface="Tahoma"/>
+            </a:endParaRPr>
+          </a:p>
+        </p:txBody>
+      </p:sp>
+      <p:sp>
+        <p:nvSpPr>
+          <p:cNvPr id="10" name="object 10"/>
+          <p:cNvSpPr/>
+          <p:nvPr/>
+        </p:nvSpPr>
+        <p:spPr>
+          <a:xfrm>
+            <a:off x="8553094" y="1317767"/>
+            <a:ext cx="260972" cy="301139"/>
+          </a:xfrm>
+          <a:prstGeom prst="rect">
+            <a:avLst/>
+          </a:prstGeom>
+          <a:blipFill>
+            <a:blip r:embed="rId6" cstate="print"/>
+            <a:stretch>
+              <a:fillRect/>
+            </a:stretch>
+          </a:blipFill>
+        </p:spPr>
+        <p:txBody>
+          <a:bodyPr wrap="square" lIns="0" tIns="0" rIns="0" bIns="0" rtlCol="0"/>
+          <a:lstStyle/>
+          <a:p>
+            <a:endParaRPr/>
+          </a:p>
+        </p:txBody>
+      </p:sp>
+      <p:sp>
+        <p:nvSpPr>
+          <p:cNvPr id="11" name="object 11"/>
+          <p:cNvSpPr/>
+          <p:nvPr/>
+        </p:nvSpPr>
+        <p:spPr>
+          <a:xfrm>
+            <a:off x="2924616" y="1313049"/>
+            <a:ext cx="274270" cy="274276"/>
+          </a:xfrm>
+          <a:prstGeom prst="rect">
+            <a:avLst/>
+          </a:prstGeom>
+          <a:blipFill>
+            <a:blip r:embed="rId7" cstate="print"/>
+            <a:stretch>
+              <a:fillRect/>
+            </a:stretch>
+          </a:blipFill>
+        </p:spPr>
+        <p:txBody>
+          <a:bodyPr wrap="square" lIns="0" tIns="0" rIns="0" bIns="0" rtlCol="0"/>
+          <a:lstStyle/>
+          <a:p>
+            <a:endParaRPr/>
+          </a:p>
+        </p:txBody>
+      </p:sp>
+      <p:sp>
+        <p:nvSpPr>
+          <p:cNvPr id="12" name="object 12"/>
+          <p:cNvSpPr/>
+          <p:nvPr/>
+        </p:nvSpPr>
+        <p:spPr>
+          <a:xfrm>
+            <a:off x="5649338" y="4301075"/>
+            <a:ext cx="358414" cy="332654"/>
+          </a:xfrm>
+          <a:prstGeom prst="rect">
+            <a:avLst/>
+          </a:prstGeom>
+          <a:blipFill>
+            <a:blip r:embed="rId8" cstate="print"/>
+            <a:stretch>
+              <a:fillRect/>
+            </a:stretch>
+          </a:blipFill>
+        </p:spPr>
+        <p:txBody>
+          <a:bodyPr wrap="square" lIns="0" tIns="0" rIns="0" bIns="0" rtlCol="0"/>
+          <a:lstStyle/>
+          <a:p>
+            <a:endParaRPr/>
+          </a:p>
+        </p:txBody>
+      </p:sp>
+      <p:sp>
+        <p:nvSpPr>
+          <p:cNvPr id="13" name="object 13"/>
+          <p:cNvSpPr/>
+          <p:nvPr/>
+        </p:nvSpPr>
+        <p:spPr>
+          <a:xfrm>
+            <a:off x="5715610" y="1315381"/>
+            <a:ext cx="287020" cy="287020"/>
+          </a:xfrm>
+          <a:custGeom>
+            <a:avLst/>
+            <a:gdLst/>
+            <a:ahLst/>
+            <a:cxnLst/>
+            <a:rect l="l" t="t" r="r" b="b"/>
+            <a:pathLst>
+              <a:path w="287020" h="287019">
+                <a:moveTo>
+                  <a:pt x="143421" y="0"/>
+                </a:moveTo>
+                <a:lnTo>
+                  <a:pt x="98088" y="7311"/>
+                </a:lnTo>
+                <a:lnTo>
+                  <a:pt x="58718" y="27671"/>
+                </a:lnTo>
+                <a:lnTo>
+                  <a:pt x="27671" y="58718"/>
+                </a:lnTo>
+                <a:lnTo>
+                  <a:pt x="7311" y="98088"/>
+                </a:lnTo>
+                <a:lnTo>
+                  <a:pt x="0" y="143421"/>
+                </a:lnTo>
+                <a:lnTo>
+                  <a:pt x="7311" y="188753"/>
+                </a:lnTo>
+                <a:lnTo>
+                  <a:pt x="27671" y="228124"/>
+                </a:lnTo>
+                <a:lnTo>
+                  <a:pt x="58718" y="259170"/>
+                </a:lnTo>
+                <a:lnTo>
+                  <a:pt x="98088" y="279530"/>
+                </a:lnTo>
+                <a:lnTo>
+                  <a:pt x="143421" y="286842"/>
+                </a:lnTo>
+                <a:lnTo>
+                  <a:pt x="188753" y="279530"/>
+                </a:lnTo>
+                <a:lnTo>
+                  <a:pt x="228124" y="259170"/>
+                </a:lnTo>
+                <a:lnTo>
+                  <a:pt x="259170" y="228124"/>
+                </a:lnTo>
+                <a:lnTo>
+                  <a:pt x="268053" y="210947"/>
+                </a:lnTo>
+                <a:lnTo>
+                  <a:pt x="122542" y="210947"/>
+                </a:lnTo>
+                <a:lnTo>
+                  <a:pt x="65252" y="153644"/>
+                </a:lnTo>
+                <a:lnTo>
+                  <a:pt x="84874" y="134023"/>
+                </a:lnTo>
+                <a:lnTo>
+                  <a:pt x="152885" y="134023"/>
+                </a:lnTo>
+                <a:lnTo>
+                  <a:pt x="203987" y="75539"/>
+                </a:lnTo>
+                <a:lnTo>
+                  <a:pt x="267869" y="75539"/>
+                </a:lnTo>
+                <a:lnTo>
+                  <a:pt x="259170" y="58718"/>
+                </a:lnTo>
+                <a:lnTo>
+                  <a:pt x="228124" y="27671"/>
+                </a:lnTo>
+                <a:lnTo>
+                  <a:pt x="188753" y="7311"/>
+                </a:lnTo>
+                <a:lnTo>
+                  <a:pt x="143421" y="0"/>
+                </a:lnTo>
+                <a:close/>
+              </a:path>
+              <a:path w="287020" h="287019">
+                <a:moveTo>
+                  <a:pt x="267869" y="75539"/>
+                </a:moveTo>
+                <a:lnTo>
+                  <a:pt x="203987" y="75539"/>
+                </a:lnTo>
+                <a:lnTo>
+                  <a:pt x="224904" y="93802"/>
+                </a:lnTo>
+                <a:lnTo>
+                  <a:pt x="122542" y="210947"/>
+                </a:lnTo>
+                <a:lnTo>
+                  <a:pt x="268053" y="210947"/>
+                </a:lnTo>
+                <a:lnTo>
+                  <a:pt x="279530" y="188753"/>
+                </a:lnTo>
+                <a:lnTo>
+                  <a:pt x="286842" y="143421"/>
+                </a:lnTo>
+                <a:lnTo>
+                  <a:pt x="279530" y="98088"/>
+                </a:lnTo>
+                <a:lnTo>
+                  <a:pt x="267869" y="75539"/>
+                </a:lnTo>
+                <a:close/>
+              </a:path>
+              <a:path w="287020" h="287019">
+                <a:moveTo>
+                  <a:pt x="152885" y="134023"/>
+                </a:moveTo>
+                <a:lnTo>
+                  <a:pt x="84874" y="134023"/>
+                </a:lnTo>
+                <a:lnTo>
+                  <a:pt x="121170" y="170319"/>
+                </a:lnTo>
+                <a:lnTo>
+                  <a:pt x="152885" y="134023"/>
+                </a:lnTo>
+                <a:close/>
+              </a:path>
+            </a:pathLst>
+          </a:custGeom>
+          <a:solidFill>
+            <a:srgbClr val="020302"/>
+          </a:solidFill>
+        </p:spPr>
+        <p:txBody>
+          <a:bodyPr wrap="square" lIns="0" tIns="0" rIns="0" bIns="0" rtlCol="0"/>
+          <a:lstStyle/>
+          <a:p>
+            <a:endParaRPr/>
+          </a:p>
+        </p:txBody>
+      </p:sp>
+      <p:sp>
+        <p:nvSpPr>
+          <p:cNvPr id="14" name="object 14"/>
+          <p:cNvSpPr/>
+          <p:nvPr/>
+        </p:nvSpPr>
+        <p:spPr>
+          <a:xfrm>
+            <a:off x="11257573" y="4306261"/>
+            <a:ext cx="369208" cy="243620"/>
+          </a:xfrm>
+          <a:prstGeom prst="rect">
+            <a:avLst/>
+          </a:prstGeom>
+          <a:blipFill>
+            <a:blip r:embed="rId9" cstate="print"/>
+            <a:stretch>
+              <a:fillRect/>
+            </a:stretch>
+          </a:blipFill>
+        </p:spPr>
+        <p:txBody>
+          <a:bodyPr wrap="square" lIns="0" tIns="0" rIns="0" bIns="0" rtlCol="0"/>
+          <a:lstStyle/>
+          <a:p>
+            <a:endParaRPr/>
+          </a:p>
+        </p:txBody>
+      </p:sp>
+      <p:sp>
+        <p:nvSpPr>
+          <p:cNvPr id="15" name="object 15"/>
+          <p:cNvSpPr/>
+          <p:nvPr/>
+        </p:nvSpPr>
+        <p:spPr>
+          <a:xfrm>
+            <a:off x="7138685" y="7372636"/>
+            <a:ext cx="255270" cy="257810"/>
+          </a:xfrm>
+          <a:custGeom>
+            <a:avLst/>
+            <a:gdLst/>
+            <a:ahLst/>
+            <a:cxnLst/>
+            <a:rect l="l" t="t" r="r" b="b"/>
+            <a:pathLst>
+              <a:path w="255270" h="257809">
+                <a:moveTo>
+                  <a:pt x="233387" y="0"/>
+                </a:moveTo>
+                <a:lnTo>
+                  <a:pt x="152247" y="0"/>
+                </a:lnTo>
+                <a:lnTo>
+                  <a:pt x="0" y="152006"/>
+                </a:lnTo>
+                <a:lnTo>
+                  <a:pt x="105308" y="257670"/>
+                </a:lnTo>
+                <a:lnTo>
+                  <a:pt x="254965" y="107505"/>
+                </a:lnTo>
+                <a:lnTo>
+                  <a:pt x="254965" y="64795"/>
+                </a:lnTo>
+                <a:lnTo>
+                  <a:pt x="212123" y="64795"/>
+                </a:lnTo>
+                <a:lnTo>
+                  <a:pt x="203933" y="63195"/>
+                </a:lnTo>
+                <a:lnTo>
+                  <a:pt x="196723" y="58394"/>
+                </a:lnTo>
+                <a:lnTo>
+                  <a:pt x="191958" y="51190"/>
+                </a:lnTo>
+                <a:lnTo>
+                  <a:pt x="190369" y="42987"/>
+                </a:lnTo>
+                <a:lnTo>
+                  <a:pt x="191958" y="34782"/>
+                </a:lnTo>
+                <a:lnTo>
+                  <a:pt x="196723" y="27571"/>
+                </a:lnTo>
+                <a:lnTo>
+                  <a:pt x="203933" y="22778"/>
+                </a:lnTo>
+                <a:lnTo>
+                  <a:pt x="212123" y="21180"/>
+                </a:lnTo>
+                <a:lnTo>
+                  <a:pt x="254518" y="21180"/>
+                </a:lnTo>
+                <a:lnTo>
+                  <a:pt x="233387" y="0"/>
+                </a:lnTo>
+                <a:close/>
+              </a:path>
+              <a:path w="255270" h="257809">
+                <a:moveTo>
+                  <a:pt x="254518" y="21180"/>
+                </a:moveTo>
+                <a:lnTo>
+                  <a:pt x="212123" y="21180"/>
+                </a:lnTo>
+                <a:lnTo>
+                  <a:pt x="220306" y="22778"/>
+                </a:lnTo>
+                <a:lnTo>
+                  <a:pt x="227495" y="27571"/>
+                </a:lnTo>
+                <a:lnTo>
+                  <a:pt x="232274" y="34782"/>
+                </a:lnTo>
+                <a:lnTo>
+                  <a:pt x="233867" y="42987"/>
+                </a:lnTo>
+                <a:lnTo>
+                  <a:pt x="232274" y="51190"/>
+                </a:lnTo>
+                <a:lnTo>
+                  <a:pt x="227495" y="58394"/>
+                </a:lnTo>
+                <a:lnTo>
+                  <a:pt x="220306" y="63195"/>
+                </a:lnTo>
+                <a:lnTo>
+                  <a:pt x="212123" y="64795"/>
+                </a:lnTo>
+                <a:lnTo>
+                  <a:pt x="254965" y="64795"/>
+                </a:lnTo>
+                <a:lnTo>
+                  <a:pt x="254965" y="21628"/>
+                </a:lnTo>
+                <a:lnTo>
+                  <a:pt x="254518" y="21180"/>
+                </a:lnTo>
+                <a:close/>
+              </a:path>
+            </a:pathLst>
+          </a:custGeom>
+          <a:solidFill>
+            <a:srgbClr val="231F20"/>
+          </a:solidFill>
+        </p:spPr>
+        <p:txBody>
+          <a:bodyPr wrap="square" lIns="0" tIns="0" rIns="0" bIns="0" rtlCol="0"/>
+          <a:lstStyle/>
+          <a:p>
+            <a:endParaRPr/>
+          </a:p>
+        </p:txBody>
+      </p:sp>
+      <p:sp>
+        <p:nvSpPr>
+          <p:cNvPr id="16" name="object 16"/>
+          <p:cNvSpPr/>
+          <p:nvPr/>
+        </p:nvSpPr>
+        <p:spPr>
+          <a:xfrm>
+            <a:off x="7117148" y="7310156"/>
+            <a:ext cx="255270" cy="182245"/>
+          </a:xfrm>
+          <a:custGeom>
+            <a:avLst/>
+            <a:gdLst/>
+            <a:ahLst/>
+            <a:cxnLst/>
+            <a:rect l="l" t="t" r="r" b="b"/>
+            <a:pathLst>
+              <a:path w="255270" h="182245">
+                <a:moveTo>
+                  <a:pt x="233400" y="0"/>
+                </a:moveTo>
+                <a:lnTo>
+                  <a:pt x="152247" y="0"/>
+                </a:lnTo>
+                <a:lnTo>
+                  <a:pt x="0" y="152031"/>
+                </a:lnTo>
+                <a:lnTo>
+                  <a:pt x="30073" y="182232"/>
+                </a:lnTo>
+                <a:lnTo>
+                  <a:pt x="166865" y="45669"/>
+                </a:lnTo>
+                <a:lnTo>
+                  <a:pt x="254927" y="45669"/>
+                </a:lnTo>
+                <a:lnTo>
+                  <a:pt x="254927" y="21653"/>
+                </a:lnTo>
+                <a:lnTo>
+                  <a:pt x="233400" y="0"/>
+                </a:lnTo>
+                <a:close/>
+              </a:path>
+            </a:pathLst>
+          </a:custGeom>
+          <a:solidFill>
+            <a:srgbClr val="231F20"/>
+          </a:solidFill>
+        </p:spPr>
+        <p:txBody>
+          <a:bodyPr wrap="square" lIns="0" tIns="0" rIns="0" bIns="0" rtlCol="0"/>
+          <a:lstStyle/>
+          <a:p>
+            <a:endParaRPr/>
+          </a:p>
+        </p:txBody>
+      </p:sp>
+      <p:sp>
+        <p:nvSpPr>
+          <p:cNvPr id="17" name="object 17"/>
+          <p:cNvSpPr/>
+          <p:nvPr/>
+        </p:nvSpPr>
+        <p:spPr>
+          <a:xfrm>
+            <a:off x="14193336" y="7388369"/>
+            <a:ext cx="282575" cy="273685"/>
+          </a:xfrm>
+          <a:custGeom>
+            <a:avLst/>
+            <a:gdLst/>
+            <a:ahLst/>
+            <a:cxnLst/>
+            <a:rect l="l" t="t" r="r" b="b"/>
+            <a:pathLst>
+              <a:path w="282575" h="273684">
+                <a:moveTo>
+                  <a:pt x="189344" y="0"/>
+                </a:moveTo>
+                <a:lnTo>
+                  <a:pt x="92951" y="0"/>
+                </a:lnTo>
+                <a:lnTo>
+                  <a:pt x="55781" y="20262"/>
+                </a:lnTo>
+                <a:lnTo>
+                  <a:pt x="26454" y="50306"/>
+                </a:lnTo>
+                <a:lnTo>
+                  <a:pt x="7137" y="88048"/>
+                </a:lnTo>
+                <a:lnTo>
+                  <a:pt x="0" y="131406"/>
+                </a:lnTo>
+                <a:lnTo>
+                  <a:pt x="6871" y="176043"/>
+                </a:lnTo>
+                <a:lnTo>
+                  <a:pt x="26618" y="214909"/>
+                </a:lnTo>
+                <a:lnTo>
+                  <a:pt x="56936" y="245665"/>
+                </a:lnTo>
+                <a:lnTo>
+                  <a:pt x="95517" y="265970"/>
+                </a:lnTo>
+                <a:lnTo>
+                  <a:pt x="140055" y="273481"/>
+                </a:lnTo>
+                <a:lnTo>
+                  <a:pt x="184698" y="266610"/>
+                </a:lnTo>
+                <a:lnTo>
+                  <a:pt x="223568" y="246863"/>
+                </a:lnTo>
+                <a:lnTo>
+                  <a:pt x="254326" y="216545"/>
+                </a:lnTo>
+                <a:lnTo>
+                  <a:pt x="274631" y="177964"/>
+                </a:lnTo>
+                <a:lnTo>
+                  <a:pt x="282143" y="133426"/>
+                </a:lnTo>
+                <a:lnTo>
+                  <a:pt x="275488" y="89520"/>
+                </a:lnTo>
+                <a:lnTo>
+                  <a:pt x="256332" y="51182"/>
+                </a:lnTo>
+                <a:lnTo>
+                  <a:pt x="226880" y="20610"/>
+                </a:lnTo>
+                <a:lnTo>
+                  <a:pt x="189344" y="0"/>
+                </a:lnTo>
+                <a:close/>
+              </a:path>
+            </a:pathLst>
+          </a:custGeom>
+          <a:solidFill>
+            <a:srgbClr val="020302"/>
+          </a:solidFill>
+        </p:spPr>
+        <p:txBody>
+          <a:bodyPr wrap="square" lIns="0" tIns="0" rIns="0" bIns="0" rtlCol="0"/>
+          <a:lstStyle/>
+          <a:p>
+            <a:endParaRPr/>
+          </a:p>
+        </p:txBody>
+      </p:sp>
+      <p:sp>
+        <p:nvSpPr>
+          <p:cNvPr id="18" name="object 18"/>
+          <p:cNvSpPr/>
+          <p:nvPr/>
+        </p:nvSpPr>
+        <p:spPr>
+          <a:xfrm>
+            <a:off x="14278982" y="7310168"/>
+            <a:ext cx="110845" cy="66168"/>
+          </a:xfrm>
+          <a:prstGeom prst="rect">
+            <a:avLst/>
+          </a:prstGeom>
+          <a:blipFill>
+            <a:blip r:embed="rId10" cstate="print"/>
+            <a:stretch>
+              <a:fillRect/>
+            </a:stretch>
+          </a:blipFill>
+        </p:spPr>
+        <p:txBody>
+          <a:bodyPr wrap="square" lIns="0" tIns="0" rIns="0" bIns="0" rtlCol="0"/>
+          <a:lstStyle/>
+          <a:p>
+            <a:endParaRPr/>
+          </a:p>
+        </p:txBody>
+      </p:sp>
+      <p:sp>
+        <p:nvSpPr>
+          <p:cNvPr id="19" name="object 19"/>
+          <p:cNvSpPr/>
+          <p:nvPr/>
+        </p:nvSpPr>
+        <p:spPr>
+          <a:xfrm>
+            <a:off x="14286388" y="7451595"/>
+            <a:ext cx="96010" cy="146024"/>
+          </a:xfrm>
+          <a:prstGeom prst="rect">
+            <a:avLst/>
+          </a:prstGeom>
+          <a:blipFill>
+            <a:blip r:embed="rId11" cstate="print"/>
+            <a:stretch>
+              <a:fillRect/>
+            </a:stretch>
+          </a:blipFill>
+        </p:spPr>
+        <p:txBody>
+          <a:bodyPr wrap="square" lIns="0" tIns="0" rIns="0" bIns="0" rtlCol="0"/>
+          <a:lstStyle/>
+          <a:p>
+            <a:endParaRPr/>
+          </a:p>
+        </p:txBody>
+      </p:sp>
+      <p:sp>
+        <p:nvSpPr>
+          <p:cNvPr id="20" name="object 20"/>
+          <p:cNvSpPr/>
+          <p:nvPr/>
+        </p:nvSpPr>
+        <p:spPr>
+          <a:xfrm>
+            <a:off x="14115617" y="1313526"/>
+            <a:ext cx="360045" cy="330200"/>
+          </a:xfrm>
+          <a:custGeom>
+            <a:avLst/>
+            <a:gdLst/>
+            <a:ahLst/>
+            <a:cxnLst/>
+            <a:rect l="l" t="t" r="r" b="b"/>
+            <a:pathLst>
+              <a:path w="360044" h="330200">
+                <a:moveTo>
+                  <a:pt x="181871" y="0"/>
+                </a:moveTo>
+                <a:lnTo>
+                  <a:pt x="139827" y="8793"/>
+                </a:lnTo>
+                <a:lnTo>
+                  <a:pt x="101524" y="28001"/>
+                </a:lnTo>
+                <a:lnTo>
+                  <a:pt x="69112" y="56752"/>
+                </a:lnTo>
+                <a:lnTo>
+                  <a:pt x="44742" y="94173"/>
+                </a:lnTo>
+                <a:lnTo>
+                  <a:pt x="0" y="180368"/>
+                </a:lnTo>
+                <a:lnTo>
+                  <a:pt x="2463" y="188115"/>
+                </a:lnTo>
+                <a:lnTo>
+                  <a:pt x="33655" y="204308"/>
+                </a:lnTo>
+                <a:lnTo>
+                  <a:pt x="35583" y="211441"/>
+                </a:lnTo>
+                <a:lnTo>
+                  <a:pt x="37834" y="218473"/>
+                </a:lnTo>
+                <a:lnTo>
+                  <a:pt x="40393" y="225398"/>
+                </a:lnTo>
+                <a:lnTo>
+                  <a:pt x="43243" y="232210"/>
+                </a:lnTo>
+                <a:lnTo>
+                  <a:pt x="125958" y="238483"/>
+                </a:lnTo>
+                <a:lnTo>
+                  <a:pt x="62433" y="264937"/>
+                </a:lnTo>
+                <a:lnTo>
+                  <a:pt x="103318" y="303485"/>
+                </a:lnTo>
+                <a:lnTo>
+                  <a:pt x="165940" y="328303"/>
+                </a:lnTo>
+                <a:lnTo>
+                  <a:pt x="212302" y="329767"/>
+                </a:lnTo>
+                <a:lnTo>
+                  <a:pt x="256549" y="318578"/>
+                </a:lnTo>
+                <a:lnTo>
+                  <a:pt x="296091" y="295786"/>
+                </a:lnTo>
+                <a:lnTo>
+                  <a:pt x="328337" y="262442"/>
+                </a:lnTo>
+                <a:lnTo>
+                  <a:pt x="350697" y="219598"/>
+                </a:lnTo>
+                <a:lnTo>
+                  <a:pt x="359734" y="172161"/>
+                </a:lnTo>
+                <a:lnTo>
+                  <a:pt x="357221" y="147974"/>
+                </a:lnTo>
+                <a:lnTo>
+                  <a:pt x="101058" y="147974"/>
+                </a:lnTo>
+                <a:lnTo>
+                  <a:pt x="91033" y="144389"/>
+                </a:lnTo>
+                <a:lnTo>
+                  <a:pt x="83972" y="139690"/>
+                </a:lnTo>
+                <a:lnTo>
+                  <a:pt x="80352" y="130775"/>
+                </a:lnTo>
+                <a:lnTo>
+                  <a:pt x="82143" y="122494"/>
+                </a:lnTo>
+                <a:lnTo>
+                  <a:pt x="86846" y="112937"/>
+                </a:lnTo>
+                <a:lnTo>
+                  <a:pt x="94999" y="107081"/>
+                </a:lnTo>
+                <a:lnTo>
+                  <a:pt x="104928" y="105605"/>
+                </a:lnTo>
+                <a:lnTo>
+                  <a:pt x="346878" y="105605"/>
+                </a:lnTo>
+                <a:lnTo>
+                  <a:pt x="337266" y="81905"/>
+                </a:lnTo>
+                <a:lnTo>
+                  <a:pt x="308116" y="44889"/>
+                </a:lnTo>
+                <a:lnTo>
+                  <a:pt x="268592" y="17148"/>
+                </a:lnTo>
+                <a:lnTo>
+                  <a:pt x="225510" y="2494"/>
+                </a:lnTo>
+                <a:lnTo>
+                  <a:pt x="181871" y="0"/>
+                </a:lnTo>
+                <a:close/>
+              </a:path>
+              <a:path w="360044" h="330200">
+                <a:moveTo>
+                  <a:pt x="346878" y="105605"/>
+                </a:moveTo>
+                <a:lnTo>
+                  <a:pt x="104928" y="105605"/>
+                </a:lnTo>
+                <a:lnTo>
+                  <a:pt x="114960" y="109185"/>
+                </a:lnTo>
+                <a:lnTo>
+                  <a:pt x="122008" y="113884"/>
+                </a:lnTo>
+                <a:lnTo>
+                  <a:pt x="125628" y="122799"/>
+                </a:lnTo>
+                <a:lnTo>
+                  <a:pt x="123837" y="131079"/>
+                </a:lnTo>
+                <a:lnTo>
+                  <a:pt x="119135" y="140639"/>
+                </a:lnTo>
+                <a:lnTo>
+                  <a:pt x="110983" y="146497"/>
+                </a:lnTo>
+                <a:lnTo>
+                  <a:pt x="101058" y="147974"/>
+                </a:lnTo>
+                <a:lnTo>
+                  <a:pt x="357221" y="147974"/>
+                </a:lnTo>
+                <a:lnTo>
+                  <a:pt x="354865" y="125297"/>
+                </a:lnTo>
+                <a:lnTo>
+                  <a:pt x="346878" y="105605"/>
+                </a:lnTo>
+                <a:close/>
+              </a:path>
+            </a:pathLst>
+          </a:custGeom>
+          <a:solidFill>
+            <a:srgbClr val="020302"/>
+          </a:solidFill>
+        </p:spPr>
+        <p:txBody>
+          <a:bodyPr wrap="square" lIns="0" tIns="0" rIns="0" bIns="0" rtlCol="0"/>
+          <a:lstStyle/>
+          <a:p>
+            <a:endParaRPr/>
+          </a:p>
+        </p:txBody>
+      </p:sp>
+      <p:sp>
+        <p:nvSpPr>
+          <p:cNvPr id="21" name="object 21"/>
+          <p:cNvSpPr/>
+          <p:nvPr/>
+        </p:nvSpPr>
+        <p:spPr>
+          <a:xfrm>
+            <a:off x="12271892" y="9745206"/>
+            <a:ext cx="344170" cy="297180"/>
+          </a:xfrm>
+          <a:custGeom>
+            <a:avLst/>
+            <a:gdLst/>
+            <a:ahLst/>
+            <a:cxnLst/>
+            <a:rect l="l" t="t" r="r" b="b"/>
+            <a:pathLst>
+              <a:path w="344170" h="297179">
+                <a:moveTo>
+                  <a:pt x="70345" y="0"/>
+                </a:moveTo>
+                <a:lnTo>
+                  <a:pt x="41389" y="25684"/>
+                </a:lnTo>
+                <a:lnTo>
+                  <a:pt x="19203" y="57078"/>
+                </a:lnTo>
+                <a:lnTo>
+                  <a:pt x="5003" y="93070"/>
+                </a:lnTo>
+                <a:lnTo>
+                  <a:pt x="0" y="132549"/>
+                </a:lnTo>
+                <a:lnTo>
+                  <a:pt x="6139" y="176295"/>
+                </a:lnTo>
+                <a:lnTo>
+                  <a:pt x="23465" y="215603"/>
+                </a:lnTo>
+                <a:lnTo>
+                  <a:pt x="50341" y="248907"/>
+                </a:lnTo>
+                <a:lnTo>
+                  <a:pt x="85127" y="274637"/>
+                </a:lnTo>
+                <a:lnTo>
+                  <a:pt x="126187" y="291225"/>
+                </a:lnTo>
+                <a:lnTo>
+                  <a:pt x="171881" y="297103"/>
+                </a:lnTo>
+                <a:lnTo>
+                  <a:pt x="217571" y="291225"/>
+                </a:lnTo>
+                <a:lnTo>
+                  <a:pt x="258627" y="274637"/>
+                </a:lnTo>
+                <a:lnTo>
+                  <a:pt x="293411" y="248907"/>
+                </a:lnTo>
+                <a:lnTo>
+                  <a:pt x="298781" y="242252"/>
+                </a:lnTo>
+                <a:lnTo>
+                  <a:pt x="171881" y="242252"/>
+                </a:lnTo>
+                <a:lnTo>
+                  <a:pt x="127278" y="233632"/>
+                </a:lnTo>
+                <a:lnTo>
+                  <a:pt x="90854" y="210123"/>
+                </a:lnTo>
+                <a:lnTo>
+                  <a:pt x="66295" y="175253"/>
+                </a:lnTo>
+                <a:lnTo>
+                  <a:pt x="57289" y="132549"/>
+                </a:lnTo>
+                <a:lnTo>
+                  <a:pt x="60624" y="106226"/>
+                </a:lnTo>
+                <a:lnTo>
+                  <a:pt x="70091" y="82232"/>
+                </a:lnTo>
+                <a:lnTo>
+                  <a:pt x="84882" y="61305"/>
+                </a:lnTo>
+                <a:lnTo>
+                  <a:pt x="104190" y="44183"/>
+                </a:lnTo>
+                <a:lnTo>
+                  <a:pt x="70345" y="0"/>
+                </a:lnTo>
+                <a:close/>
+              </a:path>
+              <a:path w="344170" h="297179">
+                <a:moveTo>
+                  <a:pt x="273405" y="0"/>
+                </a:moveTo>
+                <a:lnTo>
+                  <a:pt x="239560" y="44183"/>
+                </a:lnTo>
+                <a:lnTo>
+                  <a:pt x="258868" y="61305"/>
+                </a:lnTo>
+                <a:lnTo>
+                  <a:pt x="273659" y="82232"/>
+                </a:lnTo>
+                <a:lnTo>
+                  <a:pt x="283126" y="106226"/>
+                </a:lnTo>
+                <a:lnTo>
+                  <a:pt x="286461" y="132549"/>
+                </a:lnTo>
+                <a:lnTo>
+                  <a:pt x="277455" y="175253"/>
+                </a:lnTo>
+                <a:lnTo>
+                  <a:pt x="252898" y="210123"/>
+                </a:lnTo>
+                <a:lnTo>
+                  <a:pt x="216477" y="233632"/>
+                </a:lnTo>
+                <a:lnTo>
+                  <a:pt x="171881" y="242252"/>
+                </a:lnTo>
+                <a:lnTo>
+                  <a:pt x="298781" y="242252"/>
+                </a:lnTo>
+                <a:lnTo>
+                  <a:pt x="320285" y="215603"/>
+                </a:lnTo>
+                <a:lnTo>
+                  <a:pt x="337611" y="176295"/>
+                </a:lnTo>
+                <a:lnTo>
+                  <a:pt x="343750" y="132549"/>
+                </a:lnTo>
+                <a:lnTo>
+                  <a:pt x="338747" y="93070"/>
+                </a:lnTo>
+                <a:lnTo>
+                  <a:pt x="324546" y="57078"/>
+                </a:lnTo>
+                <a:lnTo>
+                  <a:pt x="302361" y="25684"/>
+                </a:lnTo>
+                <a:lnTo>
+                  <a:pt x="273405" y="0"/>
+                </a:lnTo>
+                <a:close/>
+              </a:path>
+              <a:path w="344170" h="297179">
+                <a:moveTo>
+                  <a:pt x="138036" y="88366"/>
+                </a:moveTo>
+                <a:lnTo>
+                  <a:pt x="128381" y="96927"/>
+                </a:lnTo>
+                <a:lnTo>
+                  <a:pt x="120983" y="107391"/>
+                </a:lnTo>
+                <a:lnTo>
+                  <a:pt x="116247" y="119388"/>
+                </a:lnTo>
+                <a:lnTo>
+                  <a:pt x="114579" y="132549"/>
+                </a:lnTo>
+                <a:lnTo>
+                  <a:pt x="119082" y="153904"/>
+                </a:lnTo>
+                <a:lnTo>
+                  <a:pt x="131362" y="171338"/>
+                </a:lnTo>
+                <a:lnTo>
+                  <a:pt x="149576" y="183091"/>
+                </a:lnTo>
+                <a:lnTo>
+                  <a:pt x="171881" y="187401"/>
+                </a:lnTo>
+                <a:lnTo>
+                  <a:pt x="194179" y="183091"/>
+                </a:lnTo>
+                <a:lnTo>
+                  <a:pt x="212390" y="171338"/>
+                </a:lnTo>
+                <a:lnTo>
+                  <a:pt x="224668" y="153904"/>
+                </a:lnTo>
+                <a:lnTo>
+                  <a:pt x="229171" y="132549"/>
+                </a:lnTo>
+                <a:lnTo>
+                  <a:pt x="171881" y="132549"/>
+                </a:lnTo>
+                <a:lnTo>
+                  <a:pt x="138036" y="88366"/>
+                </a:lnTo>
+                <a:close/>
+              </a:path>
+              <a:path w="344170" h="297179">
+                <a:moveTo>
+                  <a:pt x="205714" y="88366"/>
+                </a:moveTo>
+                <a:lnTo>
+                  <a:pt x="171881" y="132549"/>
+                </a:lnTo>
+                <a:lnTo>
+                  <a:pt x="229171" y="132549"/>
+                </a:lnTo>
+                <a:lnTo>
+                  <a:pt x="227503" y="119388"/>
+                </a:lnTo>
+                <a:lnTo>
+                  <a:pt x="222767" y="107391"/>
+                </a:lnTo>
+                <a:lnTo>
+                  <a:pt x="215369" y="96927"/>
+                </a:lnTo>
+                <a:lnTo>
+                  <a:pt x="205714" y="88366"/>
+                </a:lnTo>
+                <a:close/>
+              </a:path>
+              <a:path w="344170" h="297179">
+                <a:moveTo>
+                  <a:pt x="171881" y="22847"/>
+                </a:moveTo>
+                <a:lnTo>
+                  <a:pt x="153273" y="24304"/>
+                </a:lnTo>
+                <a:lnTo>
+                  <a:pt x="135640" y="28509"/>
+                </a:lnTo>
+                <a:lnTo>
+                  <a:pt x="119205" y="35218"/>
+                </a:lnTo>
+                <a:lnTo>
+                  <a:pt x="104190" y="44183"/>
+                </a:lnTo>
+                <a:lnTo>
+                  <a:pt x="138036" y="88366"/>
+                </a:lnTo>
+                <a:lnTo>
+                  <a:pt x="145542" y="83881"/>
+                </a:lnTo>
+                <a:lnTo>
+                  <a:pt x="153758" y="80527"/>
+                </a:lnTo>
+                <a:lnTo>
+                  <a:pt x="162575" y="78426"/>
+                </a:lnTo>
+                <a:lnTo>
+                  <a:pt x="171881" y="77698"/>
+                </a:lnTo>
+                <a:lnTo>
+                  <a:pt x="213886" y="77698"/>
+                </a:lnTo>
+                <a:lnTo>
+                  <a:pt x="239560" y="44183"/>
+                </a:lnTo>
+                <a:lnTo>
+                  <a:pt x="224545" y="35218"/>
+                </a:lnTo>
+                <a:lnTo>
+                  <a:pt x="208111" y="28509"/>
+                </a:lnTo>
+                <a:lnTo>
+                  <a:pt x="190482" y="24304"/>
+                </a:lnTo>
+                <a:lnTo>
+                  <a:pt x="171881" y="22847"/>
+                </a:lnTo>
+                <a:close/>
+              </a:path>
+              <a:path w="344170" h="297179">
+                <a:moveTo>
+                  <a:pt x="213886" y="77698"/>
+                </a:moveTo>
+                <a:lnTo>
+                  <a:pt x="171881" y="77698"/>
+                </a:lnTo>
+                <a:lnTo>
+                  <a:pt x="181181" y="78426"/>
+                </a:lnTo>
+                <a:lnTo>
+                  <a:pt x="189993" y="80527"/>
+                </a:lnTo>
+                <a:lnTo>
+                  <a:pt x="198208" y="83881"/>
+                </a:lnTo>
+                <a:lnTo>
+                  <a:pt x="205714" y="88366"/>
+                </a:lnTo>
+                <a:lnTo>
+                  <a:pt x="213886" y="77698"/>
+                </a:lnTo>
+                <a:close/>
+              </a:path>
+            </a:pathLst>
+          </a:custGeom>
+          <a:solidFill>
+            <a:srgbClr val="231F20"/>
+          </a:solidFill>
+        </p:spPr>
+        <p:txBody>
+          <a:bodyPr wrap="square" lIns="0" tIns="0" rIns="0" bIns="0" rtlCol="0"/>
+          <a:lstStyle/>
+          <a:p>
+            <a:endParaRPr/>
+          </a:p>
+        </p:txBody>
+      </p:sp>
+      <p:sp>
+        <p:nvSpPr>
+          <p:cNvPr id="22" name="object 22"/>
+          <p:cNvSpPr/>
+          <p:nvPr/>
+        </p:nvSpPr>
+        <p:spPr>
+          <a:xfrm>
+            <a:off x="12644287" y="9768061"/>
+            <a:ext cx="362850" cy="237681"/>
+          </a:xfrm>
+          <a:prstGeom prst="rect">
+            <a:avLst/>
+          </a:prstGeom>
+          <a:blipFill>
+            <a:blip r:embed="rId12" cstate="print"/>
+            <a:stretch>
+              <a:fillRect/>
+            </a:stretch>
+          </a:blipFill>
+        </p:spPr>
+        <p:txBody>
+          <a:bodyPr wrap="square" lIns="0" tIns="0" rIns="0" bIns="0" rtlCol="0"/>
+          <a:lstStyle/>
+          <a:p>
+            <a:endParaRPr/>
+          </a:p>
+        </p:txBody>
+      </p:sp>
+      <p:sp>
+        <p:nvSpPr>
+          <p:cNvPr id="23" name="object 23"/>
+          <p:cNvSpPr/>
+          <p:nvPr/>
+        </p:nvSpPr>
+        <p:spPr>
+          <a:xfrm>
+            <a:off x="13350885" y="9768062"/>
+            <a:ext cx="143510" cy="238125"/>
+          </a:xfrm>
+          <a:custGeom>
+            <a:avLst/>
+            <a:gdLst/>
+            <a:ahLst/>
+            <a:cxnLst/>
+            <a:rect l="l" t="t" r="r" b="b"/>
+            <a:pathLst>
+              <a:path w="143509" h="238125">
+                <a:moveTo>
+                  <a:pt x="85940" y="91414"/>
+                </a:moveTo>
+                <a:lnTo>
+                  <a:pt x="28651" y="91414"/>
+                </a:lnTo>
+                <a:lnTo>
+                  <a:pt x="28653" y="173736"/>
+                </a:lnTo>
+                <a:lnTo>
+                  <a:pt x="38646" y="214998"/>
+                </a:lnTo>
+                <a:lnTo>
+                  <a:pt x="75366" y="236325"/>
+                </a:lnTo>
+                <a:lnTo>
+                  <a:pt x="92354" y="237680"/>
+                </a:lnTo>
+                <a:lnTo>
+                  <a:pt x="107858" y="236155"/>
+                </a:lnTo>
+                <a:lnTo>
+                  <a:pt x="121240" y="232089"/>
+                </a:lnTo>
+                <a:lnTo>
+                  <a:pt x="132898" y="226246"/>
+                </a:lnTo>
+                <a:lnTo>
+                  <a:pt x="143230" y="219392"/>
+                </a:lnTo>
+                <a:lnTo>
+                  <a:pt x="128906" y="191973"/>
+                </a:lnTo>
+                <a:lnTo>
+                  <a:pt x="105041" y="191973"/>
+                </a:lnTo>
+                <a:lnTo>
+                  <a:pt x="97133" y="191073"/>
+                </a:lnTo>
+                <a:lnTo>
+                  <a:pt x="91114" y="188055"/>
+                </a:lnTo>
+                <a:lnTo>
+                  <a:pt x="87284" y="182436"/>
+                </a:lnTo>
+                <a:lnTo>
+                  <a:pt x="85940" y="173736"/>
+                </a:lnTo>
+                <a:lnTo>
+                  <a:pt x="85940" y="91414"/>
+                </a:lnTo>
+                <a:close/>
+              </a:path>
+              <a:path w="143509" h="238125">
+                <a:moveTo>
+                  <a:pt x="124129" y="182829"/>
+                </a:moveTo>
+                <a:lnTo>
+                  <a:pt x="118478" y="187223"/>
+                </a:lnTo>
+                <a:lnTo>
+                  <a:pt x="114579" y="191973"/>
+                </a:lnTo>
+                <a:lnTo>
+                  <a:pt x="128906" y="191973"/>
+                </a:lnTo>
+                <a:lnTo>
+                  <a:pt x="124129" y="182829"/>
+                </a:lnTo>
+                <a:close/>
+              </a:path>
+              <a:path w="143509" h="238125">
+                <a:moveTo>
+                  <a:pt x="133680" y="45707"/>
+                </a:moveTo>
+                <a:lnTo>
+                  <a:pt x="0" y="45707"/>
+                </a:lnTo>
+                <a:lnTo>
+                  <a:pt x="0" y="91414"/>
+                </a:lnTo>
+                <a:lnTo>
+                  <a:pt x="133680" y="91414"/>
+                </a:lnTo>
+                <a:lnTo>
+                  <a:pt x="133680" y="45707"/>
+                </a:lnTo>
+                <a:close/>
+              </a:path>
+              <a:path w="143509" h="238125">
+                <a:moveTo>
+                  <a:pt x="85940" y="0"/>
+                </a:moveTo>
+                <a:lnTo>
+                  <a:pt x="28651" y="0"/>
+                </a:lnTo>
+                <a:lnTo>
+                  <a:pt x="28651" y="45707"/>
+                </a:lnTo>
+                <a:lnTo>
+                  <a:pt x="85940" y="45707"/>
+                </a:lnTo>
+                <a:lnTo>
+                  <a:pt x="85940" y="0"/>
+                </a:lnTo>
+                <a:close/>
+              </a:path>
+            </a:pathLst>
+          </a:custGeom>
+          <a:solidFill>
+            <a:srgbClr val="231F20"/>
+          </a:solidFill>
+        </p:spPr>
+        <p:txBody>
+          <a:bodyPr wrap="square" lIns="0" tIns="0" rIns="0" bIns="0" rtlCol="0"/>
+          <a:lstStyle/>
+          <a:p>
+            <a:endParaRPr/>
+          </a:p>
+        </p:txBody>
+      </p:sp>
+      <p:sp>
+        <p:nvSpPr>
+          <p:cNvPr id="24" name="object 24"/>
+          <p:cNvSpPr/>
+          <p:nvPr/>
+        </p:nvSpPr>
+        <p:spPr>
+          <a:xfrm>
+            <a:off x="13159914" y="9813759"/>
+            <a:ext cx="193675" cy="192405"/>
+          </a:xfrm>
+          <a:custGeom>
+            <a:avLst/>
+            <a:gdLst/>
+            <a:ahLst/>
+            <a:cxnLst/>
+            <a:rect l="l" t="t" r="r" b="b"/>
+            <a:pathLst>
+              <a:path w="193675" h="192404">
+                <a:moveTo>
+                  <a:pt x="166933" y="42176"/>
+                </a:moveTo>
+                <a:lnTo>
+                  <a:pt x="83921" y="42176"/>
+                </a:lnTo>
+                <a:lnTo>
+                  <a:pt x="94382" y="42208"/>
+                </a:lnTo>
+                <a:lnTo>
+                  <a:pt x="104295" y="43318"/>
+                </a:lnTo>
+                <a:lnTo>
+                  <a:pt x="111689" y="47025"/>
+                </a:lnTo>
+                <a:lnTo>
+                  <a:pt x="114592" y="54851"/>
+                </a:lnTo>
+                <a:lnTo>
+                  <a:pt x="111304" y="62893"/>
+                </a:lnTo>
+                <a:lnTo>
+                  <a:pt x="101846" y="67924"/>
+                </a:lnTo>
+                <a:lnTo>
+                  <a:pt x="86822" y="70990"/>
+                </a:lnTo>
+                <a:lnTo>
+                  <a:pt x="66840" y="73139"/>
+                </a:lnTo>
+                <a:lnTo>
+                  <a:pt x="44030" y="78137"/>
+                </a:lnTo>
+                <a:lnTo>
+                  <a:pt x="22428" y="89782"/>
+                </a:lnTo>
+                <a:lnTo>
+                  <a:pt x="6321" y="109104"/>
+                </a:lnTo>
+                <a:lnTo>
+                  <a:pt x="0" y="137134"/>
+                </a:lnTo>
+                <a:lnTo>
+                  <a:pt x="5028" y="160967"/>
+                </a:lnTo>
+                <a:lnTo>
+                  <a:pt x="18980" y="178122"/>
+                </a:lnTo>
+                <a:lnTo>
+                  <a:pt x="40151" y="188492"/>
+                </a:lnTo>
+                <a:lnTo>
+                  <a:pt x="66840" y="191973"/>
+                </a:lnTo>
+                <a:lnTo>
+                  <a:pt x="83156" y="190170"/>
+                </a:lnTo>
+                <a:lnTo>
+                  <a:pt x="98698" y="184861"/>
+                </a:lnTo>
+                <a:lnTo>
+                  <a:pt x="112649" y="176189"/>
+                </a:lnTo>
+                <a:lnTo>
+                  <a:pt x="124193" y="164299"/>
+                </a:lnTo>
+                <a:lnTo>
+                  <a:pt x="192254" y="164299"/>
+                </a:lnTo>
+                <a:lnTo>
+                  <a:pt x="191314" y="151104"/>
+                </a:lnTo>
+                <a:lnTo>
+                  <a:pt x="79324" y="151104"/>
+                </a:lnTo>
+                <a:lnTo>
+                  <a:pt x="68626" y="149883"/>
+                </a:lnTo>
+                <a:lnTo>
+                  <a:pt x="60248" y="146157"/>
+                </a:lnTo>
+                <a:lnTo>
+                  <a:pt x="54785" y="139831"/>
+                </a:lnTo>
+                <a:lnTo>
+                  <a:pt x="52831" y="130810"/>
+                </a:lnTo>
+                <a:lnTo>
+                  <a:pt x="55139" y="120865"/>
+                </a:lnTo>
+                <a:lnTo>
+                  <a:pt x="61221" y="114658"/>
+                </a:lnTo>
+                <a:lnTo>
+                  <a:pt x="69821" y="111114"/>
+                </a:lnTo>
+                <a:lnTo>
+                  <a:pt x="79679" y="109156"/>
+                </a:lnTo>
+                <a:lnTo>
+                  <a:pt x="90255" y="107547"/>
+                </a:lnTo>
+                <a:lnTo>
+                  <a:pt x="99642" y="105651"/>
+                </a:lnTo>
+                <a:lnTo>
+                  <a:pt x="107702" y="102544"/>
+                </a:lnTo>
+                <a:lnTo>
+                  <a:pt x="114299" y="97307"/>
+                </a:lnTo>
+                <a:lnTo>
+                  <a:pt x="171886" y="97307"/>
+                </a:lnTo>
+                <a:lnTo>
+                  <a:pt x="171881" y="63995"/>
+                </a:lnTo>
+                <a:lnTo>
+                  <a:pt x="166933" y="42176"/>
+                </a:lnTo>
+                <a:close/>
+              </a:path>
+              <a:path w="193675" h="192404">
+                <a:moveTo>
+                  <a:pt x="192254" y="164299"/>
+                </a:moveTo>
+                <a:lnTo>
+                  <a:pt x="124193" y="164299"/>
+                </a:lnTo>
+                <a:lnTo>
+                  <a:pt x="130000" y="175331"/>
+                </a:lnTo>
+                <a:lnTo>
+                  <a:pt x="138618" y="184099"/>
+                </a:lnTo>
+                <a:lnTo>
+                  <a:pt x="149558" y="189885"/>
+                </a:lnTo>
+                <a:lnTo>
+                  <a:pt x="162331" y="191973"/>
+                </a:lnTo>
+                <a:lnTo>
+                  <a:pt x="169874" y="190908"/>
+                </a:lnTo>
+                <a:lnTo>
+                  <a:pt x="178419" y="188237"/>
+                </a:lnTo>
+                <a:lnTo>
+                  <a:pt x="186702" y="184745"/>
+                </a:lnTo>
+                <a:lnTo>
+                  <a:pt x="193459" y="181216"/>
+                </a:lnTo>
+                <a:lnTo>
+                  <a:pt x="192254" y="164299"/>
+                </a:lnTo>
+                <a:close/>
+              </a:path>
+              <a:path w="193675" h="192404">
+                <a:moveTo>
+                  <a:pt x="171886" y="97307"/>
+                </a:moveTo>
+                <a:lnTo>
+                  <a:pt x="114299" y="97307"/>
+                </a:lnTo>
+                <a:lnTo>
+                  <a:pt x="114299" y="117957"/>
+                </a:lnTo>
+                <a:lnTo>
+                  <a:pt x="111617" y="132695"/>
+                </a:lnTo>
+                <a:lnTo>
+                  <a:pt x="104232" y="143027"/>
+                </a:lnTo>
+                <a:lnTo>
+                  <a:pt x="93136" y="149111"/>
+                </a:lnTo>
+                <a:lnTo>
+                  <a:pt x="79324" y="151104"/>
+                </a:lnTo>
+                <a:lnTo>
+                  <a:pt x="171894" y="151104"/>
+                </a:lnTo>
+                <a:lnTo>
+                  <a:pt x="171886" y="97307"/>
+                </a:lnTo>
+                <a:close/>
+              </a:path>
+              <a:path w="193675" h="192404">
+                <a:moveTo>
+                  <a:pt x="190969" y="146265"/>
+                </a:moveTo>
+                <a:lnTo>
+                  <a:pt x="188848" y="147967"/>
+                </a:lnTo>
+                <a:lnTo>
+                  <a:pt x="182143" y="151104"/>
+                </a:lnTo>
+                <a:lnTo>
+                  <a:pt x="191314" y="151104"/>
+                </a:lnTo>
+                <a:lnTo>
+                  <a:pt x="190969" y="146265"/>
+                </a:lnTo>
+                <a:close/>
+              </a:path>
+              <a:path w="193675" h="192404">
+                <a:moveTo>
+                  <a:pt x="85940" y="0"/>
+                </a:moveTo>
+                <a:lnTo>
+                  <a:pt x="65260" y="859"/>
+                </a:lnTo>
+                <a:lnTo>
+                  <a:pt x="46421" y="3814"/>
+                </a:lnTo>
+                <a:lnTo>
+                  <a:pt x="28244" y="9435"/>
+                </a:lnTo>
+                <a:lnTo>
+                  <a:pt x="9550" y="18288"/>
+                </a:lnTo>
+                <a:lnTo>
+                  <a:pt x="28651" y="54851"/>
+                </a:lnTo>
+                <a:lnTo>
+                  <a:pt x="42057" y="48156"/>
+                </a:lnTo>
+                <a:lnTo>
+                  <a:pt x="55757" y="44323"/>
+                </a:lnTo>
+                <a:lnTo>
+                  <a:pt x="69722" y="42585"/>
+                </a:lnTo>
+                <a:lnTo>
+                  <a:pt x="83921" y="42176"/>
+                </a:lnTo>
+                <a:lnTo>
+                  <a:pt x="166933" y="42176"/>
+                </a:lnTo>
+                <a:lnTo>
+                  <a:pt x="165211" y="34584"/>
+                </a:lnTo>
+                <a:lnTo>
+                  <a:pt x="146932" y="14743"/>
+                </a:lnTo>
+                <a:lnTo>
+                  <a:pt x="119643" y="3528"/>
+                </a:lnTo>
+                <a:lnTo>
+                  <a:pt x="85940" y="0"/>
+                </a:lnTo>
+                <a:close/>
+              </a:path>
+            </a:pathLst>
+          </a:custGeom>
+          <a:solidFill>
+            <a:srgbClr val="231F20"/>
+          </a:solidFill>
+        </p:spPr>
+        <p:txBody>
+          <a:bodyPr wrap="square" lIns="0" tIns="0" rIns="0" bIns="0" rtlCol="0"/>
+          <a:lstStyle/>
+          <a:p>
+            <a:endParaRPr/>
+          </a:p>
+        </p:txBody>
+      </p:sp>
+      <p:sp>
+        <p:nvSpPr>
+          <p:cNvPr id="25" name="object 25"/>
+          <p:cNvSpPr/>
+          <p:nvPr/>
+        </p:nvSpPr>
+        <p:spPr>
+          <a:xfrm>
+            <a:off x="13494123" y="9813761"/>
+            <a:ext cx="200660" cy="192405"/>
+          </a:xfrm>
+          <a:custGeom>
+            <a:avLst/>
+            <a:gdLst/>
+            <a:ahLst/>
+            <a:cxnLst/>
+            <a:rect l="l" t="t" r="r" b="b"/>
+            <a:pathLst>
+              <a:path w="200659" h="192404">
+                <a:moveTo>
+                  <a:pt x="102298" y="0"/>
+                </a:moveTo>
+                <a:lnTo>
+                  <a:pt x="59927" y="8052"/>
+                </a:lnTo>
+                <a:lnTo>
+                  <a:pt x="27693" y="29852"/>
+                </a:lnTo>
+                <a:lnTo>
+                  <a:pt x="7188" y="61866"/>
+                </a:lnTo>
+                <a:lnTo>
+                  <a:pt x="0" y="100558"/>
+                </a:lnTo>
+                <a:lnTo>
+                  <a:pt x="6920" y="134124"/>
+                </a:lnTo>
+                <a:lnTo>
+                  <a:pt x="27206" y="163406"/>
+                </a:lnTo>
+                <a:lnTo>
+                  <a:pt x="60146" y="184117"/>
+                </a:lnTo>
+                <a:lnTo>
+                  <a:pt x="105028" y="191973"/>
+                </a:lnTo>
+                <a:lnTo>
+                  <a:pt x="133384" y="188922"/>
+                </a:lnTo>
+                <a:lnTo>
+                  <a:pt x="157718" y="180714"/>
+                </a:lnTo>
+                <a:lnTo>
+                  <a:pt x="178341" y="168763"/>
+                </a:lnTo>
+                <a:lnTo>
+                  <a:pt x="195567" y="154482"/>
+                </a:lnTo>
+                <a:lnTo>
+                  <a:pt x="184662" y="144678"/>
+                </a:lnTo>
+                <a:lnTo>
+                  <a:pt x="109016" y="144678"/>
+                </a:lnTo>
+                <a:lnTo>
+                  <a:pt x="90329" y="142389"/>
+                </a:lnTo>
+                <a:lnTo>
+                  <a:pt x="75622" y="135502"/>
+                </a:lnTo>
+                <a:lnTo>
+                  <a:pt x="65686" y="123986"/>
+                </a:lnTo>
+                <a:lnTo>
+                  <a:pt x="61315" y="107810"/>
+                </a:lnTo>
+                <a:lnTo>
+                  <a:pt x="196989" y="107810"/>
+                </a:lnTo>
+                <a:lnTo>
+                  <a:pt x="197332" y="103733"/>
+                </a:lnTo>
+                <a:lnTo>
+                  <a:pt x="200520" y="97167"/>
+                </a:lnTo>
+                <a:lnTo>
+                  <a:pt x="200520" y="91414"/>
+                </a:lnTo>
+                <a:lnTo>
+                  <a:pt x="197038" y="72618"/>
+                </a:lnTo>
+                <a:lnTo>
+                  <a:pt x="61658" y="72618"/>
+                </a:lnTo>
+                <a:lnTo>
+                  <a:pt x="65594" y="58581"/>
+                </a:lnTo>
+                <a:lnTo>
+                  <a:pt x="74296" y="47809"/>
+                </a:lnTo>
+                <a:lnTo>
+                  <a:pt x="87106" y="40903"/>
+                </a:lnTo>
+                <a:lnTo>
+                  <a:pt x="103365" y="38468"/>
+                </a:lnTo>
+                <a:lnTo>
+                  <a:pt x="182917" y="38468"/>
+                </a:lnTo>
+                <a:lnTo>
+                  <a:pt x="173931" y="25290"/>
+                </a:lnTo>
+                <a:lnTo>
+                  <a:pt x="142982" y="6627"/>
+                </a:lnTo>
+                <a:lnTo>
+                  <a:pt x="102298" y="0"/>
+                </a:lnTo>
+                <a:close/>
+              </a:path>
+              <a:path w="200659" h="192404">
+                <a:moveTo>
+                  <a:pt x="160947" y="123355"/>
+                </a:moveTo>
+                <a:lnTo>
+                  <a:pt x="150648" y="132253"/>
+                </a:lnTo>
+                <a:lnTo>
+                  <a:pt x="138425" y="138964"/>
+                </a:lnTo>
+                <a:lnTo>
+                  <a:pt x="124480" y="143202"/>
+                </a:lnTo>
+                <a:lnTo>
+                  <a:pt x="109016" y="144678"/>
+                </a:lnTo>
+                <a:lnTo>
+                  <a:pt x="184662" y="144678"/>
+                </a:lnTo>
+                <a:lnTo>
+                  <a:pt x="160947" y="123355"/>
+                </a:lnTo>
+                <a:close/>
+              </a:path>
+              <a:path w="200659" h="192404">
+                <a:moveTo>
+                  <a:pt x="182917" y="38468"/>
+                </a:moveTo>
+                <a:lnTo>
+                  <a:pt x="103365" y="38468"/>
+                </a:lnTo>
+                <a:lnTo>
+                  <a:pt x="118911" y="40618"/>
+                </a:lnTo>
+                <a:lnTo>
+                  <a:pt x="131576" y="47047"/>
+                </a:lnTo>
+                <a:lnTo>
+                  <a:pt x="140468" y="57724"/>
+                </a:lnTo>
+                <a:lnTo>
+                  <a:pt x="144691" y="72618"/>
+                </a:lnTo>
+                <a:lnTo>
+                  <a:pt x="197038" y="72618"/>
+                </a:lnTo>
+                <a:lnTo>
+                  <a:pt x="193618" y="54162"/>
+                </a:lnTo>
+                <a:lnTo>
+                  <a:pt x="182917" y="38468"/>
+                </a:lnTo>
+                <a:close/>
+              </a:path>
+            </a:pathLst>
+          </a:custGeom>
+          <a:solidFill>
+            <a:srgbClr val="231F20"/>
+          </a:solidFill>
+        </p:spPr>
+        <p:txBody>
+          <a:bodyPr wrap="square" lIns="0" tIns="0" rIns="0" bIns="0" rtlCol="0"/>
+          <a:lstStyle/>
+          <a:p>
+            <a:endParaRPr/>
+          </a:p>
+        </p:txBody>
+      </p:sp>
+      <p:sp>
+        <p:nvSpPr>
+          <p:cNvPr id="26" name="object 26"/>
+          <p:cNvSpPr/>
+          <p:nvPr/>
+        </p:nvSpPr>
+        <p:spPr>
+          <a:xfrm>
+            <a:off x="14315306" y="9813761"/>
+            <a:ext cx="200660" cy="192405"/>
+          </a:xfrm>
+          <a:custGeom>
+            <a:avLst/>
+            <a:gdLst/>
+            <a:ahLst/>
+            <a:cxnLst/>
+            <a:rect l="l" t="t" r="r" b="b"/>
+            <a:pathLst>
+              <a:path w="200659" h="192404">
+                <a:moveTo>
+                  <a:pt x="102298" y="0"/>
+                </a:moveTo>
+                <a:lnTo>
+                  <a:pt x="59927" y="8052"/>
+                </a:lnTo>
+                <a:lnTo>
+                  <a:pt x="27693" y="29852"/>
+                </a:lnTo>
+                <a:lnTo>
+                  <a:pt x="7188" y="61866"/>
+                </a:lnTo>
+                <a:lnTo>
+                  <a:pt x="0" y="100558"/>
+                </a:lnTo>
+                <a:lnTo>
+                  <a:pt x="6920" y="134124"/>
+                </a:lnTo>
+                <a:lnTo>
+                  <a:pt x="27206" y="163406"/>
+                </a:lnTo>
+                <a:lnTo>
+                  <a:pt x="60146" y="184117"/>
+                </a:lnTo>
+                <a:lnTo>
+                  <a:pt x="105028" y="191973"/>
+                </a:lnTo>
+                <a:lnTo>
+                  <a:pt x="133384" y="188922"/>
+                </a:lnTo>
+                <a:lnTo>
+                  <a:pt x="157718" y="180714"/>
+                </a:lnTo>
+                <a:lnTo>
+                  <a:pt x="178341" y="168763"/>
+                </a:lnTo>
+                <a:lnTo>
+                  <a:pt x="195567" y="154482"/>
+                </a:lnTo>
+                <a:lnTo>
+                  <a:pt x="184662" y="144678"/>
+                </a:lnTo>
+                <a:lnTo>
+                  <a:pt x="109016" y="144678"/>
+                </a:lnTo>
+                <a:lnTo>
+                  <a:pt x="90329" y="142389"/>
+                </a:lnTo>
+                <a:lnTo>
+                  <a:pt x="75622" y="135502"/>
+                </a:lnTo>
+                <a:lnTo>
+                  <a:pt x="65686" y="123986"/>
+                </a:lnTo>
+                <a:lnTo>
+                  <a:pt x="61315" y="107810"/>
+                </a:lnTo>
+                <a:lnTo>
+                  <a:pt x="196989" y="107810"/>
+                </a:lnTo>
+                <a:lnTo>
+                  <a:pt x="197332" y="103733"/>
+                </a:lnTo>
+                <a:lnTo>
+                  <a:pt x="200520" y="97167"/>
+                </a:lnTo>
+                <a:lnTo>
+                  <a:pt x="200520" y="91414"/>
+                </a:lnTo>
+                <a:lnTo>
+                  <a:pt x="197038" y="72618"/>
+                </a:lnTo>
+                <a:lnTo>
+                  <a:pt x="61658" y="72618"/>
+                </a:lnTo>
+                <a:lnTo>
+                  <a:pt x="65594" y="58581"/>
+                </a:lnTo>
+                <a:lnTo>
+                  <a:pt x="74296" y="47809"/>
+                </a:lnTo>
+                <a:lnTo>
+                  <a:pt x="87106" y="40903"/>
+                </a:lnTo>
+                <a:lnTo>
+                  <a:pt x="103365" y="38468"/>
+                </a:lnTo>
+                <a:lnTo>
+                  <a:pt x="182917" y="38468"/>
+                </a:lnTo>
+                <a:lnTo>
+                  <a:pt x="173931" y="25290"/>
+                </a:lnTo>
+                <a:lnTo>
+                  <a:pt x="142982" y="6627"/>
+                </a:lnTo>
+                <a:lnTo>
+                  <a:pt x="102298" y="0"/>
+                </a:lnTo>
+                <a:close/>
+              </a:path>
+              <a:path w="200659" h="192404">
+                <a:moveTo>
+                  <a:pt x="160947" y="123355"/>
+                </a:moveTo>
+                <a:lnTo>
+                  <a:pt x="150648" y="132253"/>
+                </a:lnTo>
+                <a:lnTo>
+                  <a:pt x="138425" y="138964"/>
+                </a:lnTo>
+                <a:lnTo>
+                  <a:pt x="124480" y="143202"/>
+                </a:lnTo>
+                <a:lnTo>
+                  <a:pt x="109016" y="144678"/>
+                </a:lnTo>
+                <a:lnTo>
+                  <a:pt x="184662" y="144678"/>
+                </a:lnTo>
+                <a:lnTo>
+                  <a:pt x="160947" y="123355"/>
+                </a:lnTo>
+                <a:close/>
+              </a:path>
+              <a:path w="200659" h="192404">
+                <a:moveTo>
+                  <a:pt x="182917" y="38468"/>
+                </a:moveTo>
+                <a:lnTo>
+                  <a:pt x="103365" y="38468"/>
+                </a:lnTo>
+                <a:lnTo>
+                  <a:pt x="118911" y="40618"/>
+                </a:lnTo>
+                <a:lnTo>
+                  <a:pt x="131576" y="47047"/>
+                </a:lnTo>
+                <a:lnTo>
+                  <a:pt x="140468" y="57724"/>
+                </a:lnTo>
+                <a:lnTo>
+                  <a:pt x="144691" y="72618"/>
+                </a:lnTo>
+                <a:lnTo>
+                  <a:pt x="197038" y="72618"/>
+                </a:lnTo>
+                <a:lnTo>
+                  <a:pt x="193618" y="54162"/>
+                </a:lnTo>
+                <a:lnTo>
+                  <a:pt x="182917" y="38468"/>
+                </a:lnTo>
+                <a:close/>
+              </a:path>
+            </a:pathLst>
+          </a:custGeom>
+          <a:solidFill>
+            <a:srgbClr val="231F20"/>
+          </a:solidFill>
+        </p:spPr>
+        <p:txBody>
+          <a:bodyPr wrap="square" lIns="0" tIns="0" rIns="0" bIns="0" rtlCol="0"/>
+          <a:lstStyle/>
+          <a:p>
+            <a:endParaRPr/>
+          </a:p>
+        </p:txBody>
+      </p:sp>
+      <p:sp>
+        <p:nvSpPr>
+          <p:cNvPr id="27" name="object 27"/>
+          <p:cNvSpPr/>
+          <p:nvPr/>
+        </p:nvSpPr>
+        <p:spPr>
+          <a:xfrm>
+            <a:off x="13713736" y="9813763"/>
+            <a:ext cx="200520" cy="246824"/>
+          </a:xfrm>
+          <a:prstGeom prst="rect">
+            <a:avLst/>
+          </a:prstGeom>
+          <a:blipFill>
+            <a:blip r:embed="rId13" cstate="print"/>
+            <a:stretch>
+              <a:fillRect/>
+            </a:stretch>
+          </a:blipFill>
+        </p:spPr>
+        <p:txBody>
+          <a:bodyPr wrap="square" lIns="0" tIns="0" rIns="0" bIns="0" rtlCol="0"/>
+          <a:lstStyle/>
+          <a:p>
+            <a:endParaRPr/>
+          </a:p>
+        </p:txBody>
+      </p:sp>
+      <p:sp>
+        <p:nvSpPr>
+          <p:cNvPr id="28" name="object 28"/>
+          <p:cNvSpPr/>
+          <p:nvPr/>
+        </p:nvSpPr>
+        <p:spPr>
+          <a:xfrm>
+            <a:off x="13933357" y="9813765"/>
+            <a:ext cx="200660" cy="247015"/>
+          </a:xfrm>
+          <a:custGeom>
+            <a:avLst/>
+            <a:gdLst/>
+            <a:ahLst/>
+            <a:cxnLst/>
+            <a:rect l="l" t="t" r="r" b="b"/>
+            <a:pathLst>
+              <a:path w="200659" h="247015">
+                <a:moveTo>
+                  <a:pt x="23787" y="197777"/>
+                </a:moveTo>
+                <a:lnTo>
+                  <a:pt x="3289" y="232283"/>
+                </a:lnTo>
+                <a:lnTo>
+                  <a:pt x="14608" y="238552"/>
+                </a:lnTo>
+                <a:lnTo>
+                  <a:pt x="26787" y="243106"/>
+                </a:lnTo>
+                <a:lnTo>
+                  <a:pt x="39761" y="245884"/>
+                </a:lnTo>
+                <a:lnTo>
+                  <a:pt x="53466" y="246824"/>
+                </a:lnTo>
+                <a:lnTo>
+                  <a:pt x="78281" y="243320"/>
+                </a:lnTo>
+                <a:lnTo>
+                  <a:pt x="97496" y="232743"/>
+                </a:lnTo>
+                <a:lnTo>
+                  <a:pt x="112536" y="214999"/>
+                </a:lnTo>
+                <a:lnTo>
+                  <a:pt x="117512" y="204876"/>
+                </a:lnTo>
+                <a:lnTo>
+                  <a:pt x="37553" y="204876"/>
+                </a:lnTo>
+                <a:lnTo>
+                  <a:pt x="30505" y="202171"/>
+                </a:lnTo>
+                <a:lnTo>
+                  <a:pt x="23787" y="197777"/>
+                </a:lnTo>
+                <a:close/>
+              </a:path>
+              <a:path w="200659" h="247015">
+                <a:moveTo>
+                  <a:pt x="57289" y="0"/>
+                </a:moveTo>
+                <a:lnTo>
+                  <a:pt x="0" y="0"/>
+                </a:lnTo>
+                <a:lnTo>
+                  <a:pt x="73952" y="179171"/>
+                </a:lnTo>
+                <a:lnTo>
+                  <a:pt x="69367" y="187629"/>
+                </a:lnTo>
+                <a:lnTo>
+                  <a:pt x="65061" y="194750"/>
+                </a:lnTo>
+                <a:lnTo>
+                  <a:pt x="59863" y="200186"/>
+                </a:lnTo>
+                <a:lnTo>
+                  <a:pt x="53410" y="203656"/>
+                </a:lnTo>
+                <a:lnTo>
+                  <a:pt x="45338" y="204876"/>
+                </a:lnTo>
+                <a:lnTo>
+                  <a:pt x="117512" y="204876"/>
+                </a:lnTo>
+                <a:lnTo>
+                  <a:pt x="124828" y="189992"/>
+                </a:lnTo>
+                <a:lnTo>
+                  <a:pt x="153936" y="116928"/>
+                </a:lnTo>
+                <a:lnTo>
+                  <a:pt x="101866" y="116928"/>
+                </a:lnTo>
+                <a:lnTo>
+                  <a:pt x="57289" y="0"/>
+                </a:lnTo>
+                <a:close/>
+              </a:path>
+              <a:path w="200659" h="247015">
+                <a:moveTo>
+                  <a:pt x="200520" y="0"/>
+                </a:moveTo>
+                <a:lnTo>
+                  <a:pt x="143230" y="0"/>
+                </a:lnTo>
+                <a:lnTo>
+                  <a:pt x="101866" y="116928"/>
+                </a:lnTo>
+                <a:lnTo>
+                  <a:pt x="153936" y="116928"/>
+                </a:lnTo>
+                <a:lnTo>
+                  <a:pt x="200520" y="0"/>
+                </a:lnTo>
+                <a:close/>
+              </a:path>
+            </a:pathLst>
+          </a:custGeom>
+          <a:solidFill>
+            <a:srgbClr val="231F20"/>
+          </a:solidFill>
+        </p:spPr>
+        <p:txBody>
+          <a:bodyPr wrap="square" lIns="0" tIns="0" rIns="0" bIns="0" rtlCol="0"/>
+          <a:lstStyle/>
+          <a:p>
+            <a:endParaRPr/>
+          </a:p>
+        </p:txBody>
+      </p:sp>
+      <p:sp>
+        <p:nvSpPr>
+          <p:cNvPr id="29" name="object 29"/>
+          <p:cNvSpPr/>
+          <p:nvPr/>
+        </p:nvSpPr>
+        <p:spPr>
+          <a:xfrm>
+            <a:off x="14133875" y="9813765"/>
+            <a:ext cx="172085" cy="192405"/>
+          </a:xfrm>
+          <a:custGeom>
+            <a:avLst/>
+            <a:gdLst/>
+            <a:ahLst/>
+            <a:cxnLst/>
+            <a:rect l="l" t="t" r="r" b="b"/>
+            <a:pathLst>
+              <a:path w="172084" h="192404">
+                <a:moveTo>
+                  <a:pt x="171869" y="0"/>
+                </a:moveTo>
+                <a:lnTo>
+                  <a:pt x="9550" y="0"/>
+                </a:lnTo>
+                <a:lnTo>
+                  <a:pt x="9550" y="45707"/>
+                </a:lnTo>
+                <a:lnTo>
+                  <a:pt x="105041" y="45707"/>
+                </a:lnTo>
+                <a:lnTo>
+                  <a:pt x="0" y="147370"/>
+                </a:lnTo>
+                <a:lnTo>
+                  <a:pt x="0" y="191973"/>
+                </a:lnTo>
+                <a:lnTo>
+                  <a:pt x="171869" y="191973"/>
+                </a:lnTo>
+                <a:lnTo>
+                  <a:pt x="171869" y="137121"/>
+                </a:lnTo>
+                <a:lnTo>
+                  <a:pt x="76390" y="137121"/>
+                </a:lnTo>
+                <a:lnTo>
+                  <a:pt x="171869" y="39141"/>
+                </a:lnTo>
+                <a:lnTo>
+                  <a:pt x="171869" y="0"/>
+                </a:lnTo>
+                <a:close/>
+              </a:path>
+            </a:pathLst>
+          </a:custGeom>
+          <a:solidFill>
+            <a:srgbClr val="231F20"/>
+          </a:solidFill>
+        </p:spPr>
+        <p:txBody>
+          <a:bodyPr wrap="square" lIns="0" tIns="0" rIns="0" bIns="0" rtlCol="0"/>
+          <a:lstStyle/>
+          <a:p>
+            <a:endParaRPr/>
+          </a:p>
+        </p:txBody>
+      </p:sp>
+      <p:sp>
+        <p:nvSpPr>
+          <p:cNvPr id="30" name="object 30"/>
+          <p:cNvSpPr/>
+          <p:nvPr/>
+        </p:nvSpPr>
+        <p:spPr>
+          <a:xfrm>
+            <a:off x="14534922" y="9813759"/>
+            <a:ext cx="128600" cy="182841"/>
+          </a:xfrm>
+          <a:prstGeom prst="rect">
+            <a:avLst/>
+          </a:prstGeom>
+          <a:blipFill>
+            <a:blip r:embed="rId14" cstate="print"/>
+            <a:stretch>
+              <a:fillRect/>
+            </a:stretch>
+          </a:blipFill>
+        </p:spPr>
+        <p:txBody>
+          <a:bodyPr wrap="square" lIns="0" tIns="0" rIns="0" bIns="0" rtlCol="0"/>
+          <a:lstStyle/>
+          <a:p>
+            <a:endParaRPr/>
+          </a:p>
+        </p:txBody>
+      </p:sp>
+      <p:sp>
+        <p:nvSpPr>
+          <p:cNvPr id="31" name="object 31"/>
+          <p:cNvSpPr/>
+          <p:nvPr/>
+        </p:nvSpPr>
+        <p:spPr>
+          <a:xfrm>
+            <a:off x="13026237" y="9813759"/>
+            <a:ext cx="128905" cy="182880"/>
+          </a:xfrm>
+          <a:custGeom>
+            <a:avLst/>
+            <a:gdLst/>
+            <a:ahLst/>
+            <a:cxnLst/>
+            <a:rect l="l" t="t" r="r" b="b"/>
+            <a:pathLst>
+              <a:path w="128905" h="182879">
+                <a:moveTo>
+                  <a:pt x="57289" y="0"/>
+                </a:moveTo>
+                <a:lnTo>
+                  <a:pt x="0" y="0"/>
+                </a:lnTo>
+                <a:lnTo>
+                  <a:pt x="0" y="182841"/>
+                </a:lnTo>
+                <a:lnTo>
+                  <a:pt x="57289" y="182841"/>
+                </a:lnTo>
+                <a:lnTo>
+                  <a:pt x="57289" y="95567"/>
+                </a:lnTo>
+                <a:lnTo>
+                  <a:pt x="59732" y="77324"/>
+                </a:lnTo>
+                <a:lnTo>
+                  <a:pt x="66801" y="63231"/>
+                </a:lnTo>
+                <a:lnTo>
+                  <a:pt x="78110" y="54146"/>
+                </a:lnTo>
+                <a:lnTo>
+                  <a:pt x="93268" y="50927"/>
+                </a:lnTo>
+                <a:lnTo>
+                  <a:pt x="115944" y="50927"/>
+                </a:lnTo>
+                <a:lnTo>
+                  <a:pt x="122313" y="27432"/>
+                </a:lnTo>
+                <a:lnTo>
+                  <a:pt x="57289" y="27432"/>
+                </a:lnTo>
+                <a:lnTo>
+                  <a:pt x="57289" y="0"/>
+                </a:lnTo>
+                <a:close/>
+              </a:path>
+              <a:path w="128905" h="182879">
+                <a:moveTo>
+                  <a:pt x="115944" y="50927"/>
+                </a:moveTo>
+                <a:lnTo>
+                  <a:pt x="102107" y="50927"/>
+                </a:lnTo>
+                <a:lnTo>
+                  <a:pt x="108813" y="53289"/>
+                </a:lnTo>
+                <a:lnTo>
+                  <a:pt x="114477" y="56337"/>
+                </a:lnTo>
+                <a:lnTo>
+                  <a:pt x="115944" y="50927"/>
+                </a:lnTo>
+                <a:close/>
+              </a:path>
+              <a:path w="128905" h="182879">
+                <a:moveTo>
+                  <a:pt x="114211" y="0"/>
+                </a:moveTo>
+                <a:lnTo>
+                  <a:pt x="105028" y="0"/>
+                </a:lnTo>
+                <a:lnTo>
+                  <a:pt x="90711" y="1718"/>
+                </a:lnTo>
+                <a:lnTo>
+                  <a:pt x="77977" y="6867"/>
+                </a:lnTo>
+                <a:lnTo>
+                  <a:pt x="66834" y="15441"/>
+                </a:lnTo>
+                <a:lnTo>
+                  <a:pt x="57289" y="27432"/>
+                </a:lnTo>
+                <a:lnTo>
+                  <a:pt x="122313" y="27432"/>
+                </a:lnTo>
+                <a:lnTo>
+                  <a:pt x="128600" y="4241"/>
+                </a:lnTo>
+                <a:lnTo>
+                  <a:pt x="123304" y="1206"/>
+                </a:lnTo>
+                <a:lnTo>
+                  <a:pt x="114211" y="0"/>
+                </a:lnTo>
+                <a:close/>
+              </a:path>
+            </a:pathLst>
+          </a:custGeom>
+          <a:solidFill>
+            <a:srgbClr val="231F20"/>
+          </a:solidFill>
+        </p:spPr>
+        <p:txBody>
+          <a:bodyPr wrap="square" lIns="0" tIns="0" rIns="0" bIns="0" rtlCol="0"/>
+          <a:lstStyle/>
+          <a:p>
+            <a:endParaRPr/>
+          </a:p>
+        </p:txBody>
+      </p:sp>
+      <p:sp>
+        <p:nvSpPr>
+          <p:cNvPr id="32" name="object 32"/>
+          <p:cNvSpPr txBox="1"/>
+          <p:nvPr/>
+        </p:nvSpPr>
+        <p:spPr>
+          <a:xfrm>
+            <a:off x="7719009" y="7386509"/>
+            <a:ext cx="1515745" cy="238760"/>
+          </a:xfrm>
+          <a:prstGeom prst="rect">
+            <a:avLst/>
+          </a:prstGeom>
+        </p:spPr>
+        <p:txBody>
+          <a:bodyPr vert="horz" wrap="square" lIns="0" tIns="12700" rIns="0" bIns="0" rtlCol="0">
+            <a:spAutoFit/>
+          </a:bodyPr>
+          <a:lstStyle/>
+          <a:p>
+            <a:pPr marL="12700">
+              <a:lnSpc>
+                <a:spcPct val="100000"/>
+              </a:lnSpc>
+              <a:spcBef>
+                <a:spcPts val="100"/>
+              </a:spcBef>
+            </a:pPr>
+            <a:r>
+              <a:rPr sz="1400" spc="60" dirty="0">
+                <a:solidFill>
+                  <a:srgbClr val="231F20"/>
+                </a:solidFill>
+                <a:latin typeface="Tahoma"/>
+                <a:cs typeface="Tahoma"/>
+              </a:rPr>
+              <a:t>Revenue</a:t>
+            </a:r>
+            <a:r>
+              <a:rPr sz="1400" spc="-110" dirty="0">
+                <a:solidFill>
+                  <a:srgbClr val="231F20"/>
+                </a:solidFill>
+                <a:latin typeface="Tahoma"/>
+                <a:cs typeface="Tahoma"/>
+              </a:rPr>
+              <a:t> </a:t>
+            </a:r>
+            <a:r>
+              <a:rPr sz="1400" spc="75" dirty="0">
+                <a:solidFill>
+                  <a:srgbClr val="231F20"/>
+                </a:solidFill>
+                <a:latin typeface="Tahoma"/>
+                <a:cs typeface="Tahoma"/>
+              </a:rPr>
+              <a:t>Streams</a:t>
+            </a:r>
+            <a:endParaRPr sz="1400">
+              <a:latin typeface="Tahoma"/>
+              <a:cs typeface="Tahoma"/>
+            </a:endParaRPr>
+          </a:p>
+        </p:txBody>
+      </p:sp>
+      <p:sp>
+        <p:nvSpPr>
+          <p:cNvPr id="33" name="object 33"/>
+          <p:cNvSpPr txBox="1"/>
+          <p:nvPr/>
+        </p:nvSpPr>
+        <p:spPr>
+          <a:xfrm>
+            <a:off x="11963479" y="1339836"/>
+            <a:ext cx="1767205" cy="238760"/>
+          </a:xfrm>
+          <a:prstGeom prst="rect">
+            <a:avLst/>
+          </a:prstGeom>
+        </p:spPr>
+        <p:txBody>
+          <a:bodyPr vert="horz" wrap="square" lIns="0" tIns="12700" rIns="0" bIns="0" rtlCol="0">
+            <a:spAutoFit/>
+          </a:bodyPr>
+          <a:lstStyle/>
+          <a:p>
+            <a:pPr marL="12700">
+              <a:lnSpc>
+                <a:spcPct val="100000"/>
+              </a:lnSpc>
+              <a:spcBef>
+                <a:spcPts val="100"/>
+              </a:spcBef>
+            </a:pPr>
+            <a:r>
+              <a:rPr sz="1400" spc="80" dirty="0">
+                <a:solidFill>
+                  <a:srgbClr val="231F20"/>
+                </a:solidFill>
+                <a:latin typeface="Tahoma"/>
+                <a:cs typeface="Tahoma"/>
+              </a:rPr>
+              <a:t>Customer</a:t>
+            </a:r>
+            <a:r>
+              <a:rPr sz="1400" spc="-105" dirty="0">
+                <a:solidFill>
+                  <a:srgbClr val="231F20"/>
+                </a:solidFill>
+                <a:latin typeface="Tahoma"/>
+                <a:cs typeface="Tahoma"/>
+              </a:rPr>
+              <a:t> </a:t>
+            </a:r>
+            <a:r>
+              <a:rPr sz="1400" spc="85" dirty="0">
+                <a:solidFill>
+                  <a:srgbClr val="231F20"/>
+                </a:solidFill>
+                <a:latin typeface="Tahoma"/>
+                <a:cs typeface="Tahoma"/>
+              </a:rPr>
+              <a:t>Segments</a:t>
+            </a:r>
+            <a:endParaRPr sz="1400">
+              <a:latin typeface="Tahoma"/>
+              <a:cs typeface="Tahoma"/>
+            </a:endParaRPr>
+          </a:p>
+        </p:txBody>
+      </p:sp>
+      <p:sp>
+        <p:nvSpPr>
+          <p:cNvPr id="34" name="object 34"/>
+          <p:cNvSpPr txBox="1"/>
+          <p:nvPr/>
+        </p:nvSpPr>
+        <p:spPr>
+          <a:xfrm>
+            <a:off x="6313640" y="1339836"/>
+            <a:ext cx="1597660" cy="238760"/>
+          </a:xfrm>
+          <a:prstGeom prst="rect">
+            <a:avLst/>
+          </a:prstGeom>
+        </p:spPr>
+        <p:txBody>
+          <a:bodyPr vert="horz" wrap="square" lIns="0" tIns="12700" rIns="0" bIns="0" rtlCol="0">
+            <a:spAutoFit/>
+          </a:bodyPr>
+          <a:lstStyle/>
+          <a:p>
+            <a:pPr marL="12700">
+              <a:lnSpc>
+                <a:spcPct val="100000"/>
+              </a:lnSpc>
+              <a:spcBef>
+                <a:spcPts val="100"/>
+              </a:spcBef>
+            </a:pPr>
+            <a:r>
+              <a:rPr sz="1400" spc="45" dirty="0">
+                <a:solidFill>
+                  <a:srgbClr val="231F20"/>
+                </a:solidFill>
+                <a:latin typeface="Tahoma"/>
+                <a:cs typeface="Tahoma"/>
+              </a:rPr>
+              <a:t>Value</a:t>
+            </a:r>
+            <a:r>
+              <a:rPr sz="1400" spc="-95" dirty="0">
+                <a:solidFill>
+                  <a:srgbClr val="231F20"/>
+                </a:solidFill>
+                <a:latin typeface="Tahoma"/>
+                <a:cs typeface="Tahoma"/>
+              </a:rPr>
+              <a:t> </a:t>
+            </a:r>
+            <a:r>
+              <a:rPr sz="1400" spc="70" dirty="0">
+                <a:solidFill>
+                  <a:srgbClr val="231F20"/>
+                </a:solidFill>
+                <a:latin typeface="Tahoma"/>
+                <a:cs typeface="Tahoma"/>
+              </a:rPr>
+              <a:t>Propositions</a:t>
+            </a:r>
+            <a:endParaRPr sz="1400">
+              <a:latin typeface="Tahoma"/>
+              <a:cs typeface="Tahoma"/>
+            </a:endParaRPr>
+          </a:p>
+        </p:txBody>
+      </p:sp>
+      <p:sp>
+        <p:nvSpPr>
+          <p:cNvPr id="35" name="object 35"/>
+          <p:cNvSpPr txBox="1"/>
+          <p:nvPr/>
+        </p:nvSpPr>
+        <p:spPr>
+          <a:xfrm>
+            <a:off x="3496407" y="1339836"/>
+            <a:ext cx="1157605" cy="238760"/>
+          </a:xfrm>
+          <a:prstGeom prst="rect">
+            <a:avLst/>
+          </a:prstGeom>
+        </p:spPr>
+        <p:txBody>
+          <a:bodyPr vert="horz" wrap="square" lIns="0" tIns="12700" rIns="0" bIns="0" rtlCol="0">
+            <a:spAutoFit/>
+          </a:bodyPr>
+          <a:lstStyle/>
+          <a:p>
+            <a:pPr marL="12700">
+              <a:lnSpc>
+                <a:spcPct val="100000"/>
+              </a:lnSpc>
+              <a:spcBef>
+                <a:spcPts val="100"/>
+              </a:spcBef>
+            </a:pPr>
+            <a:r>
+              <a:rPr sz="1400" spc="60" dirty="0">
+                <a:solidFill>
+                  <a:srgbClr val="231F20"/>
+                </a:solidFill>
+                <a:latin typeface="Tahoma"/>
+                <a:cs typeface="Tahoma"/>
+              </a:rPr>
+              <a:t>Key</a:t>
+            </a:r>
+            <a:r>
+              <a:rPr sz="1400" spc="-140" dirty="0">
+                <a:solidFill>
+                  <a:srgbClr val="231F20"/>
+                </a:solidFill>
+                <a:latin typeface="Tahoma"/>
+                <a:cs typeface="Tahoma"/>
+              </a:rPr>
+              <a:t> </a:t>
+            </a:r>
+            <a:r>
+              <a:rPr sz="1400" spc="65" dirty="0">
+                <a:solidFill>
+                  <a:srgbClr val="231F20"/>
+                </a:solidFill>
+                <a:latin typeface="Tahoma"/>
+                <a:cs typeface="Tahoma"/>
+              </a:rPr>
+              <a:t>Activities</a:t>
+            </a:r>
+            <a:endParaRPr sz="1400">
+              <a:latin typeface="Tahoma"/>
+              <a:cs typeface="Tahoma"/>
+            </a:endParaRPr>
+          </a:p>
+        </p:txBody>
+      </p:sp>
+      <p:sp>
+        <p:nvSpPr>
+          <p:cNvPr id="36" name="object 36"/>
+          <p:cNvSpPr txBox="1"/>
+          <p:nvPr/>
+        </p:nvSpPr>
+        <p:spPr>
+          <a:xfrm>
+            <a:off x="702670" y="1339836"/>
+            <a:ext cx="1109345" cy="238760"/>
+          </a:xfrm>
+          <a:prstGeom prst="rect">
+            <a:avLst/>
+          </a:prstGeom>
+        </p:spPr>
+        <p:txBody>
+          <a:bodyPr vert="horz" wrap="square" lIns="0" tIns="12700" rIns="0" bIns="0" rtlCol="0">
+            <a:spAutoFit/>
+          </a:bodyPr>
+          <a:lstStyle/>
+          <a:p>
+            <a:pPr marL="12700">
+              <a:lnSpc>
+                <a:spcPct val="100000"/>
+              </a:lnSpc>
+              <a:spcBef>
+                <a:spcPts val="100"/>
+              </a:spcBef>
+            </a:pPr>
+            <a:r>
+              <a:rPr sz="1400" spc="60" dirty="0">
+                <a:solidFill>
+                  <a:srgbClr val="231F20"/>
+                </a:solidFill>
+                <a:latin typeface="Tahoma"/>
+                <a:cs typeface="Tahoma"/>
+              </a:rPr>
+              <a:t>Key</a:t>
+            </a:r>
+            <a:r>
+              <a:rPr sz="1400" spc="-114" dirty="0">
+                <a:solidFill>
+                  <a:srgbClr val="231F20"/>
+                </a:solidFill>
+                <a:latin typeface="Tahoma"/>
+                <a:cs typeface="Tahoma"/>
+              </a:rPr>
+              <a:t> </a:t>
+            </a:r>
+            <a:r>
+              <a:rPr sz="1400" spc="70" dirty="0">
+                <a:solidFill>
+                  <a:srgbClr val="231F20"/>
+                </a:solidFill>
+                <a:latin typeface="Tahoma"/>
+                <a:cs typeface="Tahoma"/>
+              </a:rPr>
+              <a:t>Partners</a:t>
+            </a:r>
+            <a:endParaRPr sz="1400">
+              <a:latin typeface="Tahoma"/>
+              <a:cs typeface="Tahoma"/>
+            </a:endParaRPr>
+          </a:p>
+        </p:txBody>
+      </p:sp>
+      <p:sp>
+        <p:nvSpPr>
+          <p:cNvPr id="37" name="object 37"/>
+          <p:cNvSpPr txBox="1"/>
+          <p:nvPr/>
+        </p:nvSpPr>
+        <p:spPr>
+          <a:xfrm>
+            <a:off x="700102" y="7384401"/>
+            <a:ext cx="1258570" cy="238760"/>
+          </a:xfrm>
+          <a:prstGeom prst="rect">
+            <a:avLst/>
+          </a:prstGeom>
+        </p:spPr>
+        <p:txBody>
+          <a:bodyPr vert="horz" wrap="square" lIns="0" tIns="12700" rIns="0" bIns="0" rtlCol="0">
+            <a:spAutoFit/>
+          </a:bodyPr>
+          <a:lstStyle/>
+          <a:p>
+            <a:pPr marL="12700">
+              <a:lnSpc>
+                <a:spcPct val="100000"/>
+              </a:lnSpc>
+              <a:spcBef>
+                <a:spcPts val="100"/>
+              </a:spcBef>
+            </a:pPr>
+            <a:r>
+              <a:rPr sz="1400" spc="85" dirty="0">
+                <a:solidFill>
+                  <a:srgbClr val="231F20"/>
+                </a:solidFill>
+                <a:latin typeface="Tahoma"/>
+                <a:cs typeface="Tahoma"/>
+              </a:rPr>
+              <a:t>Cost</a:t>
+            </a:r>
+            <a:r>
+              <a:rPr sz="1400" spc="-114" dirty="0">
+                <a:solidFill>
+                  <a:srgbClr val="231F20"/>
+                </a:solidFill>
+                <a:latin typeface="Tahoma"/>
+                <a:cs typeface="Tahoma"/>
+              </a:rPr>
+              <a:t> </a:t>
+            </a:r>
+            <a:r>
+              <a:rPr sz="1400" spc="65" dirty="0">
+                <a:solidFill>
+                  <a:srgbClr val="231F20"/>
+                </a:solidFill>
+                <a:latin typeface="Tahoma"/>
+                <a:cs typeface="Tahoma"/>
+              </a:rPr>
+              <a:t>Structure</a:t>
+            </a:r>
+            <a:endParaRPr sz="1400">
+              <a:latin typeface="Tahoma"/>
+              <a:cs typeface="Tahoma"/>
+            </a:endParaRPr>
+          </a:p>
+        </p:txBody>
+      </p:sp>
+      <p:sp>
+        <p:nvSpPr>
+          <p:cNvPr id="38" name="object 38"/>
+          <p:cNvSpPr txBox="1"/>
+          <p:nvPr/>
+        </p:nvSpPr>
+        <p:spPr>
+          <a:xfrm>
+            <a:off x="9146379" y="1339836"/>
+            <a:ext cx="2043430" cy="238760"/>
+          </a:xfrm>
+          <a:prstGeom prst="rect">
+            <a:avLst/>
+          </a:prstGeom>
+        </p:spPr>
+        <p:txBody>
+          <a:bodyPr vert="horz" wrap="square" lIns="0" tIns="12700" rIns="0" bIns="0" rtlCol="0">
+            <a:spAutoFit/>
+          </a:bodyPr>
+          <a:lstStyle/>
+          <a:p>
+            <a:pPr marL="12700">
+              <a:lnSpc>
+                <a:spcPct val="100000"/>
+              </a:lnSpc>
+              <a:spcBef>
+                <a:spcPts val="100"/>
+              </a:spcBef>
+            </a:pPr>
+            <a:r>
+              <a:rPr sz="1400" spc="80" dirty="0">
+                <a:solidFill>
+                  <a:srgbClr val="231F20"/>
+                </a:solidFill>
+                <a:latin typeface="Tahoma"/>
+                <a:cs typeface="Tahoma"/>
+              </a:rPr>
+              <a:t>Customer</a:t>
+            </a:r>
+            <a:r>
+              <a:rPr sz="1400" spc="-80" dirty="0">
+                <a:solidFill>
+                  <a:srgbClr val="231F20"/>
+                </a:solidFill>
+                <a:latin typeface="Tahoma"/>
+                <a:cs typeface="Tahoma"/>
+              </a:rPr>
+              <a:t> </a:t>
+            </a:r>
+            <a:r>
+              <a:rPr sz="1400" spc="60" dirty="0">
+                <a:solidFill>
+                  <a:srgbClr val="231F20"/>
+                </a:solidFill>
+                <a:latin typeface="Tahoma"/>
+                <a:cs typeface="Tahoma"/>
+              </a:rPr>
+              <a:t>Relationships</a:t>
+            </a:r>
+            <a:endParaRPr sz="1400">
+              <a:latin typeface="Tahoma"/>
+              <a:cs typeface="Tahoma"/>
+            </a:endParaRPr>
+          </a:p>
+        </p:txBody>
+      </p:sp>
+      <p:sp>
+        <p:nvSpPr>
+          <p:cNvPr id="39" name="object 39"/>
+          <p:cNvSpPr txBox="1"/>
+          <p:nvPr/>
+        </p:nvSpPr>
+        <p:spPr>
+          <a:xfrm>
+            <a:off x="9077807" y="458787"/>
+            <a:ext cx="3079750" cy="460375"/>
+          </a:xfrm>
+          <a:prstGeom prst="rect">
+            <a:avLst/>
+          </a:prstGeom>
+          <a:solidFill>
+            <a:srgbClr val="FFFFFF"/>
+          </a:solidFill>
+        </p:spPr>
+        <p:txBody>
+          <a:bodyPr vert="horz" wrap="square" lIns="0" tIns="88900" rIns="0" bIns="0" rtlCol="0">
+            <a:spAutoFit/>
+          </a:bodyPr>
+          <a:lstStyle/>
+          <a:p>
+            <a:pPr marL="91440">
+              <a:lnSpc>
+                <a:spcPct val="100000"/>
+              </a:lnSpc>
+              <a:spcBef>
+                <a:spcPts val="700"/>
+              </a:spcBef>
+            </a:pPr>
+            <a:r>
+              <a:rPr sz="1000" i="1" spc="20" dirty="0">
+                <a:solidFill>
+                  <a:srgbClr val="4C4D4F"/>
+                </a:solidFill>
+                <a:latin typeface="Lucida Sans"/>
+                <a:cs typeface="Lucida Sans"/>
+              </a:rPr>
+              <a:t>Designed</a:t>
+            </a:r>
+            <a:r>
+              <a:rPr sz="1000" i="1" spc="-35" dirty="0">
+                <a:solidFill>
+                  <a:srgbClr val="4C4D4F"/>
+                </a:solidFill>
+                <a:latin typeface="Lucida Sans"/>
+                <a:cs typeface="Lucida Sans"/>
+              </a:rPr>
+              <a:t> </a:t>
+            </a:r>
+            <a:r>
+              <a:rPr sz="1000" i="1" spc="-5" dirty="0">
+                <a:solidFill>
+                  <a:srgbClr val="4C4D4F"/>
+                </a:solidFill>
+                <a:latin typeface="Lucida Sans"/>
+                <a:cs typeface="Lucida Sans"/>
+              </a:rPr>
+              <a:t>by:</a:t>
+            </a:r>
+            <a:endParaRPr sz="1000">
+              <a:latin typeface="Lucida Sans"/>
+              <a:cs typeface="Lucida Sans"/>
+            </a:endParaRPr>
+          </a:p>
+        </p:txBody>
+      </p:sp>
+      <p:sp>
+        <p:nvSpPr>
+          <p:cNvPr id="40" name="object 40"/>
+          <p:cNvSpPr txBox="1"/>
+          <p:nvPr/>
+        </p:nvSpPr>
+        <p:spPr>
+          <a:xfrm>
+            <a:off x="12244819" y="458787"/>
+            <a:ext cx="1283970" cy="460375"/>
+          </a:xfrm>
+          <a:prstGeom prst="rect">
+            <a:avLst/>
+          </a:prstGeom>
+          <a:solidFill>
+            <a:srgbClr val="FFFFFF"/>
+          </a:solidFill>
+        </p:spPr>
+        <p:txBody>
+          <a:bodyPr vert="horz" wrap="square" lIns="0" tIns="88900" rIns="0" bIns="0" rtlCol="0">
+            <a:spAutoFit/>
+          </a:bodyPr>
+          <a:lstStyle/>
+          <a:p>
+            <a:pPr marL="91440">
+              <a:lnSpc>
+                <a:spcPct val="100000"/>
+              </a:lnSpc>
+              <a:spcBef>
+                <a:spcPts val="700"/>
+              </a:spcBef>
+            </a:pPr>
+            <a:r>
+              <a:rPr sz="1000" i="1" dirty="0">
+                <a:solidFill>
+                  <a:srgbClr val="4C4D4F"/>
+                </a:solidFill>
+                <a:latin typeface="Lucida Sans"/>
+                <a:cs typeface="Lucida Sans"/>
+              </a:rPr>
+              <a:t>Date:</a:t>
+            </a:r>
+            <a:endParaRPr sz="1000">
+              <a:latin typeface="Lucida Sans"/>
+              <a:cs typeface="Lucida Sans"/>
+            </a:endParaRPr>
+          </a:p>
+        </p:txBody>
+      </p:sp>
+      <p:sp>
+        <p:nvSpPr>
+          <p:cNvPr id="41" name="object 41"/>
+          <p:cNvSpPr txBox="1"/>
+          <p:nvPr/>
+        </p:nvSpPr>
+        <p:spPr>
+          <a:xfrm>
+            <a:off x="13620774" y="458787"/>
+            <a:ext cx="1038860" cy="460375"/>
+          </a:xfrm>
+          <a:prstGeom prst="rect">
+            <a:avLst/>
+          </a:prstGeom>
+          <a:solidFill>
+            <a:srgbClr val="FFFFFF"/>
+          </a:solidFill>
+        </p:spPr>
+        <p:txBody>
+          <a:bodyPr vert="horz" wrap="square" lIns="0" tIns="88900" rIns="0" bIns="0" rtlCol="0">
+            <a:spAutoFit/>
+          </a:bodyPr>
+          <a:lstStyle/>
+          <a:p>
+            <a:pPr marL="95250">
+              <a:lnSpc>
+                <a:spcPct val="100000"/>
+              </a:lnSpc>
+              <a:spcBef>
+                <a:spcPts val="700"/>
+              </a:spcBef>
+            </a:pPr>
+            <a:r>
+              <a:rPr sz="1000" i="1" spc="-15" dirty="0">
+                <a:solidFill>
+                  <a:srgbClr val="4C4D4F"/>
+                </a:solidFill>
+                <a:latin typeface="Lucida Sans"/>
+                <a:cs typeface="Lucida Sans"/>
+              </a:rPr>
+              <a:t>Version:</a:t>
+            </a:r>
+            <a:endParaRPr sz="1000">
+              <a:latin typeface="Lucida Sans"/>
+              <a:cs typeface="Lucida Sans"/>
+            </a:endParaRPr>
+          </a:p>
+        </p:txBody>
+      </p:sp>
+      <p:sp>
+        <p:nvSpPr>
+          <p:cNvPr id="42" name="object 42"/>
+          <p:cNvSpPr txBox="1"/>
+          <p:nvPr/>
+        </p:nvSpPr>
+        <p:spPr>
+          <a:xfrm>
+            <a:off x="6136411" y="383836"/>
+            <a:ext cx="2818765" cy="460375"/>
+          </a:xfrm>
+          <a:prstGeom prst="rect">
+            <a:avLst/>
+          </a:prstGeom>
+          <a:solidFill>
+            <a:srgbClr val="FFFFFF"/>
+          </a:solidFill>
+        </p:spPr>
+        <p:txBody>
+          <a:bodyPr vert="horz" wrap="square" lIns="0" tIns="88900" rIns="0" bIns="0" rtlCol="0">
+            <a:spAutoFit/>
+          </a:bodyPr>
+          <a:lstStyle/>
+          <a:p>
+            <a:pPr marL="130175">
+              <a:lnSpc>
+                <a:spcPct val="100000"/>
+              </a:lnSpc>
+              <a:spcBef>
+                <a:spcPts val="700"/>
+              </a:spcBef>
+            </a:pPr>
+            <a:r>
+              <a:rPr sz="1000" i="1" spc="20" dirty="0">
+                <a:solidFill>
+                  <a:srgbClr val="4C4D4F"/>
+                </a:solidFill>
+                <a:latin typeface="Lucida Sans"/>
+                <a:cs typeface="Lucida Sans"/>
+              </a:rPr>
+              <a:t>Designed</a:t>
+            </a:r>
+            <a:r>
+              <a:rPr sz="1000" i="1" spc="-35" dirty="0">
+                <a:solidFill>
+                  <a:srgbClr val="4C4D4F"/>
+                </a:solidFill>
+                <a:latin typeface="Lucida Sans"/>
+                <a:cs typeface="Lucida Sans"/>
+              </a:rPr>
+              <a:t> </a:t>
+            </a:r>
+            <a:r>
+              <a:rPr sz="1000" i="1" spc="-20" dirty="0">
+                <a:solidFill>
+                  <a:srgbClr val="4C4D4F"/>
+                </a:solidFill>
+                <a:latin typeface="Lucida Sans"/>
+                <a:cs typeface="Lucida Sans"/>
+              </a:rPr>
+              <a:t>for:</a:t>
+            </a:r>
+            <a:endParaRPr sz="1000">
+              <a:latin typeface="Lucida Sans"/>
+              <a:cs typeface="Lucida Sans"/>
+            </a:endParaRPr>
+          </a:p>
+        </p:txBody>
+      </p:sp>
+      <p:sp>
+        <p:nvSpPr>
+          <p:cNvPr id="43" name="object 43"/>
+          <p:cNvSpPr txBox="1"/>
+          <p:nvPr/>
+        </p:nvSpPr>
+        <p:spPr>
+          <a:xfrm>
+            <a:off x="9146379" y="4323580"/>
+            <a:ext cx="804545" cy="238760"/>
+          </a:xfrm>
+          <a:prstGeom prst="rect">
+            <a:avLst/>
+          </a:prstGeom>
+        </p:spPr>
+        <p:txBody>
+          <a:bodyPr vert="horz" wrap="square" lIns="0" tIns="12700" rIns="0" bIns="0" rtlCol="0">
+            <a:spAutoFit/>
+          </a:bodyPr>
+          <a:lstStyle/>
+          <a:p>
+            <a:pPr marL="12700">
+              <a:lnSpc>
+                <a:spcPct val="100000"/>
+              </a:lnSpc>
+              <a:spcBef>
+                <a:spcPts val="100"/>
+              </a:spcBef>
+            </a:pPr>
+            <a:r>
+              <a:rPr sz="1400" spc="65" dirty="0">
+                <a:solidFill>
+                  <a:srgbClr val="231F20"/>
+                </a:solidFill>
+                <a:latin typeface="Tahoma"/>
+                <a:cs typeface="Tahoma"/>
+              </a:rPr>
+              <a:t>Channels</a:t>
+            </a:r>
+            <a:endParaRPr sz="1400">
+              <a:latin typeface="Tahoma"/>
+              <a:cs typeface="Tahoma"/>
+            </a:endParaRPr>
+          </a:p>
+        </p:txBody>
+      </p:sp>
+      <p:sp>
+        <p:nvSpPr>
+          <p:cNvPr id="44" name="object 44"/>
+          <p:cNvSpPr txBox="1"/>
+          <p:nvPr/>
+        </p:nvSpPr>
+        <p:spPr>
+          <a:xfrm>
+            <a:off x="3496407" y="4323580"/>
+            <a:ext cx="1267460" cy="238760"/>
+          </a:xfrm>
+          <a:prstGeom prst="rect">
+            <a:avLst/>
+          </a:prstGeom>
+        </p:spPr>
+        <p:txBody>
+          <a:bodyPr vert="horz" wrap="square" lIns="0" tIns="12700" rIns="0" bIns="0" rtlCol="0">
+            <a:spAutoFit/>
+          </a:bodyPr>
+          <a:lstStyle/>
+          <a:p>
+            <a:pPr marL="12700">
+              <a:lnSpc>
+                <a:spcPct val="100000"/>
+              </a:lnSpc>
+              <a:spcBef>
+                <a:spcPts val="100"/>
+              </a:spcBef>
+            </a:pPr>
+            <a:r>
+              <a:rPr sz="1400" spc="60" dirty="0">
+                <a:solidFill>
+                  <a:srgbClr val="231F20"/>
+                </a:solidFill>
+                <a:latin typeface="Tahoma"/>
+                <a:cs typeface="Tahoma"/>
+              </a:rPr>
+              <a:t>Key</a:t>
+            </a:r>
+            <a:r>
+              <a:rPr sz="1400" spc="-110" dirty="0">
+                <a:solidFill>
+                  <a:srgbClr val="231F20"/>
+                </a:solidFill>
+                <a:latin typeface="Tahoma"/>
+                <a:cs typeface="Tahoma"/>
+              </a:rPr>
+              <a:t> </a:t>
+            </a:r>
+            <a:r>
+              <a:rPr sz="1400" spc="70" dirty="0">
+                <a:solidFill>
+                  <a:srgbClr val="231F20"/>
+                </a:solidFill>
+                <a:latin typeface="Tahoma"/>
+                <a:cs typeface="Tahoma"/>
+              </a:rPr>
+              <a:t>Resources</a:t>
+            </a:r>
+            <a:endParaRPr sz="1400">
+              <a:latin typeface="Tahoma"/>
+              <a:cs typeface="Tahoma"/>
+            </a:endParaRPr>
+          </a:p>
+        </p:txBody>
+      </p:sp>
+      <p:pic>
+        <p:nvPicPr>
+          <p:cNvPr id="48" name="图形 47">
+            <a:extLst>
+              <a:ext uri="{FF2B5EF4-FFF2-40B4-BE49-F238E27FC236}">
+                <a16:creationId xmlns:a16="http://schemas.microsoft.com/office/drawing/2014/main" id="{C63BC51D-C001-8443-47F2-EF7C62DFF3BB}"/>
+              </a:ext>
+            </a:extLst>
+          </p:cNvPr>
+          <p:cNvPicPr>
+            <a:picLocks noChangeAspect="1"/>
+          </p:cNvPicPr>
+          <p:nvPr/>
+        </p:nvPicPr>
+        <p:blipFill>
+          <a:blip r:embed="rId15">
+            <a:extLst>
+              <a:ext uri="{28A0092B-C50C-407E-A947-70E740481C1C}">
+                <a14:useLocalDpi xmlns:a14="http://schemas.microsoft.com/office/drawing/2010/main" val="0"/>
+              </a:ext>
+              <a:ext uri="{96DAC541-7B7A-43D3-8B79-37D633B846F1}">
+                <asvg:svgBlip xmlns:asvg="http://schemas.microsoft.com/office/drawing/2016/SVG/main" r:embed="rId16"/>
+              </a:ext>
+            </a:extLst>
+          </a:blip>
+          <a:stretch>
+            <a:fillRect/>
+          </a:stretch>
+        </p:blipFill>
+        <p:spPr>
+          <a:xfrm>
             <a:off x="1169241" y="1884605"/>
             <a:ext cx="1528415" cy="1528415"/>
           </a:xfrm>
@@ -14057,7 +19968,7 @@
 </p:sld>
 </file>
 
-<file path=ppt/slides/slide3.xml><?xml version="1.0" encoding="utf-8"?>
+<file path=ppt/slides/slide4.xml><?xml version="1.0" encoding="utf-8"?>
 <p:sld xmlns:a="http://schemas.openxmlformats.org/drawingml/2006/main" xmlns:r="http://schemas.openxmlformats.org/officeDocument/2006/relationships" xmlns:p="http://schemas.openxmlformats.org/presentationml/2006/main">
   <p:cSld>
     <p:spTree>
